--- a/tyler/meena/cs220/s21/materials/lec_31_S21.pptx
+++ b/tyler/meena/cs220/s21/materials/lec_31_S21.pptx
@@ -367,6 +367,11 @@
       </a:defRPr>
     </a:lvl9pPr>
   </p:defaultTextStyle>
+  <p:extLst>
+    <p:ext uri="{EFAFB233-063F-42B5-8137-9DF3F51BA10A}">
+      <p15:sldGuideLst xmlns:p15="http://schemas.microsoft.com/office/powerpoint/2012/main"/>
+    </p:ext>
+  </p:extLst>
 </p:presentation>
 </file>
 
@@ -2185,7 +2190,7 @@
           </a:ln>
           <a:extLst>
             <a:ext uri="{C572A759-6A51-4108-AA02-DFA0A04FC94B}">
-              <ma14:wrappingTextBoxFlag xmlns:ma14="http://schemas.microsoft.com/office/mac/drawingml/2011/main" xmlns:a14="http://schemas.microsoft.com/office/drawing/2010/main" xmlns:m="http://schemas.openxmlformats.org/officeDocument/2006/math" xmlns="" val="1"/>
+              <ma14:wrappingTextBoxFlag xmlns="" xmlns:m="http://schemas.openxmlformats.org/officeDocument/2006/math" xmlns:a14="http://schemas.microsoft.com/office/drawing/2010/main" xmlns:ma14="http://schemas.microsoft.com/office/mac/drawingml/2011/main" val="1"/>
             </a:ext>
           </a:extLst>
         </p:spPr>
@@ -2224,7 +2229,7 @@
           </a:ln>
           <a:extLst>
             <a:ext uri="{C572A759-6A51-4108-AA02-DFA0A04FC94B}">
-              <ma14:wrappingTextBoxFlag xmlns:ma14="http://schemas.microsoft.com/office/mac/drawingml/2011/main" xmlns:a14="http://schemas.microsoft.com/office/drawing/2010/main" xmlns:m="http://schemas.openxmlformats.org/officeDocument/2006/math" xmlns="" val="1"/>
+              <ma14:wrappingTextBoxFlag xmlns="" xmlns:m="http://schemas.openxmlformats.org/officeDocument/2006/math" xmlns:a14="http://schemas.microsoft.com/office/drawing/2010/main" xmlns:ma14="http://schemas.microsoft.com/office/mac/drawingml/2011/main" val="1"/>
             </a:ext>
           </a:extLst>
         </p:spPr>
@@ -3123,7 +3128,9 @@
           </a:prstGeom>
         </p:spPr>
         <p:txBody>
-          <a:bodyPr/>
+          <a:bodyPr>
+            <a:normAutofit lnSpcReduction="10000"/>
+          </a:bodyPr>
           <a:lstStyle>
             <a:lvl1pPr>
               <a:defRPr>
@@ -3141,14 +3148,14 @@
               </a:spcBef>
             </a:pPr>
             <a:r>
-              <a:rPr lang="en-US" altLang="en-US" dirty="0"/>
+              <a:rPr lang="en-US" altLang="en-US" b="1" dirty="0"/>
               <a:t>Meena </a:t>
             </a:r>
             <a:r>
-              <a:rPr lang="en-US" altLang="en-US" dirty="0" err="1"/>
+              <a:rPr lang="en-US" altLang="en-US" b="1" dirty="0" err="1"/>
               <a:t>Syamkumar</a:t>
             </a:r>
-            <a:endParaRPr lang="en-US" altLang="en-US" dirty="0"/>
+            <a:endParaRPr lang="en-US" altLang="en-US" b="1" dirty="0"/>
           </a:p>
           <a:p>
             <a:pPr>
@@ -3157,14 +3164,14 @@
               </a:spcBef>
             </a:pPr>
             <a:r>
-              <a:rPr lang="en-US" altLang="en-US" dirty="0"/>
-              <a:t>Mike </a:t>
-            </a:r>
-            <a:r>
-              <a:rPr lang="en-US" altLang="en-US" dirty="0" err="1"/>
-              <a:t>Doescher</a:t>
-            </a:r>
-            <a:endParaRPr lang="en-US" altLang="en-US" dirty="0"/>
+              <a:rPr lang="en-US" altLang="en-US" b="1" dirty="0"/>
+              <a:t>Andy </a:t>
+            </a:r>
+            <a:r>
+              <a:rPr lang="en-US" altLang="en-US" b="1" dirty="0" err="1"/>
+              <a:t>Kuemmel</a:t>
+            </a:r>
+            <a:endParaRPr lang="en-US" altLang="en-US" b="1" dirty="0"/>
           </a:p>
         </p:txBody>
       </p:sp>
@@ -3430,7 +3437,7 @@
           </a:ln>
           <a:extLst>
             <a:ext uri="{C572A759-6A51-4108-AA02-DFA0A04FC94B}">
-              <ma14:wrappingTextBoxFlag xmlns:ma14="http://schemas.microsoft.com/office/mac/drawingml/2011/main" xmlns:a14="http://schemas.microsoft.com/office/drawing/2010/main" xmlns:m="http://schemas.openxmlformats.org/officeDocument/2006/math" xmlns="" val="1"/>
+              <ma14:wrappingTextBoxFlag xmlns="" xmlns:m="http://schemas.openxmlformats.org/officeDocument/2006/math" xmlns:a14="http://schemas.microsoft.com/office/drawing/2010/main" xmlns:ma14="http://schemas.microsoft.com/office/mac/drawingml/2011/main" val="1"/>
             </a:ext>
           </a:extLst>
         </p:spPr>
@@ -3465,7 +3472,7 @@
           </a:ln>
           <a:extLst>
             <a:ext uri="{C572A759-6A51-4108-AA02-DFA0A04FC94B}">
-              <ma14:wrappingTextBoxFlag xmlns:ma14="http://schemas.microsoft.com/office/mac/drawingml/2011/main" xmlns:a14="http://schemas.microsoft.com/office/drawing/2010/main" xmlns:m="http://schemas.openxmlformats.org/officeDocument/2006/math" xmlns="" val="1"/>
+              <ma14:wrappingTextBoxFlag xmlns="" xmlns:m="http://schemas.openxmlformats.org/officeDocument/2006/math" xmlns:a14="http://schemas.microsoft.com/office/drawing/2010/main" xmlns:ma14="http://schemas.microsoft.com/office/mac/drawingml/2011/main" val="1"/>
             </a:ext>
           </a:extLst>
         </p:spPr>
@@ -3500,7 +3507,7 @@
           </a:ln>
           <a:extLst>
             <a:ext uri="{C572A759-6A51-4108-AA02-DFA0A04FC94B}">
-              <ma14:wrappingTextBoxFlag xmlns:ma14="http://schemas.microsoft.com/office/mac/drawingml/2011/main" xmlns:a14="http://schemas.microsoft.com/office/drawing/2010/main" xmlns:m="http://schemas.openxmlformats.org/officeDocument/2006/math" xmlns="" val="1"/>
+              <ma14:wrappingTextBoxFlag xmlns="" xmlns:m="http://schemas.openxmlformats.org/officeDocument/2006/math" xmlns:a14="http://schemas.microsoft.com/office/drawing/2010/main" xmlns:ma14="http://schemas.microsoft.com/office/mac/drawingml/2011/main" val="1"/>
             </a:ext>
           </a:extLst>
         </p:spPr>
@@ -3546,7 +3553,7 @@
           </a:ln>
           <a:extLst>
             <a:ext uri="{C572A759-6A51-4108-AA02-DFA0A04FC94B}">
-              <ma14:wrappingTextBoxFlag xmlns:ma14="http://schemas.microsoft.com/office/mac/drawingml/2011/main" xmlns:a14="http://schemas.microsoft.com/office/drawing/2010/main" xmlns:m="http://schemas.openxmlformats.org/officeDocument/2006/math" xmlns="" val="1"/>
+              <ma14:wrappingTextBoxFlag xmlns="" xmlns:m="http://schemas.openxmlformats.org/officeDocument/2006/math" xmlns:a14="http://schemas.microsoft.com/office/drawing/2010/main" xmlns:ma14="http://schemas.microsoft.com/office/mac/drawingml/2011/main" val="1"/>
             </a:ext>
           </a:extLst>
         </p:spPr>
@@ -3880,7 +3887,7 @@
           </a:ln>
           <a:extLst>
             <a:ext uri="{C572A759-6A51-4108-AA02-DFA0A04FC94B}">
-              <ma14:wrappingTextBoxFlag xmlns:ma14="http://schemas.microsoft.com/office/mac/drawingml/2011/main" xmlns:a14="http://schemas.microsoft.com/office/drawing/2010/main" xmlns:m="http://schemas.openxmlformats.org/officeDocument/2006/math" xmlns="" val="1"/>
+              <ma14:wrappingTextBoxFlag xmlns="" xmlns:m="http://schemas.openxmlformats.org/officeDocument/2006/math" xmlns:a14="http://schemas.microsoft.com/office/drawing/2010/main" xmlns:ma14="http://schemas.microsoft.com/office/mac/drawingml/2011/main" val="1"/>
             </a:ext>
           </a:extLst>
         </p:spPr>
@@ -3915,7 +3922,7 @@
           </a:ln>
           <a:extLst>
             <a:ext uri="{C572A759-6A51-4108-AA02-DFA0A04FC94B}">
-              <ma14:wrappingTextBoxFlag xmlns:ma14="http://schemas.microsoft.com/office/mac/drawingml/2011/main" xmlns:a14="http://schemas.microsoft.com/office/drawing/2010/main" xmlns:m="http://schemas.openxmlformats.org/officeDocument/2006/math" xmlns="" val="1"/>
+              <ma14:wrappingTextBoxFlag xmlns="" xmlns:m="http://schemas.openxmlformats.org/officeDocument/2006/math" xmlns:a14="http://schemas.microsoft.com/office/drawing/2010/main" xmlns:ma14="http://schemas.microsoft.com/office/mac/drawingml/2011/main" val="1"/>
             </a:ext>
           </a:extLst>
         </p:spPr>
@@ -3950,7 +3957,7 @@
           </a:ln>
           <a:extLst>
             <a:ext uri="{C572A759-6A51-4108-AA02-DFA0A04FC94B}">
-              <ma14:wrappingTextBoxFlag xmlns:ma14="http://schemas.microsoft.com/office/mac/drawingml/2011/main" xmlns:a14="http://schemas.microsoft.com/office/drawing/2010/main" xmlns:m="http://schemas.openxmlformats.org/officeDocument/2006/math" xmlns="" val="1"/>
+              <ma14:wrappingTextBoxFlag xmlns="" xmlns:m="http://schemas.openxmlformats.org/officeDocument/2006/math" xmlns:a14="http://schemas.microsoft.com/office/drawing/2010/main" xmlns:ma14="http://schemas.microsoft.com/office/mac/drawingml/2011/main" val="1"/>
             </a:ext>
           </a:extLst>
         </p:spPr>
@@ -3996,7 +4003,7 @@
           </a:ln>
           <a:extLst>
             <a:ext uri="{C572A759-6A51-4108-AA02-DFA0A04FC94B}">
-              <ma14:wrappingTextBoxFlag xmlns:ma14="http://schemas.microsoft.com/office/mac/drawingml/2011/main" xmlns:a14="http://schemas.microsoft.com/office/drawing/2010/main" xmlns:m="http://schemas.openxmlformats.org/officeDocument/2006/math" xmlns="" val="1"/>
+              <ma14:wrappingTextBoxFlag xmlns="" xmlns:m="http://schemas.openxmlformats.org/officeDocument/2006/math" xmlns:a14="http://schemas.microsoft.com/office/drawing/2010/main" xmlns:ma14="http://schemas.microsoft.com/office/mac/drawingml/2011/main" val="1"/>
             </a:ext>
           </a:extLst>
         </p:spPr>
@@ -4093,7 +4100,7 @@
           </a:ln>
           <a:extLst>
             <a:ext uri="{C572A759-6A51-4108-AA02-DFA0A04FC94B}">
-              <ma14:wrappingTextBoxFlag xmlns:ma14="http://schemas.microsoft.com/office/mac/drawingml/2011/main" xmlns:a14="http://schemas.microsoft.com/office/drawing/2010/main" xmlns:m="http://schemas.openxmlformats.org/officeDocument/2006/math" xmlns="" val="1"/>
+              <ma14:wrappingTextBoxFlag xmlns="" xmlns:m="http://schemas.openxmlformats.org/officeDocument/2006/math" xmlns:a14="http://schemas.microsoft.com/office/drawing/2010/main" xmlns:ma14="http://schemas.microsoft.com/office/mac/drawingml/2011/main" val="1"/>
             </a:ext>
           </a:extLst>
         </p:spPr>
@@ -4135,7 +4142,7 @@
           </a:ln>
           <a:extLst>
             <a:ext uri="{C572A759-6A51-4108-AA02-DFA0A04FC94B}">
-              <ma14:wrappingTextBoxFlag xmlns:ma14="http://schemas.microsoft.com/office/mac/drawingml/2011/main" xmlns:a14="http://schemas.microsoft.com/office/drawing/2010/main" xmlns:m="http://schemas.openxmlformats.org/officeDocument/2006/math" xmlns="" val="1"/>
+              <ma14:wrappingTextBoxFlag xmlns="" xmlns:m="http://schemas.openxmlformats.org/officeDocument/2006/math" xmlns:a14="http://schemas.microsoft.com/office/drawing/2010/main" xmlns:ma14="http://schemas.microsoft.com/office/mac/drawingml/2011/main" val="1"/>
             </a:ext>
           </a:extLst>
         </p:spPr>
@@ -4424,7 +4431,7 @@
           </a:ln>
           <a:extLst>
             <a:ext uri="{C572A759-6A51-4108-AA02-DFA0A04FC94B}">
-              <ma14:wrappingTextBoxFlag xmlns:ma14="http://schemas.microsoft.com/office/mac/drawingml/2011/main" xmlns:a14="http://schemas.microsoft.com/office/drawing/2010/main" xmlns:m="http://schemas.openxmlformats.org/officeDocument/2006/math" xmlns="" val="1"/>
+              <ma14:wrappingTextBoxFlag xmlns="" xmlns:m="http://schemas.openxmlformats.org/officeDocument/2006/math" xmlns:a14="http://schemas.microsoft.com/office/drawing/2010/main" xmlns:ma14="http://schemas.microsoft.com/office/mac/drawingml/2011/main" val="1"/>
             </a:ext>
           </a:extLst>
         </p:spPr>
@@ -4459,7 +4466,7 @@
           </a:ln>
           <a:extLst>
             <a:ext uri="{C572A759-6A51-4108-AA02-DFA0A04FC94B}">
-              <ma14:wrappingTextBoxFlag xmlns:ma14="http://schemas.microsoft.com/office/mac/drawingml/2011/main" xmlns:a14="http://schemas.microsoft.com/office/drawing/2010/main" xmlns:m="http://schemas.openxmlformats.org/officeDocument/2006/math" xmlns="" val="1"/>
+              <ma14:wrappingTextBoxFlag xmlns="" xmlns:m="http://schemas.openxmlformats.org/officeDocument/2006/math" xmlns:a14="http://schemas.microsoft.com/office/drawing/2010/main" xmlns:ma14="http://schemas.microsoft.com/office/mac/drawingml/2011/main" val="1"/>
             </a:ext>
           </a:extLst>
         </p:spPr>
@@ -4494,7 +4501,7 @@
           </a:ln>
           <a:extLst>
             <a:ext uri="{C572A759-6A51-4108-AA02-DFA0A04FC94B}">
-              <ma14:wrappingTextBoxFlag xmlns:ma14="http://schemas.microsoft.com/office/mac/drawingml/2011/main" xmlns:a14="http://schemas.microsoft.com/office/drawing/2010/main" xmlns:m="http://schemas.openxmlformats.org/officeDocument/2006/math" xmlns="" val="1"/>
+              <ma14:wrappingTextBoxFlag xmlns="" xmlns:m="http://schemas.openxmlformats.org/officeDocument/2006/math" xmlns:a14="http://schemas.microsoft.com/office/drawing/2010/main" xmlns:ma14="http://schemas.microsoft.com/office/mac/drawingml/2011/main" val="1"/>
             </a:ext>
           </a:extLst>
         </p:spPr>
@@ -4540,7 +4547,7 @@
           </a:ln>
           <a:extLst>
             <a:ext uri="{C572A759-6A51-4108-AA02-DFA0A04FC94B}">
-              <ma14:wrappingTextBoxFlag xmlns:ma14="http://schemas.microsoft.com/office/mac/drawingml/2011/main" xmlns:a14="http://schemas.microsoft.com/office/drawing/2010/main" xmlns:m="http://schemas.openxmlformats.org/officeDocument/2006/math" xmlns="" val="1"/>
+              <ma14:wrappingTextBoxFlag xmlns="" xmlns:m="http://schemas.openxmlformats.org/officeDocument/2006/math" xmlns:a14="http://schemas.microsoft.com/office/drawing/2010/main" xmlns:ma14="http://schemas.microsoft.com/office/mac/drawingml/2011/main" val="1"/>
             </a:ext>
           </a:extLst>
         </p:spPr>
@@ -4637,7 +4644,7 @@
           </a:ln>
           <a:extLst>
             <a:ext uri="{C572A759-6A51-4108-AA02-DFA0A04FC94B}">
-              <ma14:wrappingTextBoxFlag xmlns:ma14="http://schemas.microsoft.com/office/mac/drawingml/2011/main" xmlns:a14="http://schemas.microsoft.com/office/drawing/2010/main" xmlns:m="http://schemas.openxmlformats.org/officeDocument/2006/math" xmlns="" val="1"/>
+              <ma14:wrappingTextBoxFlag xmlns="" xmlns:m="http://schemas.openxmlformats.org/officeDocument/2006/math" xmlns:a14="http://schemas.microsoft.com/office/drawing/2010/main" xmlns:ma14="http://schemas.microsoft.com/office/mac/drawingml/2011/main" val="1"/>
             </a:ext>
           </a:extLst>
         </p:spPr>
@@ -4922,7 +4929,7 @@
           </a:ln>
           <a:extLst>
             <a:ext uri="{C572A759-6A51-4108-AA02-DFA0A04FC94B}">
-              <ma14:wrappingTextBoxFlag xmlns:ma14="http://schemas.microsoft.com/office/mac/drawingml/2011/main" xmlns:a14="http://schemas.microsoft.com/office/drawing/2010/main" xmlns:m="http://schemas.openxmlformats.org/officeDocument/2006/math" xmlns="" val="1"/>
+              <ma14:wrappingTextBoxFlag xmlns="" xmlns:m="http://schemas.openxmlformats.org/officeDocument/2006/math" xmlns:a14="http://schemas.microsoft.com/office/drawing/2010/main" xmlns:ma14="http://schemas.microsoft.com/office/mac/drawingml/2011/main" val="1"/>
             </a:ext>
           </a:extLst>
         </p:spPr>
@@ -4957,7 +4964,7 @@
           </a:ln>
           <a:extLst>
             <a:ext uri="{C572A759-6A51-4108-AA02-DFA0A04FC94B}">
-              <ma14:wrappingTextBoxFlag xmlns:ma14="http://schemas.microsoft.com/office/mac/drawingml/2011/main" xmlns:a14="http://schemas.microsoft.com/office/drawing/2010/main" xmlns:m="http://schemas.openxmlformats.org/officeDocument/2006/math" xmlns="" val="1"/>
+              <ma14:wrappingTextBoxFlag xmlns="" xmlns:m="http://schemas.openxmlformats.org/officeDocument/2006/math" xmlns:a14="http://schemas.microsoft.com/office/drawing/2010/main" xmlns:ma14="http://schemas.microsoft.com/office/mac/drawingml/2011/main" val="1"/>
             </a:ext>
           </a:extLst>
         </p:spPr>
@@ -4992,7 +4999,7 @@
           </a:ln>
           <a:extLst>
             <a:ext uri="{C572A759-6A51-4108-AA02-DFA0A04FC94B}">
-              <ma14:wrappingTextBoxFlag xmlns:ma14="http://schemas.microsoft.com/office/mac/drawingml/2011/main" xmlns:a14="http://schemas.microsoft.com/office/drawing/2010/main" xmlns:m="http://schemas.openxmlformats.org/officeDocument/2006/math" xmlns="" val="1"/>
+              <ma14:wrappingTextBoxFlag xmlns="" xmlns:m="http://schemas.openxmlformats.org/officeDocument/2006/math" xmlns:a14="http://schemas.microsoft.com/office/drawing/2010/main" xmlns:ma14="http://schemas.microsoft.com/office/mac/drawingml/2011/main" val="1"/>
             </a:ext>
           </a:extLst>
         </p:spPr>
@@ -5038,7 +5045,7 @@
           </a:ln>
           <a:extLst>
             <a:ext uri="{C572A759-6A51-4108-AA02-DFA0A04FC94B}">
-              <ma14:wrappingTextBoxFlag xmlns:ma14="http://schemas.microsoft.com/office/mac/drawingml/2011/main" xmlns:a14="http://schemas.microsoft.com/office/drawing/2010/main" xmlns:m="http://schemas.openxmlformats.org/officeDocument/2006/math" xmlns="" val="1"/>
+              <ma14:wrappingTextBoxFlag xmlns="" xmlns:m="http://schemas.openxmlformats.org/officeDocument/2006/math" xmlns:a14="http://schemas.microsoft.com/office/drawing/2010/main" xmlns:ma14="http://schemas.microsoft.com/office/mac/drawingml/2011/main" val="1"/>
             </a:ext>
           </a:extLst>
         </p:spPr>
@@ -5129,7 +5136,7 @@
           </a:ln>
           <a:extLst>
             <a:ext uri="{C572A759-6A51-4108-AA02-DFA0A04FC94B}">
-              <ma14:wrappingTextBoxFlag xmlns:ma14="http://schemas.microsoft.com/office/mac/drawingml/2011/main" xmlns:a14="http://schemas.microsoft.com/office/drawing/2010/main" xmlns:m="http://schemas.openxmlformats.org/officeDocument/2006/math" xmlns="" val="1"/>
+              <ma14:wrappingTextBoxFlag xmlns="" xmlns:m="http://schemas.openxmlformats.org/officeDocument/2006/math" xmlns:a14="http://schemas.microsoft.com/office/drawing/2010/main" xmlns:ma14="http://schemas.microsoft.com/office/mac/drawingml/2011/main" val="1"/>
             </a:ext>
           </a:extLst>
         </p:spPr>
@@ -5176,7 +5183,7 @@
           </a:ln>
           <a:extLst>
             <a:ext uri="{C572A759-6A51-4108-AA02-DFA0A04FC94B}">
-              <ma14:wrappingTextBoxFlag xmlns:ma14="http://schemas.microsoft.com/office/mac/drawingml/2011/main" xmlns:a14="http://schemas.microsoft.com/office/drawing/2010/main" xmlns:m="http://schemas.openxmlformats.org/officeDocument/2006/math" xmlns="" val="1"/>
+              <ma14:wrappingTextBoxFlag xmlns="" xmlns:m="http://schemas.openxmlformats.org/officeDocument/2006/math" xmlns:a14="http://schemas.microsoft.com/office/drawing/2010/main" xmlns:ma14="http://schemas.microsoft.com/office/mac/drawingml/2011/main" val="1"/>
             </a:ext>
           </a:extLst>
         </p:spPr>
@@ -5229,7 +5236,7 @@
           </a:ln>
           <a:extLst>
             <a:ext uri="{C572A759-6A51-4108-AA02-DFA0A04FC94B}">
-              <ma14:wrappingTextBoxFlag xmlns:ma14="http://schemas.microsoft.com/office/mac/drawingml/2011/main" xmlns:a14="http://schemas.microsoft.com/office/drawing/2010/main" xmlns:m="http://schemas.openxmlformats.org/officeDocument/2006/math" xmlns="" val="1"/>
+              <ma14:wrappingTextBoxFlag xmlns="" xmlns:m="http://schemas.openxmlformats.org/officeDocument/2006/math" xmlns:a14="http://schemas.microsoft.com/office/drawing/2010/main" xmlns:ma14="http://schemas.microsoft.com/office/mac/drawingml/2011/main" val="1"/>
             </a:ext>
           </a:extLst>
         </p:spPr>
@@ -5514,7 +5521,7 @@
           </a:ln>
           <a:extLst>
             <a:ext uri="{C572A759-6A51-4108-AA02-DFA0A04FC94B}">
-              <ma14:wrappingTextBoxFlag xmlns:ma14="http://schemas.microsoft.com/office/mac/drawingml/2011/main" xmlns:a14="http://schemas.microsoft.com/office/drawing/2010/main" xmlns:m="http://schemas.openxmlformats.org/officeDocument/2006/math" xmlns="" val="1"/>
+              <ma14:wrappingTextBoxFlag xmlns="" xmlns:m="http://schemas.openxmlformats.org/officeDocument/2006/math" xmlns:a14="http://schemas.microsoft.com/office/drawing/2010/main" xmlns:ma14="http://schemas.microsoft.com/office/mac/drawingml/2011/main" val="1"/>
             </a:ext>
           </a:extLst>
         </p:spPr>
@@ -5549,7 +5556,7 @@
           </a:ln>
           <a:extLst>
             <a:ext uri="{C572A759-6A51-4108-AA02-DFA0A04FC94B}">
-              <ma14:wrappingTextBoxFlag xmlns:ma14="http://schemas.microsoft.com/office/mac/drawingml/2011/main" xmlns:a14="http://schemas.microsoft.com/office/drawing/2010/main" xmlns:m="http://schemas.openxmlformats.org/officeDocument/2006/math" xmlns="" val="1"/>
+              <ma14:wrappingTextBoxFlag xmlns="" xmlns:m="http://schemas.openxmlformats.org/officeDocument/2006/math" xmlns:a14="http://schemas.microsoft.com/office/drawing/2010/main" xmlns:ma14="http://schemas.microsoft.com/office/mac/drawingml/2011/main" val="1"/>
             </a:ext>
           </a:extLst>
         </p:spPr>
@@ -5584,7 +5591,7 @@
           </a:ln>
           <a:extLst>
             <a:ext uri="{C572A759-6A51-4108-AA02-DFA0A04FC94B}">
-              <ma14:wrappingTextBoxFlag xmlns:ma14="http://schemas.microsoft.com/office/mac/drawingml/2011/main" xmlns:a14="http://schemas.microsoft.com/office/drawing/2010/main" xmlns:m="http://schemas.openxmlformats.org/officeDocument/2006/math" xmlns="" val="1"/>
+              <ma14:wrappingTextBoxFlag xmlns="" xmlns:m="http://schemas.openxmlformats.org/officeDocument/2006/math" xmlns:a14="http://schemas.microsoft.com/office/drawing/2010/main" xmlns:ma14="http://schemas.microsoft.com/office/mac/drawingml/2011/main" val="1"/>
             </a:ext>
           </a:extLst>
         </p:spPr>
@@ -5821,7 +5828,7 @@
           </a:ln>
           <a:extLst>
             <a:ext uri="{C572A759-6A51-4108-AA02-DFA0A04FC94B}">
-              <ma14:wrappingTextBoxFlag xmlns:ma14="http://schemas.microsoft.com/office/mac/drawingml/2011/main" xmlns:a14="http://schemas.microsoft.com/office/drawing/2010/main" xmlns:m="http://schemas.openxmlformats.org/officeDocument/2006/math" xmlns="" val="1"/>
+              <ma14:wrappingTextBoxFlag xmlns="" xmlns:m="http://schemas.openxmlformats.org/officeDocument/2006/math" xmlns:a14="http://schemas.microsoft.com/office/drawing/2010/main" xmlns:ma14="http://schemas.microsoft.com/office/mac/drawingml/2011/main" val="1"/>
             </a:ext>
           </a:extLst>
         </p:spPr>
@@ -5869,7 +5876,7 @@
           </a:ln>
           <a:extLst>
             <a:ext uri="{C572A759-6A51-4108-AA02-DFA0A04FC94B}">
-              <ma14:wrappingTextBoxFlag xmlns:ma14="http://schemas.microsoft.com/office/mac/drawingml/2011/main" xmlns:a14="http://schemas.microsoft.com/office/drawing/2010/main" xmlns:m="http://schemas.openxmlformats.org/officeDocument/2006/math" xmlns="" val="1"/>
+              <ma14:wrappingTextBoxFlag xmlns="" xmlns:m="http://schemas.openxmlformats.org/officeDocument/2006/math" xmlns:a14="http://schemas.microsoft.com/office/drawing/2010/main" xmlns:ma14="http://schemas.microsoft.com/office/mac/drawingml/2011/main" val="1"/>
             </a:ext>
           </a:extLst>
         </p:spPr>
@@ -5917,7 +5924,7 @@
           </a:ln>
           <a:extLst>
             <a:ext uri="{C572A759-6A51-4108-AA02-DFA0A04FC94B}">
-              <ma14:wrappingTextBoxFlag xmlns:ma14="http://schemas.microsoft.com/office/mac/drawingml/2011/main" xmlns:a14="http://schemas.microsoft.com/office/drawing/2010/main" xmlns:m="http://schemas.openxmlformats.org/officeDocument/2006/math" xmlns="" val="1"/>
+              <ma14:wrappingTextBoxFlag xmlns="" xmlns:m="http://schemas.openxmlformats.org/officeDocument/2006/math" xmlns:a14="http://schemas.microsoft.com/office/drawing/2010/main" xmlns:ma14="http://schemas.microsoft.com/office/mac/drawingml/2011/main" val="1"/>
             </a:ext>
           </a:extLst>
         </p:spPr>
@@ -5962,7 +5969,7 @@
           </a:ln>
           <a:extLst>
             <a:ext uri="{C572A759-6A51-4108-AA02-DFA0A04FC94B}">
-              <ma14:wrappingTextBoxFlag xmlns:ma14="http://schemas.microsoft.com/office/mac/drawingml/2011/main" xmlns:a14="http://schemas.microsoft.com/office/drawing/2010/main" xmlns:m="http://schemas.openxmlformats.org/officeDocument/2006/math" xmlns="" val="1"/>
+              <ma14:wrappingTextBoxFlag xmlns="" xmlns:m="http://schemas.openxmlformats.org/officeDocument/2006/math" xmlns:a14="http://schemas.microsoft.com/office/drawing/2010/main" xmlns:ma14="http://schemas.microsoft.com/office/mac/drawingml/2011/main" val="1"/>
             </a:ext>
           </a:extLst>
         </p:spPr>
@@ -6015,7 +6022,7 @@
           </a:ln>
           <a:extLst>
             <a:ext uri="{C572A759-6A51-4108-AA02-DFA0A04FC94B}">
-              <ma14:wrappingTextBoxFlag xmlns:ma14="http://schemas.microsoft.com/office/mac/drawingml/2011/main" xmlns:a14="http://schemas.microsoft.com/office/drawing/2010/main" xmlns:m="http://schemas.openxmlformats.org/officeDocument/2006/math" xmlns="" val="1"/>
+              <ma14:wrappingTextBoxFlag xmlns="" xmlns:m="http://schemas.openxmlformats.org/officeDocument/2006/math" xmlns:a14="http://schemas.microsoft.com/office/drawing/2010/main" xmlns:ma14="http://schemas.microsoft.com/office/mac/drawingml/2011/main" val="1"/>
             </a:ext>
           </a:extLst>
         </p:spPr>
@@ -6068,7 +6075,7 @@
           </a:ln>
           <a:extLst>
             <a:ext uri="{C572A759-6A51-4108-AA02-DFA0A04FC94B}">
-              <ma14:wrappingTextBoxFlag xmlns:ma14="http://schemas.microsoft.com/office/mac/drawingml/2011/main" xmlns:a14="http://schemas.microsoft.com/office/drawing/2010/main" xmlns:m="http://schemas.openxmlformats.org/officeDocument/2006/math" xmlns="" val="1"/>
+              <ma14:wrappingTextBoxFlag xmlns="" xmlns:m="http://schemas.openxmlformats.org/officeDocument/2006/math" xmlns:a14="http://schemas.microsoft.com/office/drawing/2010/main" xmlns:ma14="http://schemas.microsoft.com/office/mac/drawingml/2011/main" val="1"/>
             </a:ext>
           </a:extLst>
         </p:spPr>
@@ -6361,7 +6368,7 @@
           </a:ln>
           <a:extLst>
             <a:ext uri="{C572A759-6A51-4108-AA02-DFA0A04FC94B}">
-              <ma14:wrappingTextBoxFlag xmlns:ma14="http://schemas.microsoft.com/office/mac/drawingml/2011/main" xmlns:a14="http://schemas.microsoft.com/office/drawing/2010/main" xmlns:m="http://schemas.openxmlformats.org/officeDocument/2006/math" xmlns="" val="1"/>
+              <ma14:wrappingTextBoxFlag xmlns="" xmlns:m="http://schemas.openxmlformats.org/officeDocument/2006/math" xmlns:a14="http://schemas.microsoft.com/office/drawing/2010/main" xmlns:ma14="http://schemas.microsoft.com/office/mac/drawingml/2011/main" val="1"/>
             </a:ext>
           </a:extLst>
         </p:spPr>
@@ -6396,7 +6403,7 @@
           </a:ln>
           <a:extLst>
             <a:ext uri="{C572A759-6A51-4108-AA02-DFA0A04FC94B}">
-              <ma14:wrappingTextBoxFlag xmlns:ma14="http://schemas.microsoft.com/office/mac/drawingml/2011/main" xmlns:a14="http://schemas.microsoft.com/office/drawing/2010/main" xmlns:m="http://schemas.openxmlformats.org/officeDocument/2006/math" xmlns="" val="1"/>
+              <ma14:wrappingTextBoxFlag xmlns="" xmlns:m="http://schemas.openxmlformats.org/officeDocument/2006/math" xmlns:a14="http://schemas.microsoft.com/office/drawing/2010/main" xmlns:ma14="http://schemas.microsoft.com/office/mac/drawingml/2011/main" val="1"/>
             </a:ext>
           </a:extLst>
         </p:spPr>
@@ -6431,7 +6438,7 @@
           </a:ln>
           <a:extLst>
             <a:ext uri="{C572A759-6A51-4108-AA02-DFA0A04FC94B}">
-              <ma14:wrappingTextBoxFlag xmlns:ma14="http://schemas.microsoft.com/office/mac/drawingml/2011/main" xmlns:a14="http://schemas.microsoft.com/office/drawing/2010/main" xmlns:m="http://schemas.openxmlformats.org/officeDocument/2006/math" xmlns="" val="1"/>
+              <ma14:wrappingTextBoxFlag xmlns="" xmlns:m="http://schemas.openxmlformats.org/officeDocument/2006/math" xmlns:a14="http://schemas.microsoft.com/office/drawing/2010/main" xmlns:ma14="http://schemas.microsoft.com/office/mac/drawingml/2011/main" val="1"/>
             </a:ext>
           </a:extLst>
         </p:spPr>
@@ -6489,7 +6496,7 @@
           </a:ln>
           <a:extLst>
             <a:ext uri="{C572A759-6A51-4108-AA02-DFA0A04FC94B}">
-              <ma14:wrappingTextBoxFlag xmlns:ma14="http://schemas.microsoft.com/office/mac/drawingml/2011/main" xmlns:a14="http://schemas.microsoft.com/office/drawing/2010/main" xmlns:m="http://schemas.openxmlformats.org/officeDocument/2006/math" xmlns="" val="1"/>
+              <ma14:wrappingTextBoxFlag xmlns="" xmlns:m="http://schemas.openxmlformats.org/officeDocument/2006/math" xmlns:a14="http://schemas.microsoft.com/office/drawing/2010/main" xmlns:ma14="http://schemas.microsoft.com/office/mac/drawingml/2011/main" val="1"/>
             </a:ext>
           </a:extLst>
         </p:spPr>
@@ -6528,7 +6535,7 @@
           </a:ln>
           <a:extLst>
             <a:ext uri="{C572A759-6A51-4108-AA02-DFA0A04FC94B}">
-              <ma14:wrappingTextBoxFlag xmlns:ma14="http://schemas.microsoft.com/office/mac/drawingml/2011/main" xmlns:a14="http://schemas.microsoft.com/office/drawing/2010/main" xmlns:m="http://schemas.openxmlformats.org/officeDocument/2006/math" xmlns="" val="1"/>
+              <ma14:wrappingTextBoxFlag xmlns="" xmlns:m="http://schemas.openxmlformats.org/officeDocument/2006/math" xmlns:a14="http://schemas.microsoft.com/office/drawing/2010/main" xmlns:ma14="http://schemas.microsoft.com/office/mac/drawingml/2011/main" val="1"/>
             </a:ext>
           </a:extLst>
         </p:spPr>
@@ -6825,7 +6832,7 @@
           </a:ln>
           <a:extLst>
             <a:ext uri="{C572A759-6A51-4108-AA02-DFA0A04FC94B}">
-              <ma14:wrappingTextBoxFlag xmlns:ma14="http://schemas.microsoft.com/office/mac/drawingml/2011/main" xmlns:a14="http://schemas.microsoft.com/office/drawing/2010/main" xmlns:m="http://schemas.openxmlformats.org/officeDocument/2006/math" xmlns="" val="1"/>
+              <ma14:wrappingTextBoxFlag xmlns="" xmlns:m="http://schemas.openxmlformats.org/officeDocument/2006/math" xmlns:a14="http://schemas.microsoft.com/office/drawing/2010/main" xmlns:ma14="http://schemas.microsoft.com/office/mac/drawingml/2011/main" val="1"/>
             </a:ext>
           </a:extLst>
         </p:spPr>
@@ -6860,7 +6867,7 @@
           </a:ln>
           <a:extLst>
             <a:ext uri="{C572A759-6A51-4108-AA02-DFA0A04FC94B}">
-              <ma14:wrappingTextBoxFlag xmlns:ma14="http://schemas.microsoft.com/office/mac/drawingml/2011/main" xmlns:a14="http://schemas.microsoft.com/office/drawing/2010/main" xmlns:m="http://schemas.openxmlformats.org/officeDocument/2006/math" xmlns="" val="1"/>
+              <ma14:wrappingTextBoxFlag xmlns="" xmlns:m="http://schemas.openxmlformats.org/officeDocument/2006/math" xmlns:a14="http://schemas.microsoft.com/office/drawing/2010/main" xmlns:ma14="http://schemas.microsoft.com/office/mac/drawingml/2011/main" val="1"/>
             </a:ext>
           </a:extLst>
         </p:spPr>
@@ -6895,7 +6902,7 @@
           </a:ln>
           <a:extLst>
             <a:ext uri="{C572A759-6A51-4108-AA02-DFA0A04FC94B}">
-              <ma14:wrappingTextBoxFlag xmlns:ma14="http://schemas.microsoft.com/office/mac/drawingml/2011/main" xmlns:a14="http://schemas.microsoft.com/office/drawing/2010/main" xmlns:m="http://schemas.openxmlformats.org/officeDocument/2006/math" xmlns="" val="1"/>
+              <ma14:wrappingTextBoxFlag xmlns="" xmlns:m="http://schemas.openxmlformats.org/officeDocument/2006/math" xmlns:a14="http://schemas.microsoft.com/office/drawing/2010/main" xmlns:ma14="http://schemas.microsoft.com/office/mac/drawingml/2011/main" val="1"/>
             </a:ext>
           </a:extLst>
         </p:spPr>
@@ -6953,7 +6960,7 @@
           </a:ln>
           <a:extLst>
             <a:ext uri="{C572A759-6A51-4108-AA02-DFA0A04FC94B}">
-              <ma14:wrappingTextBoxFlag xmlns:ma14="http://schemas.microsoft.com/office/mac/drawingml/2011/main" xmlns:a14="http://schemas.microsoft.com/office/drawing/2010/main" xmlns:m="http://schemas.openxmlformats.org/officeDocument/2006/math" xmlns="" val="1"/>
+              <ma14:wrappingTextBoxFlag xmlns="" xmlns:m="http://schemas.openxmlformats.org/officeDocument/2006/math" xmlns:a14="http://schemas.microsoft.com/office/drawing/2010/main" xmlns:ma14="http://schemas.microsoft.com/office/mac/drawingml/2011/main" val="1"/>
             </a:ext>
           </a:extLst>
         </p:spPr>
@@ -6992,7 +6999,7 @@
           </a:ln>
           <a:extLst>
             <a:ext uri="{C572A759-6A51-4108-AA02-DFA0A04FC94B}">
-              <ma14:wrappingTextBoxFlag xmlns:ma14="http://schemas.microsoft.com/office/mac/drawingml/2011/main" xmlns:a14="http://schemas.microsoft.com/office/drawing/2010/main" xmlns:m="http://schemas.openxmlformats.org/officeDocument/2006/math" xmlns="" val="1"/>
+              <ma14:wrappingTextBoxFlag xmlns="" xmlns:m="http://schemas.openxmlformats.org/officeDocument/2006/math" xmlns:a14="http://schemas.microsoft.com/office/drawing/2010/main" xmlns:ma14="http://schemas.microsoft.com/office/mac/drawingml/2011/main" val="1"/>
             </a:ext>
           </a:extLst>
         </p:spPr>
@@ -7039,7 +7046,7 @@
           </a:ln>
           <a:extLst>
             <a:ext uri="{C572A759-6A51-4108-AA02-DFA0A04FC94B}">
-              <ma14:wrappingTextBoxFlag xmlns:ma14="http://schemas.microsoft.com/office/mac/drawingml/2011/main" xmlns:a14="http://schemas.microsoft.com/office/drawing/2010/main" xmlns:m="http://schemas.openxmlformats.org/officeDocument/2006/math" xmlns="" val="1"/>
+              <ma14:wrappingTextBoxFlag xmlns="" xmlns:m="http://schemas.openxmlformats.org/officeDocument/2006/math" xmlns:a14="http://schemas.microsoft.com/office/drawing/2010/main" xmlns:ma14="http://schemas.microsoft.com/office/mac/drawingml/2011/main" val="1"/>
             </a:ext>
           </a:extLst>
         </p:spPr>
@@ -7378,7 +7385,7 @@
           </a:ln>
           <a:extLst>
             <a:ext uri="{C572A759-6A51-4108-AA02-DFA0A04FC94B}">
-              <ma14:wrappingTextBoxFlag xmlns:ma14="http://schemas.microsoft.com/office/mac/drawingml/2011/main" xmlns:a14="http://schemas.microsoft.com/office/drawing/2010/main" xmlns:m="http://schemas.openxmlformats.org/officeDocument/2006/math" xmlns="" val="1"/>
+              <ma14:wrappingTextBoxFlag xmlns="" xmlns:m="http://schemas.openxmlformats.org/officeDocument/2006/math" xmlns:a14="http://schemas.microsoft.com/office/drawing/2010/main" xmlns:ma14="http://schemas.microsoft.com/office/mac/drawingml/2011/main" val="1"/>
             </a:ext>
           </a:extLst>
         </p:spPr>
@@ -7413,7 +7420,7 @@
           </a:ln>
           <a:extLst>
             <a:ext uri="{C572A759-6A51-4108-AA02-DFA0A04FC94B}">
-              <ma14:wrappingTextBoxFlag xmlns:ma14="http://schemas.microsoft.com/office/mac/drawingml/2011/main" xmlns:a14="http://schemas.microsoft.com/office/drawing/2010/main" xmlns:m="http://schemas.openxmlformats.org/officeDocument/2006/math" xmlns="" val="1"/>
+              <ma14:wrappingTextBoxFlag xmlns="" xmlns:m="http://schemas.openxmlformats.org/officeDocument/2006/math" xmlns:a14="http://schemas.microsoft.com/office/drawing/2010/main" xmlns:ma14="http://schemas.microsoft.com/office/mac/drawingml/2011/main" val="1"/>
             </a:ext>
           </a:extLst>
         </p:spPr>
@@ -7448,7 +7455,7 @@
           </a:ln>
           <a:extLst>
             <a:ext uri="{C572A759-6A51-4108-AA02-DFA0A04FC94B}">
-              <ma14:wrappingTextBoxFlag xmlns:ma14="http://schemas.microsoft.com/office/mac/drawingml/2011/main" xmlns:a14="http://schemas.microsoft.com/office/drawing/2010/main" xmlns:m="http://schemas.openxmlformats.org/officeDocument/2006/math" xmlns="" val="1"/>
+              <ma14:wrappingTextBoxFlag xmlns="" xmlns:m="http://schemas.openxmlformats.org/officeDocument/2006/math" xmlns:a14="http://schemas.microsoft.com/office/drawing/2010/main" xmlns:ma14="http://schemas.microsoft.com/office/mac/drawingml/2011/main" val="1"/>
             </a:ext>
           </a:extLst>
         </p:spPr>
@@ -7495,7 +7502,7 @@
           </a:ln>
           <a:extLst>
             <a:ext uri="{C572A759-6A51-4108-AA02-DFA0A04FC94B}">
-              <ma14:wrappingTextBoxFlag xmlns:ma14="http://schemas.microsoft.com/office/mac/drawingml/2011/main" xmlns:a14="http://schemas.microsoft.com/office/drawing/2010/main" xmlns:m="http://schemas.openxmlformats.org/officeDocument/2006/math" xmlns="" val="1"/>
+              <ma14:wrappingTextBoxFlag xmlns="" xmlns:m="http://schemas.openxmlformats.org/officeDocument/2006/math" xmlns:a14="http://schemas.microsoft.com/office/drawing/2010/main" xmlns:ma14="http://schemas.microsoft.com/office/mac/drawingml/2011/main" val="1"/>
             </a:ext>
           </a:extLst>
         </p:spPr>
@@ -7591,7 +7598,7 @@
           </a:ln>
           <a:extLst>
             <a:ext uri="{C572A759-6A51-4108-AA02-DFA0A04FC94B}">
-              <ma14:wrappingTextBoxFlag xmlns:ma14="http://schemas.microsoft.com/office/mac/drawingml/2011/main" xmlns:a14="http://schemas.microsoft.com/office/drawing/2010/main" xmlns:m="http://schemas.openxmlformats.org/officeDocument/2006/math" xmlns="" val="1"/>
+              <ma14:wrappingTextBoxFlag xmlns="" xmlns:m="http://schemas.openxmlformats.org/officeDocument/2006/math" xmlns:a14="http://schemas.microsoft.com/office/drawing/2010/main" xmlns:ma14="http://schemas.microsoft.com/office/mac/drawingml/2011/main" val="1"/>
             </a:ext>
           </a:extLst>
         </p:spPr>
@@ -7892,7 +7899,7 @@
           </a:ln>
           <a:extLst>
             <a:ext uri="{C572A759-6A51-4108-AA02-DFA0A04FC94B}">
-              <ma14:wrappingTextBoxFlag xmlns:ma14="http://schemas.microsoft.com/office/mac/drawingml/2011/main" xmlns:a14="http://schemas.microsoft.com/office/drawing/2010/main" xmlns:m="http://schemas.openxmlformats.org/officeDocument/2006/math" xmlns="" val="1"/>
+              <ma14:wrappingTextBoxFlag xmlns="" xmlns:m="http://schemas.openxmlformats.org/officeDocument/2006/math" xmlns:a14="http://schemas.microsoft.com/office/drawing/2010/main" xmlns:ma14="http://schemas.microsoft.com/office/mac/drawingml/2011/main" val="1"/>
             </a:ext>
           </a:extLst>
         </p:spPr>
@@ -7927,7 +7934,7 @@
           </a:ln>
           <a:extLst>
             <a:ext uri="{C572A759-6A51-4108-AA02-DFA0A04FC94B}">
-              <ma14:wrappingTextBoxFlag xmlns:ma14="http://schemas.microsoft.com/office/mac/drawingml/2011/main" xmlns:a14="http://schemas.microsoft.com/office/drawing/2010/main" xmlns:m="http://schemas.openxmlformats.org/officeDocument/2006/math" xmlns="" val="1"/>
+              <ma14:wrappingTextBoxFlag xmlns="" xmlns:m="http://schemas.openxmlformats.org/officeDocument/2006/math" xmlns:a14="http://schemas.microsoft.com/office/drawing/2010/main" xmlns:ma14="http://schemas.microsoft.com/office/mac/drawingml/2011/main" val="1"/>
             </a:ext>
           </a:extLst>
         </p:spPr>
@@ -7962,7 +7969,7 @@
           </a:ln>
           <a:extLst>
             <a:ext uri="{C572A759-6A51-4108-AA02-DFA0A04FC94B}">
-              <ma14:wrappingTextBoxFlag xmlns:ma14="http://schemas.microsoft.com/office/mac/drawingml/2011/main" xmlns:a14="http://schemas.microsoft.com/office/drawing/2010/main" xmlns:m="http://schemas.openxmlformats.org/officeDocument/2006/math" xmlns="" val="1"/>
+              <ma14:wrappingTextBoxFlag xmlns="" xmlns:m="http://schemas.openxmlformats.org/officeDocument/2006/math" xmlns:a14="http://schemas.microsoft.com/office/drawing/2010/main" xmlns:ma14="http://schemas.microsoft.com/office/mac/drawingml/2011/main" val="1"/>
             </a:ext>
           </a:extLst>
         </p:spPr>
@@ -8009,7 +8016,7 @@
           </a:ln>
           <a:extLst>
             <a:ext uri="{C572A759-6A51-4108-AA02-DFA0A04FC94B}">
-              <ma14:wrappingTextBoxFlag xmlns:ma14="http://schemas.microsoft.com/office/mac/drawingml/2011/main" xmlns:a14="http://schemas.microsoft.com/office/drawing/2010/main" xmlns:m="http://schemas.openxmlformats.org/officeDocument/2006/math" xmlns="" val="1"/>
+              <ma14:wrappingTextBoxFlag xmlns="" xmlns:m="http://schemas.openxmlformats.org/officeDocument/2006/math" xmlns:a14="http://schemas.microsoft.com/office/drawing/2010/main" xmlns:ma14="http://schemas.microsoft.com/office/mac/drawingml/2011/main" val="1"/>
             </a:ext>
           </a:extLst>
         </p:spPr>
@@ -8105,7 +8112,7 @@
           </a:ln>
           <a:extLst>
             <a:ext uri="{C572A759-6A51-4108-AA02-DFA0A04FC94B}">
-              <ma14:wrappingTextBoxFlag xmlns:ma14="http://schemas.microsoft.com/office/mac/drawingml/2011/main" xmlns:a14="http://schemas.microsoft.com/office/drawing/2010/main" xmlns:m="http://schemas.openxmlformats.org/officeDocument/2006/math" xmlns="" val="1"/>
+              <ma14:wrappingTextBoxFlag xmlns="" xmlns:m="http://schemas.openxmlformats.org/officeDocument/2006/math" xmlns:a14="http://schemas.microsoft.com/office/drawing/2010/main" xmlns:ma14="http://schemas.microsoft.com/office/mac/drawingml/2011/main" val="1"/>
             </a:ext>
           </a:extLst>
         </p:spPr>
@@ -8175,7 +8182,7 @@
           </a:ln>
           <a:extLst>
             <a:ext uri="{C572A759-6A51-4108-AA02-DFA0A04FC94B}">
-              <ma14:wrappingTextBoxFlag xmlns:ma14="http://schemas.microsoft.com/office/mac/drawingml/2011/main" xmlns:a14="http://schemas.microsoft.com/office/drawing/2010/main" xmlns:m="http://schemas.openxmlformats.org/officeDocument/2006/math" xmlns="" val="1"/>
+              <ma14:wrappingTextBoxFlag xmlns="" xmlns:m="http://schemas.openxmlformats.org/officeDocument/2006/math" xmlns:a14="http://schemas.microsoft.com/office/drawing/2010/main" xmlns:ma14="http://schemas.microsoft.com/office/mac/drawingml/2011/main" val="1"/>
             </a:ext>
           </a:extLst>
         </p:spPr>
@@ -8687,7 +8694,7 @@
           </a:ln>
           <a:extLst>
             <a:ext uri="{C572A759-6A51-4108-AA02-DFA0A04FC94B}">
-              <ma14:wrappingTextBoxFlag xmlns:ma14="http://schemas.microsoft.com/office/mac/drawingml/2011/main" xmlns:a14="http://schemas.microsoft.com/office/drawing/2010/main" xmlns:m="http://schemas.openxmlformats.org/officeDocument/2006/math" xmlns="" val="1"/>
+              <ma14:wrappingTextBoxFlag xmlns="" xmlns:m="http://schemas.openxmlformats.org/officeDocument/2006/math" xmlns:a14="http://schemas.microsoft.com/office/drawing/2010/main" xmlns:ma14="http://schemas.microsoft.com/office/mac/drawingml/2011/main" val="1"/>
             </a:ext>
           </a:extLst>
         </p:spPr>
@@ -8722,7 +8729,7 @@
           </a:ln>
           <a:extLst>
             <a:ext uri="{C572A759-6A51-4108-AA02-DFA0A04FC94B}">
-              <ma14:wrappingTextBoxFlag xmlns:ma14="http://schemas.microsoft.com/office/mac/drawingml/2011/main" xmlns:a14="http://schemas.microsoft.com/office/drawing/2010/main" xmlns:m="http://schemas.openxmlformats.org/officeDocument/2006/math" xmlns="" val="1"/>
+              <ma14:wrappingTextBoxFlag xmlns="" xmlns:m="http://schemas.openxmlformats.org/officeDocument/2006/math" xmlns:a14="http://schemas.microsoft.com/office/drawing/2010/main" xmlns:ma14="http://schemas.microsoft.com/office/mac/drawingml/2011/main" val="1"/>
             </a:ext>
           </a:extLst>
         </p:spPr>
@@ -8757,7 +8764,7 @@
           </a:ln>
           <a:extLst>
             <a:ext uri="{C572A759-6A51-4108-AA02-DFA0A04FC94B}">
-              <ma14:wrappingTextBoxFlag xmlns:ma14="http://schemas.microsoft.com/office/mac/drawingml/2011/main" xmlns:a14="http://schemas.microsoft.com/office/drawing/2010/main" xmlns:m="http://schemas.openxmlformats.org/officeDocument/2006/math" xmlns="" val="1"/>
+              <ma14:wrappingTextBoxFlag xmlns="" xmlns:m="http://schemas.openxmlformats.org/officeDocument/2006/math" xmlns:a14="http://schemas.microsoft.com/office/drawing/2010/main" xmlns:ma14="http://schemas.microsoft.com/office/mac/drawingml/2011/main" val="1"/>
             </a:ext>
           </a:extLst>
         </p:spPr>
@@ -8804,7 +8811,7 @@
           </a:ln>
           <a:extLst>
             <a:ext uri="{C572A759-6A51-4108-AA02-DFA0A04FC94B}">
-              <ma14:wrappingTextBoxFlag xmlns:ma14="http://schemas.microsoft.com/office/mac/drawingml/2011/main" xmlns:a14="http://schemas.microsoft.com/office/drawing/2010/main" xmlns:m="http://schemas.openxmlformats.org/officeDocument/2006/math" xmlns="" val="1"/>
+              <ma14:wrappingTextBoxFlag xmlns="" xmlns:m="http://schemas.openxmlformats.org/officeDocument/2006/math" xmlns:a14="http://schemas.microsoft.com/office/drawing/2010/main" xmlns:ma14="http://schemas.microsoft.com/office/mac/drawingml/2011/main" val="1"/>
             </a:ext>
           </a:extLst>
         </p:spPr>
@@ -8900,7 +8907,7 @@
           </a:ln>
           <a:extLst>
             <a:ext uri="{C572A759-6A51-4108-AA02-DFA0A04FC94B}">
-              <ma14:wrappingTextBoxFlag xmlns:ma14="http://schemas.microsoft.com/office/mac/drawingml/2011/main" xmlns:a14="http://schemas.microsoft.com/office/drawing/2010/main" xmlns:m="http://schemas.openxmlformats.org/officeDocument/2006/math" xmlns="" val="1"/>
+              <ma14:wrappingTextBoxFlag xmlns="" xmlns:m="http://schemas.openxmlformats.org/officeDocument/2006/math" xmlns:a14="http://schemas.microsoft.com/office/drawing/2010/main" xmlns:ma14="http://schemas.microsoft.com/office/mac/drawingml/2011/main" val="1"/>
             </a:ext>
           </a:extLst>
         </p:spPr>
@@ -8970,7 +8977,7 @@
           </a:ln>
           <a:extLst>
             <a:ext uri="{C572A759-6A51-4108-AA02-DFA0A04FC94B}">
-              <ma14:wrappingTextBoxFlag xmlns:ma14="http://schemas.microsoft.com/office/mac/drawingml/2011/main" xmlns:a14="http://schemas.microsoft.com/office/drawing/2010/main" xmlns:m="http://schemas.openxmlformats.org/officeDocument/2006/math" xmlns="" val="1"/>
+              <ma14:wrappingTextBoxFlag xmlns="" xmlns:m="http://schemas.openxmlformats.org/officeDocument/2006/math" xmlns:a14="http://schemas.microsoft.com/office/drawing/2010/main" xmlns:ma14="http://schemas.microsoft.com/office/mac/drawingml/2011/main" val="1"/>
             </a:ext>
           </a:extLst>
         </p:spPr>
@@ -9089,7 +9096,7 @@
           </a:ln>
           <a:extLst>
             <a:ext uri="{C572A759-6A51-4108-AA02-DFA0A04FC94B}">
-              <ma14:wrappingTextBoxFlag xmlns:ma14="http://schemas.microsoft.com/office/mac/drawingml/2011/main" xmlns:a14="http://schemas.microsoft.com/office/drawing/2010/main" xmlns:m="http://schemas.openxmlformats.org/officeDocument/2006/math" xmlns="" val="1"/>
+              <ma14:wrappingTextBoxFlag xmlns="" xmlns:m="http://schemas.openxmlformats.org/officeDocument/2006/math" xmlns:a14="http://schemas.microsoft.com/office/drawing/2010/main" xmlns:ma14="http://schemas.microsoft.com/office/mac/drawingml/2011/main" val="1"/>
             </a:ext>
           </a:extLst>
         </p:spPr>
@@ -9378,7 +9385,7 @@
           </a:ln>
           <a:extLst>
             <a:ext uri="{C572A759-6A51-4108-AA02-DFA0A04FC94B}">
-              <ma14:wrappingTextBoxFlag xmlns:ma14="http://schemas.microsoft.com/office/mac/drawingml/2011/main" xmlns:a14="http://schemas.microsoft.com/office/drawing/2010/main" xmlns:m="http://schemas.openxmlformats.org/officeDocument/2006/math" xmlns="" val="1"/>
+              <ma14:wrappingTextBoxFlag xmlns="" xmlns:m="http://schemas.openxmlformats.org/officeDocument/2006/math" xmlns:a14="http://schemas.microsoft.com/office/drawing/2010/main" xmlns:ma14="http://schemas.microsoft.com/office/mac/drawingml/2011/main" val="1"/>
             </a:ext>
           </a:extLst>
         </p:spPr>
@@ -9413,7 +9420,7 @@
           </a:ln>
           <a:extLst>
             <a:ext uri="{C572A759-6A51-4108-AA02-DFA0A04FC94B}">
-              <ma14:wrappingTextBoxFlag xmlns:ma14="http://schemas.microsoft.com/office/mac/drawingml/2011/main" xmlns:a14="http://schemas.microsoft.com/office/drawing/2010/main" xmlns:m="http://schemas.openxmlformats.org/officeDocument/2006/math" xmlns="" val="1"/>
+              <ma14:wrappingTextBoxFlag xmlns="" xmlns:m="http://schemas.openxmlformats.org/officeDocument/2006/math" xmlns:a14="http://schemas.microsoft.com/office/drawing/2010/main" xmlns:ma14="http://schemas.microsoft.com/office/mac/drawingml/2011/main" val="1"/>
             </a:ext>
           </a:extLst>
         </p:spPr>
@@ -9448,7 +9455,7 @@
           </a:ln>
           <a:extLst>
             <a:ext uri="{C572A759-6A51-4108-AA02-DFA0A04FC94B}">
-              <ma14:wrappingTextBoxFlag xmlns:ma14="http://schemas.microsoft.com/office/mac/drawingml/2011/main" xmlns:a14="http://schemas.microsoft.com/office/drawing/2010/main" xmlns:m="http://schemas.openxmlformats.org/officeDocument/2006/math" xmlns="" val="1"/>
+              <ma14:wrappingTextBoxFlag xmlns="" xmlns:m="http://schemas.openxmlformats.org/officeDocument/2006/math" xmlns:a14="http://schemas.microsoft.com/office/drawing/2010/main" xmlns:ma14="http://schemas.microsoft.com/office/mac/drawingml/2011/main" val="1"/>
             </a:ext>
           </a:extLst>
         </p:spPr>
@@ -9495,7 +9502,7 @@
           </a:ln>
           <a:extLst>
             <a:ext uri="{C572A759-6A51-4108-AA02-DFA0A04FC94B}">
-              <ma14:wrappingTextBoxFlag xmlns:ma14="http://schemas.microsoft.com/office/mac/drawingml/2011/main" xmlns:a14="http://schemas.microsoft.com/office/drawing/2010/main" xmlns:m="http://schemas.openxmlformats.org/officeDocument/2006/math" xmlns="" val="1"/>
+              <ma14:wrappingTextBoxFlag xmlns="" xmlns:m="http://schemas.openxmlformats.org/officeDocument/2006/math" xmlns:a14="http://schemas.microsoft.com/office/drawing/2010/main" xmlns:ma14="http://schemas.microsoft.com/office/mac/drawingml/2011/main" val="1"/>
             </a:ext>
           </a:extLst>
         </p:spPr>
@@ -9593,7 +9600,7 @@
           </a:ln>
           <a:extLst>
             <a:ext uri="{C572A759-6A51-4108-AA02-DFA0A04FC94B}">
-              <ma14:wrappingTextBoxFlag xmlns:ma14="http://schemas.microsoft.com/office/mac/drawingml/2011/main" xmlns:a14="http://schemas.microsoft.com/office/drawing/2010/main" xmlns:m="http://schemas.openxmlformats.org/officeDocument/2006/math" xmlns="" val="1"/>
+              <ma14:wrappingTextBoxFlag xmlns="" xmlns:m="http://schemas.openxmlformats.org/officeDocument/2006/math" xmlns:a14="http://schemas.microsoft.com/office/drawing/2010/main" xmlns:ma14="http://schemas.microsoft.com/office/mac/drawingml/2011/main" val="1"/>
             </a:ext>
           </a:extLst>
         </p:spPr>
@@ -9638,7 +9645,7 @@
           </a:ln>
           <a:extLst>
             <a:ext uri="{C572A759-6A51-4108-AA02-DFA0A04FC94B}">
-              <ma14:wrappingTextBoxFlag xmlns:ma14="http://schemas.microsoft.com/office/mac/drawingml/2011/main" xmlns:a14="http://schemas.microsoft.com/office/drawing/2010/main" xmlns:m="http://schemas.openxmlformats.org/officeDocument/2006/math" xmlns="" val="1"/>
+              <ma14:wrappingTextBoxFlag xmlns="" xmlns:m="http://schemas.openxmlformats.org/officeDocument/2006/math" xmlns:a14="http://schemas.microsoft.com/office/drawing/2010/main" xmlns:ma14="http://schemas.microsoft.com/office/mac/drawingml/2011/main" val="1"/>
             </a:ext>
           </a:extLst>
         </p:spPr>
@@ -9677,7 +9684,7 @@
           </a:ln>
           <a:extLst>
             <a:ext uri="{C572A759-6A51-4108-AA02-DFA0A04FC94B}">
-              <ma14:wrappingTextBoxFlag xmlns:ma14="http://schemas.microsoft.com/office/mac/drawingml/2011/main" xmlns:a14="http://schemas.microsoft.com/office/drawing/2010/main" xmlns:m="http://schemas.openxmlformats.org/officeDocument/2006/math" xmlns="" val="1"/>
+              <ma14:wrappingTextBoxFlag xmlns="" xmlns:m="http://schemas.openxmlformats.org/officeDocument/2006/math" xmlns:a14="http://schemas.microsoft.com/office/drawing/2010/main" xmlns:ma14="http://schemas.microsoft.com/office/mac/drawingml/2011/main" val="1"/>
             </a:ext>
           </a:extLst>
         </p:spPr>
@@ -9719,7 +9726,7 @@
           </a:ln>
           <a:extLst>
             <a:ext uri="{C572A759-6A51-4108-AA02-DFA0A04FC94B}">
-              <ma14:wrappingTextBoxFlag xmlns:ma14="http://schemas.microsoft.com/office/mac/drawingml/2011/main" xmlns:a14="http://schemas.microsoft.com/office/drawing/2010/main" xmlns:m="http://schemas.openxmlformats.org/officeDocument/2006/math" xmlns="" val="1"/>
+              <ma14:wrappingTextBoxFlag xmlns="" xmlns:m="http://schemas.openxmlformats.org/officeDocument/2006/math" xmlns:a14="http://schemas.microsoft.com/office/drawing/2010/main" xmlns:ma14="http://schemas.microsoft.com/office/mac/drawingml/2011/main" val="1"/>
             </a:ext>
           </a:extLst>
         </p:spPr>
@@ -9764,7 +9771,7 @@
           </a:ln>
           <a:extLst>
             <a:ext uri="{C572A759-6A51-4108-AA02-DFA0A04FC94B}">
-              <ma14:wrappingTextBoxFlag xmlns:ma14="http://schemas.microsoft.com/office/mac/drawingml/2011/main" xmlns:a14="http://schemas.microsoft.com/office/drawing/2010/main" xmlns:m="http://schemas.openxmlformats.org/officeDocument/2006/math" xmlns="" val="1"/>
+              <ma14:wrappingTextBoxFlag xmlns="" xmlns:m="http://schemas.openxmlformats.org/officeDocument/2006/math" xmlns:a14="http://schemas.microsoft.com/office/drawing/2010/main" xmlns:ma14="http://schemas.microsoft.com/office/mac/drawingml/2011/main" val="1"/>
             </a:ext>
           </a:extLst>
         </p:spPr>
@@ -9806,7 +9813,7 @@
           </a:ln>
           <a:extLst>
             <a:ext uri="{C572A759-6A51-4108-AA02-DFA0A04FC94B}">
-              <ma14:wrappingTextBoxFlag xmlns:ma14="http://schemas.microsoft.com/office/mac/drawingml/2011/main" xmlns:a14="http://schemas.microsoft.com/office/drawing/2010/main" xmlns:m="http://schemas.openxmlformats.org/officeDocument/2006/math" xmlns="" val="1"/>
+              <ma14:wrappingTextBoxFlag xmlns="" xmlns:m="http://schemas.openxmlformats.org/officeDocument/2006/math" xmlns:a14="http://schemas.microsoft.com/office/drawing/2010/main" xmlns:ma14="http://schemas.microsoft.com/office/mac/drawingml/2011/main" val="1"/>
             </a:ext>
           </a:extLst>
         </p:spPr>
@@ -9851,7 +9858,7 @@
           </a:ln>
           <a:extLst>
             <a:ext uri="{C572A759-6A51-4108-AA02-DFA0A04FC94B}">
-              <ma14:wrappingTextBoxFlag xmlns:ma14="http://schemas.microsoft.com/office/mac/drawingml/2011/main" xmlns:a14="http://schemas.microsoft.com/office/drawing/2010/main" xmlns:m="http://schemas.openxmlformats.org/officeDocument/2006/math" xmlns="" val="1"/>
+              <ma14:wrappingTextBoxFlag xmlns="" xmlns:m="http://schemas.openxmlformats.org/officeDocument/2006/math" xmlns:a14="http://schemas.microsoft.com/office/drawing/2010/main" xmlns:ma14="http://schemas.microsoft.com/office/mac/drawingml/2011/main" val="1"/>
             </a:ext>
           </a:extLst>
         </p:spPr>
@@ -9890,7 +9897,7 @@
           </a:ln>
           <a:extLst>
             <a:ext uri="{C572A759-6A51-4108-AA02-DFA0A04FC94B}">
-              <ma14:wrappingTextBoxFlag xmlns:ma14="http://schemas.microsoft.com/office/mac/drawingml/2011/main" xmlns:a14="http://schemas.microsoft.com/office/drawing/2010/main" xmlns:m="http://schemas.openxmlformats.org/officeDocument/2006/math" xmlns="" val="1"/>
+              <ma14:wrappingTextBoxFlag xmlns="" xmlns:m="http://schemas.openxmlformats.org/officeDocument/2006/math" xmlns:a14="http://schemas.microsoft.com/office/drawing/2010/main" xmlns:ma14="http://schemas.microsoft.com/office/mac/drawingml/2011/main" val="1"/>
             </a:ext>
           </a:extLst>
         </p:spPr>
@@ -9956,7 +9963,7 @@
           </a:ln>
           <a:extLst>
             <a:ext uri="{C572A759-6A51-4108-AA02-DFA0A04FC94B}">
-              <ma14:wrappingTextBoxFlag xmlns:ma14="http://schemas.microsoft.com/office/mac/drawingml/2011/main" xmlns:a14="http://schemas.microsoft.com/office/drawing/2010/main" xmlns:m="http://schemas.openxmlformats.org/officeDocument/2006/math" xmlns="" val="1"/>
+              <ma14:wrappingTextBoxFlag xmlns="" xmlns:m="http://schemas.openxmlformats.org/officeDocument/2006/math" xmlns:a14="http://schemas.microsoft.com/office/drawing/2010/main" xmlns:ma14="http://schemas.microsoft.com/office/mac/drawingml/2011/main" val="1"/>
             </a:ext>
           </a:extLst>
         </p:spPr>
@@ -10417,7 +10424,7 @@
           </a:ln>
           <a:extLst>
             <a:ext uri="{C572A759-6A51-4108-AA02-DFA0A04FC94B}">
-              <ma14:wrappingTextBoxFlag xmlns:ma14="http://schemas.microsoft.com/office/mac/drawingml/2011/main" xmlns:a14="http://schemas.microsoft.com/office/drawing/2010/main" xmlns:m="http://schemas.openxmlformats.org/officeDocument/2006/math" xmlns="" val="1"/>
+              <ma14:wrappingTextBoxFlag xmlns="" xmlns:m="http://schemas.openxmlformats.org/officeDocument/2006/math" xmlns:a14="http://schemas.microsoft.com/office/drawing/2010/main" xmlns:ma14="http://schemas.microsoft.com/office/mac/drawingml/2011/main" val="1"/>
             </a:ext>
           </a:extLst>
         </p:spPr>
@@ -10452,7 +10459,7 @@
           </a:ln>
           <a:extLst>
             <a:ext uri="{C572A759-6A51-4108-AA02-DFA0A04FC94B}">
-              <ma14:wrappingTextBoxFlag xmlns:ma14="http://schemas.microsoft.com/office/mac/drawingml/2011/main" xmlns:a14="http://schemas.microsoft.com/office/drawing/2010/main" xmlns:m="http://schemas.openxmlformats.org/officeDocument/2006/math" xmlns="" val="1"/>
+              <ma14:wrappingTextBoxFlag xmlns="" xmlns:m="http://schemas.openxmlformats.org/officeDocument/2006/math" xmlns:a14="http://schemas.microsoft.com/office/drawing/2010/main" xmlns:ma14="http://schemas.microsoft.com/office/mac/drawingml/2011/main" val="1"/>
             </a:ext>
           </a:extLst>
         </p:spPr>
@@ -10487,7 +10494,7 @@
           </a:ln>
           <a:extLst>
             <a:ext uri="{C572A759-6A51-4108-AA02-DFA0A04FC94B}">
-              <ma14:wrappingTextBoxFlag xmlns:ma14="http://schemas.microsoft.com/office/mac/drawingml/2011/main" xmlns:a14="http://schemas.microsoft.com/office/drawing/2010/main" xmlns:m="http://schemas.openxmlformats.org/officeDocument/2006/math" xmlns="" val="1"/>
+              <ma14:wrappingTextBoxFlag xmlns="" xmlns:m="http://schemas.openxmlformats.org/officeDocument/2006/math" xmlns:a14="http://schemas.microsoft.com/office/drawing/2010/main" xmlns:ma14="http://schemas.microsoft.com/office/mac/drawingml/2011/main" val="1"/>
             </a:ext>
           </a:extLst>
         </p:spPr>
@@ -10534,7 +10541,7 @@
           </a:ln>
           <a:extLst>
             <a:ext uri="{C572A759-6A51-4108-AA02-DFA0A04FC94B}">
-              <ma14:wrappingTextBoxFlag xmlns:ma14="http://schemas.microsoft.com/office/mac/drawingml/2011/main" xmlns:a14="http://schemas.microsoft.com/office/drawing/2010/main" xmlns:m="http://schemas.openxmlformats.org/officeDocument/2006/math" xmlns="" val="1"/>
+              <ma14:wrappingTextBoxFlag xmlns="" xmlns:m="http://schemas.openxmlformats.org/officeDocument/2006/math" xmlns:a14="http://schemas.microsoft.com/office/drawing/2010/main" xmlns:ma14="http://schemas.microsoft.com/office/mac/drawingml/2011/main" val="1"/>
             </a:ext>
           </a:extLst>
         </p:spPr>
@@ -10618,7 +10625,7 @@
           </a:ln>
           <a:extLst>
             <a:ext uri="{C572A759-6A51-4108-AA02-DFA0A04FC94B}">
-              <ma14:wrappingTextBoxFlag xmlns:ma14="http://schemas.microsoft.com/office/mac/drawingml/2011/main" xmlns:a14="http://schemas.microsoft.com/office/drawing/2010/main" xmlns:m="http://schemas.openxmlformats.org/officeDocument/2006/math" xmlns="" val="1"/>
+              <ma14:wrappingTextBoxFlag xmlns="" xmlns:m="http://schemas.openxmlformats.org/officeDocument/2006/math" xmlns:a14="http://schemas.microsoft.com/office/drawing/2010/main" xmlns:ma14="http://schemas.microsoft.com/office/mac/drawingml/2011/main" val="1"/>
             </a:ext>
           </a:extLst>
         </p:spPr>
@@ -10663,7 +10670,7 @@
           </a:ln>
           <a:extLst>
             <a:ext uri="{C572A759-6A51-4108-AA02-DFA0A04FC94B}">
-              <ma14:wrappingTextBoxFlag xmlns:ma14="http://schemas.microsoft.com/office/mac/drawingml/2011/main" xmlns:a14="http://schemas.microsoft.com/office/drawing/2010/main" xmlns:m="http://schemas.openxmlformats.org/officeDocument/2006/math" xmlns="" val="1"/>
+              <ma14:wrappingTextBoxFlag xmlns="" xmlns:m="http://schemas.openxmlformats.org/officeDocument/2006/math" xmlns:a14="http://schemas.microsoft.com/office/drawing/2010/main" xmlns:ma14="http://schemas.microsoft.com/office/mac/drawingml/2011/main" val="1"/>
             </a:ext>
           </a:extLst>
         </p:spPr>
@@ -10702,7 +10709,7 @@
           </a:ln>
           <a:extLst>
             <a:ext uri="{C572A759-6A51-4108-AA02-DFA0A04FC94B}">
-              <ma14:wrappingTextBoxFlag xmlns:ma14="http://schemas.microsoft.com/office/mac/drawingml/2011/main" xmlns:a14="http://schemas.microsoft.com/office/drawing/2010/main" xmlns:m="http://schemas.openxmlformats.org/officeDocument/2006/math" xmlns="" val="1"/>
+              <ma14:wrappingTextBoxFlag xmlns="" xmlns:m="http://schemas.openxmlformats.org/officeDocument/2006/math" xmlns:a14="http://schemas.microsoft.com/office/drawing/2010/main" xmlns:ma14="http://schemas.microsoft.com/office/mac/drawingml/2011/main" val="1"/>
             </a:ext>
           </a:extLst>
         </p:spPr>
@@ -10744,7 +10751,7 @@
           </a:ln>
           <a:extLst>
             <a:ext uri="{C572A759-6A51-4108-AA02-DFA0A04FC94B}">
-              <ma14:wrappingTextBoxFlag xmlns:ma14="http://schemas.microsoft.com/office/mac/drawingml/2011/main" xmlns:a14="http://schemas.microsoft.com/office/drawing/2010/main" xmlns:m="http://schemas.openxmlformats.org/officeDocument/2006/math" xmlns="" val="1"/>
+              <ma14:wrappingTextBoxFlag xmlns="" xmlns:m="http://schemas.openxmlformats.org/officeDocument/2006/math" xmlns:a14="http://schemas.microsoft.com/office/drawing/2010/main" xmlns:ma14="http://schemas.microsoft.com/office/mac/drawingml/2011/main" val="1"/>
             </a:ext>
           </a:extLst>
         </p:spPr>
@@ -10789,7 +10796,7 @@
           </a:ln>
           <a:extLst>
             <a:ext uri="{C572A759-6A51-4108-AA02-DFA0A04FC94B}">
-              <ma14:wrappingTextBoxFlag xmlns:ma14="http://schemas.microsoft.com/office/mac/drawingml/2011/main" xmlns:a14="http://schemas.microsoft.com/office/drawing/2010/main" xmlns:m="http://schemas.openxmlformats.org/officeDocument/2006/math" xmlns="" val="1"/>
+              <ma14:wrappingTextBoxFlag xmlns="" xmlns:m="http://schemas.openxmlformats.org/officeDocument/2006/math" xmlns:a14="http://schemas.microsoft.com/office/drawing/2010/main" xmlns:ma14="http://schemas.microsoft.com/office/mac/drawingml/2011/main" val="1"/>
             </a:ext>
           </a:extLst>
         </p:spPr>
@@ -10831,7 +10838,7 @@
           </a:ln>
           <a:extLst>
             <a:ext uri="{C572A759-6A51-4108-AA02-DFA0A04FC94B}">
-              <ma14:wrappingTextBoxFlag xmlns:ma14="http://schemas.microsoft.com/office/mac/drawingml/2011/main" xmlns:a14="http://schemas.microsoft.com/office/drawing/2010/main" xmlns:m="http://schemas.openxmlformats.org/officeDocument/2006/math" xmlns="" val="1"/>
+              <ma14:wrappingTextBoxFlag xmlns="" xmlns:m="http://schemas.openxmlformats.org/officeDocument/2006/math" xmlns:a14="http://schemas.microsoft.com/office/drawing/2010/main" xmlns:ma14="http://schemas.microsoft.com/office/mac/drawingml/2011/main" val="1"/>
             </a:ext>
           </a:extLst>
         </p:spPr>
@@ -10876,7 +10883,7 @@
           </a:ln>
           <a:extLst>
             <a:ext uri="{C572A759-6A51-4108-AA02-DFA0A04FC94B}">
-              <ma14:wrappingTextBoxFlag xmlns:ma14="http://schemas.microsoft.com/office/mac/drawingml/2011/main" xmlns:a14="http://schemas.microsoft.com/office/drawing/2010/main" xmlns:m="http://schemas.openxmlformats.org/officeDocument/2006/math" xmlns="" val="1"/>
+              <ma14:wrappingTextBoxFlag xmlns="" xmlns:m="http://schemas.openxmlformats.org/officeDocument/2006/math" xmlns:a14="http://schemas.microsoft.com/office/drawing/2010/main" xmlns:ma14="http://schemas.microsoft.com/office/mac/drawingml/2011/main" val="1"/>
             </a:ext>
           </a:extLst>
         </p:spPr>
@@ -10915,7 +10922,7 @@
           </a:ln>
           <a:extLst>
             <a:ext uri="{C572A759-6A51-4108-AA02-DFA0A04FC94B}">
-              <ma14:wrappingTextBoxFlag xmlns:ma14="http://schemas.microsoft.com/office/mac/drawingml/2011/main" xmlns:a14="http://schemas.microsoft.com/office/drawing/2010/main" xmlns:m="http://schemas.openxmlformats.org/officeDocument/2006/math" xmlns="" val="1"/>
+              <ma14:wrappingTextBoxFlag xmlns="" xmlns:m="http://schemas.openxmlformats.org/officeDocument/2006/math" xmlns:a14="http://schemas.microsoft.com/office/drawing/2010/main" xmlns:ma14="http://schemas.microsoft.com/office/mac/drawingml/2011/main" val="1"/>
             </a:ext>
           </a:extLst>
         </p:spPr>
@@ -10981,7 +10988,7 @@
           </a:ln>
           <a:extLst>
             <a:ext uri="{C572A759-6A51-4108-AA02-DFA0A04FC94B}">
-              <ma14:wrappingTextBoxFlag xmlns:ma14="http://schemas.microsoft.com/office/mac/drawingml/2011/main" xmlns:a14="http://schemas.microsoft.com/office/drawing/2010/main" xmlns:m="http://schemas.openxmlformats.org/officeDocument/2006/math" xmlns="" val="1"/>
+              <ma14:wrappingTextBoxFlag xmlns="" xmlns:m="http://schemas.openxmlformats.org/officeDocument/2006/math" xmlns:a14="http://schemas.microsoft.com/office/drawing/2010/main" xmlns:ma14="http://schemas.microsoft.com/office/mac/drawingml/2011/main" val="1"/>
             </a:ext>
           </a:extLst>
         </p:spPr>
@@ -11199,7 +11206,7 @@
           </a:ln>
           <a:extLst>
             <a:ext uri="{C572A759-6A51-4108-AA02-DFA0A04FC94B}">
-              <ma14:wrappingTextBoxFlag xmlns:ma14="http://schemas.microsoft.com/office/mac/drawingml/2011/main" xmlns:a14="http://schemas.microsoft.com/office/drawing/2010/main" xmlns:m="http://schemas.openxmlformats.org/officeDocument/2006/math" xmlns="" val="1"/>
+              <ma14:wrappingTextBoxFlag xmlns="" xmlns:m="http://schemas.openxmlformats.org/officeDocument/2006/math" xmlns:a14="http://schemas.microsoft.com/office/drawing/2010/main" xmlns:ma14="http://schemas.microsoft.com/office/mac/drawingml/2011/main" val="1"/>
             </a:ext>
           </a:extLst>
         </p:spPr>
@@ -11238,7 +11245,7 @@
           </a:ln>
           <a:extLst>
             <a:ext uri="{C572A759-6A51-4108-AA02-DFA0A04FC94B}">
-              <ma14:wrappingTextBoxFlag xmlns:ma14="http://schemas.microsoft.com/office/mac/drawingml/2011/main" xmlns:a14="http://schemas.microsoft.com/office/drawing/2010/main" xmlns:m="http://schemas.openxmlformats.org/officeDocument/2006/math" xmlns="" val="1"/>
+              <ma14:wrappingTextBoxFlag xmlns="" xmlns:m="http://schemas.openxmlformats.org/officeDocument/2006/math" xmlns:a14="http://schemas.microsoft.com/office/drawing/2010/main" xmlns:ma14="http://schemas.microsoft.com/office/mac/drawingml/2011/main" val="1"/>
             </a:ext>
           </a:extLst>
         </p:spPr>
@@ -11277,7 +11284,7 @@
           </a:ln>
           <a:extLst>
             <a:ext uri="{C572A759-6A51-4108-AA02-DFA0A04FC94B}">
-              <ma14:wrappingTextBoxFlag xmlns:ma14="http://schemas.microsoft.com/office/mac/drawingml/2011/main" xmlns:a14="http://schemas.microsoft.com/office/drawing/2010/main" xmlns:m="http://schemas.openxmlformats.org/officeDocument/2006/math" xmlns="" val="1"/>
+              <ma14:wrappingTextBoxFlag xmlns="" xmlns:m="http://schemas.openxmlformats.org/officeDocument/2006/math" xmlns:a14="http://schemas.microsoft.com/office/drawing/2010/main" xmlns:ma14="http://schemas.microsoft.com/office/mac/drawingml/2011/main" val="1"/>
             </a:ext>
           </a:extLst>
         </p:spPr>
@@ -11316,7 +11323,7 @@
           </a:ln>
           <a:extLst>
             <a:ext uri="{C572A759-6A51-4108-AA02-DFA0A04FC94B}">
-              <ma14:wrappingTextBoxFlag xmlns:ma14="http://schemas.microsoft.com/office/mac/drawingml/2011/main" xmlns:a14="http://schemas.microsoft.com/office/drawing/2010/main" xmlns:m="http://schemas.openxmlformats.org/officeDocument/2006/math" xmlns="" val="1"/>
+              <ma14:wrappingTextBoxFlag xmlns="" xmlns:m="http://schemas.openxmlformats.org/officeDocument/2006/math" xmlns:a14="http://schemas.microsoft.com/office/drawing/2010/main" xmlns:ma14="http://schemas.microsoft.com/office/mac/drawingml/2011/main" val="1"/>
             </a:ext>
           </a:extLst>
         </p:spPr>
@@ -11598,7 +11605,7 @@
           </a:ln>
           <a:extLst>
             <a:ext uri="{C572A759-6A51-4108-AA02-DFA0A04FC94B}">
-              <ma14:wrappingTextBoxFlag xmlns:ma14="http://schemas.microsoft.com/office/mac/drawingml/2011/main" xmlns:a14="http://schemas.microsoft.com/office/drawing/2010/main" xmlns:m="http://schemas.openxmlformats.org/officeDocument/2006/math" xmlns="" val="1"/>
+              <ma14:wrappingTextBoxFlag xmlns="" xmlns:m="http://schemas.openxmlformats.org/officeDocument/2006/math" xmlns:a14="http://schemas.microsoft.com/office/drawing/2010/main" xmlns:ma14="http://schemas.microsoft.com/office/mac/drawingml/2011/main" val="1"/>
             </a:ext>
           </a:extLst>
         </p:spPr>
@@ -11633,7 +11640,7 @@
           </a:ln>
           <a:extLst>
             <a:ext uri="{C572A759-6A51-4108-AA02-DFA0A04FC94B}">
-              <ma14:wrappingTextBoxFlag xmlns:ma14="http://schemas.microsoft.com/office/mac/drawingml/2011/main" xmlns:a14="http://schemas.microsoft.com/office/drawing/2010/main" xmlns:m="http://schemas.openxmlformats.org/officeDocument/2006/math" xmlns="" val="1"/>
+              <ma14:wrappingTextBoxFlag xmlns="" xmlns:m="http://schemas.openxmlformats.org/officeDocument/2006/math" xmlns:a14="http://schemas.microsoft.com/office/drawing/2010/main" xmlns:ma14="http://schemas.microsoft.com/office/mac/drawingml/2011/main" val="1"/>
             </a:ext>
           </a:extLst>
         </p:spPr>
@@ -11668,7 +11675,7 @@
           </a:ln>
           <a:extLst>
             <a:ext uri="{C572A759-6A51-4108-AA02-DFA0A04FC94B}">
-              <ma14:wrappingTextBoxFlag xmlns:ma14="http://schemas.microsoft.com/office/mac/drawingml/2011/main" xmlns:a14="http://schemas.microsoft.com/office/drawing/2010/main" xmlns:m="http://schemas.openxmlformats.org/officeDocument/2006/math" xmlns="" val="1"/>
+              <ma14:wrappingTextBoxFlag xmlns="" xmlns:m="http://schemas.openxmlformats.org/officeDocument/2006/math" xmlns:a14="http://schemas.microsoft.com/office/drawing/2010/main" xmlns:ma14="http://schemas.microsoft.com/office/mac/drawingml/2011/main" val="1"/>
             </a:ext>
           </a:extLst>
         </p:spPr>
@@ -11715,7 +11722,7 @@
           </a:ln>
           <a:extLst>
             <a:ext uri="{C572A759-6A51-4108-AA02-DFA0A04FC94B}">
-              <ma14:wrappingTextBoxFlag xmlns:ma14="http://schemas.microsoft.com/office/mac/drawingml/2011/main" xmlns:a14="http://schemas.microsoft.com/office/drawing/2010/main" xmlns:m="http://schemas.openxmlformats.org/officeDocument/2006/math" xmlns="" val="1"/>
+              <ma14:wrappingTextBoxFlag xmlns="" xmlns:m="http://schemas.openxmlformats.org/officeDocument/2006/math" xmlns:a14="http://schemas.microsoft.com/office/drawing/2010/main" xmlns:ma14="http://schemas.microsoft.com/office/mac/drawingml/2011/main" val="1"/>
             </a:ext>
           </a:extLst>
         </p:spPr>
@@ -11799,7 +11806,7 @@
           </a:ln>
           <a:extLst>
             <a:ext uri="{C572A759-6A51-4108-AA02-DFA0A04FC94B}">
-              <ma14:wrappingTextBoxFlag xmlns:ma14="http://schemas.microsoft.com/office/mac/drawingml/2011/main" xmlns:a14="http://schemas.microsoft.com/office/drawing/2010/main" xmlns:m="http://schemas.openxmlformats.org/officeDocument/2006/math" xmlns="" val="1"/>
+              <ma14:wrappingTextBoxFlag xmlns="" xmlns:m="http://schemas.openxmlformats.org/officeDocument/2006/math" xmlns:a14="http://schemas.microsoft.com/office/drawing/2010/main" xmlns:ma14="http://schemas.microsoft.com/office/mac/drawingml/2011/main" val="1"/>
             </a:ext>
           </a:extLst>
         </p:spPr>
@@ -11844,7 +11851,7 @@
           </a:ln>
           <a:extLst>
             <a:ext uri="{C572A759-6A51-4108-AA02-DFA0A04FC94B}">
-              <ma14:wrappingTextBoxFlag xmlns:ma14="http://schemas.microsoft.com/office/mac/drawingml/2011/main" xmlns:a14="http://schemas.microsoft.com/office/drawing/2010/main" xmlns:m="http://schemas.openxmlformats.org/officeDocument/2006/math" xmlns="" val="1"/>
+              <ma14:wrappingTextBoxFlag xmlns="" xmlns:m="http://schemas.openxmlformats.org/officeDocument/2006/math" xmlns:a14="http://schemas.microsoft.com/office/drawing/2010/main" xmlns:ma14="http://schemas.microsoft.com/office/mac/drawingml/2011/main" val="1"/>
             </a:ext>
           </a:extLst>
         </p:spPr>
@@ -11883,7 +11890,7 @@
           </a:ln>
           <a:extLst>
             <a:ext uri="{C572A759-6A51-4108-AA02-DFA0A04FC94B}">
-              <ma14:wrappingTextBoxFlag xmlns:ma14="http://schemas.microsoft.com/office/mac/drawingml/2011/main" xmlns:a14="http://schemas.microsoft.com/office/drawing/2010/main" xmlns:m="http://schemas.openxmlformats.org/officeDocument/2006/math" xmlns="" val="1"/>
+              <ma14:wrappingTextBoxFlag xmlns="" xmlns:m="http://schemas.openxmlformats.org/officeDocument/2006/math" xmlns:a14="http://schemas.microsoft.com/office/drawing/2010/main" xmlns:ma14="http://schemas.microsoft.com/office/mac/drawingml/2011/main" val="1"/>
             </a:ext>
           </a:extLst>
         </p:spPr>
@@ -11925,7 +11932,7 @@
           </a:ln>
           <a:extLst>
             <a:ext uri="{C572A759-6A51-4108-AA02-DFA0A04FC94B}">
-              <ma14:wrappingTextBoxFlag xmlns:ma14="http://schemas.microsoft.com/office/mac/drawingml/2011/main" xmlns:a14="http://schemas.microsoft.com/office/drawing/2010/main" xmlns:m="http://schemas.openxmlformats.org/officeDocument/2006/math" xmlns="" val="1"/>
+              <ma14:wrappingTextBoxFlag xmlns="" xmlns:m="http://schemas.openxmlformats.org/officeDocument/2006/math" xmlns:a14="http://schemas.microsoft.com/office/drawing/2010/main" xmlns:ma14="http://schemas.microsoft.com/office/mac/drawingml/2011/main" val="1"/>
             </a:ext>
           </a:extLst>
         </p:spPr>
@@ -11970,7 +11977,7 @@
           </a:ln>
           <a:extLst>
             <a:ext uri="{C572A759-6A51-4108-AA02-DFA0A04FC94B}">
-              <ma14:wrappingTextBoxFlag xmlns:ma14="http://schemas.microsoft.com/office/mac/drawingml/2011/main" xmlns:a14="http://schemas.microsoft.com/office/drawing/2010/main" xmlns:m="http://schemas.openxmlformats.org/officeDocument/2006/math" xmlns="" val="1"/>
+              <ma14:wrappingTextBoxFlag xmlns="" xmlns:m="http://schemas.openxmlformats.org/officeDocument/2006/math" xmlns:a14="http://schemas.microsoft.com/office/drawing/2010/main" xmlns:ma14="http://schemas.microsoft.com/office/mac/drawingml/2011/main" val="1"/>
             </a:ext>
           </a:extLst>
         </p:spPr>
@@ -12012,7 +12019,7 @@
           </a:ln>
           <a:extLst>
             <a:ext uri="{C572A759-6A51-4108-AA02-DFA0A04FC94B}">
-              <ma14:wrappingTextBoxFlag xmlns:ma14="http://schemas.microsoft.com/office/mac/drawingml/2011/main" xmlns:a14="http://schemas.microsoft.com/office/drawing/2010/main" xmlns:m="http://schemas.openxmlformats.org/officeDocument/2006/math" xmlns="" val="1"/>
+              <ma14:wrappingTextBoxFlag xmlns="" xmlns:m="http://schemas.openxmlformats.org/officeDocument/2006/math" xmlns:a14="http://schemas.microsoft.com/office/drawing/2010/main" xmlns:ma14="http://schemas.microsoft.com/office/mac/drawingml/2011/main" val="1"/>
             </a:ext>
           </a:extLst>
         </p:spPr>
@@ -12057,7 +12064,7 @@
           </a:ln>
           <a:extLst>
             <a:ext uri="{C572A759-6A51-4108-AA02-DFA0A04FC94B}">
-              <ma14:wrappingTextBoxFlag xmlns:ma14="http://schemas.microsoft.com/office/mac/drawingml/2011/main" xmlns:a14="http://schemas.microsoft.com/office/drawing/2010/main" xmlns:m="http://schemas.openxmlformats.org/officeDocument/2006/math" xmlns="" val="1"/>
+              <ma14:wrappingTextBoxFlag xmlns="" xmlns:m="http://schemas.openxmlformats.org/officeDocument/2006/math" xmlns:a14="http://schemas.microsoft.com/office/drawing/2010/main" xmlns:ma14="http://schemas.microsoft.com/office/mac/drawingml/2011/main" val="1"/>
             </a:ext>
           </a:extLst>
         </p:spPr>
@@ -12096,7 +12103,7 @@
           </a:ln>
           <a:extLst>
             <a:ext uri="{C572A759-6A51-4108-AA02-DFA0A04FC94B}">
-              <ma14:wrappingTextBoxFlag xmlns:ma14="http://schemas.microsoft.com/office/mac/drawingml/2011/main" xmlns:a14="http://schemas.microsoft.com/office/drawing/2010/main" xmlns:m="http://schemas.openxmlformats.org/officeDocument/2006/math" xmlns="" val="1"/>
+              <ma14:wrappingTextBoxFlag xmlns="" xmlns:m="http://schemas.openxmlformats.org/officeDocument/2006/math" xmlns:a14="http://schemas.microsoft.com/office/drawing/2010/main" xmlns:ma14="http://schemas.microsoft.com/office/mac/drawingml/2011/main" val="1"/>
             </a:ext>
           </a:extLst>
         </p:spPr>
@@ -12162,7 +12169,7 @@
           </a:ln>
           <a:extLst>
             <a:ext uri="{C572A759-6A51-4108-AA02-DFA0A04FC94B}">
-              <ma14:wrappingTextBoxFlag xmlns:ma14="http://schemas.microsoft.com/office/mac/drawingml/2011/main" xmlns:a14="http://schemas.microsoft.com/office/drawing/2010/main" xmlns:m="http://schemas.openxmlformats.org/officeDocument/2006/math" xmlns="" val="1"/>
+              <ma14:wrappingTextBoxFlag xmlns="" xmlns:m="http://schemas.openxmlformats.org/officeDocument/2006/math" xmlns:a14="http://schemas.microsoft.com/office/drawing/2010/main" xmlns:ma14="http://schemas.microsoft.com/office/mac/drawingml/2011/main" val="1"/>
             </a:ext>
           </a:extLst>
         </p:spPr>
@@ -12267,7 +12274,7 @@
           </a:ln>
           <a:extLst>
             <a:ext uri="{C572A759-6A51-4108-AA02-DFA0A04FC94B}">
-              <ma14:wrappingTextBoxFlag xmlns:ma14="http://schemas.microsoft.com/office/mac/drawingml/2011/main" xmlns:a14="http://schemas.microsoft.com/office/drawing/2010/main" xmlns:m="http://schemas.openxmlformats.org/officeDocument/2006/math" xmlns="" val="1"/>
+              <ma14:wrappingTextBoxFlag xmlns="" xmlns:m="http://schemas.openxmlformats.org/officeDocument/2006/math" xmlns:a14="http://schemas.microsoft.com/office/drawing/2010/main" xmlns:ma14="http://schemas.microsoft.com/office/mac/drawingml/2011/main" val="1"/>
             </a:ext>
           </a:extLst>
         </p:spPr>
@@ -12314,7 +12321,7 @@
           </a:ln>
           <a:extLst>
             <a:ext uri="{C572A759-6A51-4108-AA02-DFA0A04FC94B}">
-              <ma14:wrappingTextBoxFlag xmlns:ma14="http://schemas.microsoft.com/office/mac/drawingml/2011/main" xmlns:a14="http://schemas.microsoft.com/office/drawing/2010/main" xmlns:m="http://schemas.openxmlformats.org/officeDocument/2006/math" xmlns="" val="1"/>
+              <ma14:wrappingTextBoxFlag xmlns="" xmlns:m="http://schemas.openxmlformats.org/officeDocument/2006/math" xmlns:a14="http://schemas.microsoft.com/office/drawing/2010/main" xmlns:ma14="http://schemas.microsoft.com/office/mac/drawingml/2011/main" val="1"/>
             </a:ext>
           </a:extLst>
         </p:spPr>
@@ -12353,7 +12360,7 @@
           </a:ln>
           <a:extLst>
             <a:ext uri="{C572A759-6A51-4108-AA02-DFA0A04FC94B}">
-              <ma14:wrappingTextBoxFlag xmlns:ma14="http://schemas.microsoft.com/office/mac/drawingml/2011/main" xmlns:a14="http://schemas.microsoft.com/office/drawing/2010/main" xmlns:m="http://schemas.openxmlformats.org/officeDocument/2006/math" xmlns="" val="1"/>
+              <ma14:wrappingTextBoxFlag xmlns="" xmlns:m="http://schemas.openxmlformats.org/officeDocument/2006/math" xmlns:a14="http://schemas.microsoft.com/office/drawing/2010/main" xmlns:ma14="http://schemas.microsoft.com/office/mac/drawingml/2011/main" val="1"/>
             </a:ext>
           </a:extLst>
         </p:spPr>
@@ -12635,7 +12642,7 @@
           </a:ln>
           <a:extLst>
             <a:ext uri="{C572A759-6A51-4108-AA02-DFA0A04FC94B}">
-              <ma14:wrappingTextBoxFlag xmlns:ma14="http://schemas.microsoft.com/office/mac/drawingml/2011/main" xmlns:a14="http://schemas.microsoft.com/office/drawing/2010/main" xmlns:m="http://schemas.openxmlformats.org/officeDocument/2006/math" xmlns="" val="1"/>
+              <ma14:wrappingTextBoxFlag xmlns="" xmlns:m="http://schemas.openxmlformats.org/officeDocument/2006/math" xmlns:a14="http://schemas.microsoft.com/office/drawing/2010/main" xmlns:ma14="http://schemas.microsoft.com/office/mac/drawingml/2011/main" val="1"/>
             </a:ext>
           </a:extLst>
         </p:spPr>
@@ -12670,7 +12677,7 @@
           </a:ln>
           <a:extLst>
             <a:ext uri="{C572A759-6A51-4108-AA02-DFA0A04FC94B}">
-              <ma14:wrappingTextBoxFlag xmlns:ma14="http://schemas.microsoft.com/office/mac/drawingml/2011/main" xmlns:a14="http://schemas.microsoft.com/office/drawing/2010/main" xmlns:m="http://schemas.openxmlformats.org/officeDocument/2006/math" xmlns="" val="1"/>
+              <ma14:wrappingTextBoxFlag xmlns="" xmlns:m="http://schemas.openxmlformats.org/officeDocument/2006/math" xmlns:a14="http://schemas.microsoft.com/office/drawing/2010/main" xmlns:ma14="http://schemas.microsoft.com/office/mac/drawingml/2011/main" val="1"/>
             </a:ext>
           </a:extLst>
         </p:spPr>
@@ -12705,7 +12712,7 @@
           </a:ln>
           <a:extLst>
             <a:ext uri="{C572A759-6A51-4108-AA02-DFA0A04FC94B}">
-              <ma14:wrappingTextBoxFlag xmlns:ma14="http://schemas.microsoft.com/office/mac/drawingml/2011/main" xmlns:a14="http://schemas.microsoft.com/office/drawing/2010/main" xmlns:m="http://schemas.openxmlformats.org/officeDocument/2006/math" xmlns="" val="1"/>
+              <ma14:wrappingTextBoxFlag xmlns="" xmlns:m="http://schemas.openxmlformats.org/officeDocument/2006/math" xmlns:a14="http://schemas.microsoft.com/office/drawing/2010/main" xmlns:ma14="http://schemas.microsoft.com/office/mac/drawingml/2011/main" val="1"/>
             </a:ext>
           </a:extLst>
         </p:spPr>
@@ -12752,7 +12759,7 @@
           </a:ln>
           <a:extLst>
             <a:ext uri="{C572A759-6A51-4108-AA02-DFA0A04FC94B}">
-              <ma14:wrappingTextBoxFlag xmlns:ma14="http://schemas.microsoft.com/office/mac/drawingml/2011/main" xmlns:a14="http://schemas.microsoft.com/office/drawing/2010/main" xmlns:m="http://schemas.openxmlformats.org/officeDocument/2006/math" xmlns="" val="1"/>
+              <ma14:wrappingTextBoxFlag xmlns="" xmlns:m="http://schemas.openxmlformats.org/officeDocument/2006/math" xmlns:a14="http://schemas.microsoft.com/office/drawing/2010/main" xmlns:ma14="http://schemas.microsoft.com/office/mac/drawingml/2011/main" val="1"/>
             </a:ext>
           </a:extLst>
         </p:spPr>
@@ -12836,7 +12843,7 @@
           </a:ln>
           <a:extLst>
             <a:ext uri="{C572A759-6A51-4108-AA02-DFA0A04FC94B}">
-              <ma14:wrappingTextBoxFlag xmlns:ma14="http://schemas.microsoft.com/office/mac/drawingml/2011/main" xmlns:a14="http://schemas.microsoft.com/office/drawing/2010/main" xmlns:m="http://schemas.openxmlformats.org/officeDocument/2006/math" xmlns="" val="1"/>
+              <ma14:wrappingTextBoxFlag xmlns="" xmlns:m="http://schemas.openxmlformats.org/officeDocument/2006/math" xmlns:a14="http://schemas.microsoft.com/office/drawing/2010/main" xmlns:ma14="http://schemas.microsoft.com/office/mac/drawingml/2011/main" val="1"/>
             </a:ext>
           </a:extLst>
         </p:spPr>
@@ -12881,7 +12888,7 @@
           </a:ln>
           <a:extLst>
             <a:ext uri="{C572A759-6A51-4108-AA02-DFA0A04FC94B}">
-              <ma14:wrappingTextBoxFlag xmlns:ma14="http://schemas.microsoft.com/office/mac/drawingml/2011/main" xmlns:a14="http://schemas.microsoft.com/office/drawing/2010/main" xmlns:m="http://schemas.openxmlformats.org/officeDocument/2006/math" xmlns="" val="1"/>
+              <ma14:wrappingTextBoxFlag xmlns="" xmlns:m="http://schemas.openxmlformats.org/officeDocument/2006/math" xmlns:a14="http://schemas.microsoft.com/office/drawing/2010/main" xmlns:ma14="http://schemas.microsoft.com/office/mac/drawingml/2011/main" val="1"/>
             </a:ext>
           </a:extLst>
         </p:spPr>
@@ -12920,7 +12927,7 @@
           </a:ln>
           <a:extLst>
             <a:ext uri="{C572A759-6A51-4108-AA02-DFA0A04FC94B}">
-              <ma14:wrappingTextBoxFlag xmlns:ma14="http://schemas.microsoft.com/office/mac/drawingml/2011/main" xmlns:a14="http://schemas.microsoft.com/office/drawing/2010/main" xmlns:m="http://schemas.openxmlformats.org/officeDocument/2006/math" xmlns="" val="1"/>
+              <ma14:wrappingTextBoxFlag xmlns="" xmlns:m="http://schemas.openxmlformats.org/officeDocument/2006/math" xmlns:a14="http://schemas.microsoft.com/office/drawing/2010/main" xmlns:ma14="http://schemas.microsoft.com/office/mac/drawingml/2011/main" val="1"/>
             </a:ext>
           </a:extLst>
         </p:spPr>
@@ -12962,7 +12969,7 @@
           </a:ln>
           <a:extLst>
             <a:ext uri="{C572A759-6A51-4108-AA02-DFA0A04FC94B}">
-              <ma14:wrappingTextBoxFlag xmlns:ma14="http://schemas.microsoft.com/office/mac/drawingml/2011/main" xmlns:a14="http://schemas.microsoft.com/office/drawing/2010/main" xmlns:m="http://schemas.openxmlformats.org/officeDocument/2006/math" xmlns="" val="1"/>
+              <ma14:wrappingTextBoxFlag xmlns="" xmlns:m="http://schemas.openxmlformats.org/officeDocument/2006/math" xmlns:a14="http://schemas.microsoft.com/office/drawing/2010/main" xmlns:ma14="http://schemas.microsoft.com/office/mac/drawingml/2011/main" val="1"/>
             </a:ext>
           </a:extLst>
         </p:spPr>
@@ -13007,7 +13014,7 @@
           </a:ln>
           <a:extLst>
             <a:ext uri="{C572A759-6A51-4108-AA02-DFA0A04FC94B}">
-              <ma14:wrappingTextBoxFlag xmlns:ma14="http://schemas.microsoft.com/office/mac/drawingml/2011/main" xmlns:a14="http://schemas.microsoft.com/office/drawing/2010/main" xmlns:m="http://schemas.openxmlformats.org/officeDocument/2006/math" xmlns="" val="1"/>
+              <ma14:wrappingTextBoxFlag xmlns="" xmlns:m="http://schemas.openxmlformats.org/officeDocument/2006/math" xmlns:a14="http://schemas.microsoft.com/office/drawing/2010/main" xmlns:ma14="http://schemas.microsoft.com/office/mac/drawingml/2011/main" val="1"/>
             </a:ext>
           </a:extLst>
         </p:spPr>
@@ -13049,7 +13056,7 @@
           </a:ln>
           <a:extLst>
             <a:ext uri="{C572A759-6A51-4108-AA02-DFA0A04FC94B}">
-              <ma14:wrappingTextBoxFlag xmlns:ma14="http://schemas.microsoft.com/office/mac/drawingml/2011/main" xmlns:a14="http://schemas.microsoft.com/office/drawing/2010/main" xmlns:m="http://schemas.openxmlformats.org/officeDocument/2006/math" xmlns="" val="1"/>
+              <ma14:wrappingTextBoxFlag xmlns="" xmlns:m="http://schemas.openxmlformats.org/officeDocument/2006/math" xmlns:a14="http://schemas.microsoft.com/office/drawing/2010/main" xmlns:ma14="http://schemas.microsoft.com/office/mac/drawingml/2011/main" val="1"/>
             </a:ext>
           </a:extLst>
         </p:spPr>
@@ -13094,7 +13101,7 @@
           </a:ln>
           <a:extLst>
             <a:ext uri="{C572A759-6A51-4108-AA02-DFA0A04FC94B}">
-              <ma14:wrappingTextBoxFlag xmlns:ma14="http://schemas.microsoft.com/office/mac/drawingml/2011/main" xmlns:a14="http://schemas.microsoft.com/office/drawing/2010/main" xmlns:m="http://schemas.openxmlformats.org/officeDocument/2006/math" xmlns="" val="1"/>
+              <ma14:wrappingTextBoxFlag xmlns="" xmlns:m="http://schemas.openxmlformats.org/officeDocument/2006/math" xmlns:a14="http://schemas.microsoft.com/office/drawing/2010/main" xmlns:ma14="http://schemas.microsoft.com/office/mac/drawingml/2011/main" val="1"/>
             </a:ext>
           </a:extLst>
         </p:spPr>
@@ -13133,7 +13140,7 @@
           </a:ln>
           <a:extLst>
             <a:ext uri="{C572A759-6A51-4108-AA02-DFA0A04FC94B}">
-              <ma14:wrappingTextBoxFlag xmlns:ma14="http://schemas.microsoft.com/office/mac/drawingml/2011/main" xmlns:a14="http://schemas.microsoft.com/office/drawing/2010/main" xmlns:m="http://schemas.openxmlformats.org/officeDocument/2006/math" xmlns="" val="1"/>
+              <ma14:wrappingTextBoxFlag xmlns="" xmlns:m="http://schemas.openxmlformats.org/officeDocument/2006/math" xmlns:a14="http://schemas.microsoft.com/office/drawing/2010/main" xmlns:ma14="http://schemas.microsoft.com/office/mac/drawingml/2011/main" val="1"/>
             </a:ext>
           </a:extLst>
         </p:spPr>
@@ -13199,7 +13206,7 @@
           </a:ln>
           <a:extLst>
             <a:ext uri="{C572A759-6A51-4108-AA02-DFA0A04FC94B}">
-              <ma14:wrappingTextBoxFlag xmlns:ma14="http://schemas.microsoft.com/office/mac/drawingml/2011/main" xmlns:a14="http://schemas.microsoft.com/office/drawing/2010/main" xmlns:m="http://schemas.openxmlformats.org/officeDocument/2006/math" xmlns="" val="1"/>
+              <ma14:wrappingTextBoxFlag xmlns="" xmlns:m="http://schemas.openxmlformats.org/officeDocument/2006/math" xmlns:a14="http://schemas.microsoft.com/office/drawing/2010/main" xmlns:ma14="http://schemas.microsoft.com/office/mac/drawingml/2011/main" val="1"/>
             </a:ext>
           </a:extLst>
         </p:spPr>
@@ -13304,7 +13311,7 @@
           </a:ln>
           <a:extLst>
             <a:ext uri="{C572A759-6A51-4108-AA02-DFA0A04FC94B}">
-              <ma14:wrappingTextBoxFlag xmlns:ma14="http://schemas.microsoft.com/office/mac/drawingml/2011/main" xmlns:a14="http://schemas.microsoft.com/office/drawing/2010/main" xmlns:m="http://schemas.openxmlformats.org/officeDocument/2006/math" xmlns="" val="1"/>
+              <ma14:wrappingTextBoxFlag xmlns="" xmlns:m="http://schemas.openxmlformats.org/officeDocument/2006/math" xmlns:a14="http://schemas.microsoft.com/office/drawing/2010/main" xmlns:ma14="http://schemas.microsoft.com/office/mac/drawingml/2011/main" val="1"/>
             </a:ext>
           </a:extLst>
         </p:spPr>
@@ -13351,7 +13358,7 @@
           </a:ln>
           <a:extLst>
             <a:ext uri="{C572A759-6A51-4108-AA02-DFA0A04FC94B}">
-              <ma14:wrappingTextBoxFlag xmlns:ma14="http://schemas.microsoft.com/office/mac/drawingml/2011/main" xmlns:a14="http://schemas.microsoft.com/office/drawing/2010/main" xmlns:m="http://schemas.openxmlformats.org/officeDocument/2006/math" xmlns="" val="1"/>
+              <ma14:wrappingTextBoxFlag xmlns="" xmlns:m="http://schemas.openxmlformats.org/officeDocument/2006/math" xmlns:a14="http://schemas.microsoft.com/office/drawing/2010/main" xmlns:ma14="http://schemas.microsoft.com/office/mac/drawingml/2011/main" val="1"/>
             </a:ext>
           </a:extLst>
         </p:spPr>
@@ -13390,7 +13397,7 @@
           </a:ln>
           <a:extLst>
             <a:ext uri="{C572A759-6A51-4108-AA02-DFA0A04FC94B}">
-              <ma14:wrappingTextBoxFlag xmlns:ma14="http://schemas.microsoft.com/office/mac/drawingml/2011/main" xmlns:a14="http://schemas.microsoft.com/office/drawing/2010/main" xmlns:m="http://schemas.openxmlformats.org/officeDocument/2006/math" xmlns="" val="1"/>
+              <ma14:wrappingTextBoxFlag xmlns="" xmlns:m="http://schemas.openxmlformats.org/officeDocument/2006/math" xmlns:a14="http://schemas.microsoft.com/office/drawing/2010/main" xmlns:ma14="http://schemas.microsoft.com/office/mac/drawingml/2011/main" val="1"/>
             </a:ext>
           </a:extLst>
         </p:spPr>
@@ -13488,7 +13495,7 @@
           </a:ln>
           <a:extLst>
             <a:ext uri="{C572A759-6A51-4108-AA02-DFA0A04FC94B}">
-              <ma14:wrappingTextBoxFlag xmlns:ma14="http://schemas.microsoft.com/office/mac/drawingml/2011/main" xmlns:a14="http://schemas.microsoft.com/office/drawing/2010/main" xmlns:m="http://schemas.openxmlformats.org/officeDocument/2006/math" xmlns="" val="1"/>
+              <ma14:wrappingTextBoxFlag xmlns="" xmlns:m="http://schemas.openxmlformats.org/officeDocument/2006/math" xmlns:a14="http://schemas.microsoft.com/office/drawing/2010/main" xmlns:ma14="http://schemas.microsoft.com/office/mac/drawingml/2011/main" val="1"/>
             </a:ext>
           </a:extLst>
         </p:spPr>
@@ -13752,7 +13759,7 @@
           </a:ln>
           <a:extLst>
             <a:ext uri="{C572A759-6A51-4108-AA02-DFA0A04FC94B}">
-              <ma14:wrappingTextBoxFlag xmlns:ma14="http://schemas.microsoft.com/office/mac/drawingml/2011/main" xmlns:a14="http://schemas.microsoft.com/office/drawing/2010/main" xmlns:m="http://schemas.openxmlformats.org/officeDocument/2006/math" xmlns="" val="1"/>
+              <ma14:wrappingTextBoxFlag xmlns="" xmlns:m="http://schemas.openxmlformats.org/officeDocument/2006/math" xmlns:a14="http://schemas.microsoft.com/office/drawing/2010/main" xmlns:ma14="http://schemas.microsoft.com/office/mac/drawingml/2011/main" val="1"/>
             </a:ext>
           </a:extLst>
         </p:spPr>
@@ -13787,7 +13794,7 @@
           </a:ln>
           <a:extLst>
             <a:ext uri="{C572A759-6A51-4108-AA02-DFA0A04FC94B}">
-              <ma14:wrappingTextBoxFlag xmlns:ma14="http://schemas.microsoft.com/office/mac/drawingml/2011/main" xmlns:a14="http://schemas.microsoft.com/office/drawing/2010/main" xmlns:m="http://schemas.openxmlformats.org/officeDocument/2006/math" xmlns="" val="1"/>
+              <ma14:wrappingTextBoxFlag xmlns="" xmlns:m="http://schemas.openxmlformats.org/officeDocument/2006/math" xmlns:a14="http://schemas.microsoft.com/office/drawing/2010/main" xmlns:ma14="http://schemas.microsoft.com/office/mac/drawingml/2011/main" val="1"/>
             </a:ext>
           </a:extLst>
         </p:spPr>
@@ -13822,7 +13829,7 @@
           </a:ln>
           <a:extLst>
             <a:ext uri="{C572A759-6A51-4108-AA02-DFA0A04FC94B}">
-              <ma14:wrappingTextBoxFlag xmlns:ma14="http://schemas.microsoft.com/office/mac/drawingml/2011/main" xmlns:a14="http://schemas.microsoft.com/office/drawing/2010/main" xmlns:m="http://schemas.openxmlformats.org/officeDocument/2006/math" xmlns="" val="1"/>
+              <ma14:wrappingTextBoxFlag xmlns="" xmlns:m="http://schemas.openxmlformats.org/officeDocument/2006/math" xmlns:a14="http://schemas.microsoft.com/office/drawing/2010/main" xmlns:ma14="http://schemas.microsoft.com/office/mac/drawingml/2011/main" val="1"/>
             </a:ext>
           </a:extLst>
         </p:spPr>
@@ -13972,7 +13979,7 @@
           </a:ln>
           <a:extLst>
             <a:ext uri="{C572A759-6A51-4108-AA02-DFA0A04FC94B}">
-              <ma14:wrappingTextBoxFlag xmlns:ma14="http://schemas.microsoft.com/office/mac/drawingml/2011/main" xmlns:a14="http://schemas.microsoft.com/office/drawing/2010/main" xmlns:m="http://schemas.openxmlformats.org/officeDocument/2006/math" xmlns="" val="1"/>
+              <ma14:wrappingTextBoxFlag xmlns="" xmlns:m="http://schemas.openxmlformats.org/officeDocument/2006/math" xmlns:a14="http://schemas.microsoft.com/office/drawing/2010/main" xmlns:ma14="http://schemas.microsoft.com/office/mac/drawingml/2011/main" val="1"/>
             </a:ext>
           </a:extLst>
         </p:spPr>
@@ -14011,7 +14018,7 @@
           </a:ln>
           <a:extLst>
             <a:ext uri="{C572A759-6A51-4108-AA02-DFA0A04FC94B}">
-              <ma14:wrappingTextBoxFlag xmlns:ma14="http://schemas.microsoft.com/office/mac/drawingml/2011/main" xmlns:a14="http://schemas.microsoft.com/office/drawing/2010/main" xmlns:m="http://schemas.openxmlformats.org/officeDocument/2006/math" xmlns="" val="1"/>
+              <ma14:wrappingTextBoxFlag xmlns="" xmlns:m="http://schemas.openxmlformats.org/officeDocument/2006/math" xmlns:a14="http://schemas.microsoft.com/office/drawing/2010/main" xmlns:ma14="http://schemas.microsoft.com/office/mac/drawingml/2011/main" val="1"/>
             </a:ext>
           </a:extLst>
         </p:spPr>
@@ -14161,7 +14168,7 @@
           </a:ln>
           <a:extLst>
             <a:ext uri="{C572A759-6A51-4108-AA02-DFA0A04FC94B}">
-              <ma14:wrappingTextBoxFlag xmlns:ma14="http://schemas.microsoft.com/office/mac/drawingml/2011/main" xmlns:a14="http://schemas.microsoft.com/office/drawing/2010/main" xmlns:m="http://schemas.openxmlformats.org/officeDocument/2006/math" xmlns="" val="1"/>
+              <ma14:wrappingTextBoxFlag xmlns="" xmlns:m="http://schemas.openxmlformats.org/officeDocument/2006/math" xmlns:a14="http://schemas.microsoft.com/office/drawing/2010/main" xmlns:ma14="http://schemas.microsoft.com/office/mac/drawingml/2011/main" val="1"/>
             </a:ext>
           </a:extLst>
         </p:spPr>
@@ -14410,7 +14417,7 @@
           </a:ln>
           <a:extLst>
             <a:ext uri="{C572A759-6A51-4108-AA02-DFA0A04FC94B}">
-              <ma14:wrappingTextBoxFlag xmlns:ma14="http://schemas.microsoft.com/office/mac/drawingml/2011/main" xmlns:a14="http://schemas.microsoft.com/office/drawing/2010/main" xmlns:m="http://schemas.openxmlformats.org/officeDocument/2006/math" xmlns="" val="1"/>
+              <ma14:wrappingTextBoxFlag xmlns="" xmlns:m="http://schemas.openxmlformats.org/officeDocument/2006/math" xmlns:a14="http://schemas.microsoft.com/office/drawing/2010/main" xmlns:ma14="http://schemas.microsoft.com/office/mac/drawingml/2011/main" val="1"/>
             </a:ext>
           </a:extLst>
         </p:spPr>
@@ -14445,7 +14452,7 @@
           </a:ln>
           <a:extLst>
             <a:ext uri="{C572A759-6A51-4108-AA02-DFA0A04FC94B}">
-              <ma14:wrappingTextBoxFlag xmlns:ma14="http://schemas.microsoft.com/office/mac/drawingml/2011/main" xmlns:a14="http://schemas.microsoft.com/office/drawing/2010/main" xmlns:m="http://schemas.openxmlformats.org/officeDocument/2006/math" xmlns="" val="1"/>
+              <ma14:wrappingTextBoxFlag xmlns="" xmlns:m="http://schemas.openxmlformats.org/officeDocument/2006/math" xmlns:a14="http://schemas.microsoft.com/office/drawing/2010/main" xmlns:ma14="http://schemas.microsoft.com/office/mac/drawingml/2011/main" val="1"/>
             </a:ext>
           </a:extLst>
         </p:spPr>
@@ -14480,7 +14487,7 @@
           </a:ln>
           <a:extLst>
             <a:ext uri="{C572A759-6A51-4108-AA02-DFA0A04FC94B}">
-              <ma14:wrappingTextBoxFlag xmlns:ma14="http://schemas.microsoft.com/office/mac/drawingml/2011/main" xmlns:a14="http://schemas.microsoft.com/office/drawing/2010/main" xmlns:m="http://schemas.openxmlformats.org/officeDocument/2006/math" xmlns="" val="1"/>
+              <ma14:wrappingTextBoxFlag xmlns="" xmlns:m="http://schemas.openxmlformats.org/officeDocument/2006/math" xmlns:a14="http://schemas.microsoft.com/office/drawing/2010/main" xmlns:ma14="http://schemas.microsoft.com/office/mac/drawingml/2011/main" val="1"/>
             </a:ext>
           </a:extLst>
         </p:spPr>
@@ -14519,7 +14526,7 @@
           </a:ln>
           <a:extLst>
             <a:ext uri="{C572A759-6A51-4108-AA02-DFA0A04FC94B}">
-              <ma14:wrappingTextBoxFlag xmlns:ma14="http://schemas.microsoft.com/office/mac/drawingml/2011/main" xmlns:a14="http://schemas.microsoft.com/office/drawing/2010/main" xmlns:m="http://schemas.openxmlformats.org/officeDocument/2006/math" xmlns="" val="1"/>
+              <ma14:wrappingTextBoxFlag xmlns="" xmlns:m="http://schemas.openxmlformats.org/officeDocument/2006/math" xmlns:a14="http://schemas.microsoft.com/office/drawing/2010/main" xmlns:ma14="http://schemas.microsoft.com/office/mac/drawingml/2011/main" val="1"/>
             </a:ext>
           </a:extLst>
         </p:spPr>
@@ -14572,7 +14579,7 @@
           </a:ln>
           <a:extLst>
             <a:ext uri="{C572A759-6A51-4108-AA02-DFA0A04FC94B}">
-              <ma14:wrappingTextBoxFlag xmlns:ma14="http://schemas.microsoft.com/office/mac/drawingml/2011/main" xmlns:a14="http://schemas.microsoft.com/office/drawing/2010/main" xmlns:m="http://schemas.openxmlformats.org/officeDocument/2006/math" xmlns="" val="1"/>
+              <ma14:wrappingTextBoxFlag xmlns="" xmlns:m="http://schemas.openxmlformats.org/officeDocument/2006/math" xmlns:a14="http://schemas.microsoft.com/office/drawing/2010/main" xmlns:ma14="http://schemas.microsoft.com/office/mac/drawingml/2011/main" val="1"/>
             </a:ext>
           </a:extLst>
         </p:spPr>
@@ -14722,7 +14729,7 @@
           </a:ln>
           <a:extLst>
             <a:ext uri="{C572A759-6A51-4108-AA02-DFA0A04FC94B}">
-              <ma14:wrappingTextBoxFlag xmlns:ma14="http://schemas.microsoft.com/office/mac/drawingml/2011/main" xmlns:a14="http://schemas.microsoft.com/office/drawing/2010/main" xmlns:m="http://schemas.openxmlformats.org/officeDocument/2006/math" xmlns="" val="1"/>
+              <ma14:wrappingTextBoxFlag xmlns="" xmlns:m="http://schemas.openxmlformats.org/officeDocument/2006/math" xmlns:a14="http://schemas.microsoft.com/office/drawing/2010/main" xmlns:ma14="http://schemas.microsoft.com/office/mac/drawingml/2011/main" val="1"/>
             </a:ext>
           </a:extLst>
         </p:spPr>
@@ -14761,7 +14768,7 @@
           </a:ln>
           <a:extLst>
             <a:ext uri="{C572A759-6A51-4108-AA02-DFA0A04FC94B}">
-              <ma14:wrappingTextBoxFlag xmlns:ma14="http://schemas.microsoft.com/office/mac/drawingml/2011/main" xmlns:a14="http://schemas.microsoft.com/office/drawing/2010/main" xmlns:m="http://schemas.openxmlformats.org/officeDocument/2006/math" xmlns="" val="1"/>
+              <ma14:wrappingTextBoxFlag xmlns="" xmlns:m="http://schemas.openxmlformats.org/officeDocument/2006/math" xmlns:a14="http://schemas.microsoft.com/office/drawing/2010/main" xmlns:ma14="http://schemas.microsoft.com/office/mac/drawingml/2011/main" val="1"/>
             </a:ext>
           </a:extLst>
         </p:spPr>
@@ -14911,7 +14918,7 @@
           </a:ln>
           <a:extLst>
             <a:ext uri="{C572A759-6A51-4108-AA02-DFA0A04FC94B}">
-              <ma14:wrappingTextBoxFlag xmlns:ma14="http://schemas.microsoft.com/office/mac/drawingml/2011/main" xmlns:a14="http://schemas.microsoft.com/office/drawing/2010/main" xmlns:m="http://schemas.openxmlformats.org/officeDocument/2006/math" xmlns="" val="1"/>
+              <ma14:wrappingTextBoxFlag xmlns="" xmlns:m="http://schemas.openxmlformats.org/officeDocument/2006/math" xmlns:a14="http://schemas.microsoft.com/office/drawing/2010/main" xmlns:ma14="http://schemas.microsoft.com/office/mac/drawingml/2011/main" val="1"/>
             </a:ext>
           </a:extLst>
         </p:spPr>
@@ -15365,7 +15372,7 @@
           </a:ln>
           <a:extLst>
             <a:ext uri="{C572A759-6A51-4108-AA02-DFA0A04FC94B}">
-              <ma14:wrappingTextBoxFlag xmlns:ma14="http://schemas.microsoft.com/office/mac/drawingml/2011/main" xmlns:a14="http://schemas.microsoft.com/office/drawing/2010/main" xmlns:m="http://schemas.openxmlformats.org/officeDocument/2006/math" xmlns="" val="1"/>
+              <ma14:wrappingTextBoxFlag xmlns="" xmlns:m="http://schemas.openxmlformats.org/officeDocument/2006/math" xmlns:a14="http://schemas.microsoft.com/office/drawing/2010/main" xmlns:ma14="http://schemas.microsoft.com/office/mac/drawingml/2011/main" val="1"/>
             </a:ext>
           </a:extLst>
         </p:spPr>
@@ -15400,7 +15407,7 @@
           </a:ln>
           <a:extLst>
             <a:ext uri="{C572A759-6A51-4108-AA02-DFA0A04FC94B}">
-              <ma14:wrappingTextBoxFlag xmlns:ma14="http://schemas.microsoft.com/office/mac/drawingml/2011/main" xmlns:a14="http://schemas.microsoft.com/office/drawing/2010/main" xmlns:m="http://schemas.openxmlformats.org/officeDocument/2006/math" xmlns="" val="1"/>
+              <ma14:wrappingTextBoxFlag xmlns="" xmlns:m="http://schemas.openxmlformats.org/officeDocument/2006/math" xmlns:a14="http://schemas.microsoft.com/office/drawing/2010/main" xmlns:ma14="http://schemas.microsoft.com/office/mac/drawingml/2011/main" val="1"/>
             </a:ext>
           </a:extLst>
         </p:spPr>
@@ -15438,7 +15445,7 @@
           </a:ln>
           <a:extLst>
             <a:ext uri="{C572A759-6A51-4108-AA02-DFA0A04FC94B}">
-              <ma14:wrappingTextBoxFlag xmlns:ma14="http://schemas.microsoft.com/office/mac/drawingml/2011/main" xmlns:a14="http://schemas.microsoft.com/office/drawing/2010/main" xmlns:m="http://schemas.openxmlformats.org/officeDocument/2006/math" xmlns="" val="1"/>
+              <ma14:wrappingTextBoxFlag xmlns="" xmlns:m="http://schemas.openxmlformats.org/officeDocument/2006/math" xmlns:a14="http://schemas.microsoft.com/office/drawing/2010/main" xmlns:ma14="http://schemas.microsoft.com/office/mac/drawingml/2011/main" val="1"/>
             </a:ext>
           </a:extLst>
         </p:spPr>
@@ -15483,7 +15490,7 @@
           </a:ln>
           <a:extLst>
             <a:ext uri="{C572A759-6A51-4108-AA02-DFA0A04FC94B}">
-              <ma14:wrappingTextBoxFlag xmlns:ma14="http://schemas.microsoft.com/office/mac/drawingml/2011/main" xmlns:a14="http://schemas.microsoft.com/office/drawing/2010/main" xmlns:m="http://schemas.openxmlformats.org/officeDocument/2006/math" xmlns="" val="1"/>
+              <ma14:wrappingTextBoxFlag xmlns="" xmlns:m="http://schemas.openxmlformats.org/officeDocument/2006/math" xmlns:a14="http://schemas.microsoft.com/office/drawing/2010/main" xmlns:ma14="http://schemas.microsoft.com/office/mac/drawingml/2011/main" val="1"/>
             </a:ext>
           </a:extLst>
         </p:spPr>
@@ -15525,7 +15532,7 @@
           </a:ln>
           <a:extLst>
             <a:ext uri="{C572A759-6A51-4108-AA02-DFA0A04FC94B}">
-              <ma14:wrappingTextBoxFlag xmlns:ma14="http://schemas.microsoft.com/office/mac/drawingml/2011/main" xmlns:a14="http://schemas.microsoft.com/office/drawing/2010/main" xmlns:m="http://schemas.openxmlformats.org/officeDocument/2006/math" xmlns="" val="1"/>
+              <ma14:wrappingTextBoxFlag xmlns="" xmlns:m="http://schemas.openxmlformats.org/officeDocument/2006/math" xmlns:a14="http://schemas.microsoft.com/office/drawing/2010/main" xmlns:ma14="http://schemas.microsoft.com/office/mac/drawingml/2011/main" val="1"/>
             </a:ext>
           </a:extLst>
         </p:spPr>
@@ -15570,7 +15577,7 @@
           </a:ln>
           <a:extLst>
             <a:ext uri="{C572A759-6A51-4108-AA02-DFA0A04FC94B}">
-              <ma14:wrappingTextBoxFlag xmlns:ma14="http://schemas.microsoft.com/office/mac/drawingml/2011/main" xmlns:a14="http://schemas.microsoft.com/office/drawing/2010/main" xmlns:m="http://schemas.openxmlformats.org/officeDocument/2006/math" xmlns="" val="1"/>
+              <ma14:wrappingTextBoxFlag xmlns="" xmlns:m="http://schemas.openxmlformats.org/officeDocument/2006/math" xmlns:a14="http://schemas.microsoft.com/office/drawing/2010/main" xmlns:ma14="http://schemas.microsoft.com/office/mac/drawingml/2011/main" val="1"/>
             </a:ext>
           </a:extLst>
         </p:spPr>
@@ -15609,7 +15616,7 @@
           </a:ln>
           <a:extLst>
             <a:ext uri="{C572A759-6A51-4108-AA02-DFA0A04FC94B}">
-              <ma14:wrappingTextBoxFlag xmlns:ma14="http://schemas.microsoft.com/office/mac/drawingml/2011/main" xmlns:a14="http://schemas.microsoft.com/office/drawing/2010/main" xmlns:m="http://schemas.openxmlformats.org/officeDocument/2006/math" xmlns="" val="1"/>
+              <ma14:wrappingTextBoxFlag xmlns="" xmlns:m="http://schemas.openxmlformats.org/officeDocument/2006/math" xmlns:a14="http://schemas.microsoft.com/office/drawing/2010/main" xmlns:ma14="http://schemas.microsoft.com/office/mac/drawingml/2011/main" val="1"/>
             </a:ext>
           </a:extLst>
         </p:spPr>
@@ -15648,7 +15655,7 @@
           </a:ln>
           <a:extLst>
             <a:ext uri="{C572A759-6A51-4108-AA02-DFA0A04FC94B}">
-              <ma14:wrappingTextBoxFlag xmlns:ma14="http://schemas.microsoft.com/office/mac/drawingml/2011/main" xmlns:a14="http://schemas.microsoft.com/office/drawing/2010/main" xmlns:m="http://schemas.openxmlformats.org/officeDocument/2006/math" xmlns="" val="1"/>
+              <ma14:wrappingTextBoxFlag xmlns="" xmlns:m="http://schemas.openxmlformats.org/officeDocument/2006/math" xmlns:a14="http://schemas.microsoft.com/office/drawing/2010/main" xmlns:ma14="http://schemas.microsoft.com/office/mac/drawingml/2011/main" val="1"/>
             </a:ext>
           </a:extLst>
         </p:spPr>
@@ -15695,7 +15702,7 @@
           </a:ln>
           <a:extLst>
             <a:ext uri="{C572A759-6A51-4108-AA02-DFA0A04FC94B}">
-              <ma14:wrappingTextBoxFlag xmlns:ma14="http://schemas.microsoft.com/office/mac/drawingml/2011/main" xmlns:a14="http://schemas.microsoft.com/office/drawing/2010/main" xmlns:m="http://schemas.openxmlformats.org/officeDocument/2006/math" xmlns="" val="1"/>
+              <ma14:wrappingTextBoxFlag xmlns="" xmlns:m="http://schemas.openxmlformats.org/officeDocument/2006/math" xmlns:a14="http://schemas.microsoft.com/office/drawing/2010/main" xmlns:ma14="http://schemas.microsoft.com/office/mac/drawingml/2011/main" val="1"/>
             </a:ext>
           </a:extLst>
         </p:spPr>
@@ -15739,7 +15746,7 @@
           </a:ln>
           <a:extLst>
             <a:ext uri="{C572A759-6A51-4108-AA02-DFA0A04FC94B}">
-              <ma14:wrappingTextBoxFlag xmlns:ma14="http://schemas.microsoft.com/office/mac/drawingml/2011/main" xmlns:a14="http://schemas.microsoft.com/office/drawing/2010/main" xmlns:m="http://schemas.openxmlformats.org/officeDocument/2006/math" xmlns="" val="1"/>
+              <ma14:wrappingTextBoxFlag xmlns="" xmlns:m="http://schemas.openxmlformats.org/officeDocument/2006/math" xmlns:a14="http://schemas.microsoft.com/office/drawing/2010/main" xmlns:ma14="http://schemas.microsoft.com/office/mac/drawingml/2011/main" val="1"/>
             </a:ext>
           </a:extLst>
         </p:spPr>
@@ -16076,7 +16083,7 @@
           </a:ln>
           <a:extLst>
             <a:ext uri="{C572A759-6A51-4108-AA02-DFA0A04FC94B}">
-              <ma14:wrappingTextBoxFlag xmlns:ma14="http://schemas.microsoft.com/office/mac/drawingml/2011/main" xmlns:a14="http://schemas.microsoft.com/office/drawing/2010/main" xmlns:m="http://schemas.openxmlformats.org/officeDocument/2006/math" xmlns="" val="1"/>
+              <ma14:wrappingTextBoxFlag xmlns="" xmlns:m="http://schemas.openxmlformats.org/officeDocument/2006/math" xmlns:a14="http://schemas.microsoft.com/office/drawing/2010/main" xmlns:ma14="http://schemas.microsoft.com/office/mac/drawingml/2011/main" val="1"/>
             </a:ext>
           </a:extLst>
         </p:spPr>
@@ -16111,7 +16118,7 @@
           </a:ln>
           <a:extLst>
             <a:ext uri="{C572A759-6A51-4108-AA02-DFA0A04FC94B}">
-              <ma14:wrappingTextBoxFlag xmlns:ma14="http://schemas.microsoft.com/office/mac/drawingml/2011/main" xmlns:a14="http://schemas.microsoft.com/office/drawing/2010/main" xmlns:m="http://schemas.openxmlformats.org/officeDocument/2006/math" xmlns="" val="1"/>
+              <ma14:wrappingTextBoxFlag xmlns="" xmlns:m="http://schemas.openxmlformats.org/officeDocument/2006/math" xmlns:a14="http://schemas.microsoft.com/office/drawing/2010/main" xmlns:ma14="http://schemas.microsoft.com/office/mac/drawingml/2011/main" val="1"/>
             </a:ext>
           </a:extLst>
         </p:spPr>
@@ -16146,7 +16153,7 @@
           </a:ln>
           <a:extLst>
             <a:ext uri="{C572A759-6A51-4108-AA02-DFA0A04FC94B}">
-              <ma14:wrappingTextBoxFlag xmlns:ma14="http://schemas.microsoft.com/office/mac/drawingml/2011/main" xmlns:a14="http://schemas.microsoft.com/office/drawing/2010/main" xmlns:m="http://schemas.openxmlformats.org/officeDocument/2006/math" xmlns="" val="1"/>
+              <ma14:wrappingTextBoxFlag xmlns="" xmlns:m="http://schemas.openxmlformats.org/officeDocument/2006/math" xmlns:a14="http://schemas.microsoft.com/office/drawing/2010/main" xmlns:ma14="http://schemas.microsoft.com/office/mac/drawingml/2011/main" val="1"/>
             </a:ext>
           </a:extLst>
         </p:spPr>
@@ -16232,7 +16239,7 @@
           </a:ln>
           <a:extLst>
             <a:ext uri="{C572A759-6A51-4108-AA02-DFA0A04FC94B}">
-              <ma14:wrappingTextBoxFlag xmlns:ma14="http://schemas.microsoft.com/office/mac/drawingml/2011/main" xmlns:a14="http://schemas.microsoft.com/office/drawing/2010/main" xmlns:m="http://schemas.openxmlformats.org/officeDocument/2006/math" xmlns="" val="1"/>
+              <ma14:wrappingTextBoxFlag xmlns="" xmlns:m="http://schemas.openxmlformats.org/officeDocument/2006/math" xmlns:a14="http://schemas.microsoft.com/office/drawing/2010/main" xmlns:ma14="http://schemas.microsoft.com/office/mac/drawingml/2011/main" val="1"/>
             </a:ext>
           </a:extLst>
         </p:spPr>
@@ -16277,7 +16284,7 @@
           </a:ln>
           <a:extLst>
             <a:ext uri="{C572A759-6A51-4108-AA02-DFA0A04FC94B}">
-              <ma14:wrappingTextBoxFlag xmlns:ma14="http://schemas.microsoft.com/office/mac/drawingml/2011/main" xmlns:a14="http://schemas.microsoft.com/office/drawing/2010/main" xmlns:m="http://schemas.openxmlformats.org/officeDocument/2006/math" xmlns="" val="1"/>
+              <ma14:wrappingTextBoxFlag xmlns="" xmlns:m="http://schemas.openxmlformats.org/officeDocument/2006/math" xmlns:a14="http://schemas.microsoft.com/office/drawing/2010/main" xmlns:ma14="http://schemas.microsoft.com/office/mac/drawingml/2011/main" val="1"/>
             </a:ext>
           </a:extLst>
         </p:spPr>
@@ -16319,7 +16326,7 @@
           </a:ln>
           <a:extLst>
             <a:ext uri="{C572A759-6A51-4108-AA02-DFA0A04FC94B}">
-              <ma14:wrappingTextBoxFlag xmlns:ma14="http://schemas.microsoft.com/office/mac/drawingml/2011/main" xmlns:a14="http://schemas.microsoft.com/office/drawing/2010/main" xmlns:m="http://schemas.openxmlformats.org/officeDocument/2006/math" xmlns="" val="1"/>
+              <ma14:wrappingTextBoxFlag xmlns="" xmlns:m="http://schemas.openxmlformats.org/officeDocument/2006/math" xmlns:a14="http://schemas.microsoft.com/office/drawing/2010/main" xmlns:ma14="http://schemas.microsoft.com/office/mac/drawingml/2011/main" val="1"/>
             </a:ext>
           </a:extLst>
         </p:spPr>
@@ -16364,7 +16371,7 @@
           </a:ln>
           <a:extLst>
             <a:ext uri="{C572A759-6A51-4108-AA02-DFA0A04FC94B}">
-              <ma14:wrappingTextBoxFlag xmlns:ma14="http://schemas.microsoft.com/office/mac/drawingml/2011/main" xmlns:a14="http://schemas.microsoft.com/office/drawing/2010/main" xmlns:m="http://schemas.openxmlformats.org/officeDocument/2006/math" xmlns="" val="1"/>
+              <ma14:wrappingTextBoxFlag xmlns="" xmlns:m="http://schemas.openxmlformats.org/officeDocument/2006/math" xmlns:a14="http://schemas.microsoft.com/office/drawing/2010/main" xmlns:ma14="http://schemas.microsoft.com/office/mac/drawingml/2011/main" val="1"/>
             </a:ext>
           </a:extLst>
         </p:spPr>
@@ -16403,7 +16410,7 @@
           </a:ln>
           <a:extLst>
             <a:ext uri="{C572A759-6A51-4108-AA02-DFA0A04FC94B}">
-              <ma14:wrappingTextBoxFlag xmlns:ma14="http://schemas.microsoft.com/office/mac/drawingml/2011/main" xmlns:a14="http://schemas.microsoft.com/office/drawing/2010/main" xmlns:m="http://schemas.openxmlformats.org/officeDocument/2006/math" xmlns="" val="1"/>
+              <ma14:wrappingTextBoxFlag xmlns="" xmlns:m="http://schemas.openxmlformats.org/officeDocument/2006/math" xmlns:a14="http://schemas.microsoft.com/office/drawing/2010/main" xmlns:ma14="http://schemas.microsoft.com/office/mac/drawingml/2011/main" val="1"/>
             </a:ext>
           </a:extLst>
         </p:spPr>
@@ -16442,7 +16449,7 @@
           </a:ln>
           <a:extLst>
             <a:ext uri="{C572A759-6A51-4108-AA02-DFA0A04FC94B}">
-              <ma14:wrappingTextBoxFlag xmlns:ma14="http://schemas.microsoft.com/office/mac/drawingml/2011/main" xmlns:a14="http://schemas.microsoft.com/office/drawing/2010/main" xmlns:m="http://schemas.openxmlformats.org/officeDocument/2006/math" xmlns="" val="1"/>
+              <ma14:wrappingTextBoxFlag xmlns="" xmlns:m="http://schemas.openxmlformats.org/officeDocument/2006/math" xmlns:a14="http://schemas.microsoft.com/office/drawing/2010/main" xmlns:ma14="http://schemas.microsoft.com/office/mac/drawingml/2011/main" val="1"/>
             </a:ext>
           </a:extLst>
         </p:spPr>
@@ -16489,7 +16496,7 @@
           </a:ln>
           <a:extLst>
             <a:ext uri="{C572A759-6A51-4108-AA02-DFA0A04FC94B}">
-              <ma14:wrappingTextBoxFlag xmlns:ma14="http://schemas.microsoft.com/office/mac/drawingml/2011/main" xmlns:a14="http://schemas.microsoft.com/office/drawing/2010/main" xmlns:m="http://schemas.openxmlformats.org/officeDocument/2006/math" xmlns="" val="1"/>
+              <ma14:wrappingTextBoxFlag xmlns="" xmlns:m="http://schemas.openxmlformats.org/officeDocument/2006/math" xmlns:a14="http://schemas.microsoft.com/office/drawing/2010/main" xmlns:ma14="http://schemas.microsoft.com/office/mac/drawingml/2011/main" val="1"/>
             </a:ext>
           </a:extLst>
         </p:spPr>
@@ -16948,7 +16955,7 @@
           </a:ln>
           <a:extLst>
             <a:ext uri="{C572A759-6A51-4108-AA02-DFA0A04FC94B}">
-              <ma14:wrappingTextBoxFlag xmlns:ma14="http://schemas.microsoft.com/office/mac/drawingml/2011/main" xmlns:a14="http://schemas.microsoft.com/office/drawing/2010/main" xmlns:m="http://schemas.openxmlformats.org/officeDocument/2006/math" xmlns="" val="1"/>
+              <ma14:wrappingTextBoxFlag xmlns="" xmlns:m="http://schemas.openxmlformats.org/officeDocument/2006/math" xmlns:a14="http://schemas.microsoft.com/office/drawing/2010/main" xmlns:ma14="http://schemas.microsoft.com/office/mac/drawingml/2011/main" val="1"/>
             </a:ext>
           </a:extLst>
         </p:spPr>
@@ -16983,7 +16990,7 @@
           </a:ln>
           <a:extLst>
             <a:ext uri="{C572A759-6A51-4108-AA02-DFA0A04FC94B}">
-              <ma14:wrappingTextBoxFlag xmlns:ma14="http://schemas.microsoft.com/office/mac/drawingml/2011/main" xmlns:a14="http://schemas.microsoft.com/office/drawing/2010/main" xmlns:m="http://schemas.openxmlformats.org/officeDocument/2006/math" xmlns="" val="1"/>
+              <ma14:wrappingTextBoxFlag xmlns="" xmlns:m="http://schemas.openxmlformats.org/officeDocument/2006/math" xmlns:a14="http://schemas.microsoft.com/office/drawing/2010/main" xmlns:ma14="http://schemas.microsoft.com/office/mac/drawingml/2011/main" val="1"/>
             </a:ext>
           </a:extLst>
         </p:spPr>
@@ -17018,7 +17025,7 @@
           </a:ln>
           <a:extLst>
             <a:ext uri="{C572A759-6A51-4108-AA02-DFA0A04FC94B}">
-              <ma14:wrappingTextBoxFlag xmlns:ma14="http://schemas.microsoft.com/office/mac/drawingml/2011/main" xmlns:a14="http://schemas.microsoft.com/office/drawing/2010/main" xmlns:m="http://schemas.openxmlformats.org/officeDocument/2006/math" xmlns="" val="1"/>
+              <ma14:wrappingTextBoxFlag xmlns="" xmlns:m="http://schemas.openxmlformats.org/officeDocument/2006/math" xmlns:a14="http://schemas.microsoft.com/office/drawing/2010/main" xmlns:ma14="http://schemas.microsoft.com/office/mac/drawingml/2011/main" val="1"/>
             </a:ext>
           </a:extLst>
         </p:spPr>
@@ -17104,7 +17111,7 @@
           </a:ln>
           <a:extLst>
             <a:ext uri="{C572A759-6A51-4108-AA02-DFA0A04FC94B}">
-              <ma14:wrappingTextBoxFlag xmlns:ma14="http://schemas.microsoft.com/office/mac/drawingml/2011/main" xmlns:a14="http://schemas.microsoft.com/office/drawing/2010/main" xmlns:m="http://schemas.openxmlformats.org/officeDocument/2006/math" xmlns="" val="1"/>
+              <ma14:wrappingTextBoxFlag xmlns="" xmlns:m="http://schemas.openxmlformats.org/officeDocument/2006/math" xmlns:a14="http://schemas.microsoft.com/office/drawing/2010/main" xmlns:ma14="http://schemas.microsoft.com/office/mac/drawingml/2011/main" val="1"/>
             </a:ext>
           </a:extLst>
         </p:spPr>
@@ -17149,7 +17156,7 @@
           </a:ln>
           <a:extLst>
             <a:ext uri="{C572A759-6A51-4108-AA02-DFA0A04FC94B}">
-              <ma14:wrappingTextBoxFlag xmlns:ma14="http://schemas.microsoft.com/office/mac/drawingml/2011/main" xmlns:a14="http://schemas.microsoft.com/office/drawing/2010/main" xmlns:m="http://schemas.openxmlformats.org/officeDocument/2006/math" xmlns="" val="1"/>
+              <ma14:wrappingTextBoxFlag xmlns="" xmlns:m="http://schemas.openxmlformats.org/officeDocument/2006/math" xmlns:a14="http://schemas.microsoft.com/office/drawing/2010/main" xmlns:ma14="http://schemas.microsoft.com/office/mac/drawingml/2011/main" val="1"/>
             </a:ext>
           </a:extLst>
         </p:spPr>
@@ -17191,7 +17198,7 @@
           </a:ln>
           <a:extLst>
             <a:ext uri="{C572A759-6A51-4108-AA02-DFA0A04FC94B}">
-              <ma14:wrappingTextBoxFlag xmlns:ma14="http://schemas.microsoft.com/office/mac/drawingml/2011/main" xmlns:a14="http://schemas.microsoft.com/office/drawing/2010/main" xmlns:m="http://schemas.openxmlformats.org/officeDocument/2006/math" xmlns="" val="1"/>
+              <ma14:wrappingTextBoxFlag xmlns="" xmlns:m="http://schemas.openxmlformats.org/officeDocument/2006/math" xmlns:a14="http://schemas.microsoft.com/office/drawing/2010/main" xmlns:ma14="http://schemas.microsoft.com/office/mac/drawingml/2011/main" val="1"/>
             </a:ext>
           </a:extLst>
         </p:spPr>
@@ -17236,7 +17243,7 @@
           </a:ln>
           <a:extLst>
             <a:ext uri="{C572A759-6A51-4108-AA02-DFA0A04FC94B}">
-              <ma14:wrappingTextBoxFlag xmlns:ma14="http://schemas.microsoft.com/office/mac/drawingml/2011/main" xmlns:a14="http://schemas.microsoft.com/office/drawing/2010/main" xmlns:m="http://schemas.openxmlformats.org/officeDocument/2006/math" xmlns="" val="1"/>
+              <ma14:wrappingTextBoxFlag xmlns="" xmlns:m="http://schemas.openxmlformats.org/officeDocument/2006/math" xmlns:a14="http://schemas.microsoft.com/office/drawing/2010/main" xmlns:ma14="http://schemas.microsoft.com/office/mac/drawingml/2011/main" val="1"/>
             </a:ext>
           </a:extLst>
         </p:spPr>
@@ -17275,7 +17282,7 @@
           </a:ln>
           <a:extLst>
             <a:ext uri="{C572A759-6A51-4108-AA02-DFA0A04FC94B}">
-              <ma14:wrappingTextBoxFlag xmlns:ma14="http://schemas.microsoft.com/office/mac/drawingml/2011/main" xmlns:a14="http://schemas.microsoft.com/office/drawing/2010/main" xmlns:m="http://schemas.openxmlformats.org/officeDocument/2006/math" xmlns="" val="1"/>
+              <ma14:wrappingTextBoxFlag xmlns="" xmlns:m="http://schemas.openxmlformats.org/officeDocument/2006/math" xmlns:a14="http://schemas.microsoft.com/office/drawing/2010/main" xmlns:ma14="http://schemas.microsoft.com/office/mac/drawingml/2011/main" val="1"/>
             </a:ext>
           </a:extLst>
         </p:spPr>
@@ -17314,7 +17321,7 @@
           </a:ln>
           <a:extLst>
             <a:ext uri="{C572A759-6A51-4108-AA02-DFA0A04FC94B}">
-              <ma14:wrappingTextBoxFlag xmlns:ma14="http://schemas.microsoft.com/office/mac/drawingml/2011/main" xmlns:a14="http://schemas.microsoft.com/office/drawing/2010/main" xmlns:m="http://schemas.openxmlformats.org/officeDocument/2006/math" xmlns="" val="1"/>
+              <ma14:wrappingTextBoxFlag xmlns="" xmlns:m="http://schemas.openxmlformats.org/officeDocument/2006/math" xmlns:a14="http://schemas.microsoft.com/office/drawing/2010/main" xmlns:ma14="http://schemas.microsoft.com/office/mac/drawingml/2011/main" val="1"/>
             </a:ext>
           </a:extLst>
         </p:spPr>
@@ -17361,7 +17368,7 @@
           </a:ln>
           <a:extLst>
             <a:ext uri="{C572A759-6A51-4108-AA02-DFA0A04FC94B}">
-              <ma14:wrappingTextBoxFlag xmlns:ma14="http://schemas.microsoft.com/office/mac/drawingml/2011/main" xmlns:a14="http://schemas.microsoft.com/office/drawing/2010/main" xmlns:m="http://schemas.openxmlformats.org/officeDocument/2006/math" xmlns="" val="1"/>
+              <ma14:wrappingTextBoxFlag xmlns="" xmlns:m="http://schemas.openxmlformats.org/officeDocument/2006/math" xmlns:a14="http://schemas.microsoft.com/office/drawing/2010/main" xmlns:ma14="http://schemas.microsoft.com/office/mac/drawingml/2011/main" val="1"/>
             </a:ext>
           </a:extLst>
         </p:spPr>
@@ -17692,7 +17699,7 @@
           </a:ln>
           <a:extLst>
             <a:ext uri="{C572A759-6A51-4108-AA02-DFA0A04FC94B}">
-              <ma14:wrappingTextBoxFlag xmlns:ma14="http://schemas.microsoft.com/office/mac/drawingml/2011/main" xmlns:a14="http://schemas.microsoft.com/office/drawing/2010/main" xmlns:m="http://schemas.openxmlformats.org/officeDocument/2006/math" xmlns="" val="1"/>
+              <ma14:wrappingTextBoxFlag xmlns="" xmlns:m="http://schemas.openxmlformats.org/officeDocument/2006/math" xmlns:a14="http://schemas.microsoft.com/office/drawing/2010/main" xmlns:ma14="http://schemas.microsoft.com/office/mac/drawingml/2011/main" val="1"/>
             </a:ext>
           </a:extLst>
         </p:spPr>
@@ -17727,7 +17734,7 @@
           </a:ln>
           <a:extLst>
             <a:ext uri="{C572A759-6A51-4108-AA02-DFA0A04FC94B}">
-              <ma14:wrappingTextBoxFlag xmlns:ma14="http://schemas.microsoft.com/office/mac/drawingml/2011/main" xmlns:a14="http://schemas.microsoft.com/office/drawing/2010/main" xmlns:m="http://schemas.openxmlformats.org/officeDocument/2006/math" xmlns="" val="1"/>
+              <ma14:wrappingTextBoxFlag xmlns="" xmlns:m="http://schemas.openxmlformats.org/officeDocument/2006/math" xmlns:a14="http://schemas.microsoft.com/office/drawing/2010/main" xmlns:ma14="http://schemas.microsoft.com/office/mac/drawingml/2011/main" val="1"/>
             </a:ext>
           </a:extLst>
         </p:spPr>
@@ -17762,7 +17769,7 @@
           </a:ln>
           <a:extLst>
             <a:ext uri="{C572A759-6A51-4108-AA02-DFA0A04FC94B}">
-              <ma14:wrappingTextBoxFlag xmlns:ma14="http://schemas.microsoft.com/office/mac/drawingml/2011/main" xmlns:a14="http://schemas.microsoft.com/office/drawing/2010/main" xmlns:m="http://schemas.openxmlformats.org/officeDocument/2006/math" xmlns="" val="1"/>
+              <ma14:wrappingTextBoxFlag xmlns="" xmlns:m="http://schemas.openxmlformats.org/officeDocument/2006/math" xmlns:a14="http://schemas.microsoft.com/office/drawing/2010/main" xmlns:ma14="http://schemas.microsoft.com/office/mac/drawingml/2011/main" val="1"/>
             </a:ext>
           </a:extLst>
         </p:spPr>
@@ -17848,7 +17855,7 @@
           </a:ln>
           <a:extLst>
             <a:ext uri="{C572A759-6A51-4108-AA02-DFA0A04FC94B}">
-              <ma14:wrappingTextBoxFlag xmlns:ma14="http://schemas.microsoft.com/office/mac/drawingml/2011/main" xmlns:a14="http://schemas.microsoft.com/office/drawing/2010/main" xmlns:m="http://schemas.openxmlformats.org/officeDocument/2006/math" xmlns="" val="1"/>
+              <ma14:wrappingTextBoxFlag xmlns="" xmlns:m="http://schemas.openxmlformats.org/officeDocument/2006/math" xmlns:a14="http://schemas.microsoft.com/office/drawing/2010/main" xmlns:ma14="http://schemas.microsoft.com/office/mac/drawingml/2011/main" val="1"/>
             </a:ext>
           </a:extLst>
         </p:spPr>
@@ -17893,7 +17900,7 @@
           </a:ln>
           <a:extLst>
             <a:ext uri="{C572A759-6A51-4108-AA02-DFA0A04FC94B}">
-              <ma14:wrappingTextBoxFlag xmlns:ma14="http://schemas.microsoft.com/office/mac/drawingml/2011/main" xmlns:a14="http://schemas.microsoft.com/office/drawing/2010/main" xmlns:m="http://schemas.openxmlformats.org/officeDocument/2006/math" xmlns="" val="1"/>
+              <ma14:wrappingTextBoxFlag xmlns="" xmlns:m="http://schemas.openxmlformats.org/officeDocument/2006/math" xmlns:a14="http://schemas.microsoft.com/office/drawing/2010/main" xmlns:ma14="http://schemas.microsoft.com/office/mac/drawingml/2011/main" val="1"/>
             </a:ext>
           </a:extLst>
         </p:spPr>
@@ -17935,7 +17942,7 @@
           </a:ln>
           <a:extLst>
             <a:ext uri="{C572A759-6A51-4108-AA02-DFA0A04FC94B}">
-              <ma14:wrappingTextBoxFlag xmlns:ma14="http://schemas.microsoft.com/office/mac/drawingml/2011/main" xmlns:a14="http://schemas.microsoft.com/office/drawing/2010/main" xmlns:m="http://schemas.openxmlformats.org/officeDocument/2006/math" xmlns="" val="1"/>
+              <ma14:wrappingTextBoxFlag xmlns="" xmlns:m="http://schemas.openxmlformats.org/officeDocument/2006/math" xmlns:a14="http://schemas.microsoft.com/office/drawing/2010/main" xmlns:ma14="http://schemas.microsoft.com/office/mac/drawingml/2011/main" val="1"/>
             </a:ext>
           </a:extLst>
         </p:spPr>
@@ -17980,7 +17987,7 @@
           </a:ln>
           <a:extLst>
             <a:ext uri="{C572A759-6A51-4108-AA02-DFA0A04FC94B}">
-              <ma14:wrappingTextBoxFlag xmlns:ma14="http://schemas.microsoft.com/office/mac/drawingml/2011/main" xmlns:a14="http://schemas.microsoft.com/office/drawing/2010/main" xmlns:m="http://schemas.openxmlformats.org/officeDocument/2006/math" xmlns="" val="1"/>
+              <ma14:wrappingTextBoxFlag xmlns="" xmlns:m="http://schemas.openxmlformats.org/officeDocument/2006/math" xmlns:a14="http://schemas.microsoft.com/office/drawing/2010/main" xmlns:ma14="http://schemas.microsoft.com/office/mac/drawingml/2011/main" val="1"/>
             </a:ext>
           </a:extLst>
         </p:spPr>
@@ -18019,7 +18026,7 @@
           </a:ln>
           <a:extLst>
             <a:ext uri="{C572A759-6A51-4108-AA02-DFA0A04FC94B}">
-              <ma14:wrappingTextBoxFlag xmlns:ma14="http://schemas.microsoft.com/office/mac/drawingml/2011/main" xmlns:a14="http://schemas.microsoft.com/office/drawing/2010/main" xmlns:m="http://schemas.openxmlformats.org/officeDocument/2006/math" xmlns="" val="1"/>
+              <ma14:wrappingTextBoxFlag xmlns="" xmlns:m="http://schemas.openxmlformats.org/officeDocument/2006/math" xmlns:a14="http://schemas.microsoft.com/office/drawing/2010/main" xmlns:ma14="http://schemas.microsoft.com/office/mac/drawingml/2011/main" val="1"/>
             </a:ext>
           </a:extLst>
         </p:spPr>
@@ -18058,7 +18065,7 @@
           </a:ln>
           <a:extLst>
             <a:ext uri="{C572A759-6A51-4108-AA02-DFA0A04FC94B}">
-              <ma14:wrappingTextBoxFlag xmlns:ma14="http://schemas.microsoft.com/office/mac/drawingml/2011/main" xmlns:a14="http://schemas.microsoft.com/office/drawing/2010/main" xmlns:m="http://schemas.openxmlformats.org/officeDocument/2006/math" xmlns="" val="1"/>
+              <ma14:wrappingTextBoxFlag xmlns="" xmlns:m="http://schemas.openxmlformats.org/officeDocument/2006/math" xmlns:a14="http://schemas.microsoft.com/office/drawing/2010/main" xmlns:ma14="http://schemas.microsoft.com/office/mac/drawingml/2011/main" val="1"/>
             </a:ext>
           </a:extLst>
         </p:spPr>
@@ -18105,7 +18112,7 @@
           </a:ln>
           <a:extLst>
             <a:ext uri="{C572A759-6A51-4108-AA02-DFA0A04FC94B}">
-              <ma14:wrappingTextBoxFlag xmlns:ma14="http://schemas.microsoft.com/office/mac/drawingml/2011/main" xmlns:a14="http://schemas.microsoft.com/office/drawing/2010/main" xmlns:m="http://schemas.openxmlformats.org/officeDocument/2006/math" xmlns="" val="1"/>
+              <ma14:wrappingTextBoxFlag xmlns="" xmlns:m="http://schemas.openxmlformats.org/officeDocument/2006/math" xmlns:a14="http://schemas.microsoft.com/office/drawing/2010/main" xmlns:ma14="http://schemas.microsoft.com/office/mac/drawingml/2011/main" val="1"/>
             </a:ext>
           </a:extLst>
         </p:spPr>
@@ -18436,7 +18443,7 @@
           </a:ln>
           <a:extLst>
             <a:ext uri="{C572A759-6A51-4108-AA02-DFA0A04FC94B}">
-              <ma14:wrappingTextBoxFlag xmlns:ma14="http://schemas.microsoft.com/office/mac/drawingml/2011/main" xmlns:a14="http://schemas.microsoft.com/office/drawing/2010/main" xmlns:m="http://schemas.openxmlformats.org/officeDocument/2006/math" xmlns="" val="1"/>
+              <ma14:wrappingTextBoxFlag xmlns="" xmlns:m="http://schemas.openxmlformats.org/officeDocument/2006/math" xmlns:a14="http://schemas.microsoft.com/office/drawing/2010/main" xmlns:ma14="http://schemas.microsoft.com/office/mac/drawingml/2011/main" val="1"/>
             </a:ext>
           </a:extLst>
         </p:spPr>
@@ -18471,7 +18478,7 @@
           </a:ln>
           <a:extLst>
             <a:ext uri="{C572A759-6A51-4108-AA02-DFA0A04FC94B}">
-              <ma14:wrappingTextBoxFlag xmlns:ma14="http://schemas.microsoft.com/office/mac/drawingml/2011/main" xmlns:a14="http://schemas.microsoft.com/office/drawing/2010/main" xmlns:m="http://schemas.openxmlformats.org/officeDocument/2006/math" xmlns="" val="1"/>
+              <ma14:wrappingTextBoxFlag xmlns="" xmlns:m="http://schemas.openxmlformats.org/officeDocument/2006/math" xmlns:a14="http://schemas.microsoft.com/office/drawing/2010/main" xmlns:ma14="http://schemas.microsoft.com/office/mac/drawingml/2011/main" val="1"/>
             </a:ext>
           </a:extLst>
         </p:spPr>
@@ -18506,7 +18513,7 @@
           </a:ln>
           <a:extLst>
             <a:ext uri="{C572A759-6A51-4108-AA02-DFA0A04FC94B}">
-              <ma14:wrappingTextBoxFlag xmlns:ma14="http://schemas.microsoft.com/office/mac/drawingml/2011/main" xmlns:a14="http://schemas.microsoft.com/office/drawing/2010/main" xmlns:m="http://schemas.openxmlformats.org/officeDocument/2006/math" xmlns="" val="1"/>
+              <ma14:wrappingTextBoxFlag xmlns="" xmlns:m="http://schemas.openxmlformats.org/officeDocument/2006/math" xmlns:a14="http://schemas.microsoft.com/office/drawing/2010/main" xmlns:ma14="http://schemas.microsoft.com/office/mac/drawingml/2011/main" val="1"/>
             </a:ext>
           </a:extLst>
         </p:spPr>
@@ -18592,7 +18599,7 @@
           </a:ln>
           <a:extLst>
             <a:ext uri="{C572A759-6A51-4108-AA02-DFA0A04FC94B}">
-              <ma14:wrappingTextBoxFlag xmlns:ma14="http://schemas.microsoft.com/office/mac/drawingml/2011/main" xmlns:a14="http://schemas.microsoft.com/office/drawing/2010/main" xmlns:m="http://schemas.openxmlformats.org/officeDocument/2006/math" xmlns="" val="1"/>
+              <ma14:wrappingTextBoxFlag xmlns="" xmlns:m="http://schemas.openxmlformats.org/officeDocument/2006/math" xmlns:a14="http://schemas.microsoft.com/office/drawing/2010/main" xmlns:ma14="http://schemas.microsoft.com/office/mac/drawingml/2011/main" val="1"/>
             </a:ext>
           </a:extLst>
         </p:spPr>
@@ -18637,7 +18644,7 @@
           </a:ln>
           <a:extLst>
             <a:ext uri="{C572A759-6A51-4108-AA02-DFA0A04FC94B}">
-              <ma14:wrappingTextBoxFlag xmlns:ma14="http://schemas.microsoft.com/office/mac/drawingml/2011/main" xmlns:a14="http://schemas.microsoft.com/office/drawing/2010/main" xmlns:m="http://schemas.openxmlformats.org/officeDocument/2006/math" xmlns="" val="1"/>
+              <ma14:wrappingTextBoxFlag xmlns="" xmlns:m="http://schemas.openxmlformats.org/officeDocument/2006/math" xmlns:a14="http://schemas.microsoft.com/office/drawing/2010/main" xmlns:ma14="http://schemas.microsoft.com/office/mac/drawingml/2011/main" val="1"/>
             </a:ext>
           </a:extLst>
         </p:spPr>
@@ -18679,7 +18686,7 @@
           </a:ln>
           <a:extLst>
             <a:ext uri="{C572A759-6A51-4108-AA02-DFA0A04FC94B}">
-              <ma14:wrappingTextBoxFlag xmlns:ma14="http://schemas.microsoft.com/office/mac/drawingml/2011/main" xmlns:a14="http://schemas.microsoft.com/office/drawing/2010/main" xmlns:m="http://schemas.openxmlformats.org/officeDocument/2006/math" xmlns="" val="1"/>
+              <ma14:wrappingTextBoxFlag xmlns="" xmlns:m="http://schemas.openxmlformats.org/officeDocument/2006/math" xmlns:a14="http://schemas.microsoft.com/office/drawing/2010/main" xmlns:ma14="http://schemas.microsoft.com/office/mac/drawingml/2011/main" val="1"/>
             </a:ext>
           </a:extLst>
         </p:spPr>
@@ -18724,7 +18731,7 @@
           </a:ln>
           <a:extLst>
             <a:ext uri="{C572A759-6A51-4108-AA02-DFA0A04FC94B}">
-              <ma14:wrappingTextBoxFlag xmlns:ma14="http://schemas.microsoft.com/office/mac/drawingml/2011/main" xmlns:a14="http://schemas.microsoft.com/office/drawing/2010/main" xmlns:m="http://schemas.openxmlformats.org/officeDocument/2006/math" xmlns="" val="1"/>
+              <ma14:wrappingTextBoxFlag xmlns="" xmlns:m="http://schemas.openxmlformats.org/officeDocument/2006/math" xmlns:a14="http://schemas.microsoft.com/office/drawing/2010/main" xmlns:ma14="http://schemas.microsoft.com/office/mac/drawingml/2011/main" val="1"/>
             </a:ext>
           </a:extLst>
         </p:spPr>
@@ -18763,7 +18770,7 @@
           </a:ln>
           <a:extLst>
             <a:ext uri="{C572A759-6A51-4108-AA02-DFA0A04FC94B}">
-              <ma14:wrappingTextBoxFlag xmlns:ma14="http://schemas.microsoft.com/office/mac/drawingml/2011/main" xmlns:a14="http://schemas.microsoft.com/office/drawing/2010/main" xmlns:m="http://schemas.openxmlformats.org/officeDocument/2006/math" xmlns="" val="1"/>
+              <ma14:wrappingTextBoxFlag xmlns="" xmlns:m="http://schemas.openxmlformats.org/officeDocument/2006/math" xmlns:a14="http://schemas.microsoft.com/office/drawing/2010/main" xmlns:ma14="http://schemas.microsoft.com/office/mac/drawingml/2011/main" val="1"/>
             </a:ext>
           </a:extLst>
         </p:spPr>
@@ -18802,7 +18809,7 @@
           </a:ln>
           <a:extLst>
             <a:ext uri="{C572A759-6A51-4108-AA02-DFA0A04FC94B}">
-              <ma14:wrappingTextBoxFlag xmlns:ma14="http://schemas.microsoft.com/office/mac/drawingml/2011/main" xmlns:a14="http://schemas.microsoft.com/office/drawing/2010/main" xmlns:m="http://schemas.openxmlformats.org/officeDocument/2006/math" xmlns="" val="1"/>
+              <ma14:wrappingTextBoxFlag xmlns="" xmlns:m="http://schemas.openxmlformats.org/officeDocument/2006/math" xmlns:a14="http://schemas.microsoft.com/office/drawing/2010/main" xmlns:ma14="http://schemas.microsoft.com/office/mac/drawingml/2011/main" val="1"/>
             </a:ext>
           </a:extLst>
         </p:spPr>
@@ -18849,7 +18856,7 @@
           </a:ln>
           <a:extLst>
             <a:ext uri="{C572A759-6A51-4108-AA02-DFA0A04FC94B}">
-              <ma14:wrappingTextBoxFlag xmlns:ma14="http://schemas.microsoft.com/office/mac/drawingml/2011/main" xmlns:a14="http://schemas.microsoft.com/office/drawing/2010/main" xmlns:m="http://schemas.openxmlformats.org/officeDocument/2006/math" xmlns="" val="1"/>
+              <ma14:wrappingTextBoxFlag xmlns="" xmlns:m="http://schemas.openxmlformats.org/officeDocument/2006/math" xmlns:a14="http://schemas.microsoft.com/office/drawing/2010/main" xmlns:ma14="http://schemas.microsoft.com/office/mac/drawingml/2011/main" val="1"/>
             </a:ext>
           </a:extLst>
         </p:spPr>
@@ -19180,7 +19187,7 @@
           </a:ln>
           <a:extLst>
             <a:ext uri="{C572A759-6A51-4108-AA02-DFA0A04FC94B}">
-              <ma14:wrappingTextBoxFlag xmlns:ma14="http://schemas.microsoft.com/office/mac/drawingml/2011/main" xmlns:a14="http://schemas.microsoft.com/office/drawing/2010/main" xmlns:m="http://schemas.openxmlformats.org/officeDocument/2006/math" xmlns="" val="1"/>
+              <ma14:wrappingTextBoxFlag xmlns="" xmlns:m="http://schemas.openxmlformats.org/officeDocument/2006/math" xmlns:a14="http://schemas.microsoft.com/office/drawing/2010/main" xmlns:ma14="http://schemas.microsoft.com/office/mac/drawingml/2011/main" val="1"/>
             </a:ext>
           </a:extLst>
         </p:spPr>
@@ -19215,7 +19222,7 @@
           </a:ln>
           <a:extLst>
             <a:ext uri="{C572A759-6A51-4108-AA02-DFA0A04FC94B}">
-              <ma14:wrappingTextBoxFlag xmlns:ma14="http://schemas.microsoft.com/office/mac/drawingml/2011/main" xmlns:a14="http://schemas.microsoft.com/office/drawing/2010/main" xmlns:m="http://schemas.openxmlformats.org/officeDocument/2006/math" xmlns="" val="1"/>
+              <ma14:wrappingTextBoxFlag xmlns="" xmlns:m="http://schemas.openxmlformats.org/officeDocument/2006/math" xmlns:a14="http://schemas.microsoft.com/office/drawing/2010/main" xmlns:ma14="http://schemas.microsoft.com/office/mac/drawingml/2011/main" val="1"/>
             </a:ext>
           </a:extLst>
         </p:spPr>
@@ -19250,7 +19257,7 @@
           </a:ln>
           <a:extLst>
             <a:ext uri="{C572A759-6A51-4108-AA02-DFA0A04FC94B}">
-              <ma14:wrappingTextBoxFlag xmlns:ma14="http://schemas.microsoft.com/office/mac/drawingml/2011/main" xmlns:a14="http://schemas.microsoft.com/office/drawing/2010/main" xmlns:m="http://schemas.openxmlformats.org/officeDocument/2006/math" xmlns="" val="1"/>
+              <ma14:wrappingTextBoxFlag xmlns="" xmlns:m="http://schemas.openxmlformats.org/officeDocument/2006/math" xmlns:a14="http://schemas.microsoft.com/office/drawing/2010/main" xmlns:ma14="http://schemas.microsoft.com/office/mac/drawingml/2011/main" val="1"/>
             </a:ext>
           </a:extLst>
         </p:spPr>
@@ -19336,7 +19343,7 @@
           </a:ln>
           <a:extLst>
             <a:ext uri="{C572A759-6A51-4108-AA02-DFA0A04FC94B}">
-              <ma14:wrappingTextBoxFlag xmlns:ma14="http://schemas.microsoft.com/office/mac/drawingml/2011/main" xmlns:a14="http://schemas.microsoft.com/office/drawing/2010/main" xmlns:m="http://schemas.openxmlformats.org/officeDocument/2006/math" xmlns="" val="1"/>
+              <ma14:wrappingTextBoxFlag xmlns="" xmlns:m="http://schemas.openxmlformats.org/officeDocument/2006/math" xmlns:a14="http://schemas.microsoft.com/office/drawing/2010/main" xmlns:ma14="http://schemas.microsoft.com/office/mac/drawingml/2011/main" val="1"/>
             </a:ext>
           </a:extLst>
         </p:spPr>
@@ -19381,7 +19388,7 @@
           </a:ln>
           <a:extLst>
             <a:ext uri="{C572A759-6A51-4108-AA02-DFA0A04FC94B}">
-              <ma14:wrappingTextBoxFlag xmlns:ma14="http://schemas.microsoft.com/office/mac/drawingml/2011/main" xmlns:a14="http://schemas.microsoft.com/office/drawing/2010/main" xmlns:m="http://schemas.openxmlformats.org/officeDocument/2006/math" xmlns="" val="1"/>
+              <ma14:wrappingTextBoxFlag xmlns="" xmlns:m="http://schemas.openxmlformats.org/officeDocument/2006/math" xmlns:a14="http://schemas.microsoft.com/office/drawing/2010/main" xmlns:ma14="http://schemas.microsoft.com/office/mac/drawingml/2011/main" val="1"/>
             </a:ext>
           </a:extLst>
         </p:spPr>
@@ -19423,7 +19430,7 @@
           </a:ln>
           <a:extLst>
             <a:ext uri="{C572A759-6A51-4108-AA02-DFA0A04FC94B}">
-              <ma14:wrappingTextBoxFlag xmlns:ma14="http://schemas.microsoft.com/office/mac/drawingml/2011/main" xmlns:a14="http://schemas.microsoft.com/office/drawing/2010/main" xmlns:m="http://schemas.openxmlformats.org/officeDocument/2006/math" xmlns="" val="1"/>
+              <ma14:wrappingTextBoxFlag xmlns="" xmlns:m="http://schemas.openxmlformats.org/officeDocument/2006/math" xmlns:a14="http://schemas.microsoft.com/office/drawing/2010/main" xmlns:ma14="http://schemas.microsoft.com/office/mac/drawingml/2011/main" val="1"/>
             </a:ext>
           </a:extLst>
         </p:spPr>
@@ -19468,7 +19475,7 @@
           </a:ln>
           <a:extLst>
             <a:ext uri="{C572A759-6A51-4108-AA02-DFA0A04FC94B}">
-              <ma14:wrappingTextBoxFlag xmlns:ma14="http://schemas.microsoft.com/office/mac/drawingml/2011/main" xmlns:a14="http://schemas.microsoft.com/office/drawing/2010/main" xmlns:m="http://schemas.openxmlformats.org/officeDocument/2006/math" xmlns="" val="1"/>
+              <ma14:wrappingTextBoxFlag xmlns="" xmlns:m="http://schemas.openxmlformats.org/officeDocument/2006/math" xmlns:a14="http://schemas.microsoft.com/office/drawing/2010/main" xmlns:ma14="http://schemas.microsoft.com/office/mac/drawingml/2011/main" val="1"/>
             </a:ext>
           </a:extLst>
         </p:spPr>
@@ -19507,7 +19514,7 @@
           </a:ln>
           <a:extLst>
             <a:ext uri="{C572A759-6A51-4108-AA02-DFA0A04FC94B}">
-              <ma14:wrappingTextBoxFlag xmlns:ma14="http://schemas.microsoft.com/office/mac/drawingml/2011/main" xmlns:a14="http://schemas.microsoft.com/office/drawing/2010/main" xmlns:m="http://schemas.openxmlformats.org/officeDocument/2006/math" xmlns="" val="1"/>
+              <ma14:wrappingTextBoxFlag xmlns="" xmlns:m="http://schemas.openxmlformats.org/officeDocument/2006/math" xmlns:a14="http://schemas.microsoft.com/office/drawing/2010/main" xmlns:ma14="http://schemas.microsoft.com/office/mac/drawingml/2011/main" val="1"/>
             </a:ext>
           </a:extLst>
         </p:spPr>
@@ -19546,7 +19553,7 @@
           </a:ln>
           <a:extLst>
             <a:ext uri="{C572A759-6A51-4108-AA02-DFA0A04FC94B}">
-              <ma14:wrappingTextBoxFlag xmlns:ma14="http://schemas.microsoft.com/office/mac/drawingml/2011/main" xmlns:a14="http://schemas.microsoft.com/office/drawing/2010/main" xmlns:m="http://schemas.openxmlformats.org/officeDocument/2006/math" xmlns="" val="1"/>
+              <ma14:wrappingTextBoxFlag xmlns="" xmlns:m="http://schemas.openxmlformats.org/officeDocument/2006/math" xmlns:a14="http://schemas.microsoft.com/office/drawing/2010/main" xmlns:ma14="http://schemas.microsoft.com/office/mac/drawingml/2011/main" val="1"/>
             </a:ext>
           </a:extLst>
         </p:spPr>
@@ -19593,7 +19600,7 @@
           </a:ln>
           <a:extLst>
             <a:ext uri="{C572A759-6A51-4108-AA02-DFA0A04FC94B}">
-              <ma14:wrappingTextBoxFlag xmlns:ma14="http://schemas.microsoft.com/office/mac/drawingml/2011/main" xmlns:a14="http://schemas.microsoft.com/office/drawing/2010/main" xmlns:m="http://schemas.openxmlformats.org/officeDocument/2006/math" xmlns="" val="1"/>
+              <ma14:wrappingTextBoxFlag xmlns="" xmlns:m="http://schemas.openxmlformats.org/officeDocument/2006/math" xmlns:a14="http://schemas.microsoft.com/office/drawing/2010/main" xmlns:ma14="http://schemas.microsoft.com/office/mac/drawingml/2011/main" val="1"/>
             </a:ext>
           </a:extLst>
         </p:spPr>
@@ -19637,7 +19644,7 @@
           </a:ln>
           <a:extLst>
             <a:ext uri="{C572A759-6A51-4108-AA02-DFA0A04FC94B}">
-              <ma14:wrappingTextBoxFlag xmlns:ma14="http://schemas.microsoft.com/office/mac/drawingml/2011/main" xmlns:a14="http://schemas.microsoft.com/office/drawing/2010/main" xmlns:m="http://schemas.openxmlformats.org/officeDocument/2006/math" xmlns="" val="1"/>
+              <ma14:wrappingTextBoxFlag xmlns="" xmlns:m="http://schemas.openxmlformats.org/officeDocument/2006/math" xmlns:a14="http://schemas.microsoft.com/office/drawing/2010/main" xmlns:ma14="http://schemas.microsoft.com/office/mac/drawingml/2011/main" val="1"/>
             </a:ext>
           </a:extLst>
         </p:spPr>
@@ -19814,7 +19821,7 @@
           </a:ln>
           <a:extLst>
             <a:ext uri="{C572A759-6A51-4108-AA02-DFA0A04FC94B}">
-              <ma14:wrappingTextBoxFlag xmlns:ma14="http://schemas.microsoft.com/office/mac/drawingml/2011/main" xmlns:a14="http://schemas.microsoft.com/office/drawing/2010/main" xmlns:m="http://schemas.openxmlformats.org/officeDocument/2006/math" xmlns="" val="1"/>
+              <ma14:wrappingTextBoxFlag xmlns="" xmlns:m="http://schemas.openxmlformats.org/officeDocument/2006/math" xmlns:a14="http://schemas.microsoft.com/office/drawing/2010/main" xmlns:ma14="http://schemas.microsoft.com/office/mac/drawingml/2011/main" val="1"/>
             </a:ext>
           </a:extLst>
         </p:spPr>
@@ -19861,7 +19868,7 @@
           </a:ln>
           <a:extLst>
             <a:ext uri="{C572A759-6A51-4108-AA02-DFA0A04FC94B}">
-              <ma14:wrappingTextBoxFlag xmlns:ma14="http://schemas.microsoft.com/office/mac/drawingml/2011/main" xmlns:a14="http://schemas.microsoft.com/office/drawing/2010/main" xmlns:m="http://schemas.openxmlformats.org/officeDocument/2006/math" xmlns="" val="1"/>
+              <ma14:wrappingTextBoxFlag xmlns="" xmlns:m="http://schemas.openxmlformats.org/officeDocument/2006/math" xmlns:a14="http://schemas.microsoft.com/office/drawing/2010/main" xmlns:ma14="http://schemas.microsoft.com/office/mac/drawingml/2011/main" val="1"/>
             </a:ext>
           </a:extLst>
         </p:spPr>
@@ -19923,7 +19930,7 @@
           </a:ln>
           <a:extLst>
             <a:ext uri="{C572A759-6A51-4108-AA02-DFA0A04FC94B}">
-              <ma14:wrappingTextBoxFlag xmlns:ma14="http://schemas.microsoft.com/office/mac/drawingml/2011/main" xmlns:a14="http://schemas.microsoft.com/office/drawing/2010/main" xmlns:m="http://schemas.openxmlformats.org/officeDocument/2006/math" xmlns="" val="1"/>
+              <ma14:wrappingTextBoxFlag xmlns="" xmlns:m="http://schemas.openxmlformats.org/officeDocument/2006/math" xmlns:a14="http://schemas.microsoft.com/office/drawing/2010/main" xmlns:ma14="http://schemas.microsoft.com/office/mac/drawingml/2011/main" val="1"/>
             </a:ext>
           </a:extLst>
         </p:spPr>
@@ -20026,7 +20033,7 @@
           </a:ln>
           <a:extLst>
             <a:ext uri="{C572A759-6A51-4108-AA02-DFA0A04FC94B}">
-              <ma14:wrappingTextBoxFlag xmlns:ma14="http://schemas.microsoft.com/office/mac/drawingml/2011/main" xmlns:a14="http://schemas.microsoft.com/office/drawing/2010/main" xmlns:m="http://schemas.openxmlformats.org/officeDocument/2006/math" xmlns="" val="1"/>
+              <ma14:wrappingTextBoxFlag xmlns="" xmlns:m="http://schemas.openxmlformats.org/officeDocument/2006/math" xmlns:a14="http://schemas.microsoft.com/office/drawing/2010/main" xmlns:ma14="http://schemas.microsoft.com/office/mac/drawingml/2011/main" val="1"/>
             </a:ext>
           </a:extLst>
         </p:spPr>
@@ -20066,7 +20073,7 @@
           </a:ln>
           <a:extLst>
             <a:ext uri="{C572A759-6A51-4108-AA02-DFA0A04FC94B}">
-              <ma14:wrappingTextBoxFlag xmlns:ma14="http://schemas.microsoft.com/office/mac/drawingml/2011/main" xmlns:a14="http://schemas.microsoft.com/office/drawing/2010/main" xmlns:m="http://schemas.openxmlformats.org/officeDocument/2006/math" xmlns="" val="1"/>
+              <ma14:wrappingTextBoxFlag xmlns="" xmlns:m="http://schemas.openxmlformats.org/officeDocument/2006/math" xmlns:a14="http://schemas.microsoft.com/office/drawing/2010/main" xmlns:ma14="http://schemas.microsoft.com/office/mac/drawingml/2011/main" val="1"/>
             </a:ext>
           </a:extLst>
         </p:spPr>
@@ -20273,7 +20280,7 @@
           </a:ln>
           <a:extLst>
             <a:ext uri="{C572A759-6A51-4108-AA02-DFA0A04FC94B}">
-              <ma14:wrappingTextBoxFlag xmlns:ma14="http://schemas.microsoft.com/office/mac/drawingml/2011/main" xmlns:a14="http://schemas.microsoft.com/office/drawing/2010/main" xmlns:m="http://schemas.openxmlformats.org/officeDocument/2006/math" xmlns="" val="1"/>
+              <ma14:wrappingTextBoxFlag xmlns="" xmlns:m="http://schemas.openxmlformats.org/officeDocument/2006/math" xmlns:a14="http://schemas.microsoft.com/office/drawing/2010/main" xmlns:ma14="http://schemas.microsoft.com/office/mac/drawingml/2011/main" val="1"/>
             </a:ext>
           </a:extLst>
         </p:spPr>
@@ -20400,7 +20407,7 @@
           </a:ln>
           <a:extLst>
             <a:ext uri="{C572A759-6A51-4108-AA02-DFA0A04FC94B}">
-              <ma14:wrappingTextBoxFlag xmlns:ma14="http://schemas.microsoft.com/office/mac/drawingml/2011/main" xmlns:a14="http://schemas.microsoft.com/office/drawing/2010/main" xmlns:m="http://schemas.openxmlformats.org/officeDocument/2006/math" xmlns="" val="1"/>
+              <ma14:wrappingTextBoxFlag xmlns="" xmlns:m="http://schemas.openxmlformats.org/officeDocument/2006/math" xmlns:a14="http://schemas.microsoft.com/office/drawing/2010/main" xmlns:ma14="http://schemas.microsoft.com/office/mac/drawingml/2011/main" val="1"/>
             </a:ext>
           </a:extLst>
         </p:spPr>
@@ -20447,7 +20454,7 @@
           </a:ln>
           <a:extLst>
             <a:ext uri="{C572A759-6A51-4108-AA02-DFA0A04FC94B}">
-              <ma14:wrappingTextBoxFlag xmlns:ma14="http://schemas.microsoft.com/office/mac/drawingml/2011/main" xmlns:a14="http://schemas.microsoft.com/office/drawing/2010/main" xmlns:m="http://schemas.openxmlformats.org/officeDocument/2006/math" xmlns="" val="1"/>
+              <ma14:wrappingTextBoxFlag xmlns="" xmlns:m="http://schemas.openxmlformats.org/officeDocument/2006/math" xmlns:a14="http://schemas.microsoft.com/office/drawing/2010/main" xmlns:ma14="http://schemas.microsoft.com/office/mac/drawingml/2011/main" val="1"/>
             </a:ext>
           </a:extLst>
         </p:spPr>
@@ -20509,7 +20516,7 @@
           </a:ln>
           <a:extLst>
             <a:ext uri="{C572A759-6A51-4108-AA02-DFA0A04FC94B}">
-              <ma14:wrappingTextBoxFlag xmlns:ma14="http://schemas.microsoft.com/office/mac/drawingml/2011/main" xmlns:a14="http://schemas.microsoft.com/office/drawing/2010/main" xmlns:m="http://schemas.openxmlformats.org/officeDocument/2006/math" xmlns="" val="1"/>
+              <ma14:wrappingTextBoxFlag xmlns="" xmlns:m="http://schemas.openxmlformats.org/officeDocument/2006/math" xmlns:a14="http://schemas.microsoft.com/office/drawing/2010/main" xmlns:ma14="http://schemas.microsoft.com/office/mac/drawingml/2011/main" val="1"/>
             </a:ext>
           </a:extLst>
         </p:spPr>
@@ -20612,7 +20619,7 @@
           </a:ln>
           <a:extLst>
             <a:ext uri="{C572A759-6A51-4108-AA02-DFA0A04FC94B}">
-              <ma14:wrappingTextBoxFlag xmlns:ma14="http://schemas.microsoft.com/office/mac/drawingml/2011/main" xmlns:a14="http://schemas.microsoft.com/office/drawing/2010/main" xmlns:m="http://schemas.openxmlformats.org/officeDocument/2006/math" xmlns="" val="1"/>
+              <ma14:wrappingTextBoxFlag xmlns="" xmlns:m="http://schemas.openxmlformats.org/officeDocument/2006/math" xmlns:a14="http://schemas.microsoft.com/office/drawing/2010/main" xmlns:ma14="http://schemas.microsoft.com/office/mac/drawingml/2011/main" val="1"/>
             </a:ext>
           </a:extLst>
         </p:spPr>
@@ -20652,7 +20659,7 @@
           </a:ln>
           <a:extLst>
             <a:ext uri="{C572A759-6A51-4108-AA02-DFA0A04FC94B}">
-              <ma14:wrappingTextBoxFlag xmlns:ma14="http://schemas.microsoft.com/office/mac/drawingml/2011/main" xmlns:a14="http://schemas.microsoft.com/office/drawing/2010/main" xmlns:m="http://schemas.openxmlformats.org/officeDocument/2006/math" xmlns="" val="1"/>
+              <ma14:wrappingTextBoxFlag xmlns="" xmlns:m="http://schemas.openxmlformats.org/officeDocument/2006/math" xmlns:a14="http://schemas.microsoft.com/office/drawing/2010/main" xmlns:ma14="http://schemas.microsoft.com/office/mac/drawingml/2011/main" val="1"/>
             </a:ext>
           </a:extLst>
         </p:spPr>
@@ -20892,7 +20899,7 @@
           </a:ln>
           <a:extLst>
             <a:ext uri="{C572A759-6A51-4108-AA02-DFA0A04FC94B}">
-              <ma14:wrappingTextBoxFlag xmlns:ma14="http://schemas.microsoft.com/office/mac/drawingml/2011/main" xmlns:a14="http://schemas.microsoft.com/office/drawing/2010/main" xmlns:m="http://schemas.openxmlformats.org/officeDocument/2006/math" xmlns="" val="1"/>
+              <ma14:wrappingTextBoxFlag xmlns="" xmlns:m="http://schemas.openxmlformats.org/officeDocument/2006/math" xmlns:a14="http://schemas.microsoft.com/office/drawing/2010/main" xmlns:ma14="http://schemas.microsoft.com/office/mac/drawingml/2011/main" val="1"/>
             </a:ext>
           </a:extLst>
         </p:spPr>
@@ -20966,7 +20973,7 @@
           </a:ln>
           <a:extLst>
             <a:ext uri="{C572A759-6A51-4108-AA02-DFA0A04FC94B}">
-              <ma14:wrappingTextBoxFlag xmlns:ma14="http://schemas.microsoft.com/office/mac/drawingml/2011/main" xmlns:a14="http://schemas.microsoft.com/office/drawing/2010/main" xmlns:m="http://schemas.openxmlformats.org/officeDocument/2006/math" xmlns="" val="1"/>
+              <ma14:wrappingTextBoxFlag xmlns="" xmlns:m="http://schemas.openxmlformats.org/officeDocument/2006/math" xmlns:a14="http://schemas.microsoft.com/office/drawing/2010/main" xmlns:ma14="http://schemas.microsoft.com/office/mac/drawingml/2011/main" val="1"/>
             </a:ext>
           </a:extLst>
         </p:spPr>
@@ -21010,7 +21017,7 @@
           </a:ln>
           <a:extLst>
             <a:ext uri="{C572A759-6A51-4108-AA02-DFA0A04FC94B}">
-              <ma14:wrappingTextBoxFlag xmlns:ma14="http://schemas.microsoft.com/office/mac/drawingml/2011/main" xmlns:a14="http://schemas.microsoft.com/office/drawing/2010/main" xmlns:m="http://schemas.openxmlformats.org/officeDocument/2006/math" xmlns="" val="1"/>
+              <ma14:wrappingTextBoxFlag xmlns="" xmlns:m="http://schemas.openxmlformats.org/officeDocument/2006/math" xmlns:a14="http://schemas.microsoft.com/office/drawing/2010/main" xmlns:ma14="http://schemas.microsoft.com/office/mac/drawingml/2011/main" val="1"/>
             </a:ext>
           </a:extLst>
         </p:spPr>
@@ -21250,7 +21257,7 @@
           </a:ln>
           <a:extLst>
             <a:ext uri="{C572A759-6A51-4108-AA02-DFA0A04FC94B}">
-              <ma14:wrappingTextBoxFlag xmlns:ma14="http://schemas.microsoft.com/office/mac/drawingml/2011/main" xmlns:a14="http://schemas.microsoft.com/office/drawing/2010/main" xmlns:m="http://schemas.openxmlformats.org/officeDocument/2006/math" xmlns="" val="1"/>
+              <ma14:wrappingTextBoxFlag xmlns="" xmlns:m="http://schemas.openxmlformats.org/officeDocument/2006/math" xmlns:a14="http://schemas.microsoft.com/office/drawing/2010/main" xmlns:ma14="http://schemas.microsoft.com/office/mac/drawingml/2011/main" val="1"/>
             </a:ext>
           </a:extLst>
         </p:spPr>
@@ -21324,7 +21331,7 @@
           </a:ln>
           <a:extLst>
             <a:ext uri="{C572A759-6A51-4108-AA02-DFA0A04FC94B}">
-              <ma14:wrappingTextBoxFlag xmlns:ma14="http://schemas.microsoft.com/office/mac/drawingml/2011/main" xmlns:a14="http://schemas.microsoft.com/office/drawing/2010/main" xmlns:m="http://schemas.openxmlformats.org/officeDocument/2006/math" xmlns="" val="1"/>
+              <ma14:wrappingTextBoxFlag xmlns="" xmlns:m="http://schemas.openxmlformats.org/officeDocument/2006/math" xmlns:a14="http://schemas.microsoft.com/office/drawing/2010/main" xmlns:ma14="http://schemas.microsoft.com/office/mac/drawingml/2011/main" val="1"/>
             </a:ext>
           </a:extLst>
         </p:spPr>
@@ -21408,7 +21415,7 @@
           </a:ln>
           <a:extLst>
             <a:ext uri="{C572A759-6A51-4108-AA02-DFA0A04FC94B}">
-              <ma14:wrappingTextBoxFlag xmlns:ma14="http://schemas.microsoft.com/office/mac/drawingml/2011/main" xmlns:a14="http://schemas.microsoft.com/office/drawing/2010/main" xmlns:m="http://schemas.openxmlformats.org/officeDocument/2006/math" xmlns="" val="1"/>
+              <ma14:wrappingTextBoxFlag xmlns="" xmlns:m="http://schemas.openxmlformats.org/officeDocument/2006/math" xmlns:a14="http://schemas.microsoft.com/office/drawing/2010/main" xmlns:ma14="http://schemas.microsoft.com/office/mac/drawingml/2011/main" val="1"/>
             </a:ext>
           </a:extLst>
         </p:spPr>
@@ -21495,7 +21502,7 @@
           </a:ln>
           <a:extLst>
             <a:ext uri="{C572A759-6A51-4108-AA02-DFA0A04FC94B}">
-              <ma14:wrappingTextBoxFlag xmlns:ma14="http://schemas.microsoft.com/office/mac/drawingml/2011/main" xmlns:a14="http://schemas.microsoft.com/office/drawing/2010/main" xmlns:m="http://schemas.openxmlformats.org/officeDocument/2006/math" xmlns="" val="1"/>
+              <ma14:wrappingTextBoxFlag xmlns="" xmlns:m="http://schemas.openxmlformats.org/officeDocument/2006/math" xmlns:a14="http://schemas.microsoft.com/office/drawing/2010/main" xmlns:ma14="http://schemas.microsoft.com/office/mac/drawingml/2011/main" val="1"/>
             </a:ext>
           </a:extLst>
         </p:spPr>
@@ -21582,7 +21589,7 @@
           </a:ln>
           <a:extLst>
             <a:ext uri="{C572A759-6A51-4108-AA02-DFA0A04FC94B}">
-              <ma14:wrappingTextBoxFlag xmlns:ma14="http://schemas.microsoft.com/office/mac/drawingml/2011/main" xmlns:a14="http://schemas.microsoft.com/office/drawing/2010/main" xmlns:m="http://schemas.openxmlformats.org/officeDocument/2006/math" xmlns="" val="1"/>
+              <ma14:wrappingTextBoxFlag xmlns="" xmlns:m="http://schemas.openxmlformats.org/officeDocument/2006/math" xmlns:a14="http://schemas.microsoft.com/office/drawing/2010/main" xmlns:ma14="http://schemas.microsoft.com/office/mac/drawingml/2011/main" val="1"/>
             </a:ext>
           </a:extLst>
         </p:spPr>
@@ -21629,7 +21636,7 @@
           </a:ln>
           <a:extLst>
             <a:ext uri="{C572A759-6A51-4108-AA02-DFA0A04FC94B}">
-              <ma14:wrappingTextBoxFlag xmlns:ma14="http://schemas.microsoft.com/office/mac/drawingml/2011/main" xmlns:a14="http://schemas.microsoft.com/office/drawing/2010/main" xmlns:m="http://schemas.openxmlformats.org/officeDocument/2006/math" xmlns="" val="1"/>
+              <ma14:wrappingTextBoxFlag xmlns="" xmlns:m="http://schemas.openxmlformats.org/officeDocument/2006/math" xmlns:a14="http://schemas.microsoft.com/office/drawing/2010/main" xmlns:ma14="http://schemas.microsoft.com/office/mac/drawingml/2011/main" val="1"/>
             </a:ext>
           </a:extLst>
         </p:spPr>
@@ -21869,7 +21876,7 @@
           </a:ln>
           <a:extLst>
             <a:ext uri="{C572A759-6A51-4108-AA02-DFA0A04FC94B}">
-              <ma14:wrappingTextBoxFlag xmlns:ma14="http://schemas.microsoft.com/office/mac/drawingml/2011/main" xmlns:a14="http://schemas.microsoft.com/office/drawing/2010/main" xmlns:m="http://schemas.openxmlformats.org/officeDocument/2006/math" xmlns="" val="1"/>
+              <ma14:wrappingTextBoxFlag xmlns="" xmlns:m="http://schemas.openxmlformats.org/officeDocument/2006/math" xmlns:a14="http://schemas.microsoft.com/office/drawing/2010/main" xmlns:ma14="http://schemas.microsoft.com/office/mac/drawingml/2011/main" val="1"/>
             </a:ext>
           </a:extLst>
         </p:spPr>
@@ -21943,7 +21950,7 @@
           </a:ln>
           <a:extLst>
             <a:ext uri="{C572A759-6A51-4108-AA02-DFA0A04FC94B}">
-              <ma14:wrappingTextBoxFlag xmlns:ma14="http://schemas.microsoft.com/office/mac/drawingml/2011/main" xmlns:a14="http://schemas.microsoft.com/office/drawing/2010/main" xmlns:m="http://schemas.openxmlformats.org/officeDocument/2006/math" xmlns="" val="1"/>
+              <ma14:wrappingTextBoxFlag xmlns="" xmlns:m="http://schemas.openxmlformats.org/officeDocument/2006/math" xmlns:a14="http://schemas.microsoft.com/office/drawing/2010/main" xmlns:ma14="http://schemas.microsoft.com/office/mac/drawingml/2011/main" val="1"/>
             </a:ext>
           </a:extLst>
         </p:spPr>
@@ -22027,7 +22034,7 @@
           </a:ln>
           <a:extLst>
             <a:ext uri="{C572A759-6A51-4108-AA02-DFA0A04FC94B}">
-              <ma14:wrappingTextBoxFlag xmlns:ma14="http://schemas.microsoft.com/office/mac/drawingml/2011/main" xmlns:a14="http://schemas.microsoft.com/office/drawing/2010/main" xmlns:m="http://schemas.openxmlformats.org/officeDocument/2006/math" xmlns="" val="1"/>
+              <ma14:wrappingTextBoxFlag xmlns="" xmlns:m="http://schemas.openxmlformats.org/officeDocument/2006/math" xmlns:a14="http://schemas.microsoft.com/office/drawing/2010/main" xmlns:ma14="http://schemas.microsoft.com/office/mac/drawingml/2011/main" val="1"/>
             </a:ext>
           </a:extLst>
         </p:spPr>
@@ -22074,7 +22081,7 @@
           </a:ln>
           <a:extLst>
             <a:ext uri="{C572A759-6A51-4108-AA02-DFA0A04FC94B}">
-              <ma14:wrappingTextBoxFlag xmlns:ma14="http://schemas.microsoft.com/office/mac/drawingml/2011/main" xmlns:a14="http://schemas.microsoft.com/office/drawing/2010/main" xmlns:m="http://schemas.openxmlformats.org/officeDocument/2006/math" xmlns="" val="1"/>
+              <ma14:wrappingTextBoxFlag xmlns="" xmlns:m="http://schemas.openxmlformats.org/officeDocument/2006/math" xmlns:a14="http://schemas.microsoft.com/office/drawing/2010/main" xmlns:ma14="http://schemas.microsoft.com/office/mac/drawingml/2011/main" val="1"/>
             </a:ext>
           </a:extLst>
         </p:spPr>
@@ -22161,7 +22168,7 @@
           </a:ln>
           <a:extLst>
             <a:ext uri="{C572A759-6A51-4108-AA02-DFA0A04FC94B}">
-              <ma14:wrappingTextBoxFlag xmlns:ma14="http://schemas.microsoft.com/office/mac/drawingml/2011/main" xmlns:a14="http://schemas.microsoft.com/office/drawing/2010/main" xmlns:m="http://schemas.openxmlformats.org/officeDocument/2006/math" xmlns="" val="1"/>
+              <ma14:wrappingTextBoxFlag xmlns="" xmlns:m="http://schemas.openxmlformats.org/officeDocument/2006/math" xmlns:a14="http://schemas.microsoft.com/office/drawing/2010/main" xmlns:ma14="http://schemas.microsoft.com/office/mac/drawingml/2011/main" val="1"/>
             </a:ext>
           </a:extLst>
         </p:spPr>
@@ -22208,7 +22215,7 @@
           </a:ln>
           <a:extLst>
             <a:ext uri="{C572A759-6A51-4108-AA02-DFA0A04FC94B}">
-              <ma14:wrappingTextBoxFlag xmlns:ma14="http://schemas.microsoft.com/office/mac/drawingml/2011/main" xmlns:a14="http://schemas.microsoft.com/office/drawing/2010/main" xmlns:m="http://schemas.openxmlformats.org/officeDocument/2006/math" xmlns="" val="1"/>
+              <ma14:wrappingTextBoxFlag xmlns="" xmlns:m="http://schemas.openxmlformats.org/officeDocument/2006/math" xmlns:a14="http://schemas.microsoft.com/office/drawing/2010/main" xmlns:ma14="http://schemas.microsoft.com/office/mac/drawingml/2011/main" val="1"/>
             </a:ext>
           </a:extLst>
         </p:spPr>
@@ -22566,7 +22573,7 @@
           </a:ln>
           <a:extLst>
             <a:ext uri="{C572A759-6A51-4108-AA02-DFA0A04FC94B}">
-              <ma14:wrappingTextBoxFlag xmlns:ma14="http://schemas.microsoft.com/office/mac/drawingml/2011/main" xmlns:a14="http://schemas.microsoft.com/office/drawing/2010/main" xmlns:m="http://schemas.openxmlformats.org/officeDocument/2006/math" xmlns="" val="1"/>
+              <ma14:wrappingTextBoxFlag xmlns="" xmlns:m="http://schemas.openxmlformats.org/officeDocument/2006/math" xmlns:a14="http://schemas.microsoft.com/office/drawing/2010/main" xmlns:ma14="http://schemas.microsoft.com/office/mac/drawingml/2011/main" val="1"/>
             </a:ext>
           </a:extLst>
         </p:spPr>
@@ -22601,7 +22608,7 @@
           </a:ln>
           <a:extLst>
             <a:ext uri="{C572A759-6A51-4108-AA02-DFA0A04FC94B}">
-              <ma14:wrappingTextBoxFlag xmlns:ma14="http://schemas.microsoft.com/office/mac/drawingml/2011/main" xmlns:a14="http://schemas.microsoft.com/office/drawing/2010/main" xmlns:m="http://schemas.openxmlformats.org/officeDocument/2006/math" xmlns="" val="1"/>
+              <ma14:wrappingTextBoxFlag xmlns="" xmlns:m="http://schemas.openxmlformats.org/officeDocument/2006/math" xmlns:a14="http://schemas.microsoft.com/office/drawing/2010/main" xmlns:ma14="http://schemas.microsoft.com/office/mac/drawingml/2011/main" val="1"/>
             </a:ext>
           </a:extLst>
         </p:spPr>
@@ -22636,7 +22643,7 @@
           </a:ln>
           <a:extLst>
             <a:ext uri="{C572A759-6A51-4108-AA02-DFA0A04FC94B}">
-              <ma14:wrappingTextBoxFlag xmlns:ma14="http://schemas.microsoft.com/office/mac/drawingml/2011/main" xmlns:a14="http://schemas.microsoft.com/office/drawing/2010/main" xmlns:m="http://schemas.openxmlformats.org/officeDocument/2006/math" xmlns="" val="1"/>
+              <ma14:wrappingTextBoxFlag xmlns="" xmlns:m="http://schemas.openxmlformats.org/officeDocument/2006/math" xmlns:a14="http://schemas.microsoft.com/office/drawing/2010/main" xmlns:ma14="http://schemas.microsoft.com/office/mac/drawingml/2011/main" val="1"/>
             </a:ext>
           </a:extLst>
         </p:spPr>
@@ -22719,7 +22726,7 @@
           </a:ln>
           <a:extLst>
             <a:ext uri="{C572A759-6A51-4108-AA02-DFA0A04FC94B}">
-              <ma14:wrappingTextBoxFlag xmlns:ma14="http://schemas.microsoft.com/office/mac/drawingml/2011/main" xmlns:a14="http://schemas.microsoft.com/office/drawing/2010/main" xmlns:m="http://schemas.openxmlformats.org/officeDocument/2006/math" xmlns="" val="1"/>
+              <ma14:wrappingTextBoxFlag xmlns="" xmlns:m="http://schemas.openxmlformats.org/officeDocument/2006/math" xmlns:a14="http://schemas.microsoft.com/office/drawing/2010/main" xmlns:ma14="http://schemas.microsoft.com/office/mac/drawingml/2011/main" val="1"/>
             </a:ext>
           </a:extLst>
         </p:spPr>
@@ -22764,7 +22771,7 @@
           </a:ln>
           <a:extLst>
             <a:ext uri="{C572A759-6A51-4108-AA02-DFA0A04FC94B}">
-              <ma14:wrappingTextBoxFlag xmlns:ma14="http://schemas.microsoft.com/office/mac/drawingml/2011/main" xmlns:a14="http://schemas.microsoft.com/office/drawing/2010/main" xmlns:m="http://schemas.openxmlformats.org/officeDocument/2006/math" xmlns="" val="1"/>
+              <ma14:wrappingTextBoxFlag xmlns="" xmlns:m="http://schemas.openxmlformats.org/officeDocument/2006/math" xmlns:a14="http://schemas.microsoft.com/office/drawing/2010/main" xmlns:ma14="http://schemas.microsoft.com/office/mac/drawingml/2011/main" val="1"/>
             </a:ext>
           </a:extLst>
         </p:spPr>
@@ -22806,7 +22813,7 @@
           </a:ln>
           <a:extLst>
             <a:ext uri="{C572A759-6A51-4108-AA02-DFA0A04FC94B}">
-              <ma14:wrappingTextBoxFlag xmlns:ma14="http://schemas.microsoft.com/office/mac/drawingml/2011/main" xmlns:a14="http://schemas.microsoft.com/office/drawing/2010/main" xmlns:m="http://schemas.openxmlformats.org/officeDocument/2006/math" xmlns="" val="1"/>
+              <ma14:wrappingTextBoxFlag xmlns="" xmlns:m="http://schemas.openxmlformats.org/officeDocument/2006/math" xmlns:a14="http://schemas.microsoft.com/office/drawing/2010/main" xmlns:ma14="http://schemas.microsoft.com/office/mac/drawingml/2011/main" val="1"/>
             </a:ext>
           </a:extLst>
         </p:spPr>
@@ -22851,7 +22858,7 @@
           </a:ln>
           <a:extLst>
             <a:ext uri="{C572A759-6A51-4108-AA02-DFA0A04FC94B}">
-              <ma14:wrappingTextBoxFlag xmlns:ma14="http://schemas.microsoft.com/office/mac/drawingml/2011/main" xmlns:a14="http://schemas.microsoft.com/office/drawing/2010/main" xmlns:m="http://schemas.openxmlformats.org/officeDocument/2006/math" xmlns="" val="1"/>
+              <ma14:wrappingTextBoxFlag xmlns="" xmlns:m="http://schemas.openxmlformats.org/officeDocument/2006/math" xmlns:a14="http://schemas.microsoft.com/office/drawing/2010/main" xmlns:ma14="http://schemas.microsoft.com/office/mac/drawingml/2011/main" val="1"/>
             </a:ext>
           </a:extLst>
         </p:spPr>
@@ -22890,7 +22897,7 @@
           </a:ln>
           <a:extLst>
             <a:ext uri="{C572A759-6A51-4108-AA02-DFA0A04FC94B}">
-              <ma14:wrappingTextBoxFlag xmlns:ma14="http://schemas.microsoft.com/office/mac/drawingml/2011/main" xmlns:a14="http://schemas.microsoft.com/office/drawing/2010/main" xmlns:m="http://schemas.openxmlformats.org/officeDocument/2006/math" xmlns="" val="1"/>
+              <ma14:wrappingTextBoxFlag xmlns="" xmlns:m="http://schemas.openxmlformats.org/officeDocument/2006/math" xmlns:a14="http://schemas.microsoft.com/office/drawing/2010/main" xmlns:ma14="http://schemas.microsoft.com/office/mac/drawingml/2011/main" val="1"/>
             </a:ext>
           </a:extLst>
         </p:spPr>
@@ -22929,7 +22936,7 @@
           </a:ln>
           <a:extLst>
             <a:ext uri="{C572A759-6A51-4108-AA02-DFA0A04FC94B}">
-              <ma14:wrappingTextBoxFlag xmlns:ma14="http://schemas.microsoft.com/office/mac/drawingml/2011/main" xmlns:a14="http://schemas.microsoft.com/office/drawing/2010/main" xmlns:m="http://schemas.openxmlformats.org/officeDocument/2006/math" xmlns="" val="1"/>
+              <ma14:wrappingTextBoxFlag xmlns="" xmlns:m="http://schemas.openxmlformats.org/officeDocument/2006/math" xmlns:a14="http://schemas.microsoft.com/office/drawing/2010/main" xmlns:ma14="http://schemas.microsoft.com/office/mac/drawingml/2011/main" val="1"/>
             </a:ext>
           </a:extLst>
         </p:spPr>
@@ -22976,7 +22983,7 @@
           </a:ln>
           <a:extLst>
             <a:ext uri="{C572A759-6A51-4108-AA02-DFA0A04FC94B}">
-              <ma14:wrappingTextBoxFlag xmlns:ma14="http://schemas.microsoft.com/office/mac/drawingml/2011/main" xmlns:a14="http://schemas.microsoft.com/office/drawing/2010/main" xmlns:m="http://schemas.openxmlformats.org/officeDocument/2006/math" xmlns="" val="1"/>
+              <ma14:wrappingTextBoxFlag xmlns="" xmlns:m="http://schemas.openxmlformats.org/officeDocument/2006/math" xmlns:a14="http://schemas.microsoft.com/office/drawing/2010/main" xmlns:ma14="http://schemas.microsoft.com/office/mac/drawingml/2011/main" val="1"/>
             </a:ext>
           </a:extLst>
         </p:spPr>
@@ -23130,7 +23137,7 @@
           </a:ln>
           <a:extLst>
             <a:ext uri="{C572A759-6A51-4108-AA02-DFA0A04FC94B}">
-              <ma14:wrappingTextBoxFlag xmlns:ma14="http://schemas.microsoft.com/office/mac/drawingml/2011/main" xmlns:a14="http://schemas.microsoft.com/office/drawing/2010/main" xmlns:m="http://schemas.openxmlformats.org/officeDocument/2006/math" xmlns="" val="1"/>
+              <ma14:wrappingTextBoxFlag xmlns="" xmlns:m="http://schemas.openxmlformats.org/officeDocument/2006/math" xmlns:a14="http://schemas.microsoft.com/office/drawing/2010/main" xmlns:ma14="http://schemas.microsoft.com/office/mac/drawingml/2011/main" val="1"/>
             </a:ext>
           </a:extLst>
         </p:spPr>
@@ -23177,7 +23184,7 @@
           </a:ln>
           <a:extLst>
             <a:ext uri="{C572A759-6A51-4108-AA02-DFA0A04FC94B}">
-              <ma14:wrappingTextBoxFlag xmlns:ma14="http://schemas.microsoft.com/office/mac/drawingml/2011/main" xmlns:a14="http://schemas.microsoft.com/office/drawing/2010/main" xmlns:m="http://schemas.openxmlformats.org/officeDocument/2006/math" xmlns="" val="1"/>
+              <ma14:wrappingTextBoxFlag xmlns="" xmlns:m="http://schemas.openxmlformats.org/officeDocument/2006/math" xmlns:a14="http://schemas.microsoft.com/office/drawing/2010/main" xmlns:ma14="http://schemas.microsoft.com/office/mac/drawingml/2011/main" val="1"/>
             </a:ext>
           </a:extLst>
         </p:spPr>
@@ -23224,7 +23231,7 @@
           </a:ln>
           <a:extLst>
             <a:ext uri="{C572A759-6A51-4108-AA02-DFA0A04FC94B}">
-              <ma14:wrappingTextBoxFlag xmlns:ma14="http://schemas.microsoft.com/office/mac/drawingml/2011/main" xmlns:a14="http://schemas.microsoft.com/office/drawing/2010/main" xmlns:m="http://schemas.openxmlformats.org/officeDocument/2006/math" xmlns="" val="1"/>
+              <ma14:wrappingTextBoxFlag xmlns="" xmlns:m="http://schemas.openxmlformats.org/officeDocument/2006/math" xmlns:a14="http://schemas.microsoft.com/office/drawing/2010/main" xmlns:ma14="http://schemas.microsoft.com/office/mac/drawingml/2011/main" val="1"/>
             </a:ext>
           </a:extLst>
         </p:spPr>
@@ -23901,7 +23908,7 @@
           </a:ln>
           <a:extLst>
             <a:ext uri="{C572A759-6A51-4108-AA02-DFA0A04FC94B}">
-              <ma14:wrappingTextBoxFlag xmlns:ma14="http://schemas.microsoft.com/office/mac/drawingml/2011/main" xmlns:a14="http://schemas.microsoft.com/office/drawing/2010/main" xmlns:m="http://schemas.openxmlformats.org/officeDocument/2006/math" xmlns="" val="1"/>
+              <ma14:wrappingTextBoxFlag xmlns="" xmlns:m="http://schemas.openxmlformats.org/officeDocument/2006/math" xmlns:a14="http://schemas.microsoft.com/office/drawing/2010/main" xmlns:ma14="http://schemas.microsoft.com/office/mac/drawingml/2011/main" val="1"/>
             </a:ext>
           </a:extLst>
         </p:spPr>
@@ -23936,7 +23943,7 @@
           </a:ln>
           <a:extLst>
             <a:ext uri="{C572A759-6A51-4108-AA02-DFA0A04FC94B}">
-              <ma14:wrappingTextBoxFlag xmlns:ma14="http://schemas.microsoft.com/office/mac/drawingml/2011/main" xmlns:a14="http://schemas.microsoft.com/office/drawing/2010/main" xmlns:m="http://schemas.openxmlformats.org/officeDocument/2006/math" xmlns="" val="1"/>
+              <ma14:wrappingTextBoxFlag xmlns="" xmlns:m="http://schemas.openxmlformats.org/officeDocument/2006/math" xmlns:a14="http://schemas.microsoft.com/office/drawing/2010/main" xmlns:ma14="http://schemas.microsoft.com/office/mac/drawingml/2011/main" val="1"/>
             </a:ext>
           </a:extLst>
         </p:spPr>
@@ -23971,7 +23978,7 @@
           </a:ln>
           <a:extLst>
             <a:ext uri="{C572A759-6A51-4108-AA02-DFA0A04FC94B}">
-              <ma14:wrappingTextBoxFlag xmlns:ma14="http://schemas.microsoft.com/office/mac/drawingml/2011/main" xmlns:a14="http://schemas.microsoft.com/office/drawing/2010/main" xmlns:m="http://schemas.openxmlformats.org/officeDocument/2006/math" xmlns="" val="1"/>
+              <ma14:wrappingTextBoxFlag xmlns="" xmlns:m="http://schemas.openxmlformats.org/officeDocument/2006/math" xmlns:a14="http://schemas.microsoft.com/office/drawing/2010/main" xmlns:ma14="http://schemas.microsoft.com/office/mac/drawingml/2011/main" val="1"/>
             </a:ext>
           </a:extLst>
         </p:spPr>
@@ -24054,7 +24061,7 @@
           </a:ln>
           <a:extLst>
             <a:ext uri="{C572A759-6A51-4108-AA02-DFA0A04FC94B}">
-              <ma14:wrappingTextBoxFlag xmlns:ma14="http://schemas.microsoft.com/office/mac/drawingml/2011/main" xmlns:a14="http://schemas.microsoft.com/office/drawing/2010/main" xmlns:m="http://schemas.openxmlformats.org/officeDocument/2006/math" xmlns="" val="1"/>
+              <ma14:wrappingTextBoxFlag xmlns="" xmlns:m="http://schemas.openxmlformats.org/officeDocument/2006/math" xmlns:a14="http://schemas.microsoft.com/office/drawing/2010/main" xmlns:ma14="http://schemas.microsoft.com/office/mac/drawingml/2011/main" val="1"/>
             </a:ext>
           </a:extLst>
         </p:spPr>
@@ -24099,7 +24106,7 @@
           </a:ln>
           <a:extLst>
             <a:ext uri="{C572A759-6A51-4108-AA02-DFA0A04FC94B}">
-              <ma14:wrappingTextBoxFlag xmlns:ma14="http://schemas.microsoft.com/office/mac/drawingml/2011/main" xmlns:a14="http://schemas.microsoft.com/office/drawing/2010/main" xmlns:m="http://schemas.openxmlformats.org/officeDocument/2006/math" xmlns="" val="1"/>
+              <ma14:wrappingTextBoxFlag xmlns="" xmlns:m="http://schemas.openxmlformats.org/officeDocument/2006/math" xmlns:a14="http://schemas.microsoft.com/office/drawing/2010/main" xmlns:ma14="http://schemas.microsoft.com/office/mac/drawingml/2011/main" val="1"/>
             </a:ext>
           </a:extLst>
         </p:spPr>
@@ -24141,7 +24148,7 @@
           </a:ln>
           <a:extLst>
             <a:ext uri="{C572A759-6A51-4108-AA02-DFA0A04FC94B}">
-              <ma14:wrappingTextBoxFlag xmlns:ma14="http://schemas.microsoft.com/office/mac/drawingml/2011/main" xmlns:a14="http://schemas.microsoft.com/office/drawing/2010/main" xmlns:m="http://schemas.openxmlformats.org/officeDocument/2006/math" xmlns="" val="1"/>
+              <ma14:wrappingTextBoxFlag xmlns="" xmlns:m="http://schemas.openxmlformats.org/officeDocument/2006/math" xmlns:a14="http://schemas.microsoft.com/office/drawing/2010/main" xmlns:ma14="http://schemas.microsoft.com/office/mac/drawingml/2011/main" val="1"/>
             </a:ext>
           </a:extLst>
         </p:spPr>
@@ -24186,7 +24193,7 @@
           </a:ln>
           <a:extLst>
             <a:ext uri="{C572A759-6A51-4108-AA02-DFA0A04FC94B}">
-              <ma14:wrappingTextBoxFlag xmlns:ma14="http://schemas.microsoft.com/office/mac/drawingml/2011/main" xmlns:a14="http://schemas.microsoft.com/office/drawing/2010/main" xmlns:m="http://schemas.openxmlformats.org/officeDocument/2006/math" xmlns="" val="1"/>
+              <ma14:wrappingTextBoxFlag xmlns="" xmlns:m="http://schemas.openxmlformats.org/officeDocument/2006/math" xmlns:a14="http://schemas.microsoft.com/office/drawing/2010/main" xmlns:ma14="http://schemas.microsoft.com/office/mac/drawingml/2011/main" val="1"/>
             </a:ext>
           </a:extLst>
         </p:spPr>
@@ -24225,7 +24232,7 @@
           </a:ln>
           <a:extLst>
             <a:ext uri="{C572A759-6A51-4108-AA02-DFA0A04FC94B}">
-              <ma14:wrappingTextBoxFlag xmlns:ma14="http://schemas.microsoft.com/office/mac/drawingml/2011/main" xmlns:a14="http://schemas.microsoft.com/office/drawing/2010/main" xmlns:m="http://schemas.openxmlformats.org/officeDocument/2006/math" xmlns="" val="1"/>
+              <ma14:wrappingTextBoxFlag xmlns="" xmlns:m="http://schemas.openxmlformats.org/officeDocument/2006/math" xmlns:a14="http://schemas.microsoft.com/office/drawing/2010/main" xmlns:ma14="http://schemas.microsoft.com/office/mac/drawingml/2011/main" val="1"/>
             </a:ext>
           </a:extLst>
         </p:spPr>
@@ -24264,7 +24271,7 @@
           </a:ln>
           <a:extLst>
             <a:ext uri="{C572A759-6A51-4108-AA02-DFA0A04FC94B}">
-              <ma14:wrappingTextBoxFlag xmlns:ma14="http://schemas.microsoft.com/office/mac/drawingml/2011/main" xmlns:a14="http://schemas.microsoft.com/office/drawing/2010/main" xmlns:m="http://schemas.openxmlformats.org/officeDocument/2006/math" xmlns="" val="1"/>
+              <ma14:wrappingTextBoxFlag xmlns="" xmlns:m="http://schemas.openxmlformats.org/officeDocument/2006/math" xmlns:a14="http://schemas.microsoft.com/office/drawing/2010/main" xmlns:ma14="http://schemas.microsoft.com/office/mac/drawingml/2011/main" val="1"/>
             </a:ext>
           </a:extLst>
         </p:spPr>
@@ -24311,7 +24318,7 @@
           </a:ln>
           <a:extLst>
             <a:ext uri="{C572A759-6A51-4108-AA02-DFA0A04FC94B}">
-              <ma14:wrappingTextBoxFlag xmlns:ma14="http://schemas.microsoft.com/office/mac/drawingml/2011/main" xmlns:a14="http://schemas.microsoft.com/office/drawing/2010/main" xmlns:m="http://schemas.openxmlformats.org/officeDocument/2006/math" xmlns="" val="1"/>
+              <ma14:wrappingTextBoxFlag xmlns="" xmlns:m="http://schemas.openxmlformats.org/officeDocument/2006/math" xmlns:a14="http://schemas.microsoft.com/office/drawing/2010/main" xmlns:ma14="http://schemas.microsoft.com/office/mac/drawingml/2011/main" val="1"/>
             </a:ext>
           </a:extLst>
         </p:spPr>
@@ -24358,7 +24365,7 @@
           </a:ln>
           <a:extLst>
             <a:ext uri="{C572A759-6A51-4108-AA02-DFA0A04FC94B}">
-              <ma14:wrappingTextBoxFlag xmlns:ma14="http://schemas.microsoft.com/office/mac/drawingml/2011/main" xmlns:a14="http://schemas.microsoft.com/office/drawing/2010/main" xmlns:m="http://schemas.openxmlformats.org/officeDocument/2006/math" xmlns="" val="1"/>
+              <ma14:wrappingTextBoxFlag xmlns="" xmlns:m="http://schemas.openxmlformats.org/officeDocument/2006/math" xmlns:a14="http://schemas.microsoft.com/office/drawing/2010/main" xmlns:ma14="http://schemas.microsoft.com/office/mac/drawingml/2011/main" val="1"/>
             </a:ext>
           </a:extLst>
         </p:spPr>
@@ -24511,7 +24518,7 @@
           </a:ln>
           <a:extLst>
             <a:ext uri="{C572A759-6A51-4108-AA02-DFA0A04FC94B}">
-              <ma14:wrappingTextBoxFlag xmlns:ma14="http://schemas.microsoft.com/office/mac/drawingml/2011/main" xmlns:a14="http://schemas.microsoft.com/office/drawing/2010/main" xmlns:m="http://schemas.openxmlformats.org/officeDocument/2006/math" xmlns="" val="1"/>
+              <ma14:wrappingTextBoxFlag xmlns="" xmlns:m="http://schemas.openxmlformats.org/officeDocument/2006/math" xmlns:a14="http://schemas.microsoft.com/office/drawing/2010/main" xmlns:ma14="http://schemas.microsoft.com/office/mac/drawingml/2011/main" val="1"/>
             </a:ext>
           </a:extLst>
         </p:spPr>
@@ -24833,7 +24840,7 @@
           </a:ln>
           <a:extLst>
             <a:ext uri="{C572A759-6A51-4108-AA02-DFA0A04FC94B}">
-              <ma14:wrappingTextBoxFlag xmlns:ma14="http://schemas.microsoft.com/office/mac/drawingml/2011/main" xmlns:a14="http://schemas.microsoft.com/office/drawing/2010/main" xmlns:m="http://schemas.openxmlformats.org/officeDocument/2006/math" xmlns="" val="1"/>
+              <ma14:wrappingTextBoxFlag xmlns="" xmlns:m="http://schemas.openxmlformats.org/officeDocument/2006/math" xmlns:a14="http://schemas.microsoft.com/office/drawing/2010/main" xmlns:ma14="http://schemas.microsoft.com/office/mac/drawingml/2011/main" val="1"/>
             </a:ext>
           </a:extLst>
         </p:spPr>
@@ -24868,7 +24875,7 @@
           </a:ln>
           <a:extLst>
             <a:ext uri="{C572A759-6A51-4108-AA02-DFA0A04FC94B}">
-              <ma14:wrappingTextBoxFlag xmlns:ma14="http://schemas.microsoft.com/office/mac/drawingml/2011/main" xmlns:a14="http://schemas.microsoft.com/office/drawing/2010/main" xmlns:m="http://schemas.openxmlformats.org/officeDocument/2006/math" xmlns="" val="1"/>
+              <ma14:wrappingTextBoxFlag xmlns="" xmlns:m="http://schemas.openxmlformats.org/officeDocument/2006/math" xmlns:a14="http://schemas.microsoft.com/office/drawing/2010/main" xmlns:ma14="http://schemas.microsoft.com/office/mac/drawingml/2011/main" val="1"/>
             </a:ext>
           </a:extLst>
         </p:spPr>
@@ -24903,7 +24910,7 @@
           </a:ln>
           <a:extLst>
             <a:ext uri="{C572A759-6A51-4108-AA02-DFA0A04FC94B}">
-              <ma14:wrappingTextBoxFlag xmlns:ma14="http://schemas.microsoft.com/office/mac/drawingml/2011/main" xmlns:a14="http://schemas.microsoft.com/office/drawing/2010/main" xmlns:m="http://schemas.openxmlformats.org/officeDocument/2006/math" xmlns="" val="1"/>
+              <ma14:wrappingTextBoxFlag xmlns="" xmlns:m="http://schemas.openxmlformats.org/officeDocument/2006/math" xmlns:a14="http://schemas.microsoft.com/office/drawing/2010/main" xmlns:ma14="http://schemas.microsoft.com/office/mac/drawingml/2011/main" val="1"/>
             </a:ext>
           </a:extLst>
         </p:spPr>
@@ -24986,7 +24993,7 @@
           </a:ln>
           <a:extLst>
             <a:ext uri="{C572A759-6A51-4108-AA02-DFA0A04FC94B}">
-              <ma14:wrappingTextBoxFlag xmlns:ma14="http://schemas.microsoft.com/office/mac/drawingml/2011/main" xmlns:a14="http://schemas.microsoft.com/office/drawing/2010/main" xmlns:m="http://schemas.openxmlformats.org/officeDocument/2006/math" xmlns="" val="1"/>
+              <ma14:wrappingTextBoxFlag xmlns="" xmlns:m="http://schemas.openxmlformats.org/officeDocument/2006/math" xmlns:a14="http://schemas.microsoft.com/office/drawing/2010/main" xmlns:ma14="http://schemas.microsoft.com/office/mac/drawingml/2011/main" val="1"/>
             </a:ext>
           </a:extLst>
         </p:spPr>
@@ -25031,7 +25038,7 @@
           </a:ln>
           <a:extLst>
             <a:ext uri="{C572A759-6A51-4108-AA02-DFA0A04FC94B}">
-              <ma14:wrappingTextBoxFlag xmlns:ma14="http://schemas.microsoft.com/office/mac/drawingml/2011/main" xmlns:a14="http://schemas.microsoft.com/office/drawing/2010/main" xmlns:m="http://schemas.openxmlformats.org/officeDocument/2006/math" xmlns="" val="1"/>
+              <ma14:wrappingTextBoxFlag xmlns="" xmlns:m="http://schemas.openxmlformats.org/officeDocument/2006/math" xmlns:a14="http://schemas.microsoft.com/office/drawing/2010/main" xmlns:ma14="http://schemas.microsoft.com/office/mac/drawingml/2011/main" val="1"/>
             </a:ext>
           </a:extLst>
         </p:spPr>
@@ -25073,7 +25080,7 @@
           </a:ln>
           <a:extLst>
             <a:ext uri="{C572A759-6A51-4108-AA02-DFA0A04FC94B}">
-              <ma14:wrappingTextBoxFlag xmlns:ma14="http://schemas.microsoft.com/office/mac/drawingml/2011/main" xmlns:a14="http://schemas.microsoft.com/office/drawing/2010/main" xmlns:m="http://schemas.openxmlformats.org/officeDocument/2006/math" xmlns="" val="1"/>
+              <ma14:wrappingTextBoxFlag xmlns="" xmlns:m="http://schemas.openxmlformats.org/officeDocument/2006/math" xmlns:a14="http://schemas.microsoft.com/office/drawing/2010/main" xmlns:ma14="http://schemas.microsoft.com/office/mac/drawingml/2011/main" val="1"/>
             </a:ext>
           </a:extLst>
         </p:spPr>
@@ -25118,7 +25125,7 @@
           </a:ln>
           <a:extLst>
             <a:ext uri="{C572A759-6A51-4108-AA02-DFA0A04FC94B}">
-              <ma14:wrappingTextBoxFlag xmlns:ma14="http://schemas.microsoft.com/office/mac/drawingml/2011/main" xmlns:a14="http://schemas.microsoft.com/office/drawing/2010/main" xmlns:m="http://schemas.openxmlformats.org/officeDocument/2006/math" xmlns="" val="1"/>
+              <ma14:wrappingTextBoxFlag xmlns="" xmlns:m="http://schemas.openxmlformats.org/officeDocument/2006/math" xmlns:a14="http://schemas.microsoft.com/office/drawing/2010/main" xmlns:ma14="http://schemas.microsoft.com/office/mac/drawingml/2011/main" val="1"/>
             </a:ext>
           </a:extLst>
         </p:spPr>
@@ -25157,7 +25164,7 @@
           </a:ln>
           <a:extLst>
             <a:ext uri="{C572A759-6A51-4108-AA02-DFA0A04FC94B}">
-              <ma14:wrappingTextBoxFlag xmlns:ma14="http://schemas.microsoft.com/office/mac/drawingml/2011/main" xmlns:a14="http://schemas.microsoft.com/office/drawing/2010/main" xmlns:m="http://schemas.openxmlformats.org/officeDocument/2006/math" xmlns="" val="1"/>
+              <ma14:wrappingTextBoxFlag xmlns="" xmlns:m="http://schemas.openxmlformats.org/officeDocument/2006/math" xmlns:a14="http://schemas.microsoft.com/office/drawing/2010/main" xmlns:ma14="http://schemas.microsoft.com/office/mac/drawingml/2011/main" val="1"/>
             </a:ext>
           </a:extLst>
         </p:spPr>
@@ -25196,7 +25203,7 @@
           </a:ln>
           <a:extLst>
             <a:ext uri="{C572A759-6A51-4108-AA02-DFA0A04FC94B}">
-              <ma14:wrappingTextBoxFlag xmlns:ma14="http://schemas.microsoft.com/office/mac/drawingml/2011/main" xmlns:a14="http://schemas.microsoft.com/office/drawing/2010/main" xmlns:m="http://schemas.openxmlformats.org/officeDocument/2006/math" xmlns="" val="1"/>
+              <ma14:wrappingTextBoxFlag xmlns="" xmlns:m="http://schemas.openxmlformats.org/officeDocument/2006/math" xmlns:a14="http://schemas.microsoft.com/office/drawing/2010/main" xmlns:ma14="http://schemas.microsoft.com/office/mac/drawingml/2011/main" val="1"/>
             </a:ext>
           </a:extLst>
         </p:spPr>
@@ -25243,7 +25250,7 @@
           </a:ln>
           <a:extLst>
             <a:ext uri="{C572A759-6A51-4108-AA02-DFA0A04FC94B}">
-              <ma14:wrappingTextBoxFlag xmlns:ma14="http://schemas.microsoft.com/office/mac/drawingml/2011/main" xmlns:a14="http://schemas.microsoft.com/office/drawing/2010/main" xmlns:m="http://schemas.openxmlformats.org/officeDocument/2006/math" xmlns="" val="1"/>
+              <ma14:wrappingTextBoxFlag xmlns="" xmlns:m="http://schemas.openxmlformats.org/officeDocument/2006/math" xmlns:a14="http://schemas.microsoft.com/office/drawing/2010/main" xmlns:ma14="http://schemas.microsoft.com/office/mac/drawingml/2011/main" val="1"/>
             </a:ext>
           </a:extLst>
         </p:spPr>
@@ -25290,7 +25297,7 @@
           </a:ln>
           <a:extLst>
             <a:ext uri="{C572A759-6A51-4108-AA02-DFA0A04FC94B}">
-              <ma14:wrappingTextBoxFlag xmlns:ma14="http://schemas.microsoft.com/office/mac/drawingml/2011/main" xmlns:a14="http://schemas.microsoft.com/office/drawing/2010/main" xmlns:m="http://schemas.openxmlformats.org/officeDocument/2006/math" xmlns="" val="1"/>
+              <ma14:wrappingTextBoxFlag xmlns="" xmlns:m="http://schemas.openxmlformats.org/officeDocument/2006/math" xmlns:a14="http://schemas.microsoft.com/office/drawing/2010/main" xmlns:ma14="http://schemas.microsoft.com/office/mac/drawingml/2011/main" val="1"/>
             </a:ext>
           </a:extLst>
         </p:spPr>
@@ -25514,7 +25521,7 @@
           </a:ln>
           <a:extLst>
             <a:ext uri="{C572A759-6A51-4108-AA02-DFA0A04FC94B}">
-              <ma14:wrappingTextBoxFlag xmlns:ma14="http://schemas.microsoft.com/office/mac/drawingml/2011/main" xmlns:a14="http://schemas.microsoft.com/office/drawing/2010/main" xmlns:m="http://schemas.openxmlformats.org/officeDocument/2006/math" xmlns="" val="1"/>
+              <ma14:wrappingTextBoxFlag xmlns="" xmlns:m="http://schemas.openxmlformats.org/officeDocument/2006/math" xmlns:a14="http://schemas.microsoft.com/office/drawing/2010/main" xmlns:ma14="http://schemas.microsoft.com/office/mac/drawingml/2011/main" val="1"/>
             </a:ext>
           </a:extLst>
         </p:spPr>
@@ -25611,7 +25618,7 @@
           </a:ln>
           <a:extLst>
             <a:ext uri="{C572A759-6A51-4108-AA02-DFA0A04FC94B}">
-              <ma14:wrappingTextBoxFlag xmlns:ma14="http://schemas.microsoft.com/office/mac/drawingml/2011/main" xmlns:a14="http://schemas.microsoft.com/office/drawing/2010/main" xmlns:m="http://schemas.openxmlformats.org/officeDocument/2006/math" xmlns="" val="1"/>
+              <ma14:wrappingTextBoxFlag xmlns="" xmlns:m="http://schemas.openxmlformats.org/officeDocument/2006/math" xmlns:a14="http://schemas.microsoft.com/office/drawing/2010/main" xmlns:ma14="http://schemas.microsoft.com/office/mac/drawingml/2011/main" val="1"/>
             </a:ext>
           </a:extLst>
         </p:spPr>
@@ -25828,7 +25835,7 @@
           </a:ln>
           <a:extLst>
             <a:ext uri="{C572A759-6A51-4108-AA02-DFA0A04FC94B}">
-              <ma14:wrappingTextBoxFlag xmlns:ma14="http://schemas.microsoft.com/office/mac/drawingml/2011/main" xmlns:a14="http://schemas.microsoft.com/office/drawing/2010/main" xmlns:m="http://schemas.openxmlformats.org/officeDocument/2006/math" xmlns="" val="1"/>
+              <ma14:wrappingTextBoxFlag xmlns="" xmlns:m="http://schemas.openxmlformats.org/officeDocument/2006/math" xmlns:a14="http://schemas.microsoft.com/office/drawing/2010/main" xmlns:ma14="http://schemas.microsoft.com/office/mac/drawingml/2011/main" val="1"/>
             </a:ext>
           </a:extLst>
         </p:spPr>
@@ -25866,7 +25873,7 @@
           </a:ln>
           <a:extLst>
             <a:ext uri="{C572A759-6A51-4108-AA02-DFA0A04FC94B}">
-              <ma14:wrappingTextBoxFlag xmlns:ma14="http://schemas.microsoft.com/office/mac/drawingml/2011/main" xmlns:a14="http://schemas.microsoft.com/office/drawing/2010/main" xmlns:m="http://schemas.openxmlformats.org/officeDocument/2006/math" xmlns="" val="1"/>
+              <ma14:wrappingTextBoxFlag xmlns="" xmlns:m="http://schemas.openxmlformats.org/officeDocument/2006/math" xmlns:a14="http://schemas.microsoft.com/office/drawing/2010/main" xmlns:ma14="http://schemas.microsoft.com/office/mac/drawingml/2011/main" val="1"/>
             </a:ext>
           </a:extLst>
         </p:spPr>
@@ -26004,7 +26011,7 @@
           </a:ln>
           <a:extLst>
             <a:ext uri="{C572A759-6A51-4108-AA02-DFA0A04FC94B}">
-              <ma14:wrappingTextBoxFlag xmlns:ma14="http://schemas.microsoft.com/office/mac/drawingml/2011/main" xmlns:a14="http://schemas.microsoft.com/office/drawing/2010/main" xmlns:m="http://schemas.openxmlformats.org/officeDocument/2006/math" xmlns="" val="1"/>
+              <ma14:wrappingTextBoxFlag xmlns="" xmlns:m="http://schemas.openxmlformats.org/officeDocument/2006/math" xmlns:a14="http://schemas.microsoft.com/office/drawing/2010/main" xmlns:ma14="http://schemas.microsoft.com/office/mac/drawingml/2011/main" val="1"/>
             </a:ext>
           </a:extLst>
         </p:spPr>
@@ -26039,7 +26046,7 @@
           </a:ln>
           <a:extLst>
             <a:ext uri="{C572A759-6A51-4108-AA02-DFA0A04FC94B}">
-              <ma14:wrappingTextBoxFlag xmlns:ma14="http://schemas.microsoft.com/office/mac/drawingml/2011/main" xmlns:a14="http://schemas.microsoft.com/office/drawing/2010/main" xmlns:m="http://schemas.openxmlformats.org/officeDocument/2006/math" xmlns="" val="1"/>
+              <ma14:wrappingTextBoxFlag xmlns="" xmlns:m="http://schemas.openxmlformats.org/officeDocument/2006/math" xmlns:a14="http://schemas.microsoft.com/office/drawing/2010/main" xmlns:ma14="http://schemas.microsoft.com/office/mac/drawingml/2011/main" val="1"/>
             </a:ext>
           </a:extLst>
         </p:spPr>
@@ -26146,7 +26153,7 @@
           </a:ln>
           <a:extLst>
             <a:ext uri="{C572A759-6A51-4108-AA02-DFA0A04FC94B}">
-              <ma14:wrappingTextBoxFlag xmlns:ma14="http://schemas.microsoft.com/office/mac/drawingml/2011/main" xmlns:a14="http://schemas.microsoft.com/office/drawing/2010/main" xmlns:m="http://schemas.openxmlformats.org/officeDocument/2006/math" xmlns="" val="1"/>
+              <ma14:wrappingTextBoxFlag xmlns="" xmlns:m="http://schemas.openxmlformats.org/officeDocument/2006/math" xmlns:a14="http://schemas.microsoft.com/office/drawing/2010/main" xmlns:ma14="http://schemas.microsoft.com/office/mac/drawingml/2011/main" val="1"/>
             </a:ext>
           </a:extLst>
         </p:spPr>
@@ -26363,7 +26370,7 @@
           </a:ln>
           <a:extLst>
             <a:ext uri="{C572A759-6A51-4108-AA02-DFA0A04FC94B}">
-              <ma14:wrappingTextBoxFlag xmlns:ma14="http://schemas.microsoft.com/office/mac/drawingml/2011/main" xmlns:a14="http://schemas.microsoft.com/office/drawing/2010/main" xmlns:m="http://schemas.openxmlformats.org/officeDocument/2006/math" xmlns="" val="1"/>
+              <ma14:wrappingTextBoxFlag xmlns="" xmlns:m="http://schemas.openxmlformats.org/officeDocument/2006/math" xmlns:a14="http://schemas.microsoft.com/office/drawing/2010/main" xmlns:ma14="http://schemas.microsoft.com/office/mac/drawingml/2011/main" val="1"/>
             </a:ext>
           </a:extLst>
         </p:spPr>
@@ -26401,7 +26408,7 @@
           </a:ln>
           <a:extLst>
             <a:ext uri="{C572A759-6A51-4108-AA02-DFA0A04FC94B}">
-              <ma14:wrappingTextBoxFlag xmlns:ma14="http://schemas.microsoft.com/office/mac/drawingml/2011/main" xmlns:a14="http://schemas.microsoft.com/office/drawing/2010/main" xmlns:m="http://schemas.openxmlformats.org/officeDocument/2006/math" xmlns="" val="1"/>
+              <ma14:wrappingTextBoxFlag xmlns="" xmlns:m="http://schemas.openxmlformats.org/officeDocument/2006/math" xmlns:a14="http://schemas.microsoft.com/office/drawing/2010/main" xmlns:ma14="http://schemas.microsoft.com/office/mac/drawingml/2011/main" val="1"/>
             </a:ext>
           </a:extLst>
         </p:spPr>
@@ -26539,7 +26546,7 @@
           </a:ln>
           <a:extLst>
             <a:ext uri="{C572A759-6A51-4108-AA02-DFA0A04FC94B}">
-              <ma14:wrappingTextBoxFlag xmlns:ma14="http://schemas.microsoft.com/office/mac/drawingml/2011/main" xmlns:a14="http://schemas.microsoft.com/office/drawing/2010/main" xmlns:m="http://schemas.openxmlformats.org/officeDocument/2006/math" xmlns="" val="1"/>
+              <ma14:wrappingTextBoxFlag xmlns="" xmlns:m="http://schemas.openxmlformats.org/officeDocument/2006/math" xmlns:a14="http://schemas.microsoft.com/office/drawing/2010/main" xmlns:ma14="http://schemas.microsoft.com/office/mac/drawingml/2011/main" val="1"/>
             </a:ext>
           </a:extLst>
         </p:spPr>
@@ -26574,7 +26581,7 @@
           </a:ln>
           <a:extLst>
             <a:ext uri="{C572A759-6A51-4108-AA02-DFA0A04FC94B}">
-              <ma14:wrappingTextBoxFlag xmlns:ma14="http://schemas.microsoft.com/office/mac/drawingml/2011/main" xmlns:a14="http://schemas.microsoft.com/office/drawing/2010/main" xmlns:m="http://schemas.openxmlformats.org/officeDocument/2006/math" xmlns="" val="1"/>
+              <ma14:wrappingTextBoxFlag xmlns="" xmlns:m="http://schemas.openxmlformats.org/officeDocument/2006/math" xmlns:a14="http://schemas.microsoft.com/office/drawing/2010/main" xmlns:ma14="http://schemas.microsoft.com/office/mac/drawingml/2011/main" val="1"/>
             </a:ext>
           </a:extLst>
         </p:spPr>
@@ -26725,7 +26732,7 @@
           </a:ln>
           <a:extLst>
             <a:ext uri="{C572A759-6A51-4108-AA02-DFA0A04FC94B}">
-              <ma14:wrappingTextBoxFlag xmlns:ma14="http://schemas.microsoft.com/office/mac/drawingml/2011/main" xmlns:a14="http://schemas.microsoft.com/office/drawing/2010/main" xmlns:m="http://schemas.openxmlformats.org/officeDocument/2006/math" xmlns="" val="1"/>
+              <ma14:wrappingTextBoxFlag xmlns="" xmlns:m="http://schemas.openxmlformats.org/officeDocument/2006/math" xmlns:a14="http://schemas.microsoft.com/office/drawing/2010/main" xmlns:ma14="http://schemas.microsoft.com/office/mac/drawingml/2011/main" val="1"/>
             </a:ext>
           </a:extLst>
         </p:spPr>
@@ -26878,7 +26885,7 @@
           </a:ln>
           <a:extLst>
             <a:ext uri="{C572A759-6A51-4108-AA02-DFA0A04FC94B}">
-              <ma14:wrappingTextBoxFlag xmlns:ma14="http://schemas.microsoft.com/office/mac/drawingml/2011/main" xmlns:a14="http://schemas.microsoft.com/office/drawing/2010/main" xmlns:m="http://schemas.openxmlformats.org/officeDocument/2006/math" xmlns="" val="1"/>
+              <ma14:wrappingTextBoxFlag xmlns="" xmlns:m="http://schemas.openxmlformats.org/officeDocument/2006/math" xmlns:a14="http://schemas.microsoft.com/office/drawing/2010/main" xmlns:ma14="http://schemas.microsoft.com/office/mac/drawingml/2011/main" val="1"/>
             </a:ext>
           </a:extLst>
         </p:spPr>
@@ -26987,7 +26994,7 @@
           </a:ln>
           <a:extLst>
             <a:ext uri="{C572A759-6A51-4108-AA02-DFA0A04FC94B}">
-              <ma14:wrappingTextBoxFlag xmlns:ma14="http://schemas.microsoft.com/office/mac/drawingml/2011/main" xmlns:a14="http://schemas.microsoft.com/office/drawing/2010/main" xmlns:m="http://schemas.openxmlformats.org/officeDocument/2006/math" xmlns="" val="1"/>
+              <ma14:wrappingTextBoxFlag xmlns="" xmlns:m="http://schemas.openxmlformats.org/officeDocument/2006/math" xmlns:a14="http://schemas.microsoft.com/office/drawing/2010/main" xmlns:ma14="http://schemas.microsoft.com/office/mac/drawingml/2011/main" val="1"/>
             </a:ext>
           </a:extLst>
         </p:spPr>
@@ -27204,7 +27211,7 @@
           </a:ln>
           <a:extLst>
             <a:ext uri="{C572A759-6A51-4108-AA02-DFA0A04FC94B}">
-              <ma14:wrappingTextBoxFlag xmlns:ma14="http://schemas.microsoft.com/office/mac/drawingml/2011/main" xmlns:a14="http://schemas.microsoft.com/office/drawing/2010/main" xmlns:m="http://schemas.openxmlformats.org/officeDocument/2006/math" xmlns="" val="1"/>
+              <ma14:wrappingTextBoxFlag xmlns="" xmlns:m="http://schemas.openxmlformats.org/officeDocument/2006/math" xmlns:a14="http://schemas.microsoft.com/office/drawing/2010/main" xmlns:ma14="http://schemas.microsoft.com/office/mac/drawingml/2011/main" val="1"/>
             </a:ext>
           </a:extLst>
         </p:spPr>
@@ -27242,7 +27249,7 @@
           </a:ln>
           <a:extLst>
             <a:ext uri="{C572A759-6A51-4108-AA02-DFA0A04FC94B}">
-              <ma14:wrappingTextBoxFlag xmlns:ma14="http://schemas.microsoft.com/office/mac/drawingml/2011/main" xmlns:a14="http://schemas.microsoft.com/office/drawing/2010/main" xmlns:m="http://schemas.openxmlformats.org/officeDocument/2006/math" xmlns="" val="1"/>
+              <ma14:wrappingTextBoxFlag xmlns="" xmlns:m="http://schemas.openxmlformats.org/officeDocument/2006/math" xmlns:a14="http://schemas.microsoft.com/office/drawing/2010/main" xmlns:ma14="http://schemas.microsoft.com/office/mac/drawingml/2011/main" val="1"/>
             </a:ext>
           </a:extLst>
         </p:spPr>
@@ -27380,7 +27387,7 @@
           </a:ln>
           <a:extLst>
             <a:ext uri="{C572A759-6A51-4108-AA02-DFA0A04FC94B}">
-              <ma14:wrappingTextBoxFlag xmlns:ma14="http://schemas.microsoft.com/office/mac/drawingml/2011/main" xmlns:a14="http://schemas.microsoft.com/office/drawing/2010/main" xmlns:m="http://schemas.openxmlformats.org/officeDocument/2006/math" xmlns="" val="1"/>
+              <ma14:wrappingTextBoxFlag xmlns="" xmlns:m="http://schemas.openxmlformats.org/officeDocument/2006/math" xmlns:a14="http://schemas.microsoft.com/office/drawing/2010/main" xmlns:ma14="http://schemas.microsoft.com/office/mac/drawingml/2011/main" val="1"/>
             </a:ext>
           </a:extLst>
         </p:spPr>
@@ -27415,7 +27422,7 @@
           </a:ln>
           <a:extLst>
             <a:ext uri="{C572A759-6A51-4108-AA02-DFA0A04FC94B}">
-              <ma14:wrappingTextBoxFlag xmlns:ma14="http://schemas.microsoft.com/office/mac/drawingml/2011/main" xmlns:a14="http://schemas.microsoft.com/office/drawing/2010/main" xmlns:m="http://schemas.openxmlformats.org/officeDocument/2006/math" xmlns="" val="1"/>
+              <ma14:wrappingTextBoxFlag xmlns="" xmlns:m="http://schemas.openxmlformats.org/officeDocument/2006/math" xmlns:a14="http://schemas.microsoft.com/office/drawing/2010/main" xmlns:ma14="http://schemas.microsoft.com/office/mac/drawingml/2011/main" val="1"/>
             </a:ext>
           </a:extLst>
         </p:spPr>
@@ -27566,7 +27573,7 @@
           </a:ln>
           <a:extLst>
             <a:ext uri="{C572A759-6A51-4108-AA02-DFA0A04FC94B}">
-              <ma14:wrappingTextBoxFlag xmlns:ma14="http://schemas.microsoft.com/office/mac/drawingml/2011/main" xmlns:a14="http://schemas.microsoft.com/office/drawing/2010/main" xmlns:m="http://schemas.openxmlformats.org/officeDocument/2006/math" xmlns="" val="1"/>
+              <ma14:wrappingTextBoxFlag xmlns="" xmlns:m="http://schemas.openxmlformats.org/officeDocument/2006/math" xmlns:a14="http://schemas.microsoft.com/office/drawing/2010/main" xmlns:ma14="http://schemas.microsoft.com/office/mac/drawingml/2011/main" val="1"/>
             </a:ext>
           </a:extLst>
         </p:spPr>
@@ -27715,7 +27722,7 @@
           </a:ln>
           <a:extLst>
             <a:ext uri="{C572A759-6A51-4108-AA02-DFA0A04FC94B}">
-              <ma14:wrappingTextBoxFlag xmlns:ma14="http://schemas.microsoft.com/office/mac/drawingml/2011/main" xmlns:a14="http://schemas.microsoft.com/office/drawing/2010/main" xmlns:m="http://schemas.openxmlformats.org/officeDocument/2006/math" xmlns="" val="1"/>
+              <ma14:wrappingTextBoxFlag xmlns="" xmlns:m="http://schemas.openxmlformats.org/officeDocument/2006/math" xmlns:a14="http://schemas.microsoft.com/office/drawing/2010/main" xmlns:ma14="http://schemas.microsoft.com/office/mac/drawingml/2011/main" val="1"/>
             </a:ext>
           </a:extLst>
         </p:spPr>
@@ -27864,7 +27871,7 @@
           </a:ln>
           <a:extLst>
             <a:ext uri="{C572A759-6A51-4108-AA02-DFA0A04FC94B}">
-              <ma14:wrappingTextBoxFlag xmlns:ma14="http://schemas.microsoft.com/office/mac/drawingml/2011/main" xmlns:a14="http://schemas.microsoft.com/office/drawing/2010/main" xmlns:m="http://schemas.openxmlformats.org/officeDocument/2006/math" xmlns="" val="1"/>
+              <ma14:wrappingTextBoxFlag xmlns="" xmlns:m="http://schemas.openxmlformats.org/officeDocument/2006/math" xmlns:a14="http://schemas.microsoft.com/office/drawing/2010/main" xmlns:ma14="http://schemas.microsoft.com/office/mac/drawingml/2011/main" val="1"/>
             </a:ext>
           </a:extLst>
         </p:spPr>
@@ -27959,7 +27966,7 @@
           </a:ln>
           <a:extLst>
             <a:ext uri="{C572A759-6A51-4108-AA02-DFA0A04FC94B}">
-              <ma14:wrappingTextBoxFlag xmlns:ma14="http://schemas.microsoft.com/office/mac/drawingml/2011/main" xmlns:a14="http://schemas.microsoft.com/office/drawing/2010/main" xmlns:m="http://schemas.openxmlformats.org/officeDocument/2006/math" xmlns="" val="1"/>
+              <ma14:wrappingTextBoxFlag xmlns="" xmlns:m="http://schemas.openxmlformats.org/officeDocument/2006/math" xmlns:a14="http://schemas.microsoft.com/office/drawing/2010/main" xmlns:ma14="http://schemas.microsoft.com/office/mac/drawingml/2011/main" val="1"/>
             </a:ext>
           </a:extLst>
         </p:spPr>
@@ -28176,7 +28183,7 @@
           </a:ln>
           <a:extLst>
             <a:ext uri="{C572A759-6A51-4108-AA02-DFA0A04FC94B}">
-              <ma14:wrappingTextBoxFlag xmlns:ma14="http://schemas.microsoft.com/office/mac/drawingml/2011/main" xmlns:a14="http://schemas.microsoft.com/office/drawing/2010/main" xmlns:m="http://schemas.openxmlformats.org/officeDocument/2006/math" xmlns="" val="1"/>
+              <ma14:wrappingTextBoxFlag xmlns="" xmlns:m="http://schemas.openxmlformats.org/officeDocument/2006/math" xmlns:a14="http://schemas.microsoft.com/office/drawing/2010/main" xmlns:ma14="http://schemas.microsoft.com/office/mac/drawingml/2011/main" val="1"/>
             </a:ext>
           </a:extLst>
         </p:spPr>
@@ -28214,7 +28221,7 @@
           </a:ln>
           <a:extLst>
             <a:ext uri="{C572A759-6A51-4108-AA02-DFA0A04FC94B}">
-              <ma14:wrappingTextBoxFlag xmlns:ma14="http://schemas.microsoft.com/office/mac/drawingml/2011/main" xmlns:a14="http://schemas.microsoft.com/office/drawing/2010/main" xmlns:m="http://schemas.openxmlformats.org/officeDocument/2006/math" xmlns="" val="1"/>
+              <ma14:wrappingTextBoxFlag xmlns="" xmlns:m="http://schemas.openxmlformats.org/officeDocument/2006/math" xmlns:a14="http://schemas.microsoft.com/office/drawing/2010/main" xmlns:ma14="http://schemas.microsoft.com/office/mac/drawingml/2011/main" val="1"/>
             </a:ext>
           </a:extLst>
         </p:spPr>
@@ -28352,7 +28359,7 @@
           </a:ln>
           <a:extLst>
             <a:ext uri="{C572A759-6A51-4108-AA02-DFA0A04FC94B}">
-              <ma14:wrappingTextBoxFlag xmlns:ma14="http://schemas.microsoft.com/office/mac/drawingml/2011/main" xmlns:a14="http://schemas.microsoft.com/office/drawing/2010/main" xmlns:m="http://schemas.openxmlformats.org/officeDocument/2006/math" xmlns="" val="1"/>
+              <ma14:wrappingTextBoxFlag xmlns="" xmlns:m="http://schemas.openxmlformats.org/officeDocument/2006/math" xmlns:a14="http://schemas.microsoft.com/office/drawing/2010/main" xmlns:ma14="http://schemas.microsoft.com/office/mac/drawingml/2011/main" val="1"/>
             </a:ext>
           </a:extLst>
         </p:spPr>
@@ -28387,7 +28394,7 @@
           </a:ln>
           <a:extLst>
             <a:ext uri="{C572A759-6A51-4108-AA02-DFA0A04FC94B}">
-              <ma14:wrappingTextBoxFlag xmlns:ma14="http://schemas.microsoft.com/office/mac/drawingml/2011/main" xmlns:a14="http://schemas.microsoft.com/office/drawing/2010/main" xmlns:m="http://schemas.openxmlformats.org/officeDocument/2006/math" xmlns="" val="1"/>
+              <ma14:wrappingTextBoxFlag xmlns="" xmlns:m="http://schemas.openxmlformats.org/officeDocument/2006/math" xmlns:a14="http://schemas.microsoft.com/office/drawing/2010/main" xmlns:ma14="http://schemas.microsoft.com/office/mac/drawingml/2011/main" val="1"/>
             </a:ext>
           </a:extLst>
         </p:spPr>
@@ -28538,7 +28545,7 @@
           </a:ln>
           <a:extLst>
             <a:ext uri="{C572A759-6A51-4108-AA02-DFA0A04FC94B}">
-              <ma14:wrappingTextBoxFlag xmlns:ma14="http://schemas.microsoft.com/office/mac/drawingml/2011/main" xmlns:a14="http://schemas.microsoft.com/office/drawing/2010/main" xmlns:m="http://schemas.openxmlformats.org/officeDocument/2006/math" xmlns="" val="1"/>
+              <ma14:wrappingTextBoxFlag xmlns="" xmlns:m="http://schemas.openxmlformats.org/officeDocument/2006/math" xmlns:a14="http://schemas.microsoft.com/office/drawing/2010/main" xmlns:ma14="http://schemas.microsoft.com/office/mac/drawingml/2011/main" val="1"/>
             </a:ext>
           </a:extLst>
         </p:spPr>
@@ -28687,7 +28694,7 @@
           </a:ln>
           <a:extLst>
             <a:ext uri="{C572A759-6A51-4108-AA02-DFA0A04FC94B}">
-              <ma14:wrappingTextBoxFlag xmlns:ma14="http://schemas.microsoft.com/office/mac/drawingml/2011/main" xmlns:a14="http://schemas.microsoft.com/office/drawing/2010/main" xmlns:m="http://schemas.openxmlformats.org/officeDocument/2006/math" xmlns="" val="1"/>
+              <ma14:wrappingTextBoxFlag xmlns="" xmlns:m="http://schemas.openxmlformats.org/officeDocument/2006/math" xmlns:a14="http://schemas.microsoft.com/office/drawing/2010/main" xmlns:ma14="http://schemas.microsoft.com/office/mac/drawingml/2011/main" val="1"/>
             </a:ext>
           </a:extLst>
         </p:spPr>
@@ -28836,7 +28843,7 @@
           </a:ln>
           <a:extLst>
             <a:ext uri="{C572A759-6A51-4108-AA02-DFA0A04FC94B}">
-              <ma14:wrappingTextBoxFlag xmlns:ma14="http://schemas.microsoft.com/office/mac/drawingml/2011/main" xmlns:a14="http://schemas.microsoft.com/office/drawing/2010/main" xmlns:m="http://schemas.openxmlformats.org/officeDocument/2006/math" xmlns="" val="1"/>
+              <ma14:wrappingTextBoxFlag xmlns="" xmlns:m="http://schemas.openxmlformats.org/officeDocument/2006/math" xmlns:a14="http://schemas.microsoft.com/office/drawing/2010/main" xmlns:ma14="http://schemas.microsoft.com/office/mac/drawingml/2011/main" val="1"/>
             </a:ext>
           </a:extLst>
         </p:spPr>
@@ -29000,7 +29007,7 @@
           </a:ln>
           <a:extLst>
             <a:ext uri="{C572A759-6A51-4108-AA02-DFA0A04FC94B}">
-              <ma14:wrappingTextBoxFlag xmlns:ma14="http://schemas.microsoft.com/office/mac/drawingml/2011/main" xmlns:a14="http://schemas.microsoft.com/office/drawing/2010/main" xmlns:m="http://schemas.openxmlformats.org/officeDocument/2006/math" xmlns="" val="1"/>
+              <ma14:wrappingTextBoxFlag xmlns="" xmlns:m="http://schemas.openxmlformats.org/officeDocument/2006/math" xmlns:a14="http://schemas.microsoft.com/office/drawing/2010/main" xmlns:ma14="http://schemas.microsoft.com/office/mac/drawingml/2011/main" val="1"/>
             </a:ext>
           </a:extLst>
         </p:spPr>
@@ -29945,7 +29952,7 @@
           </a:ln>
           <a:extLst>
             <a:ext uri="{C572A759-6A51-4108-AA02-DFA0A04FC94B}">
-              <ma14:wrappingTextBoxFlag xmlns:ma14="http://schemas.microsoft.com/office/mac/drawingml/2011/main" xmlns:a14="http://schemas.microsoft.com/office/drawing/2010/main" xmlns:m="http://schemas.openxmlformats.org/officeDocument/2006/math" xmlns="" val="1"/>
+              <ma14:wrappingTextBoxFlag xmlns="" xmlns:m="http://schemas.openxmlformats.org/officeDocument/2006/math" xmlns:a14="http://schemas.microsoft.com/office/drawing/2010/main" xmlns:ma14="http://schemas.microsoft.com/office/mac/drawingml/2011/main" val="1"/>
             </a:ext>
           </a:extLst>
         </p:spPr>
@@ -30674,7 +30681,7 @@
           </a:ln>
           <a:extLst>
             <a:ext uri="{C572A759-6A51-4108-AA02-DFA0A04FC94B}">
-              <ma14:wrappingTextBoxFlag xmlns:ma14="http://schemas.microsoft.com/office/mac/drawingml/2011/main" xmlns:a14="http://schemas.microsoft.com/office/drawing/2010/main" xmlns:m="http://schemas.openxmlformats.org/officeDocument/2006/math" xmlns="" val="1"/>
+              <ma14:wrappingTextBoxFlag xmlns="" xmlns:m="http://schemas.openxmlformats.org/officeDocument/2006/math" xmlns:a14="http://schemas.microsoft.com/office/drawing/2010/main" xmlns:ma14="http://schemas.microsoft.com/office/mac/drawingml/2011/main" val="1"/>
             </a:ext>
           </a:extLst>
         </p:spPr>
@@ -32599,7 +32606,7 @@
           </a:ln>
           <a:extLst>
             <a:ext uri="{C572A759-6A51-4108-AA02-DFA0A04FC94B}">
-              <ma14:wrappingTextBoxFlag xmlns:ma14="http://schemas.microsoft.com/office/mac/drawingml/2011/main" xmlns:a14="http://schemas.microsoft.com/office/drawing/2010/main" xmlns:m="http://schemas.openxmlformats.org/officeDocument/2006/math" xmlns="" val="1"/>
+              <ma14:wrappingTextBoxFlag xmlns="" xmlns:m="http://schemas.openxmlformats.org/officeDocument/2006/math" xmlns:a14="http://schemas.microsoft.com/office/drawing/2010/main" xmlns:ma14="http://schemas.microsoft.com/office/mac/drawingml/2011/main" val="1"/>
             </a:ext>
           </a:extLst>
         </p:spPr>
@@ -32638,7 +32645,7 @@
           </a:ln>
           <a:extLst>
             <a:ext uri="{C572A759-6A51-4108-AA02-DFA0A04FC94B}">
-              <ma14:wrappingTextBoxFlag xmlns:ma14="http://schemas.microsoft.com/office/mac/drawingml/2011/main" xmlns:a14="http://schemas.microsoft.com/office/drawing/2010/main" xmlns:m="http://schemas.openxmlformats.org/officeDocument/2006/math" xmlns="" val="1"/>
+              <ma14:wrappingTextBoxFlag xmlns="" xmlns:m="http://schemas.openxmlformats.org/officeDocument/2006/math" xmlns:a14="http://schemas.microsoft.com/office/drawing/2010/main" xmlns:ma14="http://schemas.microsoft.com/office/mac/drawingml/2011/main" val="1"/>
             </a:ext>
           </a:extLst>
         </p:spPr>
@@ -32695,7 +32702,7 @@
           </a:ln>
           <a:extLst>
             <a:ext uri="{C572A759-6A51-4108-AA02-DFA0A04FC94B}">
-              <ma14:wrappingTextBoxFlag xmlns:ma14="http://schemas.microsoft.com/office/mac/drawingml/2011/main" xmlns:a14="http://schemas.microsoft.com/office/drawing/2010/main" xmlns:m="http://schemas.openxmlformats.org/officeDocument/2006/math" xmlns="" val="1"/>
+              <ma14:wrappingTextBoxFlag xmlns="" xmlns:m="http://schemas.openxmlformats.org/officeDocument/2006/math" xmlns:a14="http://schemas.microsoft.com/office/drawing/2010/main" xmlns:ma14="http://schemas.microsoft.com/office/mac/drawingml/2011/main" val="1"/>
             </a:ext>
           </a:extLst>
         </p:spPr>
@@ -32903,7 +32910,7 @@
           </a:ln>
           <a:extLst>
             <a:ext uri="{C572A759-6A51-4108-AA02-DFA0A04FC94B}">
-              <ma14:wrappingTextBoxFlag xmlns:ma14="http://schemas.microsoft.com/office/mac/drawingml/2011/main" xmlns:a14="http://schemas.microsoft.com/office/drawing/2010/main" xmlns:m="http://schemas.openxmlformats.org/officeDocument/2006/math" xmlns="" val="1"/>
+              <ma14:wrappingTextBoxFlag xmlns="" xmlns:m="http://schemas.openxmlformats.org/officeDocument/2006/math" xmlns:a14="http://schemas.microsoft.com/office/drawing/2010/main" xmlns:ma14="http://schemas.microsoft.com/office/mac/drawingml/2011/main" val="1"/>
             </a:ext>
           </a:extLst>
         </p:spPr>
@@ -32942,7 +32949,7 @@
           </a:ln>
           <a:extLst>
             <a:ext uri="{C572A759-6A51-4108-AA02-DFA0A04FC94B}">
-              <ma14:wrappingTextBoxFlag xmlns:ma14="http://schemas.microsoft.com/office/mac/drawingml/2011/main" xmlns:a14="http://schemas.microsoft.com/office/drawing/2010/main" xmlns:m="http://schemas.openxmlformats.org/officeDocument/2006/math" xmlns="" val="1"/>
+              <ma14:wrappingTextBoxFlag xmlns="" xmlns:m="http://schemas.openxmlformats.org/officeDocument/2006/math" xmlns:a14="http://schemas.microsoft.com/office/drawing/2010/main" xmlns:ma14="http://schemas.microsoft.com/office/mac/drawingml/2011/main" val="1"/>
             </a:ext>
           </a:extLst>
         </p:spPr>
@@ -33318,7 +33325,7 @@
           </a:ln>
           <a:extLst>
             <a:ext uri="{C572A759-6A51-4108-AA02-DFA0A04FC94B}">
-              <ma14:wrappingTextBoxFlag xmlns:ma14="http://schemas.microsoft.com/office/mac/drawingml/2011/main" xmlns:a14="http://schemas.microsoft.com/office/drawing/2010/main" xmlns:m="http://schemas.openxmlformats.org/officeDocument/2006/math" xmlns="" val="1"/>
+              <ma14:wrappingTextBoxFlag xmlns="" xmlns:m="http://schemas.openxmlformats.org/officeDocument/2006/math" xmlns:a14="http://schemas.microsoft.com/office/drawing/2010/main" xmlns:ma14="http://schemas.microsoft.com/office/mac/drawingml/2011/main" val="1"/>
             </a:ext>
           </a:extLst>
         </p:spPr>
@@ -34088,7 +34095,7 @@
           </a:ln>
           <a:extLst>
             <a:ext uri="{C572A759-6A51-4108-AA02-DFA0A04FC94B}">
-              <ma14:wrappingTextBoxFlag xmlns:ma14="http://schemas.microsoft.com/office/mac/drawingml/2011/main" xmlns:a14="http://schemas.microsoft.com/office/drawing/2010/main" xmlns:m="http://schemas.openxmlformats.org/officeDocument/2006/math" xmlns="" val="1"/>
+              <ma14:wrappingTextBoxFlag xmlns="" xmlns:m="http://schemas.openxmlformats.org/officeDocument/2006/math" xmlns:a14="http://schemas.microsoft.com/office/drawing/2010/main" xmlns:ma14="http://schemas.microsoft.com/office/mac/drawingml/2011/main" val="1"/>
             </a:ext>
           </a:extLst>
         </p:spPr>
@@ -34123,7 +34130,7 @@
           </a:ln>
           <a:extLst>
             <a:ext uri="{C572A759-6A51-4108-AA02-DFA0A04FC94B}">
-              <ma14:wrappingTextBoxFlag xmlns:ma14="http://schemas.microsoft.com/office/mac/drawingml/2011/main" xmlns:a14="http://schemas.microsoft.com/office/drawing/2010/main" xmlns:m="http://schemas.openxmlformats.org/officeDocument/2006/math" xmlns="" val="1"/>
+              <ma14:wrappingTextBoxFlag xmlns="" xmlns:m="http://schemas.openxmlformats.org/officeDocument/2006/math" xmlns:a14="http://schemas.microsoft.com/office/drawing/2010/main" xmlns:ma14="http://schemas.microsoft.com/office/mac/drawingml/2011/main" val="1"/>
             </a:ext>
           </a:extLst>
         </p:spPr>
@@ -34158,7 +34165,7 @@
           </a:ln>
           <a:extLst>
             <a:ext uri="{C572A759-6A51-4108-AA02-DFA0A04FC94B}">
-              <ma14:wrappingTextBoxFlag xmlns:ma14="http://schemas.microsoft.com/office/mac/drawingml/2011/main" xmlns:a14="http://schemas.microsoft.com/office/drawing/2010/main" xmlns:m="http://schemas.openxmlformats.org/officeDocument/2006/math" xmlns="" val="1"/>
+              <ma14:wrappingTextBoxFlag xmlns="" xmlns:m="http://schemas.openxmlformats.org/officeDocument/2006/math" xmlns:a14="http://schemas.microsoft.com/office/drawing/2010/main" xmlns:ma14="http://schemas.microsoft.com/office/mac/drawingml/2011/main" val="1"/>
             </a:ext>
           </a:extLst>
         </p:spPr>

--- a/tyler/meena/cs220/s21/materials/lec_31_S21.pptx
+++ b/tyler/meena/cs220/s21/materials/lec_31_S21.pptx
@@ -64,8 +64,8 @@
     <p:sldId id="309" r:id="rId55"/>
     <p:sldId id="310" r:id="rId56"/>
     <p:sldId id="311" r:id="rId57"/>
-    <p:sldId id="312" r:id="rId58"/>
-    <p:sldId id="313" r:id="rId59"/>
+    <p:sldId id="313" r:id="rId58"/>
+    <p:sldId id="312" r:id="rId59"/>
   </p:sldIdLst>
   <p:sldSz cx="13004800" cy="9753600"/>
   <p:notesSz cx="6858000" cy="9144000"/>
@@ -2190,7 +2190,7 @@
           </a:ln>
           <a:extLst>
             <a:ext uri="{C572A759-6A51-4108-AA02-DFA0A04FC94B}">
-              <ma14:wrappingTextBoxFlag xmlns="" xmlns:m="http://schemas.openxmlformats.org/officeDocument/2006/math" xmlns:a14="http://schemas.microsoft.com/office/drawing/2010/main" xmlns:ma14="http://schemas.microsoft.com/office/mac/drawingml/2011/main" val="1"/>
+              <ma14:wrappingTextBoxFlag xmlns:ma14="http://schemas.microsoft.com/office/mac/drawingml/2011/main" xmlns:a14="http://schemas.microsoft.com/office/drawing/2010/main" xmlns:m="http://schemas.openxmlformats.org/officeDocument/2006/math" xmlns="" val="1"/>
             </a:ext>
           </a:extLst>
         </p:spPr>
@@ -2229,7 +2229,7 @@
           </a:ln>
           <a:extLst>
             <a:ext uri="{C572A759-6A51-4108-AA02-DFA0A04FC94B}">
-              <ma14:wrappingTextBoxFlag xmlns="" xmlns:m="http://schemas.openxmlformats.org/officeDocument/2006/math" xmlns:a14="http://schemas.microsoft.com/office/drawing/2010/main" xmlns:ma14="http://schemas.microsoft.com/office/mac/drawingml/2011/main" val="1"/>
+              <ma14:wrappingTextBoxFlag xmlns:ma14="http://schemas.microsoft.com/office/mac/drawingml/2011/main" xmlns:a14="http://schemas.microsoft.com/office/drawing/2010/main" xmlns:m="http://schemas.openxmlformats.org/officeDocument/2006/math" xmlns="" val="1"/>
             </a:ext>
           </a:extLst>
         </p:spPr>
@@ -3094,16 +3094,18 @@
           </a:lstStyle>
           <a:p>
             <a:r>
+              <a:t>[</a:t>
+            </a:r>
+            <a:r>
+              <a:rPr lang="en-US"/>
+              <a:t>220 / 319</a:t>
+            </a:r>
+            <a:r>
+              <a:t>] </a:t>
+            </a:r>
+            <a:r>
               <a:rPr dirty="0"/>
-              <a:t>[</a:t>
-            </a:r>
-            <a:r>
-              <a:rPr lang="en-US" dirty="0"/>
-              <a:t>220</a:t>
-            </a:r>
-            <a:r>
-              <a:rPr dirty="0"/>
-              <a:t>] Web 1</a:t>
+              <a:t>Web 1</a:t>
             </a:r>
           </a:p>
         </p:txBody>
@@ -3437,7 +3439,7 @@
           </a:ln>
           <a:extLst>
             <a:ext uri="{C572A759-6A51-4108-AA02-DFA0A04FC94B}">
-              <ma14:wrappingTextBoxFlag xmlns="" xmlns:m="http://schemas.openxmlformats.org/officeDocument/2006/math" xmlns:a14="http://schemas.microsoft.com/office/drawing/2010/main" xmlns:ma14="http://schemas.microsoft.com/office/mac/drawingml/2011/main" val="1"/>
+              <ma14:wrappingTextBoxFlag xmlns:ma14="http://schemas.microsoft.com/office/mac/drawingml/2011/main" xmlns:a14="http://schemas.microsoft.com/office/drawing/2010/main" xmlns:m="http://schemas.openxmlformats.org/officeDocument/2006/math" xmlns="" val="1"/>
             </a:ext>
           </a:extLst>
         </p:spPr>
@@ -3472,7 +3474,7 @@
           </a:ln>
           <a:extLst>
             <a:ext uri="{C572A759-6A51-4108-AA02-DFA0A04FC94B}">
-              <ma14:wrappingTextBoxFlag xmlns="" xmlns:m="http://schemas.openxmlformats.org/officeDocument/2006/math" xmlns:a14="http://schemas.microsoft.com/office/drawing/2010/main" xmlns:ma14="http://schemas.microsoft.com/office/mac/drawingml/2011/main" val="1"/>
+              <ma14:wrappingTextBoxFlag xmlns:ma14="http://schemas.microsoft.com/office/mac/drawingml/2011/main" xmlns:a14="http://schemas.microsoft.com/office/drawing/2010/main" xmlns:m="http://schemas.openxmlformats.org/officeDocument/2006/math" xmlns="" val="1"/>
             </a:ext>
           </a:extLst>
         </p:spPr>
@@ -3507,7 +3509,7 @@
           </a:ln>
           <a:extLst>
             <a:ext uri="{C572A759-6A51-4108-AA02-DFA0A04FC94B}">
-              <ma14:wrappingTextBoxFlag xmlns="" xmlns:m="http://schemas.openxmlformats.org/officeDocument/2006/math" xmlns:a14="http://schemas.microsoft.com/office/drawing/2010/main" xmlns:ma14="http://schemas.microsoft.com/office/mac/drawingml/2011/main" val="1"/>
+              <ma14:wrappingTextBoxFlag xmlns:ma14="http://schemas.microsoft.com/office/mac/drawingml/2011/main" xmlns:a14="http://schemas.microsoft.com/office/drawing/2010/main" xmlns:m="http://schemas.openxmlformats.org/officeDocument/2006/math" xmlns="" val="1"/>
             </a:ext>
           </a:extLst>
         </p:spPr>
@@ -3553,7 +3555,7 @@
           </a:ln>
           <a:extLst>
             <a:ext uri="{C572A759-6A51-4108-AA02-DFA0A04FC94B}">
-              <ma14:wrappingTextBoxFlag xmlns="" xmlns:m="http://schemas.openxmlformats.org/officeDocument/2006/math" xmlns:a14="http://schemas.microsoft.com/office/drawing/2010/main" xmlns:ma14="http://schemas.microsoft.com/office/mac/drawingml/2011/main" val="1"/>
+              <ma14:wrappingTextBoxFlag xmlns:ma14="http://schemas.microsoft.com/office/mac/drawingml/2011/main" xmlns:a14="http://schemas.microsoft.com/office/drawing/2010/main" xmlns:m="http://schemas.openxmlformats.org/officeDocument/2006/math" xmlns="" val="1"/>
             </a:ext>
           </a:extLst>
         </p:spPr>
@@ -3887,7 +3889,7 @@
           </a:ln>
           <a:extLst>
             <a:ext uri="{C572A759-6A51-4108-AA02-DFA0A04FC94B}">
-              <ma14:wrappingTextBoxFlag xmlns="" xmlns:m="http://schemas.openxmlformats.org/officeDocument/2006/math" xmlns:a14="http://schemas.microsoft.com/office/drawing/2010/main" xmlns:ma14="http://schemas.microsoft.com/office/mac/drawingml/2011/main" val="1"/>
+              <ma14:wrappingTextBoxFlag xmlns:ma14="http://schemas.microsoft.com/office/mac/drawingml/2011/main" xmlns:a14="http://schemas.microsoft.com/office/drawing/2010/main" xmlns:m="http://schemas.openxmlformats.org/officeDocument/2006/math" xmlns="" val="1"/>
             </a:ext>
           </a:extLst>
         </p:spPr>
@@ -3922,7 +3924,7 @@
           </a:ln>
           <a:extLst>
             <a:ext uri="{C572A759-6A51-4108-AA02-DFA0A04FC94B}">
-              <ma14:wrappingTextBoxFlag xmlns="" xmlns:m="http://schemas.openxmlformats.org/officeDocument/2006/math" xmlns:a14="http://schemas.microsoft.com/office/drawing/2010/main" xmlns:ma14="http://schemas.microsoft.com/office/mac/drawingml/2011/main" val="1"/>
+              <ma14:wrappingTextBoxFlag xmlns:ma14="http://schemas.microsoft.com/office/mac/drawingml/2011/main" xmlns:a14="http://schemas.microsoft.com/office/drawing/2010/main" xmlns:m="http://schemas.openxmlformats.org/officeDocument/2006/math" xmlns="" val="1"/>
             </a:ext>
           </a:extLst>
         </p:spPr>
@@ -3957,7 +3959,7 @@
           </a:ln>
           <a:extLst>
             <a:ext uri="{C572A759-6A51-4108-AA02-DFA0A04FC94B}">
-              <ma14:wrappingTextBoxFlag xmlns="" xmlns:m="http://schemas.openxmlformats.org/officeDocument/2006/math" xmlns:a14="http://schemas.microsoft.com/office/drawing/2010/main" xmlns:ma14="http://schemas.microsoft.com/office/mac/drawingml/2011/main" val="1"/>
+              <ma14:wrappingTextBoxFlag xmlns:ma14="http://schemas.microsoft.com/office/mac/drawingml/2011/main" xmlns:a14="http://schemas.microsoft.com/office/drawing/2010/main" xmlns:m="http://schemas.openxmlformats.org/officeDocument/2006/math" xmlns="" val="1"/>
             </a:ext>
           </a:extLst>
         </p:spPr>
@@ -4003,7 +4005,7 @@
           </a:ln>
           <a:extLst>
             <a:ext uri="{C572A759-6A51-4108-AA02-DFA0A04FC94B}">
-              <ma14:wrappingTextBoxFlag xmlns="" xmlns:m="http://schemas.openxmlformats.org/officeDocument/2006/math" xmlns:a14="http://schemas.microsoft.com/office/drawing/2010/main" xmlns:ma14="http://schemas.microsoft.com/office/mac/drawingml/2011/main" val="1"/>
+              <ma14:wrappingTextBoxFlag xmlns:ma14="http://schemas.microsoft.com/office/mac/drawingml/2011/main" xmlns:a14="http://schemas.microsoft.com/office/drawing/2010/main" xmlns:m="http://schemas.openxmlformats.org/officeDocument/2006/math" xmlns="" val="1"/>
             </a:ext>
           </a:extLst>
         </p:spPr>
@@ -4100,7 +4102,7 @@
           </a:ln>
           <a:extLst>
             <a:ext uri="{C572A759-6A51-4108-AA02-DFA0A04FC94B}">
-              <ma14:wrappingTextBoxFlag xmlns="" xmlns:m="http://schemas.openxmlformats.org/officeDocument/2006/math" xmlns:a14="http://schemas.microsoft.com/office/drawing/2010/main" xmlns:ma14="http://schemas.microsoft.com/office/mac/drawingml/2011/main" val="1"/>
+              <ma14:wrappingTextBoxFlag xmlns:ma14="http://schemas.microsoft.com/office/mac/drawingml/2011/main" xmlns:a14="http://schemas.microsoft.com/office/drawing/2010/main" xmlns:m="http://schemas.openxmlformats.org/officeDocument/2006/math" xmlns="" val="1"/>
             </a:ext>
           </a:extLst>
         </p:spPr>
@@ -4142,7 +4144,7 @@
           </a:ln>
           <a:extLst>
             <a:ext uri="{C572A759-6A51-4108-AA02-DFA0A04FC94B}">
-              <ma14:wrappingTextBoxFlag xmlns="" xmlns:m="http://schemas.openxmlformats.org/officeDocument/2006/math" xmlns:a14="http://schemas.microsoft.com/office/drawing/2010/main" xmlns:ma14="http://schemas.microsoft.com/office/mac/drawingml/2011/main" val="1"/>
+              <ma14:wrappingTextBoxFlag xmlns:ma14="http://schemas.microsoft.com/office/mac/drawingml/2011/main" xmlns:a14="http://schemas.microsoft.com/office/drawing/2010/main" xmlns:m="http://schemas.openxmlformats.org/officeDocument/2006/math" xmlns="" val="1"/>
             </a:ext>
           </a:extLst>
         </p:spPr>
@@ -4431,7 +4433,7 @@
           </a:ln>
           <a:extLst>
             <a:ext uri="{C572A759-6A51-4108-AA02-DFA0A04FC94B}">
-              <ma14:wrappingTextBoxFlag xmlns="" xmlns:m="http://schemas.openxmlformats.org/officeDocument/2006/math" xmlns:a14="http://schemas.microsoft.com/office/drawing/2010/main" xmlns:ma14="http://schemas.microsoft.com/office/mac/drawingml/2011/main" val="1"/>
+              <ma14:wrappingTextBoxFlag xmlns:ma14="http://schemas.microsoft.com/office/mac/drawingml/2011/main" xmlns:a14="http://schemas.microsoft.com/office/drawing/2010/main" xmlns:m="http://schemas.openxmlformats.org/officeDocument/2006/math" xmlns="" val="1"/>
             </a:ext>
           </a:extLst>
         </p:spPr>
@@ -4466,7 +4468,7 @@
           </a:ln>
           <a:extLst>
             <a:ext uri="{C572A759-6A51-4108-AA02-DFA0A04FC94B}">
-              <ma14:wrappingTextBoxFlag xmlns="" xmlns:m="http://schemas.openxmlformats.org/officeDocument/2006/math" xmlns:a14="http://schemas.microsoft.com/office/drawing/2010/main" xmlns:ma14="http://schemas.microsoft.com/office/mac/drawingml/2011/main" val="1"/>
+              <ma14:wrappingTextBoxFlag xmlns:ma14="http://schemas.microsoft.com/office/mac/drawingml/2011/main" xmlns:a14="http://schemas.microsoft.com/office/drawing/2010/main" xmlns:m="http://schemas.openxmlformats.org/officeDocument/2006/math" xmlns="" val="1"/>
             </a:ext>
           </a:extLst>
         </p:spPr>
@@ -4501,7 +4503,7 @@
           </a:ln>
           <a:extLst>
             <a:ext uri="{C572A759-6A51-4108-AA02-DFA0A04FC94B}">
-              <ma14:wrappingTextBoxFlag xmlns="" xmlns:m="http://schemas.openxmlformats.org/officeDocument/2006/math" xmlns:a14="http://schemas.microsoft.com/office/drawing/2010/main" xmlns:ma14="http://schemas.microsoft.com/office/mac/drawingml/2011/main" val="1"/>
+              <ma14:wrappingTextBoxFlag xmlns:ma14="http://schemas.microsoft.com/office/mac/drawingml/2011/main" xmlns:a14="http://schemas.microsoft.com/office/drawing/2010/main" xmlns:m="http://schemas.openxmlformats.org/officeDocument/2006/math" xmlns="" val="1"/>
             </a:ext>
           </a:extLst>
         </p:spPr>
@@ -4547,7 +4549,7 @@
           </a:ln>
           <a:extLst>
             <a:ext uri="{C572A759-6A51-4108-AA02-DFA0A04FC94B}">
-              <ma14:wrappingTextBoxFlag xmlns="" xmlns:m="http://schemas.openxmlformats.org/officeDocument/2006/math" xmlns:a14="http://schemas.microsoft.com/office/drawing/2010/main" xmlns:ma14="http://schemas.microsoft.com/office/mac/drawingml/2011/main" val="1"/>
+              <ma14:wrappingTextBoxFlag xmlns:ma14="http://schemas.microsoft.com/office/mac/drawingml/2011/main" xmlns:a14="http://schemas.microsoft.com/office/drawing/2010/main" xmlns:m="http://schemas.openxmlformats.org/officeDocument/2006/math" xmlns="" val="1"/>
             </a:ext>
           </a:extLst>
         </p:spPr>
@@ -4644,7 +4646,7 @@
           </a:ln>
           <a:extLst>
             <a:ext uri="{C572A759-6A51-4108-AA02-DFA0A04FC94B}">
-              <ma14:wrappingTextBoxFlag xmlns="" xmlns:m="http://schemas.openxmlformats.org/officeDocument/2006/math" xmlns:a14="http://schemas.microsoft.com/office/drawing/2010/main" xmlns:ma14="http://schemas.microsoft.com/office/mac/drawingml/2011/main" val="1"/>
+              <ma14:wrappingTextBoxFlag xmlns:ma14="http://schemas.microsoft.com/office/mac/drawingml/2011/main" xmlns:a14="http://schemas.microsoft.com/office/drawing/2010/main" xmlns:m="http://schemas.openxmlformats.org/officeDocument/2006/math" xmlns="" val="1"/>
             </a:ext>
           </a:extLst>
         </p:spPr>
@@ -4929,7 +4931,7 @@
           </a:ln>
           <a:extLst>
             <a:ext uri="{C572A759-6A51-4108-AA02-DFA0A04FC94B}">
-              <ma14:wrappingTextBoxFlag xmlns="" xmlns:m="http://schemas.openxmlformats.org/officeDocument/2006/math" xmlns:a14="http://schemas.microsoft.com/office/drawing/2010/main" xmlns:ma14="http://schemas.microsoft.com/office/mac/drawingml/2011/main" val="1"/>
+              <ma14:wrappingTextBoxFlag xmlns:ma14="http://schemas.microsoft.com/office/mac/drawingml/2011/main" xmlns:a14="http://schemas.microsoft.com/office/drawing/2010/main" xmlns:m="http://schemas.openxmlformats.org/officeDocument/2006/math" xmlns="" val="1"/>
             </a:ext>
           </a:extLst>
         </p:spPr>
@@ -4964,7 +4966,7 @@
           </a:ln>
           <a:extLst>
             <a:ext uri="{C572A759-6A51-4108-AA02-DFA0A04FC94B}">
-              <ma14:wrappingTextBoxFlag xmlns="" xmlns:m="http://schemas.openxmlformats.org/officeDocument/2006/math" xmlns:a14="http://schemas.microsoft.com/office/drawing/2010/main" xmlns:ma14="http://schemas.microsoft.com/office/mac/drawingml/2011/main" val="1"/>
+              <ma14:wrappingTextBoxFlag xmlns:ma14="http://schemas.microsoft.com/office/mac/drawingml/2011/main" xmlns:a14="http://schemas.microsoft.com/office/drawing/2010/main" xmlns:m="http://schemas.openxmlformats.org/officeDocument/2006/math" xmlns="" val="1"/>
             </a:ext>
           </a:extLst>
         </p:spPr>
@@ -4999,7 +5001,7 @@
           </a:ln>
           <a:extLst>
             <a:ext uri="{C572A759-6A51-4108-AA02-DFA0A04FC94B}">
-              <ma14:wrappingTextBoxFlag xmlns="" xmlns:m="http://schemas.openxmlformats.org/officeDocument/2006/math" xmlns:a14="http://schemas.microsoft.com/office/drawing/2010/main" xmlns:ma14="http://schemas.microsoft.com/office/mac/drawingml/2011/main" val="1"/>
+              <ma14:wrappingTextBoxFlag xmlns:ma14="http://schemas.microsoft.com/office/mac/drawingml/2011/main" xmlns:a14="http://schemas.microsoft.com/office/drawing/2010/main" xmlns:m="http://schemas.openxmlformats.org/officeDocument/2006/math" xmlns="" val="1"/>
             </a:ext>
           </a:extLst>
         </p:spPr>
@@ -5045,7 +5047,7 @@
           </a:ln>
           <a:extLst>
             <a:ext uri="{C572A759-6A51-4108-AA02-DFA0A04FC94B}">
-              <ma14:wrappingTextBoxFlag xmlns="" xmlns:m="http://schemas.openxmlformats.org/officeDocument/2006/math" xmlns:a14="http://schemas.microsoft.com/office/drawing/2010/main" xmlns:ma14="http://schemas.microsoft.com/office/mac/drawingml/2011/main" val="1"/>
+              <ma14:wrappingTextBoxFlag xmlns:ma14="http://schemas.microsoft.com/office/mac/drawingml/2011/main" xmlns:a14="http://schemas.microsoft.com/office/drawing/2010/main" xmlns:m="http://schemas.openxmlformats.org/officeDocument/2006/math" xmlns="" val="1"/>
             </a:ext>
           </a:extLst>
         </p:spPr>
@@ -5136,7 +5138,7 @@
           </a:ln>
           <a:extLst>
             <a:ext uri="{C572A759-6A51-4108-AA02-DFA0A04FC94B}">
-              <ma14:wrappingTextBoxFlag xmlns="" xmlns:m="http://schemas.openxmlformats.org/officeDocument/2006/math" xmlns:a14="http://schemas.microsoft.com/office/drawing/2010/main" xmlns:ma14="http://schemas.microsoft.com/office/mac/drawingml/2011/main" val="1"/>
+              <ma14:wrappingTextBoxFlag xmlns:ma14="http://schemas.microsoft.com/office/mac/drawingml/2011/main" xmlns:a14="http://schemas.microsoft.com/office/drawing/2010/main" xmlns:m="http://schemas.openxmlformats.org/officeDocument/2006/math" xmlns="" val="1"/>
             </a:ext>
           </a:extLst>
         </p:spPr>
@@ -5183,7 +5185,7 @@
           </a:ln>
           <a:extLst>
             <a:ext uri="{C572A759-6A51-4108-AA02-DFA0A04FC94B}">
-              <ma14:wrappingTextBoxFlag xmlns="" xmlns:m="http://schemas.openxmlformats.org/officeDocument/2006/math" xmlns:a14="http://schemas.microsoft.com/office/drawing/2010/main" xmlns:ma14="http://schemas.microsoft.com/office/mac/drawingml/2011/main" val="1"/>
+              <ma14:wrappingTextBoxFlag xmlns:ma14="http://schemas.microsoft.com/office/mac/drawingml/2011/main" xmlns:a14="http://schemas.microsoft.com/office/drawing/2010/main" xmlns:m="http://schemas.openxmlformats.org/officeDocument/2006/math" xmlns="" val="1"/>
             </a:ext>
           </a:extLst>
         </p:spPr>
@@ -5236,7 +5238,7 @@
           </a:ln>
           <a:extLst>
             <a:ext uri="{C572A759-6A51-4108-AA02-DFA0A04FC94B}">
-              <ma14:wrappingTextBoxFlag xmlns="" xmlns:m="http://schemas.openxmlformats.org/officeDocument/2006/math" xmlns:a14="http://schemas.microsoft.com/office/drawing/2010/main" xmlns:ma14="http://schemas.microsoft.com/office/mac/drawingml/2011/main" val="1"/>
+              <ma14:wrappingTextBoxFlag xmlns:ma14="http://schemas.microsoft.com/office/mac/drawingml/2011/main" xmlns:a14="http://schemas.microsoft.com/office/drawing/2010/main" xmlns:m="http://schemas.openxmlformats.org/officeDocument/2006/math" xmlns="" val="1"/>
             </a:ext>
           </a:extLst>
         </p:spPr>
@@ -5521,7 +5523,7 @@
           </a:ln>
           <a:extLst>
             <a:ext uri="{C572A759-6A51-4108-AA02-DFA0A04FC94B}">
-              <ma14:wrappingTextBoxFlag xmlns="" xmlns:m="http://schemas.openxmlformats.org/officeDocument/2006/math" xmlns:a14="http://schemas.microsoft.com/office/drawing/2010/main" xmlns:ma14="http://schemas.microsoft.com/office/mac/drawingml/2011/main" val="1"/>
+              <ma14:wrappingTextBoxFlag xmlns:ma14="http://schemas.microsoft.com/office/mac/drawingml/2011/main" xmlns:a14="http://schemas.microsoft.com/office/drawing/2010/main" xmlns:m="http://schemas.openxmlformats.org/officeDocument/2006/math" xmlns="" val="1"/>
             </a:ext>
           </a:extLst>
         </p:spPr>
@@ -5556,7 +5558,7 @@
           </a:ln>
           <a:extLst>
             <a:ext uri="{C572A759-6A51-4108-AA02-DFA0A04FC94B}">
-              <ma14:wrappingTextBoxFlag xmlns="" xmlns:m="http://schemas.openxmlformats.org/officeDocument/2006/math" xmlns:a14="http://schemas.microsoft.com/office/drawing/2010/main" xmlns:ma14="http://schemas.microsoft.com/office/mac/drawingml/2011/main" val="1"/>
+              <ma14:wrappingTextBoxFlag xmlns:ma14="http://schemas.microsoft.com/office/mac/drawingml/2011/main" xmlns:a14="http://schemas.microsoft.com/office/drawing/2010/main" xmlns:m="http://schemas.openxmlformats.org/officeDocument/2006/math" xmlns="" val="1"/>
             </a:ext>
           </a:extLst>
         </p:spPr>
@@ -5591,7 +5593,7 @@
           </a:ln>
           <a:extLst>
             <a:ext uri="{C572A759-6A51-4108-AA02-DFA0A04FC94B}">
-              <ma14:wrappingTextBoxFlag xmlns="" xmlns:m="http://schemas.openxmlformats.org/officeDocument/2006/math" xmlns:a14="http://schemas.microsoft.com/office/drawing/2010/main" xmlns:ma14="http://schemas.microsoft.com/office/mac/drawingml/2011/main" val="1"/>
+              <ma14:wrappingTextBoxFlag xmlns:ma14="http://schemas.microsoft.com/office/mac/drawingml/2011/main" xmlns:a14="http://schemas.microsoft.com/office/drawing/2010/main" xmlns:m="http://schemas.openxmlformats.org/officeDocument/2006/math" xmlns="" val="1"/>
             </a:ext>
           </a:extLst>
         </p:spPr>
@@ -5828,7 +5830,7 @@
           </a:ln>
           <a:extLst>
             <a:ext uri="{C572A759-6A51-4108-AA02-DFA0A04FC94B}">
-              <ma14:wrappingTextBoxFlag xmlns="" xmlns:m="http://schemas.openxmlformats.org/officeDocument/2006/math" xmlns:a14="http://schemas.microsoft.com/office/drawing/2010/main" xmlns:ma14="http://schemas.microsoft.com/office/mac/drawingml/2011/main" val="1"/>
+              <ma14:wrappingTextBoxFlag xmlns:ma14="http://schemas.microsoft.com/office/mac/drawingml/2011/main" xmlns:a14="http://schemas.microsoft.com/office/drawing/2010/main" xmlns:m="http://schemas.openxmlformats.org/officeDocument/2006/math" xmlns="" val="1"/>
             </a:ext>
           </a:extLst>
         </p:spPr>
@@ -5876,7 +5878,7 @@
           </a:ln>
           <a:extLst>
             <a:ext uri="{C572A759-6A51-4108-AA02-DFA0A04FC94B}">
-              <ma14:wrappingTextBoxFlag xmlns="" xmlns:m="http://schemas.openxmlformats.org/officeDocument/2006/math" xmlns:a14="http://schemas.microsoft.com/office/drawing/2010/main" xmlns:ma14="http://schemas.microsoft.com/office/mac/drawingml/2011/main" val="1"/>
+              <ma14:wrappingTextBoxFlag xmlns:ma14="http://schemas.microsoft.com/office/mac/drawingml/2011/main" xmlns:a14="http://schemas.microsoft.com/office/drawing/2010/main" xmlns:m="http://schemas.openxmlformats.org/officeDocument/2006/math" xmlns="" val="1"/>
             </a:ext>
           </a:extLst>
         </p:spPr>
@@ -5924,7 +5926,7 @@
           </a:ln>
           <a:extLst>
             <a:ext uri="{C572A759-6A51-4108-AA02-DFA0A04FC94B}">
-              <ma14:wrappingTextBoxFlag xmlns="" xmlns:m="http://schemas.openxmlformats.org/officeDocument/2006/math" xmlns:a14="http://schemas.microsoft.com/office/drawing/2010/main" xmlns:ma14="http://schemas.microsoft.com/office/mac/drawingml/2011/main" val="1"/>
+              <ma14:wrappingTextBoxFlag xmlns:ma14="http://schemas.microsoft.com/office/mac/drawingml/2011/main" xmlns:a14="http://schemas.microsoft.com/office/drawing/2010/main" xmlns:m="http://schemas.openxmlformats.org/officeDocument/2006/math" xmlns="" val="1"/>
             </a:ext>
           </a:extLst>
         </p:spPr>
@@ -5969,7 +5971,7 @@
           </a:ln>
           <a:extLst>
             <a:ext uri="{C572A759-6A51-4108-AA02-DFA0A04FC94B}">
-              <ma14:wrappingTextBoxFlag xmlns="" xmlns:m="http://schemas.openxmlformats.org/officeDocument/2006/math" xmlns:a14="http://schemas.microsoft.com/office/drawing/2010/main" xmlns:ma14="http://schemas.microsoft.com/office/mac/drawingml/2011/main" val="1"/>
+              <ma14:wrappingTextBoxFlag xmlns:ma14="http://schemas.microsoft.com/office/mac/drawingml/2011/main" xmlns:a14="http://schemas.microsoft.com/office/drawing/2010/main" xmlns:m="http://schemas.openxmlformats.org/officeDocument/2006/math" xmlns="" val="1"/>
             </a:ext>
           </a:extLst>
         </p:spPr>
@@ -6022,7 +6024,7 @@
           </a:ln>
           <a:extLst>
             <a:ext uri="{C572A759-6A51-4108-AA02-DFA0A04FC94B}">
-              <ma14:wrappingTextBoxFlag xmlns="" xmlns:m="http://schemas.openxmlformats.org/officeDocument/2006/math" xmlns:a14="http://schemas.microsoft.com/office/drawing/2010/main" xmlns:ma14="http://schemas.microsoft.com/office/mac/drawingml/2011/main" val="1"/>
+              <ma14:wrappingTextBoxFlag xmlns:ma14="http://schemas.microsoft.com/office/mac/drawingml/2011/main" xmlns:a14="http://schemas.microsoft.com/office/drawing/2010/main" xmlns:m="http://schemas.openxmlformats.org/officeDocument/2006/math" xmlns="" val="1"/>
             </a:ext>
           </a:extLst>
         </p:spPr>
@@ -6075,7 +6077,7 @@
           </a:ln>
           <a:extLst>
             <a:ext uri="{C572A759-6A51-4108-AA02-DFA0A04FC94B}">
-              <ma14:wrappingTextBoxFlag xmlns="" xmlns:m="http://schemas.openxmlformats.org/officeDocument/2006/math" xmlns:a14="http://schemas.microsoft.com/office/drawing/2010/main" xmlns:ma14="http://schemas.microsoft.com/office/mac/drawingml/2011/main" val="1"/>
+              <ma14:wrappingTextBoxFlag xmlns:ma14="http://schemas.microsoft.com/office/mac/drawingml/2011/main" xmlns:a14="http://schemas.microsoft.com/office/drawing/2010/main" xmlns:m="http://schemas.openxmlformats.org/officeDocument/2006/math" xmlns="" val="1"/>
             </a:ext>
           </a:extLst>
         </p:spPr>
@@ -6368,7 +6370,7 @@
           </a:ln>
           <a:extLst>
             <a:ext uri="{C572A759-6A51-4108-AA02-DFA0A04FC94B}">
-              <ma14:wrappingTextBoxFlag xmlns="" xmlns:m="http://schemas.openxmlformats.org/officeDocument/2006/math" xmlns:a14="http://schemas.microsoft.com/office/drawing/2010/main" xmlns:ma14="http://schemas.microsoft.com/office/mac/drawingml/2011/main" val="1"/>
+              <ma14:wrappingTextBoxFlag xmlns:ma14="http://schemas.microsoft.com/office/mac/drawingml/2011/main" xmlns:a14="http://schemas.microsoft.com/office/drawing/2010/main" xmlns:m="http://schemas.openxmlformats.org/officeDocument/2006/math" xmlns="" val="1"/>
             </a:ext>
           </a:extLst>
         </p:spPr>
@@ -6403,7 +6405,7 @@
           </a:ln>
           <a:extLst>
             <a:ext uri="{C572A759-6A51-4108-AA02-DFA0A04FC94B}">
-              <ma14:wrappingTextBoxFlag xmlns="" xmlns:m="http://schemas.openxmlformats.org/officeDocument/2006/math" xmlns:a14="http://schemas.microsoft.com/office/drawing/2010/main" xmlns:ma14="http://schemas.microsoft.com/office/mac/drawingml/2011/main" val="1"/>
+              <ma14:wrappingTextBoxFlag xmlns:ma14="http://schemas.microsoft.com/office/mac/drawingml/2011/main" xmlns:a14="http://schemas.microsoft.com/office/drawing/2010/main" xmlns:m="http://schemas.openxmlformats.org/officeDocument/2006/math" xmlns="" val="1"/>
             </a:ext>
           </a:extLst>
         </p:spPr>
@@ -6438,7 +6440,7 @@
           </a:ln>
           <a:extLst>
             <a:ext uri="{C572A759-6A51-4108-AA02-DFA0A04FC94B}">
-              <ma14:wrappingTextBoxFlag xmlns="" xmlns:m="http://schemas.openxmlformats.org/officeDocument/2006/math" xmlns:a14="http://schemas.microsoft.com/office/drawing/2010/main" xmlns:ma14="http://schemas.microsoft.com/office/mac/drawingml/2011/main" val="1"/>
+              <ma14:wrappingTextBoxFlag xmlns:ma14="http://schemas.microsoft.com/office/mac/drawingml/2011/main" xmlns:a14="http://schemas.microsoft.com/office/drawing/2010/main" xmlns:m="http://schemas.openxmlformats.org/officeDocument/2006/math" xmlns="" val="1"/>
             </a:ext>
           </a:extLst>
         </p:spPr>
@@ -6496,7 +6498,7 @@
           </a:ln>
           <a:extLst>
             <a:ext uri="{C572A759-6A51-4108-AA02-DFA0A04FC94B}">
-              <ma14:wrappingTextBoxFlag xmlns="" xmlns:m="http://schemas.openxmlformats.org/officeDocument/2006/math" xmlns:a14="http://schemas.microsoft.com/office/drawing/2010/main" xmlns:ma14="http://schemas.microsoft.com/office/mac/drawingml/2011/main" val="1"/>
+              <ma14:wrappingTextBoxFlag xmlns:ma14="http://schemas.microsoft.com/office/mac/drawingml/2011/main" xmlns:a14="http://schemas.microsoft.com/office/drawing/2010/main" xmlns:m="http://schemas.openxmlformats.org/officeDocument/2006/math" xmlns="" val="1"/>
             </a:ext>
           </a:extLst>
         </p:spPr>
@@ -6535,7 +6537,7 @@
           </a:ln>
           <a:extLst>
             <a:ext uri="{C572A759-6A51-4108-AA02-DFA0A04FC94B}">
-              <ma14:wrappingTextBoxFlag xmlns="" xmlns:m="http://schemas.openxmlformats.org/officeDocument/2006/math" xmlns:a14="http://schemas.microsoft.com/office/drawing/2010/main" xmlns:ma14="http://schemas.microsoft.com/office/mac/drawingml/2011/main" val="1"/>
+              <ma14:wrappingTextBoxFlag xmlns:ma14="http://schemas.microsoft.com/office/mac/drawingml/2011/main" xmlns:a14="http://schemas.microsoft.com/office/drawing/2010/main" xmlns:m="http://schemas.openxmlformats.org/officeDocument/2006/math" xmlns="" val="1"/>
             </a:ext>
           </a:extLst>
         </p:spPr>
@@ -6832,7 +6834,7 @@
           </a:ln>
           <a:extLst>
             <a:ext uri="{C572A759-6A51-4108-AA02-DFA0A04FC94B}">
-              <ma14:wrappingTextBoxFlag xmlns="" xmlns:m="http://schemas.openxmlformats.org/officeDocument/2006/math" xmlns:a14="http://schemas.microsoft.com/office/drawing/2010/main" xmlns:ma14="http://schemas.microsoft.com/office/mac/drawingml/2011/main" val="1"/>
+              <ma14:wrappingTextBoxFlag xmlns:ma14="http://schemas.microsoft.com/office/mac/drawingml/2011/main" xmlns:a14="http://schemas.microsoft.com/office/drawing/2010/main" xmlns:m="http://schemas.openxmlformats.org/officeDocument/2006/math" xmlns="" val="1"/>
             </a:ext>
           </a:extLst>
         </p:spPr>
@@ -6867,7 +6869,7 @@
           </a:ln>
           <a:extLst>
             <a:ext uri="{C572A759-6A51-4108-AA02-DFA0A04FC94B}">
-              <ma14:wrappingTextBoxFlag xmlns="" xmlns:m="http://schemas.openxmlformats.org/officeDocument/2006/math" xmlns:a14="http://schemas.microsoft.com/office/drawing/2010/main" xmlns:ma14="http://schemas.microsoft.com/office/mac/drawingml/2011/main" val="1"/>
+              <ma14:wrappingTextBoxFlag xmlns:ma14="http://schemas.microsoft.com/office/mac/drawingml/2011/main" xmlns:a14="http://schemas.microsoft.com/office/drawing/2010/main" xmlns:m="http://schemas.openxmlformats.org/officeDocument/2006/math" xmlns="" val="1"/>
             </a:ext>
           </a:extLst>
         </p:spPr>
@@ -6902,7 +6904,7 @@
           </a:ln>
           <a:extLst>
             <a:ext uri="{C572A759-6A51-4108-AA02-DFA0A04FC94B}">
-              <ma14:wrappingTextBoxFlag xmlns="" xmlns:m="http://schemas.openxmlformats.org/officeDocument/2006/math" xmlns:a14="http://schemas.microsoft.com/office/drawing/2010/main" xmlns:ma14="http://schemas.microsoft.com/office/mac/drawingml/2011/main" val="1"/>
+              <ma14:wrappingTextBoxFlag xmlns:ma14="http://schemas.microsoft.com/office/mac/drawingml/2011/main" xmlns:a14="http://schemas.microsoft.com/office/drawing/2010/main" xmlns:m="http://schemas.openxmlformats.org/officeDocument/2006/math" xmlns="" val="1"/>
             </a:ext>
           </a:extLst>
         </p:spPr>
@@ -6960,7 +6962,7 @@
           </a:ln>
           <a:extLst>
             <a:ext uri="{C572A759-6A51-4108-AA02-DFA0A04FC94B}">
-              <ma14:wrappingTextBoxFlag xmlns="" xmlns:m="http://schemas.openxmlformats.org/officeDocument/2006/math" xmlns:a14="http://schemas.microsoft.com/office/drawing/2010/main" xmlns:ma14="http://schemas.microsoft.com/office/mac/drawingml/2011/main" val="1"/>
+              <ma14:wrappingTextBoxFlag xmlns:ma14="http://schemas.microsoft.com/office/mac/drawingml/2011/main" xmlns:a14="http://schemas.microsoft.com/office/drawing/2010/main" xmlns:m="http://schemas.openxmlformats.org/officeDocument/2006/math" xmlns="" val="1"/>
             </a:ext>
           </a:extLst>
         </p:spPr>
@@ -6999,7 +7001,7 @@
           </a:ln>
           <a:extLst>
             <a:ext uri="{C572A759-6A51-4108-AA02-DFA0A04FC94B}">
-              <ma14:wrappingTextBoxFlag xmlns="" xmlns:m="http://schemas.openxmlformats.org/officeDocument/2006/math" xmlns:a14="http://schemas.microsoft.com/office/drawing/2010/main" xmlns:ma14="http://schemas.microsoft.com/office/mac/drawingml/2011/main" val="1"/>
+              <ma14:wrappingTextBoxFlag xmlns:ma14="http://schemas.microsoft.com/office/mac/drawingml/2011/main" xmlns:a14="http://schemas.microsoft.com/office/drawing/2010/main" xmlns:m="http://schemas.openxmlformats.org/officeDocument/2006/math" xmlns="" val="1"/>
             </a:ext>
           </a:extLst>
         </p:spPr>
@@ -7046,7 +7048,7 @@
           </a:ln>
           <a:extLst>
             <a:ext uri="{C572A759-6A51-4108-AA02-DFA0A04FC94B}">
-              <ma14:wrappingTextBoxFlag xmlns="" xmlns:m="http://schemas.openxmlformats.org/officeDocument/2006/math" xmlns:a14="http://schemas.microsoft.com/office/drawing/2010/main" xmlns:ma14="http://schemas.microsoft.com/office/mac/drawingml/2011/main" val="1"/>
+              <ma14:wrappingTextBoxFlag xmlns:ma14="http://schemas.microsoft.com/office/mac/drawingml/2011/main" xmlns:a14="http://schemas.microsoft.com/office/drawing/2010/main" xmlns:m="http://schemas.openxmlformats.org/officeDocument/2006/math" xmlns="" val="1"/>
             </a:ext>
           </a:extLst>
         </p:spPr>
@@ -7385,7 +7387,7 @@
           </a:ln>
           <a:extLst>
             <a:ext uri="{C572A759-6A51-4108-AA02-DFA0A04FC94B}">
-              <ma14:wrappingTextBoxFlag xmlns="" xmlns:m="http://schemas.openxmlformats.org/officeDocument/2006/math" xmlns:a14="http://schemas.microsoft.com/office/drawing/2010/main" xmlns:ma14="http://schemas.microsoft.com/office/mac/drawingml/2011/main" val="1"/>
+              <ma14:wrappingTextBoxFlag xmlns:ma14="http://schemas.microsoft.com/office/mac/drawingml/2011/main" xmlns:a14="http://schemas.microsoft.com/office/drawing/2010/main" xmlns:m="http://schemas.openxmlformats.org/officeDocument/2006/math" xmlns="" val="1"/>
             </a:ext>
           </a:extLst>
         </p:spPr>
@@ -7420,7 +7422,7 @@
           </a:ln>
           <a:extLst>
             <a:ext uri="{C572A759-6A51-4108-AA02-DFA0A04FC94B}">
-              <ma14:wrappingTextBoxFlag xmlns="" xmlns:m="http://schemas.openxmlformats.org/officeDocument/2006/math" xmlns:a14="http://schemas.microsoft.com/office/drawing/2010/main" xmlns:ma14="http://schemas.microsoft.com/office/mac/drawingml/2011/main" val="1"/>
+              <ma14:wrappingTextBoxFlag xmlns:ma14="http://schemas.microsoft.com/office/mac/drawingml/2011/main" xmlns:a14="http://schemas.microsoft.com/office/drawing/2010/main" xmlns:m="http://schemas.openxmlformats.org/officeDocument/2006/math" xmlns="" val="1"/>
             </a:ext>
           </a:extLst>
         </p:spPr>
@@ -7455,7 +7457,7 @@
           </a:ln>
           <a:extLst>
             <a:ext uri="{C572A759-6A51-4108-AA02-DFA0A04FC94B}">
-              <ma14:wrappingTextBoxFlag xmlns="" xmlns:m="http://schemas.openxmlformats.org/officeDocument/2006/math" xmlns:a14="http://schemas.microsoft.com/office/drawing/2010/main" xmlns:ma14="http://schemas.microsoft.com/office/mac/drawingml/2011/main" val="1"/>
+              <ma14:wrappingTextBoxFlag xmlns:ma14="http://schemas.microsoft.com/office/mac/drawingml/2011/main" xmlns:a14="http://schemas.microsoft.com/office/drawing/2010/main" xmlns:m="http://schemas.openxmlformats.org/officeDocument/2006/math" xmlns="" val="1"/>
             </a:ext>
           </a:extLst>
         </p:spPr>
@@ -7502,7 +7504,7 @@
           </a:ln>
           <a:extLst>
             <a:ext uri="{C572A759-6A51-4108-AA02-DFA0A04FC94B}">
-              <ma14:wrappingTextBoxFlag xmlns="" xmlns:m="http://schemas.openxmlformats.org/officeDocument/2006/math" xmlns:a14="http://schemas.microsoft.com/office/drawing/2010/main" xmlns:ma14="http://schemas.microsoft.com/office/mac/drawingml/2011/main" val="1"/>
+              <ma14:wrappingTextBoxFlag xmlns:ma14="http://schemas.microsoft.com/office/mac/drawingml/2011/main" xmlns:a14="http://schemas.microsoft.com/office/drawing/2010/main" xmlns:m="http://schemas.openxmlformats.org/officeDocument/2006/math" xmlns="" val="1"/>
             </a:ext>
           </a:extLst>
         </p:spPr>
@@ -7598,7 +7600,7 @@
           </a:ln>
           <a:extLst>
             <a:ext uri="{C572A759-6A51-4108-AA02-DFA0A04FC94B}">
-              <ma14:wrappingTextBoxFlag xmlns="" xmlns:m="http://schemas.openxmlformats.org/officeDocument/2006/math" xmlns:a14="http://schemas.microsoft.com/office/drawing/2010/main" xmlns:ma14="http://schemas.microsoft.com/office/mac/drawingml/2011/main" val="1"/>
+              <ma14:wrappingTextBoxFlag xmlns:ma14="http://schemas.microsoft.com/office/mac/drawingml/2011/main" xmlns:a14="http://schemas.microsoft.com/office/drawing/2010/main" xmlns:m="http://schemas.openxmlformats.org/officeDocument/2006/math" xmlns="" val="1"/>
             </a:ext>
           </a:extLst>
         </p:spPr>
@@ -7899,7 +7901,7 @@
           </a:ln>
           <a:extLst>
             <a:ext uri="{C572A759-6A51-4108-AA02-DFA0A04FC94B}">
-              <ma14:wrappingTextBoxFlag xmlns="" xmlns:m="http://schemas.openxmlformats.org/officeDocument/2006/math" xmlns:a14="http://schemas.microsoft.com/office/drawing/2010/main" xmlns:ma14="http://schemas.microsoft.com/office/mac/drawingml/2011/main" val="1"/>
+              <ma14:wrappingTextBoxFlag xmlns:ma14="http://schemas.microsoft.com/office/mac/drawingml/2011/main" xmlns:a14="http://schemas.microsoft.com/office/drawing/2010/main" xmlns:m="http://schemas.openxmlformats.org/officeDocument/2006/math" xmlns="" val="1"/>
             </a:ext>
           </a:extLst>
         </p:spPr>
@@ -7934,7 +7936,7 @@
           </a:ln>
           <a:extLst>
             <a:ext uri="{C572A759-6A51-4108-AA02-DFA0A04FC94B}">
-              <ma14:wrappingTextBoxFlag xmlns="" xmlns:m="http://schemas.openxmlformats.org/officeDocument/2006/math" xmlns:a14="http://schemas.microsoft.com/office/drawing/2010/main" xmlns:ma14="http://schemas.microsoft.com/office/mac/drawingml/2011/main" val="1"/>
+              <ma14:wrappingTextBoxFlag xmlns:ma14="http://schemas.microsoft.com/office/mac/drawingml/2011/main" xmlns:a14="http://schemas.microsoft.com/office/drawing/2010/main" xmlns:m="http://schemas.openxmlformats.org/officeDocument/2006/math" xmlns="" val="1"/>
             </a:ext>
           </a:extLst>
         </p:spPr>
@@ -7969,7 +7971,7 @@
           </a:ln>
           <a:extLst>
             <a:ext uri="{C572A759-6A51-4108-AA02-DFA0A04FC94B}">
-              <ma14:wrappingTextBoxFlag xmlns="" xmlns:m="http://schemas.openxmlformats.org/officeDocument/2006/math" xmlns:a14="http://schemas.microsoft.com/office/drawing/2010/main" xmlns:ma14="http://schemas.microsoft.com/office/mac/drawingml/2011/main" val="1"/>
+              <ma14:wrappingTextBoxFlag xmlns:ma14="http://schemas.microsoft.com/office/mac/drawingml/2011/main" xmlns:a14="http://schemas.microsoft.com/office/drawing/2010/main" xmlns:m="http://schemas.openxmlformats.org/officeDocument/2006/math" xmlns="" val="1"/>
             </a:ext>
           </a:extLst>
         </p:spPr>
@@ -8016,7 +8018,7 @@
           </a:ln>
           <a:extLst>
             <a:ext uri="{C572A759-6A51-4108-AA02-DFA0A04FC94B}">
-              <ma14:wrappingTextBoxFlag xmlns="" xmlns:m="http://schemas.openxmlformats.org/officeDocument/2006/math" xmlns:a14="http://schemas.microsoft.com/office/drawing/2010/main" xmlns:ma14="http://schemas.microsoft.com/office/mac/drawingml/2011/main" val="1"/>
+              <ma14:wrappingTextBoxFlag xmlns:ma14="http://schemas.microsoft.com/office/mac/drawingml/2011/main" xmlns:a14="http://schemas.microsoft.com/office/drawing/2010/main" xmlns:m="http://schemas.openxmlformats.org/officeDocument/2006/math" xmlns="" val="1"/>
             </a:ext>
           </a:extLst>
         </p:spPr>
@@ -8112,7 +8114,7 @@
           </a:ln>
           <a:extLst>
             <a:ext uri="{C572A759-6A51-4108-AA02-DFA0A04FC94B}">
-              <ma14:wrappingTextBoxFlag xmlns="" xmlns:m="http://schemas.openxmlformats.org/officeDocument/2006/math" xmlns:a14="http://schemas.microsoft.com/office/drawing/2010/main" xmlns:ma14="http://schemas.microsoft.com/office/mac/drawingml/2011/main" val="1"/>
+              <ma14:wrappingTextBoxFlag xmlns:ma14="http://schemas.microsoft.com/office/mac/drawingml/2011/main" xmlns:a14="http://schemas.microsoft.com/office/drawing/2010/main" xmlns:m="http://schemas.openxmlformats.org/officeDocument/2006/math" xmlns="" val="1"/>
             </a:ext>
           </a:extLst>
         </p:spPr>
@@ -8182,7 +8184,7 @@
           </a:ln>
           <a:extLst>
             <a:ext uri="{C572A759-6A51-4108-AA02-DFA0A04FC94B}">
-              <ma14:wrappingTextBoxFlag xmlns="" xmlns:m="http://schemas.openxmlformats.org/officeDocument/2006/math" xmlns:a14="http://schemas.microsoft.com/office/drawing/2010/main" xmlns:ma14="http://schemas.microsoft.com/office/mac/drawingml/2011/main" val="1"/>
+              <ma14:wrappingTextBoxFlag xmlns:ma14="http://schemas.microsoft.com/office/mac/drawingml/2011/main" xmlns:a14="http://schemas.microsoft.com/office/drawing/2010/main" xmlns:m="http://schemas.openxmlformats.org/officeDocument/2006/math" xmlns="" val="1"/>
             </a:ext>
           </a:extLst>
         </p:spPr>
@@ -8694,7 +8696,7 @@
           </a:ln>
           <a:extLst>
             <a:ext uri="{C572A759-6A51-4108-AA02-DFA0A04FC94B}">
-              <ma14:wrappingTextBoxFlag xmlns="" xmlns:m="http://schemas.openxmlformats.org/officeDocument/2006/math" xmlns:a14="http://schemas.microsoft.com/office/drawing/2010/main" xmlns:ma14="http://schemas.microsoft.com/office/mac/drawingml/2011/main" val="1"/>
+              <ma14:wrappingTextBoxFlag xmlns:ma14="http://schemas.microsoft.com/office/mac/drawingml/2011/main" xmlns:a14="http://schemas.microsoft.com/office/drawing/2010/main" xmlns:m="http://schemas.openxmlformats.org/officeDocument/2006/math" xmlns="" val="1"/>
             </a:ext>
           </a:extLst>
         </p:spPr>
@@ -8729,7 +8731,7 @@
           </a:ln>
           <a:extLst>
             <a:ext uri="{C572A759-6A51-4108-AA02-DFA0A04FC94B}">
-              <ma14:wrappingTextBoxFlag xmlns="" xmlns:m="http://schemas.openxmlformats.org/officeDocument/2006/math" xmlns:a14="http://schemas.microsoft.com/office/drawing/2010/main" xmlns:ma14="http://schemas.microsoft.com/office/mac/drawingml/2011/main" val="1"/>
+              <ma14:wrappingTextBoxFlag xmlns:ma14="http://schemas.microsoft.com/office/mac/drawingml/2011/main" xmlns:a14="http://schemas.microsoft.com/office/drawing/2010/main" xmlns:m="http://schemas.openxmlformats.org/officeDocument/2006/math" xmlns="" val="1"/>
             </a:ext>
           </a:extLst>
         </p:spPr>
@@ -8764,7 +8766,7 @@
           </a:ln>
           <a:extLst>
             <a:ext uri="{C572A759-6A51-4108-AA02-DFA0A04FC94B}">
-              <ma14:wrappingTextBoxFlag xmlns="" xmlns:m="http://schemas.openxmlformats.org/officeDocument/2006/math" xmlns:a14="http://schemas.microsoft.com/office/drawing/2010/main" xmlns:ma14="http://schemas.microsoft.com/office/mac/drawingml/2011/main" val="1"/>
+              <ma14:wrappingTextBoxFlag xmlns:ma14="http://schemas.microsoft.com/office/mac/drawingml/2011/main" xmlns:a14="http://schemas.microsoft.com/office/drawing/2010/main" xmlns:m="http://schemas.openxmlformats.org/officeDocument/2006/math" xmlns="" val="1"/>
             </a:ext>
           </a:extLst>
         </p:spPr>
@@ -8811,7 +8813,7 @@
           </a:ln>
           <a:extLst>
             <a:ext uri="{C572A759-6A51-4108-AA02-DFA0A04FC94B}">
-              <ma14:wrappingTextBoxFlag xmlns="" xmlns:m="http://schemas.openxmlformats.org/officeDocument/2006/math" xmlns:a14="http://schemas.microsoft.com/office/drawing/2010/main" xmlns:ma14="http://schemas.microsoft.com/office/mac/drawingml/2011/main" val="1"/>
+              <ma14:wrappingTextBoxFlag xmlns:ma14="http://schemas.microsoft.com/office/mac/drawingml/2011/main" xmlns:a14="http://schemas.microsoft.com/office/drawing/2010/main" xmlns:m="http://schemas.openxmlformats.org/officeDocument/2006/math" xmlns="" val="1"/>
             </a:ext>
           </a:extLst>
         </p:spPr>
@@ -8907,7 +8909,7 @@
           </a:ln>
           <a:extLst>
             <a:ext uri="{C572A759-6A51-4108-AA02-DFA0A04FC94B}">
-              <ma14:wrappingTextBoxFlag xmlns="" xmlns:m="http://schemas.openxmlformats.org/officeDocument/2006/math" xmlns:a14="http://schemas.microsoft.com/office/drawing/2010/main" xmlns:ma14="http://schemas.microsoft.com/office/mac/drawingml/2011/main" val="1"/>
+              <ma14:wrappingTextBoxFlag xmlns:ma14="http://schemas.microsoft.com/office/mac/drawingml/2011/main" xmlns:a14="http://schemas.microsoft.com/office/drawing/2010/main" xmlns:m="http://schemas.openxmlformats.org/officeDocument/2006/math" xmlns="" val="1"/>
             </a:ext>
           </a:extLst>
         </p:spPr>
@@ -8977,7 +8979,7 @@
           </a:ln>
           <a:extLst>
             <a:ext uri="{C572A759-6A51-4108-AA02-DFA0A04FC94B}">
-              <ma14:wrappingTextBoxFlag xmlns="" xmlns:m="http://schemas.openxmlformats.org/officeDocument/2006/math" xmlns:a14="http://schemas.microsoft.com/office/drawing/2010/main" xmlns:ma14="http://schemas.microsoft.com/office/mac/drawingml/2011/main" val="1"/>
+              <ma14:wrappingTextBoxFlag xmlns:ma14="http://schemas.microsoft.com/office/mac/drawingml/2011/main" xmlns:a14="http://schemas.microsoft.com/office/drawing/2010/main" xmlns:m="http://schemas.openxmlformats.org/officeDocument/2006/math" xmlns="" val="1"/>
             </a:ext>
           </a:extLst>
         </p:spPr>
@@ -9096,7 +9098,7 @@
           </a:ln>
           <a:extLst>
             <a:ext uri="{C572A759-6A51-4108-AA02-DFA0A04FC94B}">
-              <ma14:wrappingTextBoxFlag xmlns="" xmlns:m="http://schemas.openxmlformats.org/officeDocument/2006/math" xmlns:a14="http://schemas.microsoft.com/office/drawing/2010/main" xmlns:ma14="http://schemas.microsoft.com/office/mac/drawingml/2011/main" val="1"/>
+              <ma14:wrappingTextBoxFlag xmlns:ma14="http://schemas.microsoft.com/office/mac/drawingml/2011/main" xmlns:a14="http://schemas.microsoft.com/office/drawing/2010/main" xmlns:m="http://schemas.openxmlformats.org/officeDocument/2006/math" xmlns="" val="1"/>
             </a:ext>
           </a:extLst>
         </p:spPr>
@@ -9385,7 +9387,7 @@
           </a:ln>
           <a:extLst>
             <a:ext uri="{C572A759-6A51-4108-AA02-DFA0A04FC94B}">
-              <ma14:wrappingTextBoxFlag xmlns="" xmlns:m="http://schemas.openxmlformats.org/officeDocument/2006/math" xmlns:a14="http://schemas.microsoft.com/office/drawing/2010/main" xmlns:ma14="http://schemas.microsoft.com/office/mac/drawingml/2011/main" val="1"/>
+              <ma14:wrappingTextBoxFlag xmlns:ma14="http://schemas.microsoft.com/office/mac/drawingml/2011/main" xmlns:a14="http://schemas.microsoft.com/office/drawing/2010/main" xmlns:m="http://schemas.openxmlformats.org/officeDocument/2006/math" xmlns="" val="1"/>
             </a:ext>
           </a:extLst>
         </p:spPr>
@@ -9420,7 +9422,7 @@
           </a:ln>
           <a:extLst>
             <a:ext uri="{C572A759-6A51-4108-AA02-DFA0A04FC94B}">
-              <ma14:wrappingTextBoxFlag xmlns="" xmlns:m="http://schemas.openxmlformats.org/officeDocument/2006/math" xmlns:a14="http://schemas.microsoft.com/office/drawing/2010/main" xmlns:ma14="http://schemas.microsoft.com/office/mac/drawingml/2011/main" val="1"/>
+              <ma14:wrappingTextBoxFlag xmlns:ma14="http://schemas.microsoft.com/office/mac/drawingml/2011/main" xmlns:a14="http://schemas.microsoft.com/office/drawing/2010/main" xmlns:m="http://schemas.openxmlformats.org/officeDocument/2006/math" xmlns="" val="1"/>
             </a:ext>
           </a:extLst>
         </p:spPr>
@@ -9455,7 +9457,7 @@
           </a:ln>
           <a:extLst>
             <a:ext uri="{C572A759-6A51-4108-AA02-DFA0A04FC94B}">
-              <ma14:wrappingTextBoxFlag xmlns="" xmlns:m="http://schemas.openxmlformats.org/officeDocument/2006/math" xmlns:a14="http://schemas.microsoft.com/office/drawing/2010/main" xmlns:ma14="http://schemas.microsoft.com/office/mac/drawingml/2011/main" val="1"/>
+              <ma14:wrappingTextBoxFlag xmlns:ma14="http://schemas.microsoft.com/office/mac/drawingml/2011/main" xmlns:a14="http://schemas.microsoft.com/office/drawing/2010/main" xmlns:m="http://schemas.openxmlformats.org/officeDocument/2006/math" xmlns="" val="1"/>
             </a:ext>
           </a:extLst>
         </p:spPr>
@@ -9502,7 +9504,7 @@
           </a:ln>
           <a:extLst>
             <a:ext uri="{C572A759-6A51-4108-AA02-DFA0A04FC94B}">
-              <ma14:wrappingTextBoxFlag xmlns="" xmlns:m="http://schemas.openxmlformats.org/officeDocument/2006/math" xmlns:a14="http://schemas.microsoft.com/office/drawing/2010/main" xmlns:ma14="http://schemas.microsoft.com/office/mac/drawingml/2011/main" val="1"/>
+              <ma14:wrappingTextBoxFlag xmlns:ma14="http://schemas.microsoft.com/office/mac/drawingml/2011/main" xmlns:a14="http://schemas.microsoft.com/office/drawing/2010/main" xmlns:m="http://schemas.openxmlformats.org/officeDocument/2006/math" xmlns="" val="1"/>
             </a:ext>
           </a:extLst>
         </p:spPr>
@@ -9600,7 +9602,7 @@
           </a:ln>
           <a:extLst>
             <a:ext uri="{C572A759-6A51-4108-AA02-DFA0A04FC94B}">
-              <ma14:wrappingTextBoxFlag xmlns="" xmlns:m="http://schemas.openxmlformats.org/officeDocument/2006/math" xmlns:a14="http://schemas.microsoft.com/office/drawing/2010/main" xmlns:ma14="http://schemas.microsoft.com/office/mac/drawingml/2011/main" val="1"/>
+              <ma14:wrappingTextBoxFlag xmlns:ma14="http://schemas.microsoft.com/office/mac/drawingml/2011/main" xmlns:a14="http://schemas.microsoft.com/office/drawing/2010/main" xmlns:m="http://schemas.openxmlformats.org/officeDocument/2006/math" xmlns="" val="1"/>
             </a:ext>
           </a:extLst>
         </p:spPr>
@@ -9645,7 +9647,7 @@
           </a:ln>
           <a:extLst>
             <a:ext uri="{C572A759-6A51-4108-AA02-DFA0A04FC94B}">
-              <ma14:wrappingTextBoxFlag xmlns="" xmlns:m="http://schemas.openxmlformats.org/officeDocument/2006/math" xmlns:a14="http://schemas.microsoft.com/office/drawing/2010/main" xmlns:ma14="http://schemas.microsoft.com/office/mac/drawingml/2011/main" val="1"/>
+              <ma14:wrappingTextBoxFlag xmlns:ma14="http://schemas.microsoft.com/office/mac/drawingml/2011/main" xmlns:a14="http://schemas.microsoft.com/office/drawing/2010/main" xmlns:m="http://schemas.openxmlformats.org/officeDocument/2006/math" xmlns="" val="1"/>
             </a:ext>
           </a:extLst>
         </p:spPr>
@@ -9684,7 +9686,7 @@
           </a:ln>
           <a:extLst>
             <a:ext uri="{C572A759-6A51-4108-AA02-DFA0A04FC94B}">
-              <ma14:wrappingTextBoxFlag xmlns="" xmlns:m="http://schemas.openxmlformats.org/officeDocument/2006/math" xmlns:a14="http://schemas.microsoft.com/office/drawing/2010/main" xmlns:ma14="http://schemas.microsoft.com/office/mac/drawingml/2011/main" val="1"/>
+              <ma14:wrappingTextBoxFlag xmlns:ma14="http://schemas.microsoft.com/office/mac/drawingml/2011/main" xmlns:a14="http://schemas.microsoft.com/office/drawing/2010/main" xmlns:m="http://schemas.openxmlformats.org/officeDocument/2006/math" xmlns="" val="1"/>
             </a:ext>
           </a:extLst>
         </p:spPr>
@@ -9726,7 +9728,7 @@
           </a:ln>
           <a:extLst>
             <a:ext uri="{C572A759-6A51-4108-AA02-DFA0A04FC94B}">
-              <ma14:wrappingTextBoxFlag xmlns="" xmlns:m="http://schemas.openxmlformats.org/officeDocument/2006/math" xmlns:a14="http://schemas.microsoft.com/office/drawing/2010/main" xmlns:ma14="http://schemas.microsoft.com/office/mac/drawingml/2011/main" val="1"/>
+              <ma14:wrappingTextBoxFlag xmlns:ma14="http://schemas.microsoft.com/office/mac/drawingml/2011/main" xmlns:a14="http://schemas.microsoft.com/office/drawing/2010/main" xmlns:m="http://schemas.openxmlformats.org/officeDocument/2006/math" xmlns="" val="1"/>
             </a:ext>
           </a:extLst>
         </p:spPr>
@@ -9771,7 +9773,7 @@
           </a:ln>
           <a:extLst>
             <a:ext uri="{C572A759-6A51-4108-AA02-DFA0A04FC94B}">
-              <ma14:wrappingTextBoxFlag xmlns="" xmlns:m="http://schemas.openxmlformats.org/officeDocument/2006/math" xmlns:a14="http://schemas.microsoft.com/office/drawing/2010/main" xmlns:ma14="http://schemas.microsoft.com/office/mac/drawingml/2011/main" val="1"/>
+              <ma14:wrappingTextBoxFlag xmlns:ma14="http://schemas.microsoft.com/office/mac/drawingml/2011/main" xmlns:a14="http://schemas.microsoft.com/office/drawing/2010/main" xmlns:m="http://schemas.openxmlformats.org/officeDocument/2006/math" xmlns="" val="1"/>
             </a:ext>
           </a:extLst>
         </p:spPr>
@@ -9813,7 +9815,7 @@
           </a:ln>
           <a:extLst>
             <a:ext uri="{C572A759-6A51-4108-AA02-DFA0A04FC94B}">
-              <ma14:wrappingTextBoxFlag xmlns="" xmlns:m="http://schemas.openxmlformats.org/officeDocument/2006/math" xmlns:a14="http://schemas.microsoft.com/office/drawing/2010/main" xmlns:ma14="http://schemas.microsoft.com/office/mac/drawingml/2011/main" val="1"/>
+              <ma14:wrappingTextBoxFlag xmlns:ma14="http://schemas.microsoft.com/office/mac/drawingml/2011/main" xmlns:a14="http://schemas.microsoft.com/office/drawing/2010/main" xmlns:m="http://schemas.openxmlformats.org/officeDocument/2006/math" xmlns="" val="1"/>
             </a:ext>
           </a:extLst>
         </p:spPr>
@@ -9858,7 +9860,7 @@
           </a:ln>
           <a:extLst>
             <a:ext uri="{C572A759-6A51-4108-AA02-DFA0A04FC94B}">
-              <ma14:wrappingTextBoxFlag xmlns="" xmlns:m="http://schemas.openxmlformats.org/officeDocument/2006/math" xmlns:a14="http://schemas.microsoft.com/office/drawing/2010/main" xmlns:ma14="http://schemas.microsoft.com/office/mac/drawingml/2011/main" val="1"/>
+              <ma14:wrappingTextBoxFlag xmlns:ma14="http://schemas.microsoft.com/office/mac/drawingml/2011/main" xmlns:a14="http://schemas.microsoft.com/office/drawing/2010/main" xmlns:m="http://schemas.openxmlformats.org/officeDocument/2006/math" xmlns="" val="1"/>
             </a:ext>
           </a:extLst>
         </p:spPr>
@@ -9897,7 +9899,7 @@
           </a:ln>
           <a:extLst>
             <a:ext uri="{C572A759-6A51-4108-AA02-DFA0A04FC94B}">
-              <ma14:wrappingTextBoxFlag xmlns="" xmlns:m="http://schemas.openxmlformats.org/officeDocument/2006/math" xmlns:a14="http://schemas.microsoft.com/office/drawing/2010/main" xmlns:ma14="http://schemas.microsoft.com/office/mac/drawingml/2011/main" val="1"/>
+              <ma14:wrappingTextBoxFlag xmlns:ma14="http://schemas.microsoft.com/office/mac/drawingml/2011/main" xmlns:a14="http://schemas.microsoft.com/office/drawing/2010/main" xmlns:m="http://schemas.openxmlformats.org/officeDocument/2006/math" xmlns="" val="1"/>
             </a:ext>
           </a:extLst>
         </p:spPr>
@@ -9963,7 +9965,7 @@
           </a:ln>
           <a:extLst>
             <a:ext uri="{C572A759-6A51-4108-AA02-DFA0A04FC94B}">
-              <ma14:wrappingTextBoxFlag xmlns="" xmlns:m="http://schemas.openxmlformats.org/officeDocument/2006/math" xmlns:a14="http://schemas.microsoft.com/office/drawing/2010/main" xmlns:ma14="http://schemas.microsoft.com/office/mac/drawingml/2011/main" val="1"/>
+              <ma14:wrappingTextBoxFlag xmlns:ma14="http://schemas.microsoft.com/office/mac/drawingml/2011/main" xmlns:a14="http://schemas.microsoft.com/office/drawing/2010/main" xmlns:m="http://schemas.openxmlformats.org/officeDocument/2006/math" xmlns="" val="1"/>
             </a:ext>
           </a:extLst>
         </p:spPr>
@@ -10424,7 +10426,7 @@
           </a:ln>
           <a:extLst>
             <a:ext uri="{C572A759-6A51-4108-AA02-DFA0A04FC94B}">
-              <ma14:wrappingTextBoxFlag xmlns="" xmlns:m="http://schemas.openxmlformats.org/officeDocument/2006/math" xmlns:a14="http://schemas.microsoft.com/office/drawing/2010/main" xmlns:ma14="http://schemas.microsoft.com/office/mac/drawingml/2011/main" val="1"/>
+              <ma14:wrappingTextBoxFlag xmlns:ma14="http://schemas.microsoft.com/office/mac/drawingml/2011/main" xmlns:a14="http://schemas.microsoft.com/office/drawing/2010/main" xmlns:m="http://schemas.openxmlformats.org/officeDocument/2006/math" xmlns="" val="1"/>
             </a:ext>
           </a:extLst>
         </p:spPr>
@@ -10459,7 +10461,7 @@
           </a:ln>
           <a:extLst>
             <a:ext uri="{C572A759-6A51-4108-AA02-DFA0A04FC94B}">
-              <ma14:wrappingTextBoxFlag xmlns="" xmlns:m="http://schemas.openxmlformats.org/officeDocument/2006/math" xmlns:a14="http://schemas.microsoft.com/office/drawing/2010/main" xmlns:ma14="http://schemas.microsoft.com/office/mac/drawingml/2011/main" val="1"/>
+              <ma14:wrappingTextBoxFlag xmlns:ma14="http://schemas.microsoft.com/office/mac/drawingml/2011/main" xmlns:a14="http://schemas.microsoft.com/office/drawing/2010/main" xmlns:m="http://schemas.openxmlformats.org/officeDocument/2006/math" xmlns="" val="1"/>
             </a:ext>
           </a:extLst>
         </p:spPr>
@@ -10494,7 +10496,7 @@
           </a:ln>
           <a:extLst>
             <a:ext uri="{C572A759-6A51-4108-AA02-DFA0A04FC94B}">
-              <ma14:wrappingTextBoxFlag xmlns="" xmlns:m="http://schemas.openxmlformats.org/officeDocument/2006/math" xmlns:a14="http://schemas.microsoft.com/office/drawing/2010/main" xmlns:ma14="http://schemas.microsoft.com/office/mac/drawingml/2011/main" val="1"/>
+              <ma14:wrappingTextBoxFlag xmlns:ma14="http://schemas.microsoft.com/office/mac/drawingml/2011/main" xmlns:a14="http://schemas.microsoft.com/office/drawing/2010/main" xmlns:m="http://schemas.openxmlformats.org/officeDocument/2006/math" xmlns="" val="1"/>
             </a:ext>
           </a:extLst>
         </p:spPr>
@@ -10508,10 +10510,11 @@
               <a:defRPr b="0"/>
             </a:pPr>
             <a:r>
+              <a:rPr dirty="0"/>
               <a:t>address: </a:t>
             </a:r>
             <a:r>
-              <a:rPr>
+              <a:rPr dirty="0">
                 <a:latin typeface="Courier"/>
                 <a:ea typeface="Courier"/>
                 <a:cs typeface="Courier"/>
@@ -10541,7 +10544,7 @@
           </a:ln>
           <a:extLst>
             <a:ext uri="{C572A759-6A51-4108-AA02-DFA0A04FC94B}">
-              <ma14:wrappingTextBoxFlag xmlns="" xmlns:m="http://schemas.openxmlformats.org/officeDocument/2006/math" xmlns:a14="http://schemas.microsoft.com/office/drawing/2010/main" xmlns:ma14="http://schemas.microsoft.com/office/mac/drawingml/2011/main" val="1"/>
+              <ma14:wrappingTextBoxFlag xmlns:ma14="http://schemas.microsoft.com/office/mac/drawingml/2011/main" xmlns:a14="http://schemas.microsoft.com/office/drawing/2010/main" xmlns:m="http://schemas.openxmlformats.org/officeDocument/2006/math" xmlns="" val="1"/>
             </a:ext>
           </a:extLst>
         </p:spPr>
@@ -10625,7 +10628,7 @@
           </a:ln>
           <a:extLst>
             <a:ext uri="{C572A759-6A51-4108-AA02-DFA0A04FC94B}">
-              <ma14:wrappingTextBoxFlag xmlns="" xmlns:m="http://schemas.openxmlformats.org/officeDocument/2006/math" xmlns:a14="http://schemas.microsoft.com/office/drawing/2010/main" xmlns:ma14="http://schemas.microsoft.com/office/mac/drawingml/2011/main" val="1"/>
+              <ma14:wrappingTextBoxFlag xmlns:ma14="http://schemas.microsoft.com/office/mac/drawingml/2011/main" xmlns:a14="http://schemas.microsoft.com/office/drawing/2010/main" xmlns:m="http://schemas.openxmlformats.org/officeDocument/2006/math" xmlns="" val="1"/>
             </a:ext>
           </a:extLst>
         </p:spPr>
@@ -10670,7 +10673,7 @@
           </a:ln>
           <a:extLst>
             <a:ext uri="{C572A759-6A51-4108-AA02-DFA0A04FC94B}">
-              <ma14:wrappingTextBoxFlag xmlns="" xmlns:m="http://schemas.openxmlformats.org/officeDocument/2006/math" xmlns:a14="http://schemas.microsoft.com/office/drawing/2010/main" xmlns:ma14="http://schemas.microsoft.com/office/mac/drawingml/2011/main" val="1"/>
+              <ma14:wrappingTextBoxFlag xmlns:ma14="http://schemas.microsoft.com/office/mac/drawingml/2011/main" xmlns:a14="http://schemas.microsoft.com/office/drawing/2010/main" xmlns:m="http://schemas.openxmlformats.org/officeDocument/2006/math" xmlns="" val="1"/>
             </a:ext>
           </a:extLst>
         </p:spPr>
@@ -10709,7 +10712,7 @@
           </a:ln>
           <a:extLst>
             <a:ext uri="{C572A759-6A51-4108-AA02-DFA0A04FC94B}">
-              <ma14:wrappingTextBoxFlag xmlns="" xmlns:m="http://schemas.openxmlformats.org/officeDocument/2006/math" xmlns:a14="http://schemas.microsoft.com/office/drawing/2010/main" xmlns:ma14="http://schemas.microsoft.com/office/mac/drawingml/2011/main" val="1"/>
+              <ma14:wrappingTextBoxFlag xmlns:ma14="http://schemas.microsoft.com/office/mac/drawingml/2011/main" xmlns:a14="http://schemas.microsoft.com/office/drawing/2010/main" xmlns:m="http://schemas.openxmlformats.org/officeDocument/2006/math" xmlns="" val="1"/>
             </a:ext>
           </a:extLst>
         </p:spPr>
@@ -10751,7 +10754,7 @@
           </a:ln>
           <a:extLst>
             <a:ext uri="{C572A759-6A51-4108-AA02-DFA0A04FC94B}">
-              <ma14:wrappingTextBoxFlag xmlns="" xmlns:m="http://schemas.openxmlformats.org/officeDocument/2006/math" xmlns:a14="http://schemas.microsoft.com/office/drawing/2010/main" xmlns:ma14="http://schemas.microsoft.com/office/mac/drawingml/2011/main" val="1"/>
+              <ma14:wrappingTextBoxFlag xmlns:ma14="http://schemas.microsoft.com/office/mac/drawingml/2011/main" xmlns:a14="http://schemas.microsoft.com/office/drawing/2010/main" xmlns:m="http://schemas.openxmlformats.org/officeDocument/2006/math" xmlns="" val="1"/>
             </a:ext>
           </a:extLst>
         </p:spPr>
@@ -10796,7 +10799,7 @@
           </a:ln>
           <a:extLst>
             <a:ext uri="{C572A759-6A51-4108-AA02-DFA0A04FC94B}">
-              <ma14:wrappingTextBoxFlag xmlns="" xmlns:m="http://schemas.openxmlformats.org/officeDocument/2006/math" xmlns:a14="http://schemas.microsoft.com/office/drawing/2010/main" xmlns:ma14="http://schemas.microsoft.com/office/mac/drawingml/2011/main" val="1"/>
+              <ma14:wrappingTextBoxFlag xmlns:ma14="http://schemas.microsoft.com/office/mac/drawingml/2011/main" xmlns:a14="http://schemas.microsoft.com/office/drawing/2010/main" xmlns:m="http://schemas.openxmlformats.org/officeDocument/2006/math" xmlns="" val="1"/>
             </a:ext>
           </a:extLst>
         </p:spPr>
@@ -10838,7 +10841,7 @@
           </a:ln>
           <a:extLst>
             <a:ext uri="{C572A759-6A51-4108-AA02-DFA0A04FC94B}">
-              <ma14:wrappingTextBoxFlag xmlns="" xmlns:m="http://schemas.openxmlformats.org/officeDocument/2006/math" xmlns:a14="http://schemas.microsoft.com/office/drawing/2010/main" xmlns:ma14="http://schemas.microsoft.com/office/mac/drawingml/2011/main" val="1"/>
+              <ma14:wrappingTextBoxFlag xmlns:ma14="http://schemas.microsoft.com/office/mac/drawingml/2011/main" xmlns:a14="http://schemas.microsoft.com/office/drawing/2010/main" xmlns:m="http://schemas.openxmlformats.org/officeDocument/2006/math" xmlns="" val="1"/>
             </a:ext>
           </a:extLst>
         </p:spPr>
@@ -10883,7 +10886,7 @@
           </a:ln>
           <a:extLst>
             <a:ext uri="{C572A759-6A51-4108-AA02-DFA0A04FC94B}">
-              <ma14:wrappingTextBoxFlag xmlns="" xmlns:m="http://schemas.openxmlformats.org/officeDocument/2006/math" xmlns:a14="http://schemas.microsoft.com/office/drawing/2010/main" xmlns:ma14="http://schemas.microsoft.com/office/mac/drawingml/2011/main" val="1"/>
+              <ma14:wrappingTextBoxFlag xmlns:ma14="http://schemas.microsoft.com/office/mac/drawingml/2011/main" xmlns:a14="http://schemas.microsoft.com/office/drawing/2010/main" xmlns:m="http://schemas.openxmlformats.org/officeDocument/2006/math" xmlns="" val="1"/>
             </a:ext>
           </a:extLst>
         </p:spPr>
@@ -10922,7 +10925,7 @@
           </a:ln>
           <a:extLst>
             <a:ext uri="{C572A759-6A51-4108-AA02-DFA0A04FC94B}">
-              <ma14:wrappingTextBoxFlag xmlns="" xmlns:m="http://schemas.openxmlformats.org/officeDocument/2006/math" xmlns:a14="http://schemas.microsoft.com/office/drawing/2010/main" xmlns:ma14="http://schemas.microsoft.com/office/mac/drawingml/2011/main" val="1"/>
+              <ma14:wrappingTextBoxFlag xmlns:ma14="http://schemas.microsoft.com/office/mac/drawingml/2011/main" xmlns:a14="http://schemas.microsoft.com/office/drawing/2010/main" xmlns:m="http://schemas.openxmlformats.org/officeDocument/2006/math" xmlns="" val="1"/>
             </a:ext>
           </a:extLst>
         </p:spPr>
@@ -10988,7 +10991,7 @@
           </a:ln>
           <a:extLst>
             <a:ext uri="{C572A759-6A51-4108-AA02-DFA0A04FC94B}">
-              <ma14:wrappingTextBoxFlag xmlns="" xmlns:m="http://schemas.openxmlformats.org/officeDocument/2006/math" xmlns:a14="http://schemas.microsoft.com/office/drawing/2010/main" xmlns:ma14="http://schemas.microsoft.com/office/mac/drawingml/2011/main" val="1"/>
+              <ma14:wrappingTextBoxFlag xmlns:ma14="http://schemas.microsoft.com/office/mac/drawingml/2011/main" xmlns:a14="http://schemas.microsoft.com/office/drawing/2010/main" xmlns:m="http://schemas.openxmlformats.org/officeDocument/2006/math" xmlns="" val="1"/>
             </a:ext>
           </a:extLst>
         </p:spPr>
@@ -11206,7 +11209,7 @@
           </a:ln>
           <a:extLst>
             <a:ext uri="{C572A759-6A51-4108-AA02-DFA0A04FC94B}">
-              <ma14:wrappingTextBoxFlag xmlns="" xmlns:m="http://schemas.openxmlformats.org/officeDocument/2006/math" xmlns:a14="http://schemas.microsoft.com/office/drawing/2010/main" xmlns:ma14="http://schemas.microsoft.com/office/mac/drawingml/2011/main" val="1"/>
+              <ma14:wrappingTextBoxFlag xmlns:ma14="http://schemas.microsoft.com/office/mac/drawingml/2011/main" xmlns:a14="http://schemas.microsoft.com/office/drawing/2010/main" xmlns:m="http://schemas.openxmlformats.org/officeDocument/2006/math" xmlns="" val="1"/>
             </a:ext>
           </a:extLst>
         </p:spPr>
@@ -11245,7 +11248,7 @@
           </a:ln>
           <a:extLst>
             <a:ext uri="{C572A759-6A51-4108-AA02-DFA0A04FC94B}">
-              <ma14:wrappingTextBoxFlag xmlns="" xmlns:m="http://schemas.openxmlformats.org/officeDocument/2006/math" xmlns:a14="http://schemas.microsoft.com/office/drawing/2010/main" xmlns:ma14="http://schemas.microsoft.com/office/mac/drawingml/2011/main" val="1"/>
+              <ma14:wrappingTextBoxFlag xmlns:ma14="http://schemas.microsoft.com/office/mac/drawingml/2011/main" xmlns:a14="http://schemas.microsoft.com/office/drawing/2010/main" xmlns:m="http://schemas.openxmlformats.org/officeDocument/2006/math" xmlns="" val="1"/>
             </a:ext>
           </a:extLst>
         </p:spPr>
@@ -11284,7 +11287,7 @@
           </a:ln>
           <a:extLst>
             <a:ext uri="{C572A759-6A51-4108-AA02-DFA0A04FC94B}">
-              <ma14:wrappingTextBoxFlag xmlns="" xmlns:m="http://schemas.openxmlformats.org/officeDocument/2006/math" xmlns:a14="http://schemas.microsoft.com/office/drawing/2010/main" xmlns:ma14="http://schemas.microsoft.com/office/mac/drawingml/2011/main" val="1"/>
+              <ma14:wrappingTextBoxFlag xmlns:ma14="http://schemas.microsoft.com/office/mac/drawingml/2011/main" xmlns:a14="http://schemas.microsoft.com/office/drawing/2010/main" xmlns:m="http://schemas.openxmlformats.org/officeDocument/2006/math" xmlns="" val="1"/>
             </a:ext>
           </a:extLst>
         </p:spPr>
@@ -11323,7 +11326,7 @@
           </a:ln>
           <a:extLst>
             <a:ext uri="{C572A759-6A51-4108-AA02-DFA0A04FC94B}">
-              <ma14:wrappingTextBoxFlag xmlns="" xmlns:m="http://schemas.openxmlformats.org/officeDocument/2006/math" xmlns:a14="http://schemas.microsoft.com/office/drawing/2010/main" xmlns:ma14="http://schemas.microsoft.com/office/mac/drawingml/2011/main" val="1"/>
+              <ma14:wrappingTextBoxFlag xmlns:ma14="http://schemas.microsoft.com/office/mac/drawingml/2011/main" xmlns:a14="http://schemas.microsoft.com/office/drawing/2010/main" xmlns:m="http://schemas.openxmlformats.org/officeDocument/2006/math" xmlns="" val="1"/>
             </a:ext>
           </a:extLst>
         </p:spPr>
@@ -11605,7 +11608,7 @@
           </a:ln>
           <a:extLst>
             <a:ext uri="{C572A759-6A51-4108-AA02-DFA0A04FC94B}">
-              <ma14:wrappingTextBoxFlag xmlns="" xmlns:m="http://schemas.openxmlformats.org/officeDocument/2006/math" xmlns:a14="http://schemas.microsoft.com/office/drawing/2010/main" xmlns:ma14="http://schemas.microsoft.com/office/mac/drawingml/2011/main" val="1"/>
+              <ma14:wrappingTextBoxFlag xmlns:ma14="http://schemas.microsoft.com/office/mac/drawingml/2011/main" xmlns:a14="http://schemas.microsoft.com/office/drawing/2010/main" xmlns:m="http://schemas.openxmlformats.org/officeDocument/2006/math" xmlns="" val="1"/>
             </a:ext>
           </a:extLst>
         </p:spPr>
@@ -11640,7 +11643,7 @@
           </a:ln>
           <a:extLst>
             <a:ext uri="{C572A759-6A51-4108-AA02-DFA0A04FC94B}">
-              <ma14:wrappingTextBoxFlag xmlns="" xmlns:m="http://schemas.openxmlformats.org/officeDocument/2006/math" xmlns:a14="http://schemas.microsoft.com/office/drawing/2010/main" xmlns:ma14="http://schemas.microsoft.com/office/mac/drawingml/2011/main" val="1"/>
+              <ma14:wrappingTextBoxFlag xmlns:ma14="http://schemas.microsoft.com/office/mac/drawingml/2011/main" xmlns:a14="http://schemas.microsoft.com/office/drawing/2010/main" xmlns:m="http://schemas.openxmlformats.org/officeDocument/2006/math" xmlns="" val="1"/>
             </a:ext>
           </a:extLst>
         </p:spPr>
@@ -11675,7 +11678,7 @@
           </a:ln>
           <a:extLst>
             <a:ext uri="{C572A759-6A51-4108-AA02-DFA0A04FC94B}">
-              <ma14:wrappingTextBoxFlag xmlns="" xmlns:m="http://schemas.openxmlformats.org/officeDocument/2006/math" xmlns:a14="http://schemas.microsoft.com/office/drawing/2010/main" xmlns:ma14="http://schemas.microsoft.com/office/mac/drawingml/2011/main" val="1"/>
+              <ma14:wrappingTextBoxFlag xmlns:ma14="http://schemas.microsoft.com/office/mac/drawingml/2011/main" xmlns:a14="http://schemas.microsoft.com/office/drawing/2010/main" xmlns:m="http://schemas.openxmlformats.org/officeDocument/2006/math" xmlns="" val="1"/>
             </a:ext>
           </a:extLst>
         </p:spPr>
@@ -11722,7 +11725,7 @@
           </a:ln>
           <a:extLst>
             <a:ext uri="{C572A759-6A51-4108-AA02-DFA0A04FC94B}">
-              <ma14:wrappingTextBoxFlag xmlns="" xmlns:m="http://schemas.openxmlformats.org/officeDocument/2006/math" xmlns:a14="http://schemas.microsoft.com/office/drawing/2010/main" xmlns:ma14="http://schemas.microsoft.com/office/mac/drawingml/2011/main" val="1"/>
+              <ma14:wrappingTextBoxFlag xmlns:ma14="http://schemas.microsoft.com/office/mac/drawingml/2011/main" xmlns:a14="http://schemas.microsoft.com/office/drawing/2010/main" xmlns:m="http://schemas.openxmlformats.org/officeDocument/2006/math" xmlns="" val="1"/>
             </a:ext>
           </a:extLst>
         </p:spPr>
@@ -11806,7 +11809,7 @@
           </a:ln>
           <a:extLst>
             <a:ext uri="{C572A759-6A51-4108-AA02-DFA0A04FC94B}">
-              <ma14:wrappingTextBoxFlag xmlns="" xmlns:m="http://schemas.openxmlformats.org/officeDocument/2006/math" xmlns:a14="http://schemas.microsoft.com/office/drawing/2010/main" xmlns:ma14="http://schemas.microsoft.com/office/mac/drawingml/2011/main" val="1"/>
+              <ma14:wrappingTextBoxFlag xmlns:ma14="http://schemas.microsoft.com/office/mac/drawingml/2011/main" xmlns:a14="http://schemas.microsoft.com/office/drawing/2010/main" xmlns:m="http://schemas.openxmlformats.org/officeDocument/2006/math" xmlns="" val="1"/>
             </a:ext>
           </a:extLst>
         </p:spPr>
@@ -11851,7 +11854,7 @@
           </a:ln>
           <a:extLst>
             <a:ext uri="{C572A759-6A51-4108-AA02-DFA0A04FC94B}">
-              <ma14:wrappingTextBoxFlag xmlns="" xmlns:m="http://schemas.openxmlformats.org/officeDocument/2006/math" xmlns:a14="http://schemas.microsoft.com/office/drawing/2010/main" xmlns:ma14="http://schemas.microsoft.com/office/mac/drawingml/2011/main" val="1"/>
+              <ma14:wrappingTextBoxFlag xmlns:ma14="http://schemas.microsoft.com/office/mac/drawingml/2011/main" xmlns:a14="http://schemas.microsoft.com/office/drawing/2010/main" xmlns:m="http://schemas.openxmlformats.org/officeDocument/2006/math" xmlns="" val="1"/>
             </a:ext>
           </a:extLst>
         </p:spPr>
@@ -11890,7 +11893,7 @@
           </a:ln>
           <a:extLst>
             <a:ext uri="{C572A759-6A51-4108-AA02-DFA0A04FC94B}">
-              <ma14:wrappingTextBoxFlag xmlns="" xmlns:m="http://schemas.openxmlformats.org/officeDocument/2006/math" xmlns:a14="http://schemas.microsoft.com/office/drawing/2010/main" xmlns:ma14="http://schemas.microsoft.com/office/mac/drawingml/2011/main" val="1"/>
+              <ma14:wrappingTextBoxFlag xmlns:ma14="http://schemas.microsoft.com/office/mac/drawingml/2011/main" xmlns:a14="http://schemas.microsoft.com/office/drawing/2010/main" xmlns:m="http://schemas.openxmlformats.org/officeDocument/2006/math" xmlns="" val="1"/>
             </a:ext>
           </a:extLst>
         </p:spPr>
@@ -11932,7 +11935,7 @@
           </a:ln>
           <a:extLst>
             <a:ext uri="{C572A759-6A51-4108-AA02-DFA0A04FC94B}">
-              <ma14:wrappingTextBoxFlag xmlns="" xmlns:m="http://schemas.openxmlformats.org/officeDocument/2006/math" xmlns:a14="http://schemas.microsoft.com/office/drawing/2010/main" xmlns:ma14="http://schemas.microsoft.com/office/mac/drawingml/2011/main" val="1"/>
+              <ma14:wrappingTextBoxFlag xmlns:ma14="http://schemas.microsoft.com/office/mac/drawingml/2011/main" xmlns:a14="http://schemas.microsoft.com/office/drawing/2010/main" xmlns:m="http://schemas.openxmlformats.org/officeDocument/2006/math" xmlns="" val="1"/>
             </a:ext>
           </a:extLst>
         </p:spPr>
@@ -11977,7 +11980,7 @@
           </a:ln>
           <a:extLst>
             <a:ext uri="{C572A759-6A51-4108-AA02-DFA0A04FC94B}">
-              <ma14:wrappingTextBoxFlag xmlns="" xmlns:m="http://schemas.openxmlformats.org/officeDocument/2006/math" xmlns:a14="http://schemas.microsoft.com/office/drawing/2010/main" xmlns:ma14="http://schemas.microsoft.com/office/mac/drawingml/2011/main" val="1"/>
+              <ma14:wrappingTextBoxFlag xmlns:ma14="http://schemas.microsoft.com/office/mac/drawingml/2011/main" xmlns:a14="http://schemas.microsoft.com/office/drawing/2010/main" xmlns:m="http://schemas.openxmlformats.org/officeDocument/2006/math" xmlns="" val="1"/>
             </a:ext>
           </a:extLst>
         </p:spPr>
@@ -12019,7 +12022,7 @@
           </a:ln>
           <a:extLst>
             <a:ext uri="{C572A759-6A51-4108-AA02-DFA0A04FC94B}">
-              <ma14:wrappingTextBoxFlag xmlns="" xmlns:m="http://schemas.openxmlformats.org/officeDocument/2006/math" xmlns:a14="http://schemas.microsoft.com/office/drawing/2010/main" xmlns:ma14="http://schemas.microsoft.com/office/mac/drawingml/2011/main" val="1"/>
+              <ma14:wrappingTextBoxFlag xmlns:ma14="http://schemas.microsoft.com/office/mac/drawingml/2011/main" xmlns:a14="http://schemas.microsoft.com/office/drawing/2010/main" xmlns:m="http://schemas.openxmlformats.org/officeDocument/2006/math" xmlns="" val="1"/>
             </a:ext>
           </a:extLst>
         </p:spPr>
@@ -12064,7 +12067,7 @@
           </a:ln>
           <a:extLst>
             <a:ext uri="{C572A759-6A51-4108-AA02-DFA0A04FC94B}">
-              <ma14:wrappingTextBoxFlag xmlns="" xmlns:m="http://schemas.openxmlformats.org/officeDocument/2006/math" xmlns:a14="http://schemas.microsoft.com/office/drawing/2010/main" xmlns:ma14="http://schemas.microsoft.com/office/mac/drawingml/2011/main" val="1"/>
+              <ma14:wrappingTextBoxFlag xmlns:ma14="http://schemas.microsoft.com/office/mac/drawingml/2011/main" xmlns:a14="http://schemas.microsoft.com/office/drawing/2010/main" xmlns:m="http://schemas.openxmlformats.org/officeDocument/2006/math" xmlns="" val="1"/>
             </a:ext>
           </a:extLst>
         </p:spPr>
@@ -12103,7 +12106,7 @@
           </a:ln>
           <a:extLst>
             <a:ext uri="{C572A759-6A51-4108-AA02-DFA0A04FC94B}">
-              <ma14:wrappingTextBoxFlag xmlns="" xmlns:m="http://schemas.openxmlformats.org/officeDocument/2006/math" xmlns:a14="http://schemas.microsoft.com/office/drawing/2010/main" xmlns:ma14="http://schemas.microsoft.com/office/mac/drawingml/2011/main" val="1"/>
+              <ma14:wrappingTextBoxFlag xmlns:ma14="http://schemas.microsoft.com/office/mac/drawingml/2011/main" xmlns:a14="http://schemas.microsoft.com/office/drawing/2010/main" xmlns:m="http://schemas.openxmlformats.org/officeDocument/2006/math" xmlns="" val="1"/>
             </a:ext>
           </a:extLst>
         </p:spPr>
@@ -12169,7 +12172,7 @@
           </a:ln>
           <a:extLst>
             <a:ext uri="{C572A759-6A51-4108-AA02-DFA0A04FC94B}">
-              <ma14:wrappingTextBoxFlag xmlns="" xmlns:m="http://schemas.openxmlformats.org/officeDocument/2006/math" xmlns:a14="http://schemas.microsoft.com/office/drawing/2010/main" xmlns:ma14="http://schemas.microsoft.com/office/mac/drawingml/2011/main" val="1"/>
+              <ma14:wrappingTextBoxFlag xmlns:ma14="http://schemas.microsoft.com/office/mac/drawingml/2011/main" xmlns:a14="http://schemas.microsoft.com/office/drawing/2010/main" xmlns:m="http://schemas.openxmlformats.org/officeDocument/2006/math" xmlns="" val="1"/>
             </a:ext>
           </a:extLst>
         </p:spPr>
@@ -12274,7 +12277,7 @@
           </a:ln>
           <a:extLst>
             <a:ext uri="{C572A759-6A51-4108-AA02-DFA0A04FC94B}">
-              <ma14:wrappingTextBoxFlag xmlns="" xmlns:m="http://schemas.openxmlformats.org/officeDocument/2006/math" xmlns:a14="http://schemas.microsoft.com/office/drawing/2010/main" xmlns:ma14="http://schemas.microsoft.com/office/mac/drawingml/2011/main" val="1"/>
+              <ma14:wrappingTextBoxFlag xmlns:ma14="http://schemas.microsoft.com/office/mac/drawingml/2011/main" xmlns:a14="http://schemas.microsoft.com/office/drawing/2010/main" xmlns:m="http://schemas.openxmlformats.org/officeDocument/2006/math" xmlns="" val="1"/>
             </a:ext>
           </a:extLst>
         </p:spPr>
@@ -12321,7 +12324,7 @@
           </a:ln>
           <a:extLst>
             <a:ext uri="{C572A759-6A51-4108-AA02-DFA0A04FC94B}">
-              <ma14:wrappingTextBoxFlag xmlns="" xmlns:m="http://schemas.openxmlformats.org/officeDocument/2006/math" xmlns:a14="http://schemas.microsoft.com/office/drawing/2010/main" xmlns:ma14="http://schemas.microsoft.com/office/mac/drawingml/2011/main" val="1"/>
+              <ma14:wrappingTextBoxFlag xmlns:ma14="http://schemas.microsoft.com/office/mac/drawingml/2011/main" xmlns:a14="http://schemas.microsoft.com/office/drawing/2010/main" xmlns:m="http://schemas.openxmlformats.org/officeDocument/2006/math" xmlns="" val="1"/>
             </a:ext>
           </a:extLst>
         </p:spPr>
@@ -12360,7 +12363,7 @@
           </a:ln>
           <a:extLst>
             <a:ext uri="{C572A759-6A51-4108-AA02-DFA0A04FC94B}">
-              <ma14:wrappingTextBoxFlag xmlns="" xmlns:m="http://schemas.openxmlformats.org/officeDocument/2006/math" xmlns:a14="http://schemas.microsoft.com/office/drawing/2010/main" xmlns:ma14="http://schemas.microsoft.com/office/mac/drawingml/2011/main" val="1"/>
+              <ma14:wrappingTextBoxFlag xmlns:ma14="http://schemas.microsoft.com/office/mac/drawingml/2011/main" xmlns:a14="http://schemas.microsoft.com/office/drawing/2010/main" xmlns:m="http://schemas.openxmlformats.org/officeDocument/2006/math" xmlns="" val="1"/>
             </a:ext>
           </a:extLst>
         </p:spPr>
@@ -12642,7 +12645,7 @@
           </a:ln>
           <a:extLst>
             <a:ext uri="{C572A759-6A51-4108-AA02-DFA0A04FC94B}">
-              <ma14:wrappingTextBoxFlag xmlns="" xmlns:m="http://schemas.openxmlformats.org/officeDocument/2006/math" xmlns:a14="http://schemas.microsoft.com/office/drawing/2010/main" xmlns:ma14="http://schemas.microsoft.com/office/mac/drawingml/2011/main" val="1"/>
+              <ma14:wrappingTextBoxFlag xmlns:ma14="http://schemas.microsoft.com/office/mac/drawingml/2011/main" xmlns:a14="http://schemas.microsoft.com/office/drawing/2010/main" xmlns:m="http://schemas.openxmlformats.org/officeDocument/2006/math" xmlns="" val="1"/>
             </a:ext>
           </a:extLst>
         </p:spPr>
@@ -12677,7 +12680,7 @@
           </a:ln>
           <a:extLst>
             <a:ext uri="{C572A759-6A51-4108-AA02-DFA0A04FC94B}">
-              <ma14:wrappingTextBoxFlag xmlns="" xmlns:m="http://schemas.openxmlformats.org/officeDocument/2006/math" xmlns:a14="http://schemas.microsoft.com/office/drawing/2010/main" xmlns:ma14="http://schemas.microsoft.com/office/mac/drawingml/2011/main" val="1"/>
+              <ma14:wrappingTextBoxFlag xmlns:ma14="http://schemas.microsoft.com/office/mac/drawingml/2011/main" xmlns:a14="http://schemas.microsoft.com/office/drawing/2010/main" xmlns:m="http://schemas.openxmlformats.org/officeDocument/2006/math" xmlns="" val="1"/>
             </a:ext>
           </a:extLst>
         </p:spPr>
@@ -12712,7 +12715,7 @@
           </a:ln>
           <a:extLst>
             <a:ext uri="{C572A759-6A51-4108-AA02-DFA0A04FC94B}">
-              <ma14:wrappingTextBoxFlag xmlns="" xmlns:m="http://schemas.openxmlformats.org/officeDocument/2006/math" xmlns:a14="http://schemas.microsoft.com/office/drawing/2010/main" xmlns:ma14="http://schemas.microsoft.com/office/mac/drawingml/2011/main" val="1"/>
+              <ma14:wrappingTextBoxFlag xmlns:ma14="http://schemas.microsoft.com/office/mac/drawingml/2011/main" xmlns:a14="http://schemas.microsoft.com/office/drawing/2010/main" xmlns:m="http://schemas.openxmlformats.org/officeDocument/2006/math" xmlns="" val="1"/>
             </a:ext>
           </a:extLst>
         </p:spPr>
@@ -12759,7 +12762,7 @@
           </a:ln>
           <a:extLst>
             <a:ext uri="{C572A759-6A51-4108-AA02-DFA0A04FC94B}">
-              <ma14:wrappingTextBoxFlag xmlns="" xmlns:m="http://schemas.openxmlformats.org/officeDocument/2006/math" xmlns:a14="http://schemas.microsoft.com/office/drawing/2010/main" xmlns:ma14="http://schemas.microsoft.com/office/mac/drawingml/2011/main" val="1"/>
+              <ma14:wrappingTextBoxFlag xmlns:ma14="http://schemas.microsoft.com/office/mac/drawingml/2011/main" xmlns:a14="http://schemas.microsoft.com/office/drawing/2010/main" xmlns:m="http://schemas.openxmlformats.org/officeDocument/2006/math" xmlns="" val="1"/>
             </a:ext>
           </a:extLst>
         </p:spPr>
@@ -12843,7 +12846,7 @@
           </a:ln>
           <a:extLst>
             <a:ext uri="{C572A759-6A51-4108-AA02-DFA0A04FC94B}">
-              <ma14:wrappingTextBoxFlag xmlns="" xmlns:m="http://schemas.openxmlformats.org/officeDocument/2006/math" xmlns:a14="http://schemas.microsoft.com/office/drawing/2010/main" xmlns:ma14="http://schemas.microsoft.com/office/mac/drawingml/2011/main" val="1"/>
+              <ma14:wrappingTextBoxFlag xmlns:ma14="http://schemas.microsoft.com/office/mac/drawingml/2011/main" xmlns:a14="http://schemas.microsoft.com/office/drawing/2010/main" xmlns:m="http://schemas.openxmlformats.org/officeDocument/2006/math" xmlns="" val="1"/>
             </a:ext>
           </a:extLst>
         </p:spPr>
@@ -12888,7 +12891,7 @@
           </a:ln>
           <a:extLst>
             <a:ext uri="{C572A759-6A51-4108-AA02-DFA0A04FC94B}">
-              <ma14:wrappingTextBoxFlag xmlns="" xmlns:m="http://schemas.openxmlformats.org/officeDocument/2006/math" xmlns:a14="http://schemas.microsoft.com/office/drawing/2010/main" xmlns:ma14="http://schemas.microsoft.com/office/mac/drawingml/2011/main" val="1"/>
+              <ma14:wrappingTextBoxFlag xmlns:ma14="http://schemas.microsoft.com/office/mac/drawingml/2011/main" xmlns:a14="http://schemas.microsoft.com/office/drawing/2010/main" xmlns:m="http://schemas.openxmlformats.org/officeDocument/2006/math" xmlns="" val="1"/>
             </a:ext>
           </a:extLst>
         </p:spPr>
@@ -12927,7 +12930,7 @@
           </a:ln>
           <a:extLst>
             <a:ext uri="{C572A759-6A51-4108-AA02-DFA0A04FC94B}">
-              <ma14:wrappingTextBoxFlag xmlns="" xmlns:m="http://schemas.openxmlformats.org/officeDocument/2006/math" xmlns:a14="http://schemas.microsoft.com/office/drawing/2010/main" xmlns:ma14="http://schemas.microsoft.com/office/mac/drawingml/2011/main" val="1"/>
+              <ma14:wrappingTextBoxFlag xmlns:ma14="http://schemas.microsoft.com/office/mac/drawingml/2011/main" xmlns:a14="http://schemas.microsoft.com/office/drawing/2010/main" xmlns:m="http://schemas.openxmlformats.org/officeDocument/2006/math" xmlns="" val="1"/>
             </a:ext>
           </a:extLst>
         </p:spPr>
@@ -12969,7 +12972,7 @@
           </a:ln>
           <a:extLst>
             <a:ext uri="{C572A759-6A51-4108-AA02-DFA0A04FC94B}">
-              <ma14:wrappingTextBoxFlag xmlns="" xmlns:m="http://schemas.openxmlformats.org/officeDocument/2006/math" xmlns:a14="http://schemas.microsoft.com/office/drawing/2010/main" xmlns:ma14="http://schemas.microsoft.com/office/mac/drawingml/2011/main" val="1"/>
+              <ma14:wrappingTextBoxFlag xmlns:ma14="http://schemas.microsoft.com/office/mac/drawingml/2011/main" xmlns:a14="http://schemas.microsoft.com/office/drawing/2010/main" xmlns:m="http://schemas.openxmlformats.org/officeDocument/2006/math" xmlns="" val="1"/>
             </a:ext>
           </a:extLst>
         </p:spPr>
@@ -13014,7 +13017,7 @@
           </a:ln>
           <a:extLst>
             <a:ext uri="{C572A759-6A51-4108-AA02-DFA0A04FC94B}">
-              <ma14:wrappingTextBoxFlag xmlns="" xmlns:m="http://schemas.openxmlformats.org/officeDocument/2006/math" xmlns:a14="http://schemas.microsoft.com/office/drawing/2010/main" xmlns:ma14="http://schemas.microsoft.com/office/mac/drawingml/2011/main" val="1"/>
+              <ma14:wrappingTextBoxFlag xmlns:ma14="http://schemas.microsoft.com/office/mac/drawingml/2011/main" xmlns:a14="http://schemas.microsoft.com/office/drawing/2010/main" xmlns:m="http://schemas.openxmlformats.org/officeDocument/2006/math" xmlns="" val="1"/>
             </a:ext>
           </a:extLst>
         </p:spPr>
@@ -13056,7 +13059,7 @@
           </a:ln>
           <a:extLst>
             <a:ext uri="{C572A759-6A51-4108-AA02-DFA0A04FC94B}">
-              <ma14:wrappingTextBoxFlag xmlns="" xmlns:m="http://schemas.openxmlformats.org/officeDocument/2006/math" xmlns:a14="http://schemas.microsoft.com/office/drawing/2010/main" xmlns:ma14="http://schemas.microsoft.com/office/mac/drawingml/2011/main" val="1"/>
+              <ma14:wrappingTextBoxFlag xmlns:ma14="http://schemas.microsoft.com/office/mac/drawingml/2011/main" xmlns:a14="http://schemas.microsoft.com/office/drawing/2010/main" xmlns:m="http://schemas.openxmlformats.org/officeDocument/2006/math" xmlns="" val="1"/>
             </a:ext>
           </a:extLst>
         </p:spPr>
@@ -13101,7 +13104,7 @@
           </a:ln>
           <a:extLst>
             <a:ext uri="{C572A759-6A51-4108-AA02-DFA0A04FC94B}">
-              <ma14:wrappingTextBoxFlag xmlns="" xmlns:m="http://schemas.openxmlformats.org/officeDocument/2006/math" xmlns:a14="http://schemas.microsoft.com/office/drawing/2010/main" xmlns:ma14="http://schemas.microsoft.com/office/mac/drawingml/2011/main" val="1"/>
+              <ma14:wrappingTextBoxFlag xmlns:ma14="http://schemas.microsoft.com/office/mac/drawingml/2011/main" xmlns:a14="http://schemas.microsoft.com/office/drawing/2010/main" xmlns:m="http://schemas.openxmlformats.org/officeDocument/2006/math" xmlns="" val="1"/>
             </a:ext>
           </a:extLst>
         </p:spPr>
@@ -13140,7 +13143,7 @@
           </a:ln>
           <a:extLst>
             <a:ext uri="{C572A759-6A51-4108-AA02-DFA0A04FC94B}">
-              <ma14:wrappingTextBoxFlag xmlns="" xmlns:m="http://schemas.openxmlformats.org/officeDocument/2006/math" xmlns:a14="http://schemas.microsoft.com/office/drawing/2010/main" xmlns:ma14="http://schemas.microsoft.com/office/mac/drawingml/2011/main" val="1"/>
+              <ma14:wrappingTextBoxFlag xmlns:ma14="http://schemas.microsoft.com/office/mac/drawingml/2011/main" xmlns:a14="http://schemas.microsoft.com/office/drawing/2010/main" xmlns:m="http://schemas.openxmlformats.org/officeDocument/2006/math" xmlns="" val="1"/>
             </a:ext>
           </a:extLst>
         </p:spPr>
@@ -13206,7 +13209,7 @@
           </a:ln>
           <a:extLst>
             <a:ext uri="{C572A759-6A51-4108-AA02-DFA0A04FC94B}">
-              <ma14:wrappingTextBoxFlag xmlns="" xmlns:m="http://schemas.openxmlformats.org/officeDocument/2006/math" xmlns:a14="http://schemas.microsoft.com/office/drawing/2010/main" xmlns:ma14="http://schemas.microsoft.com/office/mac/drawingml/2011/main" val="1"/>
+              <ma14:wrappingTextBoxFlag xmlns:ma14="http://schemas.microsoft.com/office/mac/drawingml/2011/main" xmlns:a14="http://schemas.microsoft.com/office/drawing/2010/main" xmlns:m="http://schemas.openxmlformats.org/officeDocument/2006/math" xmlns="" val="1"/>
             </a:ext>
           </a:extLst>
         </p:spPr>
@@ -13311,7 +13314,7 @@
           </a:ln>
           <a:extLst>
             <a:ext uri="{C572A759-6A51-4108-AA02-DFA0A04FC94B}">
-              <ma14:wrappingTextBoxFlag xmlns="" xmlns:m="http://schemas.openxmlformats.org/officeDocument/2006/math" xmlns:a14="http://schemas.microsoft.com/office/drawing/2010/main" xmlns:ma14="http://schemas.microsoft.com/office/mac/drawingml/2011/main" val="1"/>
+              <ma14:wrappingTextBoxFlag xmlns:ma14="http://schemas.microsoft.com/office/mac/drawingml/2011/main" xmlns:a14="http://schemas.microsoft.com/office/drawing/2010/main" xmlns:m="http://schemas.openxmlformats.org/officeDocument/2006/math" xmlns="" val="1"/>
             </a:ext>
           </a:extLst>
         </p:spPr>
@@ -13358,7 +13361,7 @@
           </a:ln>
           <a:extLst>
             <a:ext uri="{C572A759-6A51-4108-AA02-DFA0A04FC94B}">
-              <ma14:wrappingTextBoxFlag xmlns="" xmlns:m="http://schemas.openxmlformats.org/officeDocument/2006/math" xmlns:a14="http://schemas.microsoft.com/office/drawing/2010/main" xmlns:ma14="http://schemas.microsoft.com/office/mac/drawingml/2011/main" val="1"/>
+              <ma14:wrappingTextBoxFlag xmlns:ma14="http://schemas.microsoft.com/office/mac/drawingml/2011/main" xmlns:a14="http://schemas.microsoft.com/office/drawing/2010/main" xmlns:m="http://schemas.openxmlformats.org/officeDocument/2006/math" xmlns="" val="1"/>
             </a:ext>
           </a:extLst>
         </p:spPr>
@@ -13397,7 +13400,7 @@
           </a:ln>
           <a:extLst>
             <a:ext uri="{C572A759-6A51-4108-AA02-DFA0A04FC94B}">
-              <ma14:wrappingTextBoxFlag xmlns="" xmlns:m="http://schemas.openxmlformats.org/officeDocument/2006/math" xmlns:a14="http://schemas.microsoft.com/office/drawing/2010/main" xmlns:ma14="http://schemas.microsoft.com/office/mac/drawingml/2011/main" val="1"/>
+              <ma14:wrappingTextBoxFlag xmlns:ma14="http://schemas.microsoft.com/office/mac/drawingml/2011/main" xmlns:a14="http://schemas.microsoft.com/office/drawing/2010/main" xmlns:m="http://schemas.openxmlformats.org/officeDocument/2006/math" xmlns="" val="1"/>
             </a:ext>
           </a:extLst>
         </p:spPr>
@@ -13495,7 +13498,7 @@
           </a:ln>
           <a:extLst>
             <a:ext uri="{C572A759-6A51-4108-AA02-DFA0A04FC94B}">
-              <ma14:wrappingTextBoxFlag xmlns="" xmlns:m="http://schemas.openxmlformats.org/officeDocument/2006/math" xmlns:a14="http://schemas.microsoft.com/office/drawing/2010/main" xmlns:ma14="http://schemas.microsoft.com/office/mac/drawingml/2011/main" val="1"/>
+              <ma14:wrappingTextBoxFlag xmlns:ma14="http://schemas.microsoft.com/office/mac/drawingml/2011/main" xmlns:a14="http://schemas.microsoft.com/office/drawing/2010/main" xmlns:m="http://schemas.openxmlformats.org/officeDocument/2006/math" xmlns="" val="1"/>
             </a:ext>
           </a:extLst>
         </p:spPr>
@@ -13759,7 +13762,7 @@
           </a:ln>
           <a:extLst>
             <a:ext uri="{C572A759-6A51-4108-AA02-DFA0A04FC94B}">
-              <ma14:wrappingTextBoxFlag xmlns="" xmlns:m="http://schemas.openxmlformats.org/officeDocument/2006/math" xmlns:a14="http://schemas.microsoft.com/office/drawing/2010/main" xmlns:ma14="http://schemas.microsoft.com/office/mac/drawingml/2011/main" val="1"/>
+              <ma14:wrappingTextBoxFlag xmlns:ma14="http://schemas.microsoft.com/office/mac/drawingml/2011/main" xmlns:a14="http://schemas.microsoft.com/office/drawing/2010/main" xmlns:m="http://schemas.openxmlformats.org/officeDocument/2006/math" xmlns="" val="1"/>
             </a:ext>
           </a:extLst>
         </p:spPr>
@@ -13794,7 +13797,7 @@
           </a:ln>
           <a:extLst>
             <a:ext uri="{C572A759-6A51-4108-AA02-DFA0A04FC94B}">
-              <ma14:wrappingTextBoxFlag xmlns="" xmlns:m="http://schemas.openxmlformats.org/officeDocument/2006/math" xmlns:a14="http://schemas.microsoft.com/office/drawing/2010/main" xmlns:ma14="http://schemas.microsoft.com/office/mac/drawingml/2011/main" val="1"/>
+              <ma14:wrappingTextBoxFlag xmlns:ma14="http://schemas.microsoft.com/office/mac/drawingml/2011/main" xmlns:a14="http://schemas.microsoft.com/office/drawing/2010/main" xmlns:m="http://schemas.openxmlformats.org/officeDocument/2006/math" xmlns="" val="1"/>
             </a:ext>
           </a:extLst>
         </p:spPr>
@@ -13829,7 +13832,7 @@
           </a:ln>
           <a:extLst>
             <a:ext uri="{C572A759-6A51-4108-AA02-DFA0A04FC94B}">
-              <ma14:wrappingTextBoxFlag xmlns="" xmlns:m="http://schemas.openxmlformats.org/officeDocument/2006/math" xmlns:a14="http://schemas.microsoft.com/office/drawing/2010/main" xmlns:ma14="http://schemas.microsoft.com/office/mac/drawingml/2011/main" val="1"/>
+              <ma14:wrappingTextBoxFlag xmlns:ma14="http://schemas.microsoft.com/office/mac/drawingml/2011/main" xmlns:a14="http://schemas.microsoft.com/office/drawing/2010/main" xmlns:m="http://schemas.openxmlformats.org/officeDocument/2006/math" xmlns="" val="1"/>
             </a:ext>
           </a:extLst>
         </p:spPr>
@@ -13979,7 +13982,7 @@
           </a:ln>
           <a:extLst>
             <a:ext uri="{C572A759-6A51-4108-AA02-DFA0A04FC94B}">
-              <ma14:wrappingTextBoxFlag xmlns="" xmlns:m="http://schemas.openxmlformats.org/officeDocument/2006/math" xmlns:a14="http://schemas.microsoft.com/office/drawing/2010/main" xmlns:ma14="http://schemas.microsoft.com/office/mac/drawingml/2011/main" val="1"/>
+              <ma14:wrappingTextBoxFlag xmlns:ma14="http://schemas.microsoft.com/office/mac/drawingml/2011/main" xmlns:a14="http://schemas.microsoft.com/office/drawing/2010/main" xmlns:m="http://schemas.openxmlformats.org/officeDocument/2006/math" xmlns="" val="1"/>
             </a:ext>
           </a:extLst>
         </p:spPr>
@@ -14018,7 +14021,7 @@
           </a:ln>
           <a:extLst>
             <a:ext uri="{C572A759-6A51-4108-AA02-DFA0A04FC94B}">
-              <ma14:wrappingTextBoxFlag xmlns="" xmlns:m="http://schemas.openxmlformats.org/officeDocument/2006/math" xmlns:a14="http://schemas.microsoft.com/office/drawing/2010/main" xmlns:ma14="http://schemas.microsoft.com/office/mac/drawingml/2011/main" val="1"/>
+              <ma14:wrappingTextBoxFlag xmlns:ma14="http://schemas.microsoft.com/office/mac/drawingml/2011/main" xmlns:a14="http://schemas.microsoft.com/office/drawing/2010/main" xmlns:m="http://schemas.openxmlformats.org/officeDocument/2006/math" xmlns="" val="1"/>
             </a:ext>
           </a:extLst>
         </p:spPr>
@@ -14168,7 +14171,7 @@
           </a:ln>
           <a:extLst>
             <a:ext uri="{C572A759-6A51-4108-AA02-DFA0A04FC94B}">
-              <ma14:wrappingTextBoxFlag xmlns="" xmlns:m="http://schemas.openxmlformats.org/officeDocument/2006/math" xmlns:a14="http://schemas.microsoft.com/office/drawing/2010/main" xmlns:ma14="http://schemas.microsoft.com/office/mac/drawingml/2011/main" val="1"/>
+              <ma14:wrappingTextBoxFlag xmlns:ma14="http://schemas.microsoft.com/office/mac/drawingml/2011/main" xmlns:a14="http://schemas.microsoft.com/office/drawing/2010/main" xmlns:m="http://schemas.openxmlformats.org/officeDocument/2006/math" xmlns="" val="1"/>
             </a:ext>
           </a:extLst>
         </p:spPr>
@@ -14417,7 +14420,7 @@
           </a:ln>
           <a:extLst>
             <a:ext uri="{C572A759-6A51-4108-AA02-DFA0A04FC94B}">
-              <ma14:wrappingTextBoxFlag xmlns="" xmlns:m="http://schemas.openxmlformats.org/officeDocument/2006/math" xmlns:a14="http://schemas.microsoft.com/office/drawing/2010/main" xmlns:ma14="http://schemas.microsoft.com/office/mac/drawingml/2011/main" val="1"/>
+              <ma14:wrappingTextBoxFlag xmlns:ma14="http://schemas.microsoft.com/office/mac/drawingml/2011/main" xmlns:a14="http://schemas.microsoft.com/office/drawing/2010/main" xmlns:m="http://schemas.openxmlformats.org/officeDocument/2006/math" xmlns="" val="1"/>
             </a:ext>
           </a:extLst>
         </p:spPr>
@@ -14452,7 +14455,7 @@
           </a:ln>
           <a:extLst>
             <a:ext uri="{C572A759-6A51-4108-AA02-DFA0A04FC94B}">
-              <ma14:wrappingTextBoxFlag xmlns="" xmlns:m="http://schemas.openxmlformats.org/officeDocument/2006/math" xmlns:a14="http://schemas.microsoft.com/office/drawing/2010/main" xmlns:ma14="http://schemas.microsoft.com/office/mac/drawingml/2011/main" val="1"/>
+              <ma14:wrappingTextBoxFlag xmlns:ma14="http://schemas.microsoft.com/office/mac/drawingml/2011/main" xmlns:a14="http://schemas.microsoft.com/office/drawing/2010/main" xmlns:m="http://schemas.openxmlformats.org/officeDocument/2006/math" xmlns="" val="1"/>
             </a:ext>
           </a:extLst>
         </p:spPr>
@@ -14487,7 +14490,7 @@
           </a:ln>
           <a:extLst>
             <a:ext uri="{C572A759-6A51-4108-AA02-DFA0A04FC94B}">
-              <ma14:wrappingTextBoxFlag xmlns="" xmlns:m="http://schemas.openxmlformats.org/officeDocument/2006/math" xmlns:a14="http://schemas.microsoft.com/office/drawing/2010/main" xmlns:ma14="http://schemas.microsoft.com/office/mac/drawingml/2011/main" val="1"/>
+              <ma14:wrappingTextBoxFlag xmlns:ma14="http://schemas.microsoft.com/office/mac/drawingml/2011/main" xmlns:a14="http://schemas.microsoft.com/office/drawing/2010/main" xmlns:m="http://schemas.openxmlformats.org/officeDocument/2006/math" xmlns="" val="1"/>
             </a:ext>
           </a:extLst>
         </p:spPr>
@@ -14526,7 +14529,7 @@
           </a:ln>
           <a:extLst>
             <a:ext uri="{C572A759-6A51-4108-AA02-DFA0A04FC94B}">
-              <ma14:wrappingTextBoxFlag xmlns="" xmlns:m="http://schemas.openxmlformats.org/officeDocument/2006/math" xmlns:a14="http://schemas.microsoft.com/office/drawing/2010/main" xmlns:ma14="http://schemas.microsoft.com/office/mac/drawingml/2011/main" val="1"/>
+              <ma14:wrappingTextBoxFlag xmlns:ma14="http://schemas.microsoft.com/office/mac/drawingml/2011/main" xmlns:a14="http://schemas.microsoft.com/office/drawing/2010/main" xmlns:m="http://schemas.openxmlformats.org/officeDocument/2006/math" xmlns="" val="1"/>
             </a:ext>
           </a:extLst>
         </p:spPr>
@@ -14579,7 +14582,7 @@
           </a:ln>
           <a:extLst>
             <a:ext uri="{C572A759-6A51-4108-AA02-DFA0A04FC94B}">
-              <ma14:wrappingTextBoxFlag xmlns="" xmlns:m="http://schemas.openxmlformats.org/officeDocument/2006/math" xmlns:a14="http://schemas.microsoft.com/office/drawing/2010/main" xmlns:ma14="http://schemas.microsoft.com/office/mac/drawingml/2011/main" val="1"/>
+              <ma14:wrappingTextBoxFlag xmlns:ma14="http://schemas.microsoft.com/office/mac/drawingml/2011/main" xmlns:a14="http://schemas.microsoft.com/office/drawing/2010/main" xmlns:m="http://schemas.openxmlformats.org/officeDocument/2006/math" xmlns="" val="1"/>
             </a:ext>
           </a:extLst>
         </p:spPr>
@@ -14729,7 +14732,7 @@
           </a:ln>
           <a:extLst>
             <a:ext uri="{C572A759-6A51-4108-AA02-DFA0A04FC94B}">
-              <ma14:wrappingTextBoxFlag xmlns="" xmlns:m="http://schemas.openxmlformats.org/officeDocument/2006/math" xmlns:a14="http://schemas.microsoft.com/office/drawing/2010/main" xmlns:ma14="http://schemas.microsoft.com/office/mac/drawingml/2011/main" val="1"/>
+              <ma14:wrappingTextBoxFlag xmlns:ma14="http://schemas.microsoft.com/office/mac/drawingml/2011/main" xmlns:a14="http://schemas.microsoft.com/office/drawing/2010/main" xmlns:m="http://schemas.openxmlformats.org/officeDocument/2006/math" xmlns="" val="1"/>
             </a:ext>
           </a:extLst>
         </p:spPr>
@@ -14768,7 +14771,7 @@
           </a:ln>
           <a:extLst>
             <a:ext uri="{C572A759-6A51-4108-AA02-DFA0A04FC94B}">
-              <ma14:wrappingTextBoxFlag xmlns="" xmlns:m="http://schemas.openxmlformats.org/officeDocument/2006/math" xmlns:a14="http://schemas.microsoft.com/office/drawing/2010/main" xmlns:ma14="http://schemas.microsoft.com/office/mac/drawingml/2011/main" val="1"/>
+              <ma14:wrappingTextBoxFlag xmlns:ma14="http://schemas.microsoft.com/office/mac/drawingml/2011/main" xmlns:a14="http://schemas.microsoft.com/office/drawing/2010/main" xmlns:m="http://schemas.openxmlformats.org/officeDocument/2006/math" xmlns="" val="1"/>
             </a:ext>
           </a:extLst>
         </p:spPr>
@@ -14918,7 +14921,7 @@
           </a:ln>
           <a:extLst>
             <a:ext uri="{C572A759-6A51-4108-AA02-DFA0A04FC94B}">
-              <ma14:wrappingTextBoxFlag xmlns="" xmlns:m="http://schemas.openxmlformats.org/officeDocument/2006/math" xmlns:a14="http://schemas.microsoft.com/office/drawing/2010/main" xmlns:ma14="http://schemas.microsoft.com/office/mac/drawingml/2011/main" val="1"/>
+              <ma14:wrappingTextBoxFlag xmlns:ma14="http://schemas.microsoft.com/office/mac/drawingml/2011/main" xmlns:a14="http://schemas.microsoft.com/office/drawing/2010/main" xmlns:m="http://schemas.openxmlformats.org/officeDocument/2006/math" xmlns="" val="1"/>
             </a:ext>
           </a:extLst>
         </p:spPr>
@@ -15372,7 +15375,7 @@
           </a:ln>
           <a:extLst>
             <a:ext uri="{C572A759-6A51-4108-AA02-DFA0A04FC94B}">
-              <ma14:wrappingTextBoxFlag xmlns="" xmlns:m="http://schemas.openxmlformats.org/officeDocument/2006/math" xmlns:a14="http://schemas.microsoft.com/office/drawing/2010/main" xmlns:ma14="http://schemas.microsoft.com/office/mac/drawingml/2011/main" val="1"/>
+              <ma14:wrappingTextBoxFlag xmlns:ma14="http://schemas.microsoft.com/office/mac/drawingml/2011/main" xmlns:a14="http://schemas.microsoft.com/office/drawing/2010/main" xmlns:m="http://schemas.openxmlformats.org/officeDocument/2006/math" xmlns="" val="1"/>
             </a:ext>
           </a:extLst>
         </p:spPr>
@@ -15407,7 +15410,7 @@
           </a:ln>
           <a:extLst>
             <a:ext uri="{C572A759-6A51-4108-AA02-DFA0A04FC94B}">
-              <ma14:wrappingTextBoxFlag xmlns="" xmlns:m="http://schemas.openxmlformats.org/officeDocument/2006/math" xmlns:a14="http://schemas.microsoft.com/office/drawing/2010/main" xmlns:ma14="http://schemas.microsoft.com/office/mac/drawingml/2011/main" val="1"/>
+              <ma14:wrappingTextBoxFlag xmlns:ma14="http://schemas.microsoft.com/office/mac/drawingml/2011/main" xmlns:a14="http://schemas.microsoft.com/office/drawing/2010/main" xmlns:m="http://schemas.openxmlformats.org/officeDocument/2006/math" xmlns="" val="1"/>
             </a:ext>
           </a:extLst>
         </p:spPr>
@@ -15445,7 +15448,7 @@
           </a:ln>
           <a:extLst>
             <a:ext uri="{C572A759-6A51-4108-AA02-DFA0A04FC94B}">
-              <ma14:wrappingTextBoxFlag xmlns="" xmlns:m="http://schemas.openxmlformats.org/officeDocument/2006/math" xmlns:a14="http://schemas.microsoft.com/office/drawing/2010/main" xmlns:ma14="http://schemas.microsoft.com/office/mac/drawingml/2011/main" val="1"/>
+              <ma14:wrappingTextBoxFlag xmlns:ma14="http://schemas.microsoft.com/office/mac/drawingml/2011/main" xmlns:a14="http://schemas.microsoft.com/office/drawing/2010/main" xmlns:m="http://schemas.openxmlformats.org/officeDocument/2006/math" xmlns="" val="1"/>
             </a:ext>
           </a:extLst>
         </p:spPr>
@@ -15490,7 +15493,7 @@
           </a:ln>
           <a:extLst>
             <a:ext uri="{C572A759-6A51-4108-AA02-DFA0A04FC94B}">
-              <ma14:wrappingTextBoxFlag xmlns="" xmlns:m="http://schemas.openxmlformats.org/officeDocument/2006/math" xmlns:a14="http://schemas.microsoft.com/office/drawing/2010/main" xmlns:ma14="http://schemas.microsoft.com/office/mac/drawingml/2011/main" val="1"/>
+              <ma14:wrappingTextBoxFlag xmlns:ma14="http://schemas.microsoft.com/office/mac/drawingml/2011/main" xmlns:a14="http://schemas.microsoft.com/office/drawing/2010/main" xmlns:m="http://schemas.openxmlformats.org/officeDocument/2006/math" xmlns="" val="1"/>
             </a:ext>
           </a:extLst>
         </p:spPr>
@@ -15532,7 +15535,7 @@
           </a:ln>
           <a:extLst>
             <a:ext uri="{C572A759-6A51-4108-AA02-DFA0A04FC94B}">
-              <ma14:wrappingTextBoxFlag xmlns="" xmlns:m="http://schemas.openxmlformats.org/officeDocument/2006/math" xmlns:a14="http://schemas.microsoft.com/office/drawing/2010/main" xmlns:ma14="http://schemas.microsoft.com/office/mac/drawingml/2011/main" val="1"/>
+              <ma14:wrappingTextBoxFlag xmlns:ma14="http://schemas.microsoft.com/office/mac/drawingml/2011/main" xmlns:a14="http://schemas.microsoft.com/office/drawing/2010/main" xmlns:m="http://schemas.openxmlformats.org/officeDocument/2006/math" xmlns="" val="1"/>
             </a:ext>
           </a:extLst>
         </p:spPr>
@@ -15577,7 +15580,7 @@
           </a:ln>
           <a:extLst>
             <a:ext uri="{C572A759-6A51-4108-AA02-DFA0A04FC94B}">
-              <ma14:wrappingTextBoxFlag xmlns="" xmlns:m="http://schemas.openxmlformats.org/officeDocument/2006/math" xmlns:a14="http://schemas.microsoft.com/office/drawing/2010/main" xmlns:ma14="http://schemas.microsoft.com/office/mac/drawingml/2011/main" val="1"/>
+              <ma14:wrappingTextBoxFlag xmlns:ma14="http://schemas.microsoft.com/office/mac/drawingml/2011/main" xmlns:a14="http://schemas.microsoft.com/office/drawing/2010/main" xmlns:m="http://schemas.openxmlformats.org/officeDocument/2006/math" xmlns="" val="1"/>
             </a:ext>
           </a:extLst>
         </p:spPr>
@@ -15616,7 +15619,7 @@
           </a:ln>
           <a:extLst>
             <a:ext uri="{C572A759-6A51-4108-AA02-DFA0A04FC94B}">
-              <ma14:wrappingTextBoxFlag xmlns="" xmlns:m="http://schemas.openxmlformats.org/officeDocument/2006/math" xmlns:a14="http://schemas.microsoft.com/office/drawing/2010/main" xmlns:ma14="http://schemas.microsoft.com/office/mac/drawingml/2011/main" val="1"/>
+              <ma14:wrappingTextBoxFlag xmlns:ma14="http://schemas.microsoft.com/office/mac/drawingml/2011/main" xmlns:a14="http://schemas.microsoft.com/office/drawing/2010/main" xmlns:m="http://schemas.openxmlformats.org/officeDocument/2006/math" xmlns="" val="1"/>
             </a:ext>
           </a:extLst>
         </p:spPr>
@@ -15655,7 +15658,7 @@
           </a:ln>
           <a:extLst>
             <a:ext uri="{C572A759-6A51-4108-AA02-DFA0A04FC94B}">
-              <ma14:wrappingTextBoxFlag xmlns="" xmlns:m="http://schemas.openxmlformats.org/officeDocument/2006/math" xmlns:a14="http://schemas.microsoft.com/office/drawing/2010/main" xmlns:ma14="http://schemas.microsoft.com/office/mac/drawingml/2011/main" val="1"/>
+              <ma14:wrappingTextBoxFlag xmlns:ma14="http://schemas.microsoft.com/office/mac/drawingml/2011/main" xmlns:a14="http://schemas.microsoft.com/office/drawing/2010/main" xmlns:m="http://schemas.openxmlformats.org/officeDocument/2006/math" xmlns="" val="1"/>
             </a:ext>
           </a:extLst>
         </p:spPr>
@@ -15702,7 +15705,7 @@
           </a:ln>
           <a:extLst>
             <a:ext uri="{C572A759-6A51-4108-AA02-DFA0A04FC94B}">
-              <ma14:wrappingTextBoxFlag xmlns="" xmlns:m="http://schemas.openxmlformats.org/officeDocument/2006/math" xmlns:a14="http://schemas.microsoft.com/office/drawing/2010/main" xmlns:ma14="http://schemas.microsoft.com/office/mac/drawingml/2011/main" val="1"/>
+              <ma14:wrappingTextBoxFlag xmlns:ma14="http://schemas.microsoft.com/office/mac/drawingml/2011/main" xmlns:a14="http://schemas.microsoft.com/office/drawing/2010/main" xmlns:m="http://schemas.openxmlformats.org/officeDocument/2006/math" xmlns="" val="1"/>
             </a:ext>
           </a:extLst>
         </p:spPr>
@@ -15746,7 +15749,7 @@
           </a:ln>
           <a:extLst>
             <a:ext uri="{C572A759-6A51-4108-AA02-DFA0A04FC94B}">
-              <ma14:wrappingTextBoxFlag xmlns="" xmlns:m="http://schemas.openxmlformats.org/officeDocument/2006/math" xmlns:a14="http://schemas.microsoft.com/office/drawing/2010/main" xmlns:ma14="http://schemas.microsoft.com/office/mac/drawingml/2011/main" val="1"/>
+              <ma14:wrappingTextBoxFlag xmlns:ma14="http://schemas.microsoft.com/office/mac/drawingml/2011/main" xmlns:a14="http://schemas.microsoft.com/office/drawing/2010/main" xmlns:m="http://schemas.openxmlformats.org/officeDocument/2006/math" xmlns="" val="1"/>
             </a:ext>
           </a:extLst>
         </p:spPr>
@@ -16083,7 +16086,7 @@
           </a:ln>
           <a:extLst>
             <a:ext uri="{C572A759-6A51-4108-AA02-DFA0A04FC94B}">
-              <ma14:wrappingTextBoxFlag xmlns="" xmlns:m="http://schemas.openxmlformats.org/officeDocument/2006/math" xmlns:a14="http://schemas.microsoft.com/office/drawing/2010/main" xmlns:ma14="http://schemas.microsoft.com/office/mac/drawingml/2011/main" val="1"/>
+              <ma14:wrappingTextBoxFlag xmlns:ma14="http://schemas.microsoft.com/office/mac/drawingml/2011/main" xmlns:a14="http://schemas.microsoft.com/office/drawing/2010/main" xmlns:m="http://schemas.openxmlformats.org/officeDocument/2006/math" xmlns="" val="1"/>
             </a:ext>
           </a:extLst>
         </p:spPr>
@@ -16118,7 +16121,7 @@
           </a:ln>
           <a:extLst>
             <a:ext uri="{C572A759-6A51-4108-AA02-DFA0A04FC94B}">
-              <ma14:wrappingTextBoxFlag xmlns="" xmlns:m="http://schemas.openxmlformats.org/officeDocument/2006/math" xmlns:a14="http://schemas.microsoft.com/office/drawing/2010/main" xmlns:ma14="http://schemas.microsoft.com/office/mac/drawingml/2011/main" val="1"/>
+              <ma14:wrappingTextBoxFlag xmlns:ma14="http://schemas.microsoft.com/office/mac/drawingml/2011/main" xmlns:a14="http://schemas.microsoft.com/office/drawing/2010/main" xmlns:m="http://schemas.openxmlformats.org/officeDocument/2006/math" xmlns="" val="1"/>
             </a:ext>
           </a:extLst>
         </p:spPr>
@@ -16153,7 +16156,7 @@
           </a:ln>
           <a:extLst>
             <a:ext uri="{C572A759-6A51-4108-AA02-DFA0A04FC94B}">
-              <ma14:wrappingTextBoxFlag xmlns="" xmlns:m="http://schemas.openxmlformats.org/officeDocument/2006/math" xmlns:a14="http://schemas.microsoft.com/office/drawing/2010/main" xmlns:ma14="http://schemas.microsoft.com/office/mac/drawingml/2011/main" val="1"/>
+              <ma14:wrappingTextBoxFlag xmlns:ma14="http://schemas.microsoft.com/office/mac/drawingml/2011/main" xmlns:a14="http://schemas.microsoft.com/office/drawing/2010/main" xmlns:m="http://schemas.openxmlformats.org/officeDocument/2006/math" xmlns="" val="1"/>
             </a:ext>
           </a:extLst>
         </p:spPr>
@@ -16239,7 +16242,7 @@
           </a:ln>
           <a:extLst>
             <a:ext uri="{C572A759-6A51-4108-AA02-DFA0A04FC94B}">
-              <ma14:wrappingTextBoxFlag xmlns="" xmlns:m="http://schemas.openxmlformats.org/officeDocument/2006/math" xmlns:a14="http://schemas.microsoft.com/office/drawing/2010/main" xmlns:ma14="http://schemas.microsoft.com/office/mac/drawingml/2011/main" val="1"/>
+              <ma14:wrappingTextBoxFlag xmlns:ma14="http://schemas.microsoft.com/office/mac/drawingml/2011/main" xmlns:a14="http://schemas.microsoft.com/office/drawing/2010/main" xmlns:m="http://schemas.openxmlformats.org/officeDocument/2006/math" xmlns="" val="1"/>
             </a:ext>
           </a:extLst>
         </p:spPr>
@@ -16284,7 +16287,7 @@
           </a:ln>
           <a:extLst>
             <a:ext uri="{C572A759-6A51-4108-AA02-DFA0A04FC94B}">
-              <ma14:wrappingTextBoxFlag xmlns="" xmlns:m="http://schemas.openxmlformats.org/officeDocument/2006/math" xmlns:a14="http://schemas.microsoft.com/office/drawing/2010/main" xmlns:ma14="http://schemas.microsoft.com/office/mac/drawingml/2011/main" val="1"/>
+              <ma14:wrappingTextBoxFlag xmlns:ma14="http://schemas.microsoft.com/office/mac/drawingml/2011/main" xmlns:a14="http://schemas.microsoft.com/office/drawing/2010/main" xmlns:m="http://schemas.openxmlformats.org/officeDocument/2006/math" xmlns="" val="1"/>
             </a:ext>
           </a:extLst>
         </p:spPr>
@@ -16326,7 +16329,7 @@
           </a:ln>
           <a:extLst>
             <a:ext uri="{C572A759-6A51-4108-AA02-DFA0A04FC94B}">
-              <ma14:wrappingTextBoxFlag xmlns="" xmlns:m="http://schemas.openxmlformats.org/officeDocument/2006/math" xmlns:a14="http://schemas.microsoft.com/office/drawing/2010/main" xmlns:ma14="http://schemas.microsoft.com/office/mac/drawingml/2011/main" val="1"/>
+              <ma14:wrappingTextBoxFlag xmlns:ma14="http://schemas.microsoft.com/office/mac/drawingml/2011/main" xmlns:a14="http://schemas.microsoft.com/office/drawing/2010/main" xmlns:m="http://schemas.openxmlformats.org/officeDocument/2006/math" xmlns="" val="1"/>
             </a:ext>
           </a:extLst>
         </p:spPr>
@@ -16371,7 +16374,7 @@
           </a:ln>
           <a:extLst>
             <a:ext uri="{C572A759-6A51-4108-AA02-DFA0A04FC94B}">
-              <ma14:wrappingTextBoxFlag xmlns="" xmlns:m="http://schemas.openxmlformats.org/officeDocument/2006/math" xmlns:a14="http://schemas.microsoft.com/office/drawing/2010/main" xmlns:ma14="http://schemas.microsoft.com/office/mac/drawingml/2011/main" val="1"/>
+              <ma14:wrappingTextBoxFlag xmlns:ma14="http://schemas.microsoft.com/office/mac/drawingml/2011/main" xmlns:a14="http://schemas.microsoft.com/office/drawing/2010/main" xmlns:m="http://schemas.openxmlformats.org/officeDocument/2006/math" xmlns="" val="1"/>
             </a:ext>
           </a:extLst>
         </p:spPr>
@@ -16410,7 +16413,7 @@
           </a:ln>
           <a:extLst>
             <a:ext uri="{C572A759-6A51-4108-AA02-DFA0A04FC94B}">
-              <ma14:wrappingTextBoxFlag xmlns="" xmlns:m="http://schemas.openxmlformats.org/officeDocument/2006/math" xmlns:a14="http://schemas.microsoft.com/office/drawing/2010/main" xmlns:ma14="http://schemas.microsoft.com/office/mac/drawingml/2011/main" val="1"/>
+              <ma14:wrappingTextBoxFlag xmlns:ma14="http://schemas.microsoft.com/office/mac/drawingml/2011/main" xmlns:a14="http://schemas.microsoft.com/office/drawing/2010/main" xmlns:m="http://schemas.openxmlformats.org/officeDocument/2006/math" xmlns="" val="1"/>
             </a:ext>
           </a:extLst>
         </p:spPr>
@@ -16449,7 +16452,7 @@
           </a:ln>
           <a:extLst>
             <a:ext uri="{C572A759-6A51-4108-AA02-DFA0A04FC94B}">
-              <ma14:wrappingTextBoxFlag xmlns="" xmlns:m="http://schemas.openxmlformats.org/officeDocument/2006/math" xmlns:a14="http://schemas.microsoft.com/office/drawing/2010/main" xmlns:ma14="http://schemas.microsoft.com/office/mac/drawingml/2011/main" val="1"/>
+              <ma14:wrappingTextBoxFlag xmlns:ma14="http://schemas.microsoft.com/office/mac/drawingml/2011/main" xmlns:a14="http://schemas.microsoft.com/office/drawing/2010/main" xmlns:m="http://schemas.openxmlformats.org/officeDocument/2006/math" xmlns="" val="1"/>
             </a:ext>
           </a:extLst>
         </p:spPr>
@@ -16496,7 +16499,7 @@
           </a:ln>
           <a:extLst>
             <a:ext uri="{C572A759-6A51-4108-AA02-DFA0A04FC94B}">
-              <ma14:wrappingTextBoxFlag xmlns="" xmlns:m="http://schemas.openxmlformats.org/officeDocument/2006/math" xmlns:a14="http://schemas.microsoft.com/office/drawing/2010/main" xmlns:ma14="http://schemas.microsoft.com/office/mac/drawingml/2011/main" val="1"/>
+              <ma14:wrappingTextBoxFlag xmlns:ma14="http://schemas.microsoft.com/office/mac/drawingml/2011/main" xmlns:a14="http://schemas.microsoft.com/office/drawing/2010/main" xmlns:m="http://schemas.openxmlformats.org/officeDocument/2006/math" xmlns="" val="1"/>
             </a:ext>
           </a:extLst>
         </p:spPr>
@@ -16955,7 +16958,7 @@
           </a:ln>
           <a:extLst>
             <a:ext uri="{C572A759-6A51-4108-AA02-DFA0A04FC94B}">
-              <ma14:wrappingTextBoxFlag xmlns="" xmlns:m="http://schemas.openxmlformats.org/officeDocument/2006/math" xmlns:a14="http://schemas.microsoft.com/office/drawing/2010/main" xmlns:ma14="http://schemas.microsoft.com/office/mac/drawingml/2011/main" val="1"/>
+              <ma14:wrappingTextBoxFlag xmlns:ma14="http://schemas.microsoft.com/office/mac/drawingml/2011/main" xmlns:a14="http://schemas.microsoft.com/office/drawing/2010/main" xmlns:m="http://schemas.openxmlformats.org/officeDocument/2006/math" xmlns="" val="1"/>
             </a:ext>
           </a:extLst>
         </p:spPr>
@@ -16990,7 +16993,7 @@
           </a:ln>
           <a:extLst>
             <a:ext uri="{C572A759-6A51-4108-AA02-DFA0A04FC94B}">
-              <ma14:wrappingTextBoxFlag xmlns="" xmlns:m="http://schemas.openxmlformats.org/officeDocument/2006/math" xmlns:a14="http://schemas.microsoft.com/office/drawing/2010/main" xmlns:ma14="http://schemas.microsoft.com/office/mac/drawingml/2011/main" val="1"/>
+              <ma14:wrappingTextBoxFlag xmlns:ma14="http://schemas.microsoft.com/office/mac/drawingml/2011/main" xmlns:a14="http://schemas.microsoft.com/office/drawing/2010/main" xmlns:m="http://schemas.openxmlformats.org/officeDocument/2006/math" xmlns="" val="1"/>
             </a:ext>
           </a:extLst>
         </p:spPr>
@@ -17025,7 +17028,7 @@
           </a:ln>
           <a:extLst>
             <a:ext uri="{C572A759-6A51-4108-AA02-DFA0A04FC94B}">
-              <ma14:wrappingTextBoxFlag xmlns="" xmlns:m="http://schemas.openxmlformats.org/officeDocument/2006/math" xmlns:a14="http://schemas.microsoft.com/office/drawing/2010/main" xmlns:ma14="http://schemas.microsoft.com/office/mac/drawingml/2011/main" val="1"/>
+              <ma14:wrappingTextBoxFlag xmlns:ma14="http://schemas.microsoft.com/office/mac/drawingml/2011/main" xmlns:a14="http://schemas.microsoft.com/office/drawing/2010/main" xmlns:m="http://schemas.openxmlformats.org/officeDocument/2006/math" xmlns="" val="1"/>
             </a:ext>
           </a:extLst>
         </p:spPr>
@@ -17111,7 +17114,7 @@
           </a:ln>
           <a:extLst>
             <a:ext uri="{C572A759-6A51-4108-AA02-DFA0A04FC94B}">
-              <ma14:wrappingTextBoxFlag xmlns="" xmlns:m="http://schemas.openxmlformats.org/officeDocument/2006/math" xmlns:a14="http://schemas.microsoft.com/office/drawing/2010/main" xmlns:ma14="http://schemas.microsoft.com/office/mac/drawingml/2011/main" val="1"/>
+              <ma14:wrappingTextBoxFlag xmlns:ma14="http://schemas.microsoft.com/office/mac/drawingml/2011/main" xmlns:a14="http://schemas.microsoft.com/office/drawing/2010/main" xmlns:m="http://schemas.openxmlformats.org/officeDocument/2006/math" xmlns="" val="1"/>
             </a:ext>
           </a:extLst>
         </p:spPr>
@@ -17156,7 +17159,7 @@
           </a:ln>
           <a:extLst>
             <a:ext uri="{C572A759-6A51-4108-AA02-DFA0A04FC94B}">
-              <ma14:wrappingTextBoxFlag xmlns="" xmlns:m="http://schemas.openxmlformats.org/officeDocument/2006/math" xmlns:a14="http://schemas.microsoft.com/office/drawing/2010/main" xmlns:ma14="http://schemas.microsoft.com/office/mac/drawingml/2011/main" val="1"/>
+              <ma14:wrappingTextBoxFlag xmlns:ma14="http://schemas.microsoft.com/office/mac/drawingml/2011/main" xmlns:a14="http://schemas.microsoft.com/office/drawing/2010/main" xmlns:m="http://schemas.openxmlformats.org/officeDocument/2006/math" xmlns="" val="1"/>
             </a:ext>
           </a:extLst>
         </p:spPr>
@@ -17198,7 +17201,7 @@
           </a:ln>
           <a:extLst>
             <a:ext uri="{C572A759-6A51-4108-AA02-DFA0A04FC94B}">
-              <ma14:wrappingTextBoxFlag xmlns="" xmlns:m="http://schemas.openxmlformats.org/officeDocument/2006/math" xmlns:a14="http://schemas.microsoft.com/office/drawing/2010/main" xmlns:ma14="http://schemas.microsoft.com/office/mac/drawingml/2011/main" val="1"/>
+              <ma14:wrappingTextBoxFlag xmlns:ma14="http://schemas.microsoft.com/office/mac/drawingml/2011/main" xmlns:a14="http://schemas.microsoft.com/office/drawing/2010/main" xmlns:m="http://schemas.openxmlformats.org/officeDocument/2006/math" xmlns="" val="1"/>
             </a:ext>
           </a:extLst>
         </p:spPr>
@@ -17243,7 +17246,7 @@
           </a:ln>
           <a:extLst>
             <a:ext uri="{C572A759-6A51-4108-AA02-DFA0A04FC94B}">
-              <ma14:wrappingTextBoxFlag xmlns="" xmlns:m="http://schemas.openxmlformats.org/officeDocument/2006/math" xmlns:a14="http://schemas.microsoft.com/office/drawing/2010/main" xmlns:ma14="http://schemas.microsoft.com/office/mac/drawingml/2011/main" val="1"/>
+              <ma14:wrappingTextBoxFlag xmlns:ma14="http://schemas.microsoft.com/office/mac/drawingml/2011/main" xmlns:a14="http://schemas.microsoft.com/office/drawing/2010/main" xmlns:m="http://schemas.openxmlformats.org/officeDocument/2006/math" xmlns="" val="1"/>
             </a:ext>
           </a:extLst>
         </p:spPr>
@@ -17282,7 +17285,7 @@
           </a:ln>
           <a:extLst>
             <a:ext uri="{C572A759-6A51-4108-AA02-DFA0A04FC94B}">
-              <ma14:wrappingTextBoxFlag xmlns="" xmlns:m="http://schemas.openxmlformats.org/officeDocument/2006/math" xmlns:a14="http://schemas.microsoft.com/office/drawing/2010/main" xmlns:ma14="http://schemas.microsoft.com/office/mac/drawingml/2011/main" val="1"/>
+              <ma14:wrappingTextBoxFlag xmlns:ma14="http://schemas.microsoft.com/office/mac/drawingml/2011/main" xmlns:a14="http://schemas.microsoft.com/office/drawing/2010/main" xmlns:m="http://schemas.openxmlformats.org/officeDocument/2006/math" xmlns="" val="1"/>
             </a:ext>
           </a:extLst>
         </p:spPr>
@@ -17321,7 +17324,7 @@
           </a:ln>
           <a:extLst>
             <a:ext uri="{C572A759-6A51-4108-AA02-DFA0A04FC94B}">
-              <ma14:wrappingTextBoxFlag xmlns="" xmlns:m="http://schemas.openxmlformats.org/officeDocument/2006/math" xmlns:a14="http://schemas.microsoft.com/office/drawing/2010/main" xmlns:ma14="http://schemas.microsoft.com/office/mac/drawingml/2011/main" val="1"/>
+              <ma14:wrappingTextBoxFlag xmlns:ma14="http://schemas.microsoft.com/office/mac/drawingml/2011/main" xmlns:a14="http://schemas.microsoft.com/office/drawing/2010/main" xmlns:m="http://schemas.openxmlformats.org/officeDocument/2006/math" xmlns="" val="1"/>
             </a:ext>
           </a:extLst>
         </p:spPr>
@@ -17368,7 +17371,7 @@
           </a:ln>
           <a:extLst>
             <a:ext uri="{C572A759-6A51-4108-AA02-DFA0A04FC94B}">
-              <ma14:wrappingTextBoxFlag xmlns="" xmlns:m="http://schemas.openxmlformats.org/officeDocument/2006/math" xmlns:a14="http://schemas.microsoft.com/office/drawing/2010/main" xmlns:ma14="http://schemas.microsoft.com/office/mac/drawingml/2011/main" val="1"/>
+              <ma14:wrappingTextBoxFlag xmlns:ma14="http://schemas.microsoft.com/office/mac/drawingml/2011/main" xmlns:a14="http://schemas.microsoft.com/office/drawing/2010/main" xmlns:m="http://schemas.openxmlformats.org/officeDocument/2006/math" xmlns="" val="1"/>
             </a:ext>
           </a:extLst>
         </p:spPr>
@@ -17699,7 +17702,7 @@
           </a:ln>
           <a:extLst>
             <a:ext uri="{C572A759-6A51-4108-AA02-DFA0A04FC94B}">
-              <ma14:wrappingTextBoxFlag xmlns="" xmlns:m="http://schemas.openxmlformats.org/officeDocument/2006/math" xmlns:a14="http://schemas.microsoft.com/office/drawing/2010/main" xmlns:ma14="http://schemas.microsoft.com/office/mac/drawingml/2011/main" val="1"/>
+              <ma14:wrappingTextBoxFlag xmlns:ma14="http://schemas.microsoft.com/office/mac/drawingml/2011/main" xmlns:a14="http://schemas.microsoft.com/office/drawing/2010/main" xmlns:m="http://schemas.openxmlformats.org/officeDocument/2006/math" xmlns="" val="1"/>
             </a:ext>
           </a:extLst>
         </p:spPr>
@@ -17734,7 +17737,7 @@
           </a:ln>
           <a:extLst>
             <a:ext uri="{C572A759-6A51-4108-AA02-DFA0A04FC94B}">
-              <ma14:wrappingTextBoxFlag xmlns="" xmlns:m="http://schemas.openxmlformats.org/officeDocument/2006/math" xmlns:a14="http://schemas.microsoft.com/office/drawing/2010/main" xmlns:ma14="http://schemas.microsoft.com/office/mac/drawingml/2011/main" val="1"/>
+              <ma14:wrappingTextBoxFlag xmlns:ma14="http://schemas.microsoft.com/office/mac/drawingml/2011/main" xmlns:a14="http://schemas.microsoft.com/office/drawing/2010/main" xmlns:m="http://schemas.openxmlformats.org/officeDocument/2006/math" xmlns="" val="1"/>
             </a:ext>
           </a:extLst>
         </p:spPr>
@@ -17769,7 +17772,7 @@
           </a:ln>
           <a:extLst>
             <a:ext uri="{C572A759-6A51-4108-AA02-DFA0A04FC94B}">
-              <ma14:wrappingTextBoxFlag xmlns="" xmlns:m="http://schemas.openxmlformats.org/officeDocument/2006/math" xmlns:a14="http://schemas.microsoft.com/office/drawing/2010/main" xmlns:ma14="http://schemas.microsoft.com/office/mac/drawingml/2011/main" val="1"/>
+              <ma14:wrappingTextBoxFlag xmlns:ma14="http://schemas.microsoft.com/office/mac/drawingml/2011/main" xmlns:a14="http://schemas.microsoft.com/office/drawing/2010/main" xmlns:m="http://schemas.openxmlformats.org/officeDocument/2006/math" xmlns="" val="1"/>
             </a:ext>
           </a:extLst>
         </p:spPr>
@@ -17855,7 +17858,7 @@
           </a:ln>
           <a:extLst>
             <a:ext uri="{C572A759-6A51-4108-AA02-DFA0A04FC94B}">
-              <ma14:wrappingTextBoxFlag xmlns="" xmlns:m="http://schemas.openxmlformats.org/officeDocument/2006/math" xmlns:a14="http://schemas.microsoft.com/office/drawing/2010/main" xmlns:ma14="http://schemas.microsoft.com/office/mac/drawingml/2011/main" val="1"/>
+              <ma14:wrappingTextBoxFlag xmlns:ma14="http://schemas.microsoft.com/office/mac/drawingml/2011/main" xmlns:a14="http://schemas.microsoft.com/office/drawing/2010/main" xmlns:m="http://schemas.openxmlformats.org/officeDocument/2006/math" xmlns="" val="1"/>
             </a:ext>
           </a:extLst>
         </p:spPr>
@@ -17900,7 +17903,7 @@
           </a:ln>
           <a:extLst>
             <a:ext uri="{C572A759-6A51-4108-AA02-DFA0A04FC94B}">
-              <ma14:wrappingTextBoxFlag xmlns="" xmlns:m="http://schemas.openxmlformats.org/officeDocument/2006/math" xmlns:a14="http://schemas.microsoft.com/office/drawing/2010/main" xmlns:ma14="http://schemas.microsoft.com/office/mac/drawingml/2011/main" val="1"/>
+              <ma14:wrappingTextBoxFlag xmlns:ma14="http://schemas.microsoft.com/office/mac/drawingml/2011/main" xmlns:a14="http://schemas.microsoft.com/office/drawing/2010/main" xmlns:m="http://schemas.openxmlformats.org/officeDocument/2006/math" xmlns="" val="1"/>
             </a:ext>
           </a:extLst>
         </p:spPr>
@@ -17942,7 +17945,7 @@
           </a:ln>
           <a:extLst>
             <a:ext uri="{C572A759-6A51-4108-AA02-DFA0A04FC94B}">
-              <ma14:wrappingTextBoxFlag xmlns="" xmlns:m="http://schemas.openxmlformats.org/officeDocument/2006/math" xmlns:a14="http://schemas.microsoft.com/office/drawing/2010/main" xmlns:ma14="http://schemas.microsoft.com/office/mac/drawingml/2011/main" val="1"/>
+              <ma14:wrappingTextBoxFlag xmlns:ma14="http://schemas.microsoft.com/office/mac/drawingml/2011/main" xmlns:a14="http://schemas.microsoft.com/office/drawing/2010/main" xmlns:m="http://schemas.openxmlformats.org/officeDocument/2006/math" xmlns="" val="1"/>
             </a:ext>
           </a:extLst>
         </p:spPr>
@@ -17987,7 +17990,7 @@
           </a:ln>
           <a:extLst>
             <a:ext uri="{C572A759-6A51-4108-AA02-DFA0A04FC94B}">
-              <ma14:wrappingTextBoxFlag xmlns="" xmlns:m="http://schemas.openxmlformats.org/officeDocument/2006/math" xmlns:a14="http://schemas.microsoft.com/office/drawing/2010/main" xmlns:ma14="http://schemas.microsoft.com/office/mac/drawingml/2011/main" val="1"/>
+              <ma14:wrappingTextBoxFlag xmlns:ma14="http://schemas.microsoft.com/office/mac/drawingml/2011/main" xmlns:a14="http://schemas.microsoft.com/office/drawing/2010/main" xmlns:m="http://schemas.openxmlformats.org/officeDocument/2006/math" xmlns="" val="1"/>
             </a:ext>
           </a:extLst>
         </p:spPr>
@@ -18026,7 +18029,7 @@
           </a:ln>
           <a:extLst>
             <a:ext uri="{C572A759-6A51-4108-AA02-DFA0A04FC94B}">
-              <ma14:wrappingTextBoxFlag xmlns="" xmlns:m="http://schemas.openxmlformats.org/officeDocument/2006/math" xmlns:a14="http://schemas.microsoft.com/office/drawing/2010/main" xmlns:ma14="http://schemas.microsoft.com/office/mac/drawingml/2011/main" val="1"/>
+              <ma14:wrappingTextBoxFlag xmlns:ma14="http://schemas.microsoft.com/office/mac/drawingml/2011/main" xmlns:a14="http://schemas.microsoft.com/office/drawing/2010/main" xmlns:m="http://schemas.openxmlformats.org/officeDocument/2006/math" xmlns="" val="1"/>
             </a:ext>
           </a:extLst>
         </p:spPr>
@@ -18065,7 +18068,7 @@
           </a:ln>
           <a:extLst>
             <a:ext uri="{C572A759-6A51-4108-AA02-DFA0A04FC94B}">
-              <ma14:wrappingTextBoxFlag xmlns="" xmlns:m="http://schemas.openxmlformats.org/officeDocument/2006/math" xmlns:a14="http://schemas.microsoft.com/office/drawing/2010/main" xmlns:ma14="http://schemas.microsoft.com/office/mac/drawingml/2011/main" val="1"/>
+              <ma14:wrappingTextBoxFlag xmlns:ma14="http://schemas.microsoft.com/office/mac/drawingml/2011/main" xmlns:a14="http://schemas.microsoft.com/office/drawing/2010/main" xmlns:m="http://schemas.openxmlformats.org/officeDocument/2006/math" xmlns="" val="1"/>
             </a:ext>
           </a:extLst>
         </p:spPr>
@@ -18112,7 +18115,7 @@
           </a:ln>
           <a:extLst>
             <a:ext uri="{C572A759-6A51-4108-AA02-DFA0A04FC94B}">
-              <ma14:wrappingTextBoxFlag xmlns="" xmlns:m="http://schemas.openxmlformats.org/officeDocument/2006/math" xmlns:a14="http://schemas.microsoft.com/office/drawing/2010/main" xmlns:ma14="http://schemas.microsoft.com/office/mac/drawingml/2011/main" val="1"/>
+              <ma14:wrappingTextBoxFlag xmlns:ma14="http://schemas.microsoft.com/office/mac/drawingml/2011/main" xmlns:a14="http://schemas.microsoft.com/office/drawing/2010/main" xmlns:m="http://schemas.openxmlformats.org/officeDocument/2006/math" xmlns="" val="1"/>
             </a:ext>
           </a:extLst>
         </p:spPr>
@@ -18443,7 +18446,7 @@
           </a:ln>
           <a:extLst>
             <a:ext uri="{C572A759-6A51-4108-AA02-DFA0A04FC94B}">
-              <ma14:wrappingTextBoxFlag xmlns="" xmlns:m="http://schemas.openxmlformats.org/officeDocument/2006/math" xmlns:a14="http://schemas.microsoft.com/office/drawing/2010/main" xmlns:ma14="http://schemas.microsoft.com/office/mac/drawingml/2011/main" val="1"/>
+              <ma14:wrappingTextBoxFlag xmlns:ma14="http://schemas.microsoft.com/office/mac/drawingml/2011/main" xmlns:a14="http://schemas.microsoft.com/office/drawing/2010/main" xmlns:m="http://schemas.openxmlformats.org/officeDocument/2006/math" xmlns="" val="1"/>
             </a:ext>
           </a:extLst>
         </p:spPr>
@@ -18478,7 +18481,7 @@
           </a:ln>
           <a:extLst>
             <a:ext uri="{C572A759-6A51-4108-AA02-DFA0A04FC94B}">
-              <ma14:wrappingTextBoxFlag xmlns="" xmlns:m="http://schemas.openxmlformats.org/officeDocument/2006/math" xmlns:a14="http://schemas.microsoft.com/office/drawing/2010/main" xmlns:ma14="http://schemas.microsoft.com/office/mac/drawingml/2011/main" val="1"/>
+              <ma14:wrappingTextBoxFlag xmlns:ma14="http://schemas.microsoft.com/office/mac/drawingml/2011/main" xmlns:a14="http://schemas.microsoft.com/office/drawing/2010/main" xmlns:m="http://schemas.openxmlformats.org/officeDocument/2006/math" xmlns="" val="1"/>
             </a:ext>
           </a:extLst>
         </p:spPr>
@@ -18513,7 +18516,7 @@
           </a:ln>
           <a:extLst>
             <a:ext uri="{C572A759-6A51-4108-AA02-DFA0A04FC94B}">
-              <ma14:wrappingTextBoxFlag xmlns="" xmlns:m="http://schemas.openxmlformats.org/officeDocument/2006/math" xmlns:a14="http://schemas.microsoft.com/office/drawing/2010/main" xmlns:ma14="http://schemas.microsoft.com/office/mac/drawingml/2011/main" val="1"/>
+              <ma14:wrappingTextBoxFlag xmlns:ma14="http://schemas.microsoft.com/office/mac/drawingml/2011/main" xmlns:a14="http://schemas.microsoft.com/office/drawing/2010/main" xmlns:m="http://schemas.openxmlformats.org/officeDocument/2006/math" xmlns="" val="1"/>
             </a:ext>
           </a:extLst>
         </p:spPr>
@@ -18599,7 +18602,7 @@
           </a:ln>
           <a:extLst>
             <a:ext uri="{C572A759-6A51-4108-AA02-DFA0A04FC94B}">
-              <ma14:wrappingTextBoxFlag xmlns="" xmlns:m="http://schemas.openxmlformats.org/officeDocument/2006/math" xmlns:a14="http://schemas.microsoft.com/office/drawing/2010/main" xmlns:ma14="http://schemas.microsoft.com/office/mac/drawingml/2011/main" val="1"/>
+              <ma14:wrappingTextBoxFlag xmlns:ma14="http://schemas.microsoft.com/office/mac/drawingml/2011/main" xmlns:a14="http://schemas.microsoft.com/office/drawing/2010/main" xmlns:m="http://schemas.openxmlformats.org/officeDocument/2006/math" xmlns="" val="1"/>
             </a:ext>
           </a:extLst>
         </p:spPr>
@@ -18644,7 +18647,7 @@
           </a:ln>
           <a:extLst>
             <a:ext uri="{C572A759-6A51-4108-AA02-DFA0A04FC94B}">
-              <ma14:wrappingTextBoxFlag xmlns="" xmlns:m="http://schemas.openxmlformats.org/officeDocument/2006/math" xmlns:a14="http://schemas.microsoft.com/office/drawing/2010/main" xmlns:ma14="http://schemas.microsoft.com/office/mac/drawingml/2011/main" val="1"/>
+              <ma14:wrappingTextBoxFlag xmlns:ma14="http://schemas.microsoft.com/office/mac/drawingml/2011/main" xmlns:a14="http://schemas.microsoft.com/office/drawing/2010/main" xmlns:m="http://schemas.openxmlformats.org/officeDocument/2006/math" xmlns="" val="1"/>
             </a:ext>
           </a:extLst>
         </p:spPr>
@@ -18686,7 +18689,7 @@
           </a:ln>
           <a:extLst>
             <a:ext uri="{C572A759-6A51-4108-AA02-DFA0A04FC94B}">
-              <ma14:wrappingTextBoxFlag xmlns="" xmlns:m="http://schemas.openxmlformats.org/officeDocument/2006/math" xmlns:a14="http://schemas.microsoft.com/office/drawing/2010/main" xmlns:ma14="http://schemas.microsoft.com/office/mac/drawingml/2011/main" val="1"/>
+              <ma14:wrappingTextBoxFlag xmlns:ma14="http://schemas.microsoft.com/office/mac/drawingml/2011/main" xmlns:a14="http://schemas.microsoft.com/office/drawing/2010/main" xmlns:m="http://schemas.openxmlformats.org/officeDocument/2006/math" xmlns="" val="1"/>
             </a:ext>
           </a:extLst>
         </p:spPr>
@@ -18731,7 +18734,7 @@
           </a:ln>
           <a:extLst>
             <a:ext uri="{C572A759-6A51-4108-AA02-DFA0A04FC94B}">
-              <ma14:wrappingTextBoxFlag xmlns="" xmlns:m="http://schemas.openxmlformats.org/officeDocument/2006/math" xmlns:a14="http://schemas.microsoft.com/office/drawing/2010/main" xmlns:ma14="http://schemas.microsoft.com/office/mac/drawingml/2011/main" val="1"/>
+              <ma14:wrappingTextBoxFlag xmlns:ma14="http://schemas.microsoft.com/office/mac/drawingml/2011/main" xmlns:a14="http://schemas.microsoft.com/office/drawing/2010/main" xmlns:m="http://schemas.openxmlformats.org/officeDocument/2006/math" xmlns="" val="1"/>
             </a:ext>
           </a:extLst>
         </p:spPr>
@@ -18770,7 +18773,7 @@
           </a:ln>
           <a:extLst>
             <a:ext uri="{C572A759-6A51-4108-AA02-DFA0A04FC94B}">
-              <ma14:wrappingTextBoxFlag xmlns="" xmlns:m="http://schemas.openxmlformats.org/officeDocument/2006/math" xmlns:a14="http://schemas.microsoft.com/office/drawing/2010/main" xmlns:ma14="http://schemas.microsoft.com/office/mac/drawingml/2011/main" val="1"/>
+              <ma14:wrappingTextBoxFlag xmlns:ma14="http://schemas.microsoft.com/office/mac/drawingml/2011/main" xmlns:a14="http://schemas.microsoft.com/office/drawing/2010/main" xmlns:m="http://schemas.openxmlformats.org/officeDocument/2006/math" xmlns="" val="1"/>
             </a:ext>
           </a:extLst>
         </p:spPr>
@@ -18809,7 +18812,7 @@
           </a:ln>
           <a:extLst>
             <a:ext uri="{C572A759-6A51-4108-AA02-DFA0A04FC94B}">
-              <ma14:wrappingTextBoxFlag xmlns="" xmlns:m="http://schemas.openxmlformats.org/officeDocument/2006/math" xmlns:a14="http://schemas.microsoft.com/office/drawing/2010/main" xmlns:ma14="http://schemas.microsoft.com/office/mac/drawingml/2011/main" val="1"/>
+              <ma14:wrappingTextBoxFlag xmlns:ma14="http://schemas.microsoft.com/office/mac/drawingml/2011/main" xmlns:a14="http://schemas.microsoft.com/office/drawing/2010/main" xmlns:m="http://schemas.openxmlformats.org/officeDocument/2006/math" xmlns="" val="1"/>
             </a:ext>
           </a:extLst>
         </p:spPr>
@@ -18856,7 +18859,7 @@
           </a:ln>
           <a:extLst>
             <a:ext uri="{C572A759-6A51-4108-AA02-DFA0A04FC94B}">
-              <ma14:wrappingTextBoxFlag xmlns="" xmlns:m="http://schemas.openxmlformats.org/officeDocument/2006/math" xmlns:a14="http://schemas.microsoft.com/office/drawing/2010/main" xmlns:ma14="http://schemas.microsoft.com/office/mac/drawingml/2011/main" val="1"/>
+              <ma14:wrappingTextBoxFlag xmlns:ma14="http://schemas.microsoft.com/office/mac/drawingml/2011/main" xmlns:a14="http://schemas.microsoft.com/office/drawing/2010/main" xmlns:m="http://schemas.openxmlformats.org/officeDocument/2006/math" xmlns="" val="1"/>
             </a:ext>
           </a:extLst>
         </p:spPr>
@@ -19187,7 +19190,7 @@
           </a:ln>
           <a:extLst>
             <a:ext uri="{C572A759-6A51-4108-AA02-DFA0A04FC94B}">
-              <ma14:wrappingTextBoxFlag xmlns="" xmlns:m="http://schemas.openxmlformats.org/officeDocument/2006/math" xmlns:a14="http://schemas.microsoft.com/office/drawing/2010/main" xmlns:ma14="http://schemas.microsoft.com/office/mac/drawingml/2011/main" val="1"/>
+              <ma14:wrappingTextBoxFlag xmlns:ma14="http://schemas.microsoft.com/office/mac/drawingml/2011/main" xmlns:a14="http://schemas.microsoft.com/office/drawing/2010/main" xmlns:m="http://schemas.openxmlformats.org/officeDocument/2006/math" xmlns="" val="1"/>
             </a:ext>
           </a:extLst>
         </p:spPr>
@@ -19222,7 +19225,7 @@
           </a:ln>
           <a:extLst>
             <a:ext uri="{C572A759-6A51-4108-AA02-DFA0A04FC94B}">
-              <ma14:wrappingTextBoxFlag xmlns="" xmlns:m="http://schemas.openxmlformats.org/officeDocument/2006/math" xmlns:a14="http://schemas.microsoft.com/office/drawing/2010/main" xmlns:ma14="http://schemas.microsoft.com/office/mac/drawingml/2011/main" val="1"/>
+              <ma14:wrappingTextBoxFlag xmlns:ma14="http://schemas.microsoft.com/office/mac/drawingml/2011/main" xmlns:a14="http://schemas.microsoft.com/office/drawing/2010/main" xmlns:m="http://schemas.openxmlformats.org/officeDocument/2006/math" xmlns="" val="1"/>
             </a:ext>
           </a:extLst>
         </p:spPr>
@@ -19257,7 +19260,7 @@
           </a:ln>
           <a:extLst>
             <a:ext uri="{C572A759-6A51-4108-AA02-DFA0A04FC94B}">
-              <ma14:wrappingTextBoxFlag xmlns="" xmlns:m="http://schemas.openxmlformats.org/officeDocument/2006/math" xmlns:a14="http://schemas.microsoft.com/office/drawing/2010/main" xmlns:ma14="http://schemas.microsoft.com/office/mac/drawingml/2011/main" val="1"/>
+              <ma14:wrappingTextBoxFlag xmlns:ma14="http://schemas.microsoft.com/office/mac/drawingml/2011/main" xmlns:a14="http://schemas.microsoft.com/office/drawing/2010/main" xmlns:m="http://schemas.openxmlformats.org/officeDocument/2006/math" xmlns="" val="1"/>
             </a:ext>
           </a:extLst>
         </p:spPr>
@@ -19343,7 +19346,7 @@
           </a:ln>
           <a:extLst>
             <a:ext uri="{C572A759-6A51-4108-AA02-DFA0A04FC94B}">
-              <ma14:wrappingTextBoxFlag xmlns="" xmlns:m="http://schemas.openxmlformats.org/officeDocument/2006/math" xmlns:a14="http://schemas.microsoft.com/office/drawing/2010/main" xmlns:ma14="http://schemas.microsoft.com/office/mac/drawingml/2011/main" val="1"/>
+              <ma14:wrappingTextBoxFlag xmlns:ma14="http://schemas.microsoft.com/office/mac/drawingml/2011/main" xmlns:a14="http://schemas.microsoft.com/office/drawing/2010/main" xmlns:m="http://schemas.openxmlformats.org/officeDocument/2006/math" xmlns="" val="1"/>
             </a:ext>
           </a:extLst>
         </p:spPr>
@@ -19388,7 +19391,7 @@
           </a:ln>
           <a:extLst>
             <a:ext uri="{C572A759-6A51-4108-AA02-DFA0A04FC94B}">
-              <ma14:wrappingTextBoxFlag xmlns="" xmlns:m="http://schemas.openxmlformats.org/officeDocument/2006/math" xmlns:a14="http://schemas.microsoft.com/office/drawing/2010/main" xmlns:ma14="http://schemas.microsoft.com/office/mac/drawingml/2011/main" val="1"/>
+              <ma14:wrappingTextBoxFlag xmlns:ma14="http://schemas.microsoft.com/office/mac/drawingml/2011/main" xmlns:a14="http://schemas.microsoft.com/office/drawing/2010/main" xmlns:m="http://schemas.openxmlformats.org/officeDocument/2006/math" xmlns="" val="1"/>
             </a:ext>
           </a:extLst>
         </p:spPr>
@@ -19430,7 +19433,7 @@
           </a:ln>
           <a:extLst>
             <a:ext uri="{C572A759-6A51-4108-AA02-DFA0A04FC94B}">
-              <ma14:wrappingTextBoxFlag xmlns="" xmlns:m="http://schemas.openxmlformats.org/officeDocument/2006/math" xmlns:a14="http://schemas.microsoft.com/office/drawing/2010/main" xmlns:ma14="http://schemas.microsoft.com/office/mac/drawingml/2011/main" val="1"/>
+              <ma14:wrappingTextBoxFlag xmlns:ma14="http://schemas.microsoft.com/office/mac/drawingml/2011/main" xmlns:a14="http://schemas.microsoft.com/office/drawing/2010/main" xmlns:m="http://schemas.openxmlformats.org/officeDocument/2006/math" xmlns="" val="1"/>
             </a:ext>
           </a:extLst>
         </p:spPr>
@@ -19475,7 +19478,7 @@
           </a:ln>
           <a:extLst>
             <a:ext uri="{C572A759-6A51-4108-AA02-DFA0A04FC94B}">
-              <ma14:wrappingTextBoxFlag xmlns="" xmlns:m="http://schemas.openxmlformats.org/officeDocument/2006/math" xmlns:a14="http://schemas.microsoft.com/office/drawing/2010/main" xmlns:ma14="http://schemas.microsoft.com/office/mac/drawingml/2011/main" val="1"/>
+              <ma14:wrappingTextBoxFlag xmlns:ma14="http://schemas.microsoft.com/office/mac/drawingml/2011/main" xmlns:a14="http://schemas.microsoft.com/office/drawing/2010/main" xmlns:m="http://schemas.openxmlformats.org/officeDocument/2006/math" xmlns="" val="1"/>
             </a:ext>
           </a:extLst>
         </p:spPr>
@@ -19514,7 +19517,7 @@
           </a:ln>
           <a:extLst>
             <a:ext uri="{C572A759-6A51-4108-AA02-DFA0A04FC94B}">
-              <ma14:wrappingTextBoxFlag xmlns="" xmlns:m="http://schemas.openxmlformats.org/officeDocument/2006/math" xmlns:a14="http://schemas.microsoft.com/office/drawing/2010/main" xmlns:ma14="http://schemas.microsoft.com/office/mac/drawingml/2011/main" val="1"/>
+              <ma14:wrappingTextBoxFlag xmlns:ma14="http://schemas.microsoft.com/office/mac/drawingml/2011/main" xmlns:a14="http://schemas.microsoft.com/office/drawing/2010/main" xmlns:m="http://schemas.openxmlformats.org/officeDocument/2006/math" xmlns="" val="1"/>
             </a:ext>
           </a:extLst>
         </p:spPr>
@@ -19553,7 +19556,7 @@
           </a:ln>
           <a:extLst>
             <a:ext uri="{C572A759-6A51-4108-AA02-DFA0A04FC94B}">
-              <ma14:wrappingTextBoxFlag xmlns="" xmlns:m="http://schemas.openxmlformats.org/officeDocument/2006/math" xmlns:a14="http://schemas.microsoft.com/office/drawing/2010/main" xmlns:ma14="http://schemas.microsoft.com/office/mac/drawingml/2011/main" val="1"/>
+              <ma14:wrappingTextBoxFlag xmlns:ma14="http://schemas.microsoft.com/office/mac/drawingml/2011/main" xmlns:a14="http://schemas.microsoft.com/office/drawing/2010/main" xmlns:m="http://schemas.openxmlformats.org/officeDocument/2006/math" xmlns="" val="1"/>
             </a:ext>
           </a:extLst>
         </p:spPr>
@@ -19600,7 +19603,7 @@
           </a:ln>
           <a:extLst>
             <a:ext uri="{C572A759-6A51-4108-AA02-DFA0A04FC94B}">
-              <ma14:wrappingTextBoxFlag xmlns="" xmlns:m="http://schemas.openxmlformats.org/officeDocument/2006/math" xmlns:a14="http://schemas.microsoft.com/office/drawing/2010/main" xmlns:ma14="http://schemas.microsoft.com/office/mac/drawingml/2011/main" val="1"/>
+              <ma14:wrappingTextBoxFlag xmlns:ma14="http://schemas.microsoft.com/office/mac/drawingml/2011/main" xmlns:a14="http://schemas.microsoft.com/office/drawing/2010/main" xmlns:m="http://schemas.openxmlformats.org/officeDocument/2006/math" xmlns="" val="1"/>
             </a:ext>
           </a:extLst>
         </p:spPr>
@@ -19644,7 +19647,7 @@
           </a:ln>
           <a:extLst>
             <a:ext uri="{C572A759-6A51-4108-AA02-DFA0A04FC94B}">
-              <ma14:wrappingTextBoxFlag xmlns="" xmlns:m="http://schemas.openxmlformats.org/officeDocument/2006/math" xmlns:a14="http://schemas.microsoft.com/office/drawing/2010/main" xmlns:ma14="http://schemas.microsoft.com/office/mac/drawingml/2011/main" val="1"/>
+              <ma14:wrappingTextBoxFlag xmlns:ma14="http://schemas.microsoft.com/office/mac/drawingml/2011/main" xmlns:a14="http://schemas.microsoft.com/office/drawing/2010/main" xmlns:m="http://schemas.openxmlformats.org/officeDocument/2006/math" xmlns="" val="1"/>
             </a:ext>
           </a:extLst>
         </p:spPr>
@@ -19821,7 +19824,7 @@
           </a:ln>
           <a:extLst>
             <a:ext uri="{C572A759-6A51-4108-AA02-DFA0A04FC94B}">
-              <ma14:wrappingTextBoxFlag xmlns="" xmlns:m="http://schemas.openxmlformats.org/officeDocument/2006/math" xmlns:a14="http://schemas.microsoft.com/office/drawing/2010/main" xmlns:ma14="http://schemas.microsoft.com/office/mac/drawingml/2011/main" val="1"/>
+              <ma14:wrappingTextBoxFlag xmlns:ma14="http://schemas.microsoft.com/office/mac/drawingml/2011/main" xmlns:a14="http://schemas.microsoft.com/office/drawing/2010/main" xmlns:m="http://schemas.openxmlformats.org/officeDocument/2006/math" xmlns="" val="1"/>
             </a:ext>
           </a:extLst>
         </p:spPr>
@@ -19868,7 +19871,7 @@
           </a:ln>
           <a:extLst>
             <a:ext uri="{C572A759-6A51-4108-AA02-DFA0A04FC94B}">
-              <ma14:wrappingTextBoxFlag xmlns="" xmlns:m="http://schemas.openxmlformats.org/officeDocument/2006/math" xmlns:a14="http://schemas.microsoft.com/office/drawing/2010/main" xmlns:ma14="http://schemas.microsoft.com/office/mac/drawingml/2011/main" val="1"/>
+              <ma14:wrappingTextBoxFlag xmlns:ma14="http://schemas.microsoft.com/office/mac/drawingml/2011/main" xmlns:a14="http://schemas.microsoft.com/office/drawing/2010/main" xmlns:m="http://schemas.openxmlformats.org/officeDocument/2006/math" xmlns="" val="1"/>
             </a:ext>
           </a:extLst>
         </p:spPr>
@@ -19930,7 +19933,7 @@
           </a:ln>
           <a:extLst>
             <a:ext uri="{C572A759-6A51-4108-AA02-DFA0A04FC94B}">
-              <ma14:wrappingTextBoxFlag xmlns="" xmlns:m="http://schemas.openxmlformats.org/officeDocument/2006/math" xmlns:a14="http://schemas.microsoft.com/office/drawing/2010/main" xmlns:ma14="http://schemas.microsoft.com/office/mac/drawingml/2011/main" val="1"/>
+              <ma14:wrappingTextBoxFlag xmlns:ma14="http://schemas.microsoft.com/office/mac/drawingml/2011/main" xmlns:a14="http://schemas.microsoft.com/office/drawing/2010/main" xmlns:m="http://schemas.openxmlformats.org/officeDocument/2006/math" xmlns="" val="1"/>
             </a:ext>
           </a:extLst>
         </p:spPr>
@@ -20033,7 +20036,7 @@
           </a:ln>
           <a:extLst>
             <a:ext uri="{C572A759-6A51-4108-AA02-DFA0A04FC94B}">
-              <ma14:wrappingTextBoxFlag xmlns="" xmlns:m="http://schemas.openxmlformats.org/officeDocument/2006/math" xmlns:a14="http://schemas.microsoft.com/office/drawing/2010/main" xmlns:ma14="http://schemas.microsoft.com/office/mac/drawingml/2011/main" val="1"/>
+              <ma14:wrappingTextBoxFlag xmlns:ma14="http://schemas.microsoft.com/office/mac/drawingml/2011/main" xmlns:a14="http://schemas.microsoft.com/office/drawing/2010/main" xmlns:m="http://schemas.openxmlformats.org/officeDocument/2006/math" xmlns="" val="1"/>
             </a:ext>
           </a:extLst>
         </p:spPr>
@@ -20073,7 +20076,7 @@
           </a:ln>
           <a:extLst>
             <a:ext uri="{C572A759-6A51-4108-AA02-DFA0A04FC94B}">
-              <ma14:wrappingTextBoxFlag xmlns="" xmlns:m="http://schemas.openxmlformats.org/officeDocument/2006/math" xmlns:a14="http://schemas.microsoft.com/office/drawing/2010/main" xmlns:ma14="http://schemas.microsoft.com/office/mac/drawingml/2011/main" val="1"/>
+              <ma14:wrappingTextBoxFlag xmlns:ma14="http://schemas.microsoft.com/office/mac/drawingml/2011/main" xmlns:a14="http://schemas.microsoft.com/office/drawing/2010/main" xmlns:m="http://schemas.openxmlformats.org/officeDocument/2006/math" xmlns="" val="1"/>
             </a:ext>
           </a:extLst>
         </p:spPr>
@@ -20280,7 +20283,7 @@
           </a:ln>
           <a:extLst>
             <a:ext uri="{C572A759-6A51-4108-AA02-DFA0A04FC94B}">
-              <ma14:wrappingTextBoxFlag xmlns="" xmlns:m="http://schemas.openxmlformats.org/officeDocument/2006/math" xmlns:a14="http://schemas.microsoft.com/office/drawing/2010/main" xmlns:ma14="http://schemas.microsoft.com/office/mac/drawingml/2011/main" val="1"/>
+              <ma14:wrappingTextBoxFlag xmlns:ma14="http://schemas.microsoft.com/office/mac/drawingml/2011/main" xmlns:a14="http://schemas.microsoft.com/office/drawing/2010/main" xmlns:m="http://schemas.openxmlformats.org/officeDocument/2006/math" xmlns="" val="1"/>
             </a:ext>
           </a:extLst>
         </p:spPr>
@@ -20407,7 +20410,7 @@
           </a:ln>
           <a:extLst>
             <a:ext uri="{C572A759-6A51-4108-AA02-DFA0A04FC94B}">
-              <ma14:wrappingTextBoxFlag xmlns="" xmlns:m="http://schemas.openxmlformats.org/officeDocument/2006/math" xmlns:a14="http://schemas.microsoft.com/office/drawing/2010/main" xmlns:ma14="http://schemas.microsoft.com/office/mac/drawingml/2011/main" val="1"/>
+              <ma14:wrappingTextBoxFlag xmlns:ma14="http://schemas.microsoft.com/office/mac/drawingml/2011/main" xmlns:a14="http://schemas.microsoft.com/office/drawing/2010/main" xmlns:m="http://schemas.openxmlformats.org/officeDocument/2006/math" xmlns="" val="1"/>
             </a:ext>
           </a:extLst>
         </p:spPr>
@@ -20454,7 +20457,7 @@
           </a:ln>
           <a:extLst>
             <a:ext uri="{C572A759-6A51-4108-AA02-DFA0A04FC94B}">
-              <ma14:wrappingTextBoxFlag xmlns="" xmlns:m="http://schemas.openxmlformats.org/officeDocument/2006/math" xmlns:a14="http://schemas.microsoft.com/office/drawing/2010/main" xmlns:ma14="http://schemas.microsoft.com/office/mac/drawingml/2011/main" val="1"/>
+              <ma14:wrappingTextBoxFlag xmlns:ma14="http://schemas.microsoft.com/office/mac/drawingml/2011/main" xmlns:a14="http://schemas.microsoft.com/office/drawing/2010/main" xmlns:m="http://schemas.openxmlformats.org/officeDocument/2006/math" xmlns="" val="1"/>
             </a:ext>
           </a:extLst>
         </p:spPr>
@@ -20516,7 +20519,7 @@
           </a:ln>
           <a:extLst>
             <a:ext uri="{C572A759-6A51-4108-AA02-DFA0A04FC94B}">
-              <ma14:wrappingTextBoxFlag xmlns="" xmlns:m="http://schemas.openxmlformats.org/officeDocument/2006/math" xmlns:a14="http://schemas.microsoft.com/office/drawing/2010/main" xmlns:ma14="http://schemas.microsoft.com/office/mac/drawingml/2011/main" val="1"/>
+              <ma14:wrappingTextBoxFlag xmlns:ma14="http://schemas.microsoft.com/office/mac/drawingml/2011/main" xmlns:a14="http://schemas.microsoft.com/office/drawing/2010/main" xmlns:m="http://schemas.openxmlformats.org/officeDocument/2006/math" xmlns="" val="1"/>
             </a:ext>
           </a:extLst>
         </p:spPr>
@@ -20619,7 +20622,7 @@
           </a:ln>
           <a:extLst>
             <a:ext uri="{C572A759-6A51-4108-AA02-DFA0A04FC94B}">
-              <ma14:wrappingTextBoxFlag xmlns="" xmlns:m="http://schemas.openxmlformats.org/officeDocument/2006/math" xmlns:a14="http://schemas.microsoft.com/office/drawing/2010/main" xmlns:ma14="http://schemas.microsoft.com/office/mac/drawingml/2011/main" val="1"/>
+              <ma14:wrappingTextBoxFlag xmlns:ma14="http://schemas.microsoft.com/office/mac/drawingml/2011/main" xmlns:a14="http://schemas.microsoft.com/office/drawing/2010/main" xmlns:m="http://schemas.openxmlformats.org/officeDocument/2006/math" xmlns="" val="1"/>
             </a:ext>
           </a:extLst>
         </p:spPr>
@@ -20659,7 +20662,7 @@
           </a:ln>
           <a:extLst>
             <a:ext uri="{C572A759-6A51-4108-AA02-DFA0A04FC94B}">
-              <ma14:wrappingTextBoxFlag xmlns="" xmlns:m="http://schemas.openxmlformats.org/officeDocument/2006/math" xmlns:a14="http://schemas.microsoft.com/office/drawing/2010/main" xmlns:ma14="http://schemas.microsoft.com/office/mac/drawingml/2011/main" val="1"/>
+              <ma14:wrappingTextBoxFlag xmlns:ma14="http://schemas.microsoft.com/office/mac/drawingml/2011/main" xmlns:a14="http://schemas.microsoft.com/office/drawing/2010/main" xmlns:m="http://schemas.openxmlformats.org/officeDocument/2006/math" xmlns="" val="1"/>
             </a:ext>
           </a:extLst>
         </p:spPr>
@@ -20899,7 +20902,7 @@
           </a:ln>
           <a:extLst>
             <a:ext uri="{C572A759-6A51-4108-AA02-DFA0A04FC94B}">
-              <ma14:wrappingTextBoxFlag xmlns="" xmlns:m="http://schemas.openxmlformats.org/officeDocument/2006/math" xmlns:a14="http://schemas.microsoft.com/office/drawing/2010/main" xmlns:ma14="http://schemas.microsoft.com/office/mac/drawingml/2011/main" val="1"/>
+              <ma14:wrappingTextBoxFlag xmlns:ma14="http://schemas.microsoft.com/office/mac/drawingml/2011/main" xmlns:a14="http://schemas.microsoft.com/office/drawing/2010/main" xmlns:m="http://schemas.openxmlformats.org/officeDocument/2006/math" xmlns="" val="1"/>
             </a:ext>
           </a:extLst>
         </p:spPr>
@@ -20973,7 +20976,7 @@
           </a:ln>
           <a:extLst>
             <a:ext uri="{C572A759-6A51-4108-AA02-DFA0A04FC94B}">
-              <ma14:wrappingTextBoxFlag xmlns="" xmlns:m="http://schemas.openxmlformats.org/officeDocument/2006/math" xmlns:a14="http://schemas.microsoft.com/office/drawing/2010/main" xmlns:ma14="http://schemas.microsoft.com/office/mac/drawingml/2011/main" val="1"/>
+              <ma14:wrappingTextBoxFlag xmlns:ma14="http://schemas.microsoft.com/office/mac/drawingml/2011/main" xmlns:a14="http://schemas.microsoft.com/office/drawing/2010/main" xmlns:m="http://schemas.openxmlformats.org/officeDocument/2006/math" xmlns="" val="1"/>
             </a:ext>
           </a:extLst>
         </p:spPr>
@@ -21017,7 +21020,7 @@
           </a:ln>
           <a:extLst>
             <a:ext uri="{C572A759-6A51-4108-AA02-DFA0A04FC94B}">
-              <ma14:wrappingTextBoxFlag xmlns="" xmlns:m="http://schemas.openxmlformats.org/officeDocument/2006/math" xmlns:a14="http://schemas.microsoft.com/office/drawing/2010/main" xmlns:ma14="http://schemas.microsoft.com/office/mac/drawingml/2011/main" val="1"/>
+              <ma14:wrappingTextBoxFlag xmlns:ma14="http://schemas.microsoft.com/office/mac/drawingml/2011/main" xmlns:a14="http://schemas.microsoft.com/office/drawing/2010/main" xmlns:m="http://schemas.openxmlformats.org/officeDocument/2006/math" xmlns="" val="1"/>
             </a:ext>
           </a:extLst>
         </p:spPr>
@@ -21257,7 +21260,7 @@
           </a:ln>
           <a:extLst>
             <a:ext uri="{C572A759-6A51-4108-AA02-DFA0A04FC94B}">
-              <ma14:wrappingTextBoxFlag xmlns="" xmlns:m="http://schemas.openxmlformats.org/officeDocument/2006/math" xmlns:a14="http://schemas.microsoft.com/office/drawing/2010/main" xmlns:ma14="http://schemas.microsoft.com/office/mac/drawingml/2011/main" val="1"/>
+              <ma14:wrappingTextBoxFlag xmlns:ma14="http://schemas.microsoft.com/office/mac/drawingml/2011/main" xmlns:a14="http://schemas.microsoft.com/office/drawing/2010/main" xmlns:m="http://schemas.openxmlformats.org/officeDocument/2006/math" xmlns="" val="1"/>
             </a:ext>
           </a:extLst>
         </p:spPr>
@@ -21331,7 +21334,7 @@
           </a:ln>
           <a:extLst>
             <a:ext uri="{C572A759-6A51-4108-AA02-DFA0A04FC94B}">
-              <ma14:wrappingTextBoxFlag xmlns="" xmlns:m="http://schemas.openxmlformats.org/officeDocument/2006/math" xmlns:a14="http://schemas.microsoft.com/office/drawing/2010/main" xmlns:ma14="http://schemas.microsoft.com/office/mac/drawingml/2011/main" val="1"/>
+              <ma14:wrappingTextBoxFlag xmlns:ma14="http://schemas.microsoft.com/office/mac/drawingml/2011/main" xmlns:a14="http://schemas.microsoft.com/office/drawing/2010/main" xmlns:m="http://schemas.openxmlformats.org/officeDocument/2006/math" xmlns="" val="1"/>
             </a:ext>
           </a:extLst>
         </p:spPr>
@@ -21415,7 +21418,7 @@
           </a:ln>
           <a:extLst>
             <a:ext uri="{C572A759-6A51-4108-AA02-DFA0A04FC94B}">
-              <ma14:wrappingTextBoxFlag xmlns="" xmlns:m="http://schemas.openxmlformats.org/officeDocument/2006/math" xmlns:a14="http://schemas.microsoft.com/office/drawing/2010/main" xmlns:ma14="http://schemas.microsoft.com/office/mac/drawingml/2011/main" val="1"/>
+              <ma14:wrappingTextBoxFlag xmlns:ma14="http://schemas.microsoft.com/office/mac/drawingml/2011/main" xmlns:a14="http://schemas.microsoft.com/office/drawing/2010/main" xmlns:m="http://schemas.openxmlformats.org/officeDocument/2006/math" xmlns="" val="1"/>
             </a:ext>
           </a:extLst>
         </p:spPr>
@@ -21502,7 +21505,7 @@
           </a:ln>
           <a:extLst>
             <a:ext uri="{C572A759-6A51-4108-AA02-DFA0A04FC94B}">
-              <ma14:wrappingTextBoxFlag xmlns="" xmlns:m="http://schemas.openxmlformats.org/officeDocument/2006/math" xmlns:a14="http://schemas.microsoft.com/office/drawing/2010/main" xmlns:ma14="http://schemas.microsoft.com/office/mac/drawingml/2011/main" val="1"/>
+              <ma14:wrappingTextBoxFlag xmlns:ma14="http://schemas.microsoft.com/office/mac/drawingml/2011/main" xmlns:a14="http://schemas.microsoft.com/office/drawing/2010/main" xmlns:m="http://schemas.openxmlformats.org/officeDocument/2006/math" xmlns="" val="1"/>
             </a:ext>
           </a:extLst>
         </p:spPr>
@@ -21589,7 +21592,7 @@
           </a:ln>
           <a:extLst>
             <a:ext uri="{C572A759-6A51-4108-AA02-DFA0A04FC94B}">
-              <ma14:wrappingTextBoxFlag xmlns="" xmlns:m="http://schemas.openxmlformats.org/officeDocument/2006/math" xmlns:a14="http://schemas.microsoft.com/office/drawing/2010/main" xmlns:ma14="http://schemas.microsoft.com/office/mac/drawingml/2011/main" val="1"/>
+              <ma14:wrappingTextBoxFlag xmlns:ma14="http://schemas.microsoft.com/office/mac/drawingml/2011/main" xmlns:a14="http://schemas.microsoft.com/office/drawing/2010/main" xmlns:m="http://schemas.openxmlformats.org/officeDocument/2006/math" xmlns="" val="1"/>
             </a:ext>
           </a:extLst>
         </p:spPr>
@@ -21636,7 +21639,7 @@
           </a:ln>
           <a:extLst>
             <a:ext uri="{C572A759-6A51-4108-AA02-DFA0A04FC94B}">
-              <ma14:wrappingTextBoxFlag xmlns="" xmlns:m="http://schemas.openxmlformats.org/officeDocument/2006/math" xmlns:a14="http://schemas.microsoft.com/office/drawing/2010/main" xmlns:ma14="http://schemas.microsoft.com/office/mac/drawingml/2011/main" val="1"/>
+              <ma14:wrappingTextBoxFlag xmlns:ma14="http://schemas.microsoft.com/office/mac/drawingml/2011/main" xmlns:a14="http://schemas.microsoft.com/office/drawing/2010/main" xmlns:m="http://schemas.openxmlformats.org/officeDocument/2006/math" xmlns="" val="1"/>
             </a:ext>
           </a:extLst>
         </p:spPr>
@@ -21876,7 +21879,7 @@
           </a:ln>
           <a:extLst>
             <a:ext uri="{C572A759-6A51-4108-AA02-DFA0A04FC94B}">
-              <ma14:wrappingTextBoxFlag xmlns="" xmlns:m="http://schemas.openxmlformats.org/officeDocument/2006/math" xmlns:a14="http://schemas.microsoft.com/office/drawing/2010/main" xmlns:ma14="http://schemas.microsoft.com/office/mac/drawingml/2011/main" val="1"/>
+              <ma14:wrappingTextBoxFlag xmlns:ma14="http://schemas.microsoft.com/office/mac/drawingml/2011/main" xmlns:a14="http://schemas.microsoft.com/office/drawing/2010/main" xmlns:m="http://schemas.openxmlformats.org/officeDocument/2006/math" xmlns="" val="1"/>
             </a:ext>
           </a:extLst>
         </p:spPr>
@@ -21950,7 +21953,7 @@
           </a:ln>
           <a:extLst>
             <a:ext uri="{C572A759-6A51-4108-AA02-DFA0A04FC94B}">
-              <ma14:wrappingTextBoxFlag xmlns="" xmlns:m="http://schemas.openxmlformats.org/officeDocument/2006/math" xmlns:a14="http://schemas.microsoft.com/office/drawing/2010/main" xmlns:ma14="http://schemas.microsoft.com/office/mac/drawingml/2011/main" val="1"/>
+              <ma14:wrappingTextBoxFlag xmlns:ma14="http://schemas.microsoft.com/office/mac/drawingml/2011/main" xmlns:a14="http://schemas.microsoft.com/office/drawing/2010/main" xmlns:m="http://schemas.openxmlformats.org/officeDocument/2006/math" xmlns="" val="1"/>
             </a:ext>
           </a:extLst>
         </p:spPr>
@@ -22034,7 +22037,7 @@
           </a:ln>
           <a:extLst>
             <a:ext uri="{C572A759-6A51-4108-AA02-DFA0A04FC94B}">
-              <ma14:wrappingTextBoxFlag xmlns="" xmlns:m="http://schemas.openxmlformats.org/officeDocument/2006/math" xmlns:a14="http://schemas.microsoft.com/office/drawing/2010/main" xmlns:ma14="http://schemas.microsoft.com/office/mac/drawingml/2011/main" val="1"/>
+              <ma14:wrappingTextBoxFlag xmlns:ma14="http://schemas.microsoft.com/office/mac/drawingml/2011/main" xmlns:a14="http://schemas.microsoft.com/office/drawing/2010/main" xmlns:m="http://schemas.openxmlformats.org/officeDocument/2006/math" xmlns="" val="1"/>
             </a:ext>
           </a:extLst>
         </p:spPr>
@@ -22081,7 +22084,7 @@
           </a:ln>
           <a:extLst>
             <a:ext uri="{C572A759-6A51-4108-AA02-DFA0A04FC94B}">
-              <ma14:wrappingTextBoxFlag xmlns="" xmlns:m="http://schemas.openxmlformats.org/officeDocument/2006/math" xmlns:a14="http://schemas.microsoft.com/office/drawing/2010/main" xmlns:ma14="http://schemas.microsoft.com/office/mac/drawingml/2011/main" val="1"/>
+              <ma14:wrappingTextBoxFlag xmlns:ma14="http://schemas.microsoft.com/office/mac/drawingml/2011/main" xmlns:a14="http://schemas.microsoft.com/office/drawing/2010/main" xmlns:m="http://schemas.openxmlformats.org/officeDocument/2006/math" xmlns="" val="1"/>
             </a:ext>
           </a:extLst>
         </p:spPr>
@@ -22168,7 +22171,7 @@
           </a:ln>
           <a:extLst>
             <a:ext uri="{C572A759-6A51-4108-AA02-DFA0A04FC94B}">
-              <ma14:wrappingTextBoxFlag xmlns="" xmlns:m="http://schemas.openxmlformats.org/officeDocument/2006/math" xmlns:a14="http://schemas.microsoft.com/office/drawing/2010/main" xmlns:ma14="http://schemas.microsoft.com/office/mac/drawingml/2011/main" val="1"/>
+              <ma14:wrappingTextBoxFlag xmlns:ma14="http://schemas.microsoft.com/office/mac/drawingml/2011/main" xmlns:a14="http://schemas.microsoft.com/office/drawing/2010/main" xmlns:m="http://schemas.openxmlformats.org/officeDocument/2006/math" xmlns="" val="1"/>
             </a:ext>
           </a:extLst>
         </p:spPr>
@@ -22215,7 +22218,7 @@
           </a:ln>
           <a:extLst>
             <a:ext uri="{C572A759-6A51-4108-AA02-DFA0A04FC94B}">
-              <ma14:wrappingTextBoxFlag xmlns="" xmlns:m="http://schemas.openxmlformats.org/officeDocument/2006/math" xmlns:a14="http://schemas.microsoft.com/office/drawing/2010/main" xmlns:ma14="http://schemas.microsoft.com/office/mac/drawingml/2011/main" val="1"/>
+              <ma14:wrappingTextBoxFlag xmlns:ma14="http://schemas.microsoft.com/office/mac/drawingml/2011/main" xmlns:a14="http://schemas.microsoft.com/office/drawing/2010/main" xmlns:m="http://schemas.openxmlformats.org/officeDocument/2006/math" xmlns="" val="1"/>
             </a:ext>
           </a:extLst>
         </p:spPr>
@@ -22573,7 +22576,7 @@
           </a:ln>
           <a:extLst>
             <a:ext uri="{C572A759-6A51-4108-AA02-DFA0A04FC94B}">
-              <ma14:wrappingTextBoxFlag xmlns="" xmlns:m="http://schemas.openxmlformats.org/officeDocument/2006/math" xmlns:a14="http://schemas.microsoft.com/office/drawing/2010/main" xmlns:ma14="http://schemas.microsoft.com/office/mac/drawingml/2011/main" val="1"/>
+              <ma14:wrappingTextBoxFlag xmlns:ma14="http://schemas.microsoft.com/office/mac/drawingml/2011/main" xmlns:a14="http://schemas.microsoft.com/office/drawing/2010/main" xmlns:m="http://schemas.openxmlformats.org/officeDocument/2006/math" xmlns="" val="1"/>
             </a:ext>
           </a:extLst>
         </p:spPr>
@@ -22608,7 +22611,7 @@
           </a:ln>
           <a:extLst>
             <a:ext uri="{C572A759-6A51-4108-AA02-DFA0A04FC94B}">
-              <ma14:wrappingTextBoxFlag xmlns="" xmlns:m="http://schemas.openxmlformats.org/officeDocument/2006/math" xmlns:a14="http://schemas.microsoft.com/office/drawing/2010/main" xmlns:ma14="http://schemas.microsoft.com/office/mac/drawingml/2011/main" val="1"/>
+              <ma14:wrappingTextBoxFlag xmlns:ma14="http://schemas.microsoft.com/office/mac/drawingml/2011/main" xmlns:a14="http://schemas.microsoft.com/office/drawing/2010/main" xmlns:m="http://schemas.openxmlformats.org/officeDocument/2006/math" xmlns="" val="1"/>
             </a:ext>
           </a:extLst>
         </p:spPr>
@@ -22643,7 +22646,7 @@
           </a:ln>
           <a:extLst>
             <a:ext uri="{C572A759-6A51-4108-AA02-DFA0A04FC94B}">
-              <ma14:wrappingTextBoxFlag xmlns="" xmlns:m="http://schemas.openxmlformats.org/officeDocument/2006/math" xmlns:a14="http://schemas.microsoft.com/office/drawing/2010/main" xmlns:ma14="http://schemas.microsoft.com/office/mac/drawingml/2011/main" val="1"/>
+              <ma14:wrappingTextBoxFlag xmlns:ma14="http://schemas.microsoft.com/office/mac/drawingml/2011/main" xmlns:a14="http://schemas.microsoft.com/office/drawing/2010/main" xmlns:m="http://schemas.openxmlformats.org/officeDocument/2006/math" xmlns="" val="1"/>
             </a:ext>
           </a:extLst>
         </p:spPr>
@@ -22726,7 +22729,7 @@
           </a:ln>
           <a:extLst>
             <a:ext uri="{C572A759-6A51-4108-AA02-DFA0A04FC94B}">
-              <ma14:wrappingTextBoxFlag xmlns="" xmlns:m="http://schemas.openxmlformats.org/officeDocument/2006/math" xmlns:a14="http://schemas.microsoft.com/office/drawing/2010/main" xmlns:ma14="http://schemas.microsoft.com/office/mac/drawingml/2011/main" val="1"/>
+              <ma14:wrappingTextBoxFlag xmlns:ma14="http://schemas.microsoft.com/office/mac/drawingml/2011/main" xmlns:a14="http://schemas.microsoft.com/office/drawing/2010/main" xmlns:m="http://schemas.openxmlformats.org/officeDocument/2006/math" xmlns="" val="1"/>
             </a:ext>
           </a:extLst>
         </p:spPr>
@@ -22771,7 +22774,7 @@
           </a:ln>
           <a:extLst>
             <a:ext uri="{C572A759-6A51-4108-AA02-DFA0A04FC94B}">
-              <ma14:wrappingTextBoxFlag xmlns="" xmlns:m="http://schemas.openxmlformats.org/officeDocument/2006/math" xmlns:a14="http://schemas.microsoft.com/office/drawing/2010/main" xmlns:ma14="http://schemas.microsoft.com/office/mac/drawingml/2011/main" val="1"/>
+              <ma14:wrappingTextBoxFlag xmlns:ma14="http://schemas.microsoft.com/office/mac/drawingml/2011/main" xmlns:a14="http://schemas.microsoft.com/office/drawing/2010/main" xmlns:m="http://schemas.openxmlformats.org/officeDocument/2006/math" xmlns="" val="1"/>
             </a:ext>
           </a:extLst>
         </p:spPr>
@@ -22813,7 +22816,7 @@
           </a:ln>
           <a:extLst>
             <a:ext uri="{C572A759-6A51-4108-AA02-DFA0A04FC94B}">
-              <ma14:wrappingTextBoxFlag xmlns="" xmlns:m="http://schemas.openxmlformats.org/officeDocument/2006/math" xmlns:a14="http://schemas.microsoft.com/office/drawing/2010/main" xmlns:ma14="http://schemas.microsoft.com/office/mac/drawingml/2011/main" val="1"/>
+              <ma14:wrappingTextBoxFlag xmlns:ma14="http://schemas.microsoft.com/office/mac/drawingml/2011/main" xmlns:a14="http://schemas.microsoft.com/office/drawing/2010/main" xmlns:m="http://schemas.openxmlformats.org/officeDocument/2006/math" xmlns="" val="1"/>
             </a:ext>
           </a:extLst>
         </p:spPr>
@@ -22858,7 +22861,7 @@
           </a:ln>
           <a:extLst>
             <a:ext uri="{C572A759-6A51-4108-AA02-DFA0A04FC94B}">
-              <ma14:wrappingTextBoxFlag xmlns="" xmlns:m="http://schemas.openxmlformats.org/officeDocument/2006/math" xmlns:a14="http://schemas.microsoft.com/office/drawing/2010/main" xmlns:ma14="http://schemas.microsoft.com/office/mac/drawingml/2011/main" val="1"/>
+              <ma14:wrappingTextBoxFlag xmlns:ma14="http://schemas.microsoft.com/office/mac/drawingml/2011/main" xmlns:a14="http://schemas.microsoft.com/office/drawing/2010/main" xmlns:m="http://schemas.openxmlformats.org/officeDocument/2006/math" xmlns="" val="1"/>
             </a:ext>
           </a:extLst>
         </p:spPr>
@@ -22897,7 +22900,7 @@
           </a:ln>
           <a:extLst>
             <a:ext uri="{C572A759-6A51-4108-AA02-DFA0A04FC94B}">
-              <ma14:wrappingTextBoxFlag xmlns="" xmlns:m="http://schemas.openxmlformats.org/officeDocument/2006/math" xmlns:a14="http://schemas.microsoft.com/office/drawing/2010/main" xmlns:ma14="http://schemas.microsoft.com/office/mac/drawingml/2011/main" val="1"/>
+              <ma14:wrappingTextBoxFlag xmlns:ma14="http://schemas.microsoft.com/office/mac/drawingml/2011/main" xmlns:a14="http://schemas.microsoft.com/office/drawing/2010/main" xmlns:m="http://schemas.openxmlformats.org/officeDocument/2006/math" xmlns="" val="1"/>
             </a:ext>
           </a:extLst>
         </p:spPr>
@@ -22936,7 +22939,7 @@
           </a:ln>
           <a:extLst>
             <a:ext uri="{C572A759-6A51-4108-AA02-DFA0A04FC94B}">
-              <ma14:wrappingTextBoxFlag xmlns="" xmlns:m="http://schemas.openxmlformats.org/officeDocument/2006/math" xmlns:a14="http://schemas.microsoft.com/office/drawing/2010/main" xmlns:ma14="http://schemas.microsoft.com/office/mac/drawingml/2011/main" val="1"/>
+              <ma14:wrappingTextBoxFlag xmlns:ma14="http://schemas.microsoft.com/office/mac/drawingml/2011/main" xmlns:a14="http://schemas.microsoft.com/office/drawing/2010/main" xmlns:m="http://schemas.openxmlformats.org/officeDocument/2006/math" xmlns="" val="1"/>
             </a:ext>
           </a:extLst>
         </p:spPr>
@@ -22983,7 +22986,7 @@
           </a:ln>
           <a:extLst>
             <a:ext uri="{C572A759-6A51-4108-AA02-DFA0A04FC94B}">
-              <ma14:wrappingTextBoxFlag xmlns="" xmlns:m="http://schemas.openxmlformats.org/officeDocument/2006/math" xmlns:a14="http://schemas.microsoft.com/office/drawing/2010/main" xmlns:ma14="http://schemas.microsoft.com/office/mac/drawingml/2011/main" val="1"/>
+              <ma14:wrappingTextBoxFlag xmlns:ma14="http://schemas.microsoft.com/office/mac/drawingml/2011/main" xmlns:a14="http://schemas.microsoft.com/office/drawing/2010/main" xmlns:m="http://schemas.openxmlformats.org/officeDocument/2006/math" xmlns="" val="1"/>
             </a:ext>
           </a:extLst>
         </p:spPr>
@@ -23137,7 +23140,7 @@
           </a:ln>
           <a:extLst>
             <a:ext uri="{C572A759-6A51-4108-AA02-DFA0A04FC94B}">
-              <ma14:wrappingTextBoxFlag xmlns="" xmlns:m="http://schemas.openxmlformats.org/officeDocument/2006/math" xmlns:a14="http://schemas.microsoft.com/office/drawing/2010/main" xmlns:ma14="http://schemas.microsoft.com/office/mac/drawingml/2011/main" val="1"/>
+              <ma14:wrappingTextBoxFlag xmlns:ma14="http://schemas.microsoft.com/office/mac/drawingml/2011/main" xmlns:a14="http://schemas.microsoft.com/office/drawing/2010/main" xmlns:m="http://schemas.openxmlformats.org/officeDocument/2006/math" xmlns="" val="1"/>
             </a:ext>
           </a:extLst>
         </p:spPr>
@@ -23184,7 +23187,7 @@
           </a:ln>
           <a:extLst>
             <a:ext uri="{C572A759-6A51-4108-AA02-DFA0A04FC94B}">
-              <ma14:wrappingTextBoxFlag xmlns="" xmlns:m="http://schemas.openxmlformats.org/officeDocument/2006/math" xmlns:a14="http://schemas.microsoft.com/office/drawing/2010/main" xmlns:ma14="http://schemas.microsoft.com/office/mac/drawingml/2011/main" val="1"/>
+              <ma14:wrappingTextBoxFlag xmlns:ma14="http://schemas.microsoft.com/office/mac/drawingml/2011/main" xmlns:a14="http://schemas.microsoft.com/office/drawing/2010/main" xmlns:m="http://schemas.openxmlformats.org/officeDocument/2006/math" xmlns="" val="1"/>
             </a:ext>
           </a:extLst>
         </p:spPr>
@@ -23231,7 +23234,7 @@
           </a:ln>
           <a:extLst>
             <a:ext uri="{C572A759-6A51-4108-AA02-DFA0A04FC94B}">
-              <ma14:wrappingTextBoxFlag xmlns="" xmlns:m="http://schemas.openxmlformats.org/officeDocument/2006/math" xmlns:a14="http://schemas.microsoft.com/office/drawing/2010/main" xmlns:ma14="http://schemas.microsoft.com/office/mac/drawingml/2011/main" val="1"/>
+              <ma14:wrappingTextBoxFlag xmlns:ma14="http://schemas.microsoft.com/office/mac/drawingml/2011/main" xmlns:a14="http://schemas.microsoft.com/office/drawing/2010/main" xmlns:m="http://schemas.openxmlformats.org/officeDocument/2006/math" xmlns="" val="1"/>
             </a:ext>
           </a:extLst>
         </p:spPr>
@@ -23397,7 +23400,7 @@
               <a:rPr lang="en-US" sz="2600" dirty="0">
                 <a:hlinkClick r:id="rId2"/>
               </a:rPr>
-              <a:t>https://www.msyamkumar.com/cs220/s20/datasets.html</a:t>
+              <a:t>https://www.msyamkumar.com/cs220/s21/datasets.html</a:t>
             </a:r>
             <a:endParaRPr sz="2600" u="sng" dirty="0">
               <a:hlinkClick r:id="rId3"/>
@@ -23908,7 +23911,7 @@
           </a:ln>
           <a:extLst>
             <a:ext uri="{C572A759-6A51-4108-AA02-DFA0A04FC94B}">
-              <ma14:wrappingTextBoxFlag xmlns="" xmlns:m="http://schemas.openxmlformats.org/officeDocument/2006/math" xmlns:a14="http://schemas.microsoft.com/office/drawing/2010/main" xmlns:ma14="http://schemas.microsoft.com/office/mac/drawingml/2011/main" val="1"/>
+              <ma14:wrappingTextBoxFlag xmlns:ma14="http://schemas.microsoft.com/office/mac/drawingml/2011/main" xmlns:a14="http://schemas.microsoft.com/office/drawing/2010/main" xmlns:m="http://schemas.openxmlformats.org/officeDocument/2006/math" xmlns="" val="1"/>
             </a:ext>
           </a:extLst>
         </p:spPr>
@@ -23943,7 +23946,7 @@
           </a:ln>
           <a:extLst>
             <a:ext uri="{C572A759-6A51-4108-AA02-DFA0A04FC94B}">
-              <ma14:wrappingTextBoxFlag xmlns="" xmlns:m="http://schemas.openxmlformats.org/officeDocument/2006/math" xmlns:a14="http://schemas.microsoft.com/office/drawing/2010/main" xmlns:ma14="http://schemas.microsoft.com/office/mac/drawingml/2011/main" val="1"/>
+              <ma14:wrappingTextBoxFlag xmlns:ma14="http://schemas.microsoft.com/office/mac/drawingml/2011/main" xmlns:a14="http://schemas.microsoft.com/office/drawing/2010/main" xmlns:m="http://schemas.openxmlformats.org/officeDocument/2006/math" xmlns="" val="1"/>
             </a:ext>
           </a:extLst>
         </p:spPr>
@@ -23978,7 +23981,7 @@
           </a:ln>
           <a:extLst>
             <a:ext uri="{C572A759-6A51-4108-AA02-DFA0A04FC94B}">
-              <ma14:wrappingTextBoxFlag xmlns="" xmlns:m="http://schemas.openxmlformats.org/officeDocument/2006/math" xmlns:a14="http://schemas.microsoft.com/office/drawing/2010/main" xmlns:ma14="http://schemas.microsoft.com/office/mac/drawingml/2011/main" val="1"/>
+              <ma14:wrappingTextBoxFlag xmlns:ma14="http://schemas.microsoft.com/office/mac/drawingml/2011/main" xmlns:a14="http://schemas.microsoft.com/office/drawing/2010/main" xmlns:m="http://schemas.openxmlformats.org/officeDocument/2006/math" xmlns="" val="1"/>
             </a:ext>
           </a:extLst>
         </p:spPr>
@@ -24061,7 +24064,7 @@
           </a:ln>
           <a:extLst>
             <a:ext uri="{C572A759-6A51-4108-AA02-DFA0A04FC94B}">
-              <ma14:wrappingTextBoxFlag xmlns="" xmlns:m="http://schemas.openxmlformats.org/officeDocument/2006/math" xmlns:a14="http://schemas.microsoft.com/office/drawing/2010/main" xmlns:ma14="http://schemas.microsoft.com/office/mac/drawingml/2011/main" val="1"/>
+              <ma14:wrappingTextBoxFlag xmlns:ma14="http://schemas.microsoft.com/office/mac/drawingml/2011/main" xmlns:a14="http://schemas.microsoft.com/office/drawing/2010/main" xmlns:m="http://schemas.openxmlformats.org/officeDocument/2006/math" xmlns="" val="1"/>
             </a:ext>
           </a:extLst>
         </p:spPr>
@@ -24106,7 +24109,7 @@
           </a:ln>
           <a:extLst>
             <a:ext uri="{C572A759-6A51-4108-AA02-DFA0A04FC94B}">
-              <ma14:wrappingTextBoxFlag xmlns="" xmlns:m="http://schemas.openxmlformats.org/officeDocument/2006/math" xmlns:a14="http://schemas.microsoft.com/office/drawing/2010/main" xmlns:ma14="http://schemas.microsoft.com/office/mac/drawingml/2011/main" val="1"/>
+              <ma14:wrappingTextBoxFlag xmlns:ma14="http://schemas.microsoft.com/office/mac/drawingml/2011/main" xmlns:a14="http://schemas.microsoft.com/office/drawing/2010/main" xmlns:m="http://schemas.openxmlformats.org/officeDocument/2006/math" xmlns="" val="1"/>
             </a:ext>
           </a:extLst>
         </p:spPr>
@@ -24148,7 +24151,7 @@
           </a:ln>
           <a:extLst>
             <a:ext uri="{C572A759-6A51-4108-AA02-DFA0A04FC94B}">
-              <ma14:wrappingTextBoxFlag xmlns="" xmlns:m="http://schemas.openxmlformats.org/officeDocument/2006/math" xmlns:a14="http://schemas.microsoft.com/office/drawing/2010/main" xmlns:ma14="http://schemas.microsoft.com/office/mac/drawingml/2011/main" val="1"/>
+              <ma14:wrappingTextBoxFlag xmlns:ma14="http://schemas.microsoft.com/office/mac/drawingml/2011/main" xmlns:a14="http://schemas.microsoft.com/office/drawing/2010/main" xmlns:m="http://schemas.openxmlformats.org/officeDocument/2006/math" xmlns="" val="1"/>
             </a:ext>
           </a:extLst>
         </p:spPr>
@@ -24193,7 +24196,7 @@
           </a:ln>
           <a:extLst>
             <a:ext uri="{C572A759-6A51-4108-AA02-DFA0A04FC94B}">
-              <ma14:wrappingTextBoxFlag xmlns="" xmlns:m="http://schemas.openxmlformats.org/officeDocument/2006/math" xmlns:a14="http://schemas.microsoft.com/office/drawing/2010/main" xmlns:ma14="http://schemas.microsoft.com/office/mac/drawingml/2011/main" val="1"/>
+              <ma14:wrappingTextBoxFlag xmlns:ma14="http://schemas.microsoft.com/office/mac/drawingml/2011/main" xmlns:a14="http://schemas.microsoft.com/office/drawing/2010/main" xmlns:m="http://schemas.openxmlformats.org/officeDocument/2006/math" xmlns="" val="1"/>
             </a:ext>
           </a:extLst>
         </p:spPr>
@@ -24232,7 +24235,7 @@
           </a:ln>
           <a:extLst>
             <a:ext uri="{C572A759-6A51-4108-AA02-DFA0A04FC94B}">
-              <ma14:wrappingTextBoxFlag xmlns="" xmlns:m="http://schemas.openxmlformats.org/officeDocument/2006/math" xmlns:a14="http://schemas.microsoft.com/office/drawing/2010/main" xmlns:ma14="http://schemas.microsoft.com/office/mac/drawingml/2011/main" val="1"/>
+              <ma14:wrappingTextBoxFlag xmlns:ma14="http://schemas.microsoft.com/office/mac/drawingml/2011/main" xmlns:a14="http://schemas.microsoft.com/office/drawing/2010/main" xmlns:m="http://schemas.openxmlformats.org/officeDocument/2006/math" xmlns="" val="1"/>
             </a:ext>
           </a:extLst>
         </p:spPr>
@@ -24271,7 +24274,7 @@
           </a:ln>
           <a:extLst>
             <a:ext uri="{C572A759-6A51-4108-AA02-DFA0A04FC94B}">
-              <ma14:wrappingTextBoxFlag xmlns="" xmlns:m="http://schemas.openxmlformats.org/officeDocument/2006/math" xmlns:a14="http://schemas.microsoft.com/office/drawing/2010/main" xmlns:ma14="http://schemas.microsoft.com/office/mac/drawingml/2011/main" val="1"/>
+              <ma14:wrappingTextBoxFlag xmlns:ma14="http://schemas.microsoft.com/office/mac/drawingml/2011/main" xmlns:a14="http://schemas.microsoft.com/office/drawing/2010/main" xmlns:m="http://schemas.openxmlformats.org/officeDocument/2006/math" xmlns="" val="1"/>
             </a:ext>
           </a:extLst>
         </p:spPr>
@@ -24318,7 +24321,7 @@
           </a:ln>
           <a:extLst>
             <a:ext uri="{C572A759-6A51-4108-AA02-DFA0A04FC94B}">
-              <ma14:wrappingTextBoxFlag xmlns="" xmlns:m="http://schemas.openxmlformats.org/officeDocument/2006/math" xmlns:a14="http://schemas.microsoft.com/office/drawing/2010/main" xmlns:ma14="http://schemas.microsoft.com/office/mac/drawingml/2011/main" val="1"/>
+              <ma14:wrappingTextBoxFlag xmlns:ma14="http://schemas.microsoft.com/office/mac/drawingml/2011/main" xmlns:a14="http://schemas.microsoft.com/office/drawing/2010/main" xmlns:m="http://schemas.openxmlformats.org/officeDocument/2006/math" xmlns="" val="1"/>
             </a:ext>
           </a:extLst>
         </p:spPr>
@@ -24365,7 +24368,7 @@
           </a:ln>
           <a:extLst>
             <a:ext uri="{C572A759-6A51-4108-AA02-DFA0A04FC94B}">
-              <ma14:wrappingTextBoxFlag xmlns="" xmlns:m="http://schemas.openxmlformats.org/officeDocument/2006/math" xmlns:a14="http://schemas.microsoft.com/office/drawing/2010/main" xmlns:ma14="http://schemas.microsoft.com/office/mac/drawingml/2011/main" val="1"/>
+              <ma14:wrappingTextBoxFlag xmlns:ma14="http://schemas.microsoft.com/office/mac/drawingml/2011/main" xmlns:a14="http://schemas.microsoft.com/office/drawing/2010/main" xmlns:m="http://schemas.openxmlformats.org/officeDocument/2006/math" xmlns="" val="1"/>
             </a:ext>
           </a:extLst>
         </p:spPr>
@@ -24518,7 +24521,7 @@
           </a:ln>
           <a:extLst>
             <a:ext uri="{C572A759-6A51-4108-AA02-DFA0A04FC94B}">
-              <ma14:wrappingTextBoxFlag xmlns="" xmlns:m="http://schemas.openxmlformats.org/officeDocument/2006/math" xmlns:a14="http://schemas.microsoft.com/office/drawing/2010/main" xmlns:ma14="http://schemas.microsoft.com/office/mac/drawingml/2011/main" val="1"/>
+              <ma14:wrappingTextBoxFlag xmlns:ma14="http://schemas.microsoft.com/office/mac/drawingml/2011/main" xmlns:a14="http://schemas.microsoft.com/office/drawing/2010/main" xmlns:m="http://schemas.openxmlformats.org/officeDocument/2006/math" xmlns="" val="1"/>
             </a:ext>
           </a:extLst>
         </p:spPr>
@@ -24840,7 +24843,7 @@
           </a:ln>
           <a:extLst>
             <a:ext uri="{C572A759-6A51-4108-AA02-DFA0A04FC94B}">
-              <ma14:wrappingTextBoxFlag xmlns="" xmlns:m="http://schemas.openxmlformats.org/officeDocument/2006/math" xmlns:a14="http://schemas.microsoft.com/office/drawing/2010/main" xmlns:ma14="http://schemas.microsoft.com/office/mac/drawingml/2011/main" val="1"/>
+              <ma14:wrappingTextBoxFlag xmlns:ma14="http://schemas.microsoft.com/office/mac/drawingml/2011/main" xmlns:a14="http://schemas.microsoft.com/office/drawing/2010/main" xmlns:m="http://schemas.openxmlformats.org/officeDocument/2006/math" xmlns="" val="1"/>
             </a:ext>
           </a:extLst>
         </p:spPr>
@@ -24875,7 +24878,7 @@
           </a:ln>
           <a:extLst>
             <a:ext uri="{C572A759-6A51-4108-AA02-DFA0A04FC94B}">
-              <ma14:wrappingTextBoxFlag xmlns="" xmlns:m="http://schemas.openxmlformats.org/officeDocument/2006/math" xmlns:a14="http://schemas.microsoft.com/office/drawing/2010/main" xmlns:ma14="http://schemas.microsoft.com/office/mac/drawingml/2011/main" val="1"/>
+              <ma14:wrappingTextBoxFlag xmlns:ma14="http://schemas.microsoft.com/office/mac/drawingml/2011/main" xmlns:a14="http://schemas.microsoft.com/office/drawing/2010/main" xmlns:m="http://schemas.openxmlformats.org/officeDocument/2006/math" xmlns="" val="1"/>
             </a:ext>
           </a:extLst>
         </p:spPr>
@@ -24910,7 +24913,7 @@
           </a:ln>
           <a:extLst>
             <a:ext uri="{C572A759-6A51-4108-AA02-DFA0A04FC94B}">
-              <ma14:wrappingTextBoxFlag xmlns="" xmlns:m="http://schemas.openxmlformats.org/officeDocument/2006/math" xmlns:a14="http://schemas.microsoft.com/office/drawing/2010/main" xmlns:ma14="http://schemas.microsoft.com/office/mac/drawingml/2011/main" val="1"/>
+              <ma14:wrappingTextBoxFlag xmlns:ma14="http://schemas.microsoft.com/office/mac/drawingml/2011/main" xmlns:a14="http://schemas.microsoft.com/office/drawing/2010/main" xmlns:m="http://schemas.openxmlformats.org/officeDocument/2006/math" xmlns="" val="1"/>
             </a:ext>
           </a:extLst>
         </p:spPr>
@@ -24993,7 +24996,7 @@
           </a:ln>
           <a:extLst>
             <a:ext uri="{C572A759-6A51-4108-AA02-DFA0A04FC94B}">
-              <ma14:wrappingTextBoxFlag xmlns="" xmlns:m="http://schemas.openxmlformats.org/officeDocument/2006/math" xmlns:a14="http://schemas.microsoft.com/office/drawing/2010/main" xmlns:ma14="http://schemas.microsoft.com/office/mac/drawingml/2011/main" val="1"/>
+              <ma14:wrappingTextBoxFlag xmlns:ma14="http://schemas.microsoft.com/office/mac/drawingml/2011/main" xmlns:a14="http://schemas.microsoft.com/office/drawing/2010/main" xmlns:m="http://schemas.openxmlformats.org/officeDocument/2006/math" xmlns="" val="1"/>
             </a:ext>
           </a:extLst>
         </p:spPr>
@@ -25038,7 +25041,7 @@
           </a:ln>
           <a:extLst>
             <a:ext uri="{C572A759-6A51-4108-AA02-DFA0A04FC94B}">
-              <ma14:wrappingTextBoxFlag xmlns="" xmlns:m="http://schemas.openxmlformats.org/officeDocument/2006/math" xmlns:a14="http://schemas.microsoft.com/office/drawing/2010/main" xmlns:ma14="http://schemas.microsoft.com/office/mac/drawingml/2011/main" val="1"/>
+              <ma14:wrappingTextBoxFlag xmlns:ma14="http://schemas.microsoft.com/office/mac/drawingml/2011/main" xmlns:a14="http://schemas.microsoft.com/office/drawing/2010/main" xmlns:m="http://schemas.openxmlformats.org/officeDocument/2006/math" xmlns="" val="1"/>
             </a:ext>
           </a:extLst>
         </p:spPr>
@@ -25080,7 +25083,7 @@
           </a:ln>
           <a:extLst>
             <a:ext uri="{C572A759-6A51-4108-AA02-DFA0A04FC94B}">
-              <ma14:wrappingTextBoxFlag xmlns="" xmlns:m="http://schemas.openxmlformats.org/officeDocument/2006/math" xmlns:a14="http://schemas.microsoft.com/office/drawing/2010/main" xmlns:ma14="http://schemas.microsoft.com/office/mac/drawingml/2011/main" val="1"/>
+              <ma14:wrappingTextBoxFlag xmlns:ma14="http://schemas.microsoft.com/office/mac/drawingml/2011/main" xmlns:a14="http://schemas.microsoft.com/office/drawing/2010/main" xmlns:m="http://schemas.openxmlformats.org/officeDocument/2006/math" xmlns="" val="1"/>
             </a:ext>
           </a:extLst>
         </p:spPr>
@@ -25125,7 +25128,7 @@
           </a:ln>
           <a:extLst>
             <a:ext uri="{C572A759-6A51-4108-AA02-DFA0A04FC94B}">
-              <ma14:wrappingTextBoxFlag xmlns="" xmlns:m="http://schemas.openxmlformats.org/officeDocument/2006/math" xmlns:a14="http://schemas.microsoft.com/office/drawing/2010/main" xmlns:ma14="http://schemas.microsoft.com/office/mac/drawingml/2011/main" val="1"/>
+              <ma14:wrappingTextBoxFlag xmlns:ma14="http://schemas.microsoft.com/office/mac/drawingml/2011/main" xmlns:a14="http://schemas.microsoft.com/office/drawing/2010/main" xmlns:m="http://schemas.openxmlformats.org/officeDocument/2006/math" xmlns="" val="1"/>
             </a:ext>
           </a:extLst>
         </p:spPr>
@@ -25164,7 +25167,7 @@
           </a:ln>
           <a:extLst>
             <a:ext uri="{C572A759-6A51-4108-AA02-DFA0A04FC94B}">
-              <ma14:wrappingTextBoxFlag xmlns="" xmlns:m="http://schemas.openxmlformats.org/officeDocument/2006/math" xmlns:a14="http://schemas.microsoft.com/office/drawing/2010/main" xmlns:ma14="http://schemas.microsoft.com/office/mac/drawingml/2011/main" val="1"/>
+              <ma14:wrappingTextBoxFlag xmlns:ma14="http://schemas.microsoft.com/office/mac/drawingml/2011/main" xmlns:a14="http://schemas.microsoft.com/office/drawing/2010/main" xmlns:m="http://schemas.openxmlformats.org/officeDocument/2006/math" xmlns="" val="1"/>
             </a:ext>
           </a:extLst>
         </p:spPr>
@@ -25203,7 +25206,7 @@
           </a:ln>
           <a:extLst>
             <a:ext uri="{C572A759-6A51-4108-AA02-DFA0A04FC94B}">
-              <ma14:wrappingTextBoxFlag xmlns="" xmlns:m="http://schemas.openxmlformats.org/officeDocument/2006/math" xmlns:a14="http://schemas.microsoft.com/office/drawing/2010/main" xmlns:ma14="http://schemas.microsoft.com/office/mac/drawingml/2011/main" val="1"/>
+              <ma14:wrappingTextBoxFlag xmlns:ma14="http://schemas.microsoft.com/office/mac/drawingml/2011/main" xmlns:a14="http://schemas.microsoft.com/office/drawing/2010/main" xmlns:m="http://schemas.openxmlformats.org/officeDocument/2006/math" xmlns="" val="1"/>
             </a:ext>
           </a:extLst>
         </p:spPr>
@@ -25250,7 +25253,7 @@
           </a:ln>
           <a:extLst>
             <a:ext uri="{C572A759-6A51-4108-AA02-DFA0A04FC94B}">
-              <ma14:wrappingTextBoxFlag xmlns="" xmlns:m="http://schemas.openxmlformats.org/officeDocument/2006/math" xmlns:a14="http://schemas.microsoft.com/office/drawing/2010/main" xmlns:ma14="http://schemas.microsoft.com/office/mac/drawingml/2011/main" val="1"/>
+              <ma14:wrappingTextBoxFlag xmlns:ma14="http://schemas.microsoft.com/office/mac/drawingml/2011/main" xmlns:a14="http://schemas.microsoft.com/office/drawing/2010/main" xmlns:m="http://schemas.openxmlformats.org/officeDocument/2006/math" xmlns="" val="1"/>
             </a:ext>
           </a:extLst>
         </p:spPr>
@@ -25297,7 +25300,7 @@
           </a:ln>
           <a:extLst>
             <a:ext uri="{C572A759-6A51-4108-AA02-DFA0A04FC94B}">
-              <ma14:wrappingTextBoxFlag xmlns="" xmlns:m="http://schemas.openxmlformats.org/officeDocument/2006/math" xmlns:a14="http://schemas.microsoft.com/office/drawing/2010/main" xmlns:ma14="http://schemas.microsoft.com/office/mac/drawingml/2011/main" val="1"/>
+              <ma14:wrappingTextBoxFlag xmlns:ma14="http://schemas.microsoft.com/office/mac/drawingml/2011/main" xmlns:a14="http://schemas.microsoft.com/office/drawing/2010/main" xmlns:m="http://schemas.openxmlformats.org/officeDocument/2006/math" xmlns="" val="1"/>
             </a:ext>
           </a:extLst>
         </p:spPr>
@@ -25521,7 +25524,7 @@
           </a:ln>
           <a:extLst>
             <a:ext uri="{C572A759-6A51-4108-AA02-DFA0A04FC94B}">
-              <ma14:wrappingTextBoxFlag xmlns="" xmlns:m="http://schemas.openxmlformats.org/officeDocument/2006/math" xmlns:a14="http://schemas.microsoft.com/office/drawing/2010/main" xmlns:ma14="http://schemas.microsoft.com/office/mac/drawingml/2011/main" val="1"/>
+              <ma14:wrappingTextBoxFlag xmlns:ma14="http://schemas.microsoft.com/office/mac/drawingml/2011/main" xmlns:a14="http://schemas.microsoft.com/office/drawing/2010/main" xmlns:m="http://schemas.openxmlformats.org/officeDocument/2006/math" xmlns="" val="1"/>
             </a:ext>
           </a:extLst>
         </p:spPr>
@@ -25618,7 +25621,7 @@
           </a:ln>
           <a:extLst>
             <a:ext uri="{C572A759-6A51-4108-AA02-DFA0A04FC94B}">
-              <ma14:wrappingTextBoxFlag xmlns="" xmlns:m="http://schemas.openxmlformats.org/officeDocument/2006/math" xmlns:a14="http://schemas.microsoft.com/office/drawing/2010/main" xmlns:ma14="http://schemas.microsoft.com/office/mac/drawingml/2011/main" val="1"/>
+              <ma14:wrappingTextBoxFlag xmlns:ma14="http://schemas.microsoft.com/office/mac/drawingml/2011/main" xmlns:a14="http://schemas.microsoft.com/office/drawing/2010/main" xmlns:m="http://schemas.openxmlformats.org/officeDocument/2006/math" xmlns="" val="1"/>
             </a:ext>
           </a:extLst>
         </p:spPr>
@@ -25835,7 +25838,7 @@
           </a:ln>
           <a:extLst>
             <a:ext uri="{C572A759-6A51-4108-AA02-DFA0A04FC94B}">
-              <ma14:wrappingTextBoxFlag xmlns="" xmlns:m="http://schemas.openxmlformats.org/officeDocument/2006/math" xmlns:a14="http://schemas.microsoft.com/office/drawing/2010/main" xmlns:ma14="http://schemas.microsoft.com/office/mac/drawingml/2011/main" val="1"/>
+              <ma14:wrappingTextBoxFlag xmlns:ma14="http://schemas.microsoft.com/office/mac/drawingml/2011/main" xmlns:a14="http://schemas.microsoft.com/office/drawing/2010/main" xmlns:m="http://schemas.openxmlformats.org/officeDocument/2006/math" xmlns="" val="1"/>
             </a:ext>
           </a:extLst>
         </p:spPr>
@@ -25873,7 +25876,7 @@
           </a:ln>
           <a:extLst>
             <a:ext uri="{C572A759-6A51-4108-AA02-DFA0A04FC94B}">
-              <ma14:wrappingTextBoxFlag xmlns="" xmlns:m="http://schemas.openxmlformats.org/officeDocument/2006/math" xmlns:a14="http://schemas.microsoft.com/office/drawing/2010/main" xmlns:ma14="http://schemas.microsoft.com/office/mac/drawingml/2011/main" val="1"/>
+              <ma14:wrappingTextBoxFlag xmlns:ma14="http://schemas.microsoft.com/office/mac/drawingml/2011/main" xmlns:a14="http://schemas.microsoft.com/office/drawing/2010/main" xmlns:m="http://schemas.openxmlformats.org/officeDocument/2006/math" xmlns="" val="1"/>
             </a:ext>
           </a:extLst>
         </p:spPr>
@@ -26011,7 +26014,7 @@
           </a:ln>
           <a:extLst>
             <a:ext uri="{C572A759-6A51-4108-AA02-DFA0A04FC94B}">
-              <ma14:wrappingTextBoxFlag xmlns="" xmlns:m="http://schemas.openxmlformats.org/officeDocument/2006/math" xmlns:a14="http://schemas.microsoft.com/office/drawing/2010/main" xmlns:ma14="http://schemas.microsoft.com/office/mac/drawingml/2011/main" val="1"/>
+              <ma14:wrappingTextBoxFlag xmlns:ma14="http://schemas.microsoft.com/office/mac/drawingml/2011/main" xmlns:a14="http://schemas.microsoft.com/office/drawing/2010/main" xmlns:m="http://schemas.openxmlformats.org/officeDocument/2006/math" xmlns="" val="1"/>
             </a:ext>
           </a:extLst>
         </p:spPr>
@@ -26046,7 +26049,7 @@
           </a:ln>
           <a:extLst>
             <a:ext uri="{C572A759-6A51-4108-AA02-DFA0A04FC94B}">
-              <ma14:wrappingTextBoxFlag xmlns="" xmlns:m="http://schemas.openxmlformats.org/officeDocument/2006/math" xmlns:a14="http://schemas.microsoft.com/office/drawing/2010/main" xmlns:ma14="http://schemas.microsoft.com/office/mac/drawingml/2011/main" val="1"/>
+              <ma14:wrappingTextBoxFlag xmlns:ma14="http://schemas.microsoft.com/office/mac/drawingml/2011/main" xmlns:a14="http://schemas.microsoft.com/office/drawing/2010/main" xmlns:m="http://schemas.openxmlformats.org/officeDocument/2006/math" xmlns="" val="1"/>
             </a:ext>
           </a:extLst>
         </p:spPr>
@@ -26153,7 +26156,7 @@
           </a:ln>
           <a:extLst>
             <a:ext uri="{C572A759-6A51-4108-AA02-DFA0A04FC94B}">
-              <ma14:wrappingTextBoxFlag xmlns="" xmlns:m="http://schemas.openxmlformats.org/officeDocument/2006/math" xmlns:a14="http://schemas.microsoft.com/office/drawing/2010/main" xmlns:ma14="http://schemas.microsoft.com/office/mac/drawingml/2011/main" val="1"/>
+              <ma14:wrappingTextBoxFlag xmlns:ma14="http://schemas.microsoft.com/office/mac/drawingml/2011/main" xmlns:a14="http://schemas.microsoft.com/office/drawing/2010/main" xmlns:m="http://schemas.openxmlformats.org/officeDocument/2006/math" xmlns="" val="1"/>
             </a:ext>
           </a:extLst>
         </p:spPr>
@@ -26370,7 +26373,7 @@
           </a:ln>
           <a:extLst>
             <a:ext uri="{C572A759-6A51-4108-AA02-DFA0A04FC94B}">
-              <ma14:wrappingTextBoxFlag xmlns="" xmlns:m="http://schemas.openxmlformats.org/officeDocument/2006/math" xmlns:a14="http://schemas.microsoft.com/office/drawing/2010/main" xmlns:ma14="http://schemas.microsoft.com/office/mac/drawingml/2011/main" val="1"/>
+              <ma14:wrappingTextBoxFlag xmlns:ma14="http://schemas.microsoft.com/office/mac/drawingml/2011/main" xmlns:a14="http://schemas.microsoft.com/office/drawing/2010/main" xmlns:m="http://schemas.openxmlformats.org/officeDocument/2006/math" xmlns="" val="1"/>
             </a:ext>
           </a:extLst>
         </p:spPr>
@@ -26408,7 +26411,7 @@
           </a:ln>
           <a:extLst>
             <a:ext uri="{C572A759-6A51-4108-AA02-DFA0A04FC94B}">
-              <ma14:wrappingTextBoxFlag xmlns="" xmlns:m="http://schemas.openxmlformats.org/officeDocument/2006/math" xmlns:a14="http://schemas.microsoft.com/office/drawing/2010/main" xmlns:ma14="http://schemas.microsoft.com/office/mac/drawingml/2011/main" val="1"/>
+              <ma14:wrappingTextBoxFlag xmlns:ma14="http://schemas.microsoft.com/office/mac/drawingml/2011/main" xmlns:a14="http://schemas.microsoft.com/office/drawing/2010/main" xmlns:m="http://schemas.openxmlformats.org/officeDocument/2006/math" xmlns="" val="1"/>
             </a:ext>
           </a:extLst>
         </p:spPr>
@@ -26546,7 +26549,7 @@
           </a:ln>
           <a:extLst>
             <a:ext uri="{C572A759-6A51-4108-AA02-DFA0A04FC94B}">
-              <ma14:wrappingTextBoxFlag xmlns="" xmlns:m="http://schemas.openxmlformats.org/officeDocument/2006/math" xmlns:a14="http://schemas.microsoft.com/office/drawing/2010/main" xmlns:ma14="http://schemas.microsoft.com/office/mac/drawingml/2011/main" val="1"/>
+              <ma14:wrappingTextBoxFlag xmlns:ma14="http://schemas.microsoft.com/office/mac/drawingml/2011/main" xmlns:a14="http://schemas.microsoft.com/office/drawing/2010/main" xmlns:m="http://schemas.openxmlformats.org/officeDocument/2006/math" xmlns="" val="1"/>
             </a:ext>
           </a:extLst>
         </p:spPr>
@@ -26581,7 +26584,7 @@
           </a:ln>
           <a:extLst>
             <a:ext uri="{C572A759-6A51-4108-AA02-DFA0A04FC94B}">
-              <ma14:wrappingTextBoxFlag xmlns="" xmlns:m="http://schemas.openxmlformats.org/officeDocument/2006/math" xmlns:a14="http://schemas.microsoft.com/office/drawing/2010/main" xmlns:ma14="http://schemas.microsoft.com/office/mac/drawingml/2011/main" val="1"/>
+              <ma14:wrappingTextBoxFlag xmlns:ma14="http://schemas.microsoft.com/office/mac/drawingml/2011/main" xmlns:a14="http://schemas.microsoft.com/office/drawing/2010/main" xmlns:m="http://schemas.openxmlformats.org/officeDocument/2006/math" xmlns="" val="1"/>
             </a:ext>
           </a:extLst>
         </p:spPr>
@@ -26732,7 +26735,7 @@
           </a:ln>
           <a:extLst>
             <a:ext uri="{C572A759-6A51-4108-AA02-DFA0A04FC94B}">
-              <ma14:wrappingTextBoxFlag xmlns="" xmlns:m="http://schemas.openxmlformats.org/officeDocument/2006/math" xmlns:a14="http://schemas.microsoft.com/office/drawing/2010/main" xmlns:ma14="http://schemas.microsoft.com/office/mac/drawingml/2011/main" val="1"/>
+              <ma14:wrappingTextBoxFlag xmlns:ma14="http://schemas.microsoft.com/office/mac/drawingml/2011/main" xmlns:a14="http://schemas.microsoft.com/office/drawing/2010/main" xmlns:m="http://schemas.openxmlformats.org/officeDocument/2006/math" xmlns="" val="1"/>
             </a:ext>
           </a:extLst>
         </p:spPr>
@@ -26885,7 +26888,7 @@
           </a:ln>
           <a:extLst>
             <a:ext uri="{C572A759-6A51-4108-AA02-DFA0A04FC94B}">
-              <ma14:wrappingTextBoxFlag xmlns="" xmlns:m="http://schemas.openxmlformats.org/officeDocument/2006/math" xmlns:a14="http://schemas.microsoft.com/office/drawing/2010/main" xmlns:ma14="http://schemas.microsoft.com/office/mac/drawingml/2011/main" val="1"/>
+              <ma14:wrappingTextBoxFlag xmlns:ma14="http://schemas.microsoft.com/office/mac/drawingml/2011/main" xmlns:a14="http://schemas.microsoft.com/office/drawing/2010/main" xmlns:m="http://schemas.openxmlformats.org/officeDocument/2006/math" xmlns="" val="1"/>
             </a:ext>
           </a:extLst>
         </p:spPr>
@@ -26994,7 +26997,7 @@
           </a:ln>
           <a:extLst>
             <a:ext uri="{C572A759-6A51-4108-AA02-DFA0A04FC94B}">
-              <ma14:wrappingTextBoxFlag xmlns="" xmlns:m="http://schemas.openxmlformats.org/officeDocument/2006/math" xmlns:a14="http://schemas.microsoft.com/office/drawing/2010/main" xmlns:ma14="http://schemas.microsoft.com/office/mac/drawingml/2011/main" val="1"/>
+              <ma14:wrappingTextBoxFlag xmlns:ma14="http://schemas.microsoft.com/office/mac/drawingml/2011/main" xmlns:a14="http://schemas.microsoft.com/office/drawing/2010/main" xmlns:m="http://schemas.openxmlformats.org/officeDocument/2006/math" xmlns="" val="1"/>
             </a:ext>
           </a:extLst>
         </p:spPr>
@@ -27211,7 +27214,7 @@
           </a:ln>
           <a:extLst>
             <a:ext uri="{C572A759-6A51-4108-AA02-DFA0A04FC94B}">
-              <ma14:wrappingTextBoxFlag xmlns="" xmlns:m="http://schemas.openxmlformats.org/officeDocument/2006/math" xmlns:a14="http://schemas.microsoft.com/office/drawing/2010/main" xmlns:ma14="http://schemas.microsoft.com/office/mac/drawingml/2011/main" val="1"/>
+              <ma14:wrappingTextBoxFlag xmlns:ma14="http://schemas.microsoft.com/office/mac/drawingml/2011/main" xmlns:a14="http://schemas.microsoft.com/office/drawing/2010/main" xmlns:m="http://schemas.openxmlformats.org/officeDocument/2006/math" xmlns="" val="1"/>
             </a:ext>
           </a:extLst>
         </p:spPr>
@@ -27249,7 +27252,7 @@
           </a:ln>
           <a:extLst>
             <a:ext uri="{C572A759-6A51-4108-AA02-DFA0A04FC94B}">
-              <ma14:wrappingTextBoxFlag xmlns="" xmlns:m="http://schemas.openxmlformats.org/officeDocument/2006/math" xmlns:a14="http://schemas.microsoft.com/office/drawing/2010/main" xmlns:ma14="http://schemas.microsoft.com/office/mac/drawingml/2011/main" val="1"/>
+              <ma14:wrappingTextBoxFlag xmlns:ma14="http://schemas.microsoft.com/office/mac/drawingml/2011/main" xmlns:a14="http://schemas.microsoft.com/office/drawing/2010/main" xmlns:m="http://schemas.openxmlformats.org/officeDocument/2006/math" xmlns="" val="1"/>
             </a:ext>
           </a:extLst>
         </p:spPr>
@@ -27387,7 +27390,7 @@
           </a:ln>
           <a:extLst>
             <a:ext uri="{C572A759-6A51-4108-AA02-DFA0A04FC94B}">
-              <ma14:wrappingTextBoxFlag xmlns="" xmlns:m="http://schemas.openxmlformats.org/officeDocument/2006/math" xmlns:a14="http://schemas.microsoft.com/office/drawing/2010/main" xmlns:ma14="http://schemas.microsoft.com/office/mac/drawingml/2011/main" val="1"/>
+              <ma14:wrappingTextBoxFlag xmlns:ma14="http://schemas.microsoft.com/office/mac/drawingml/2011/main" xmlns:a14="http://schemas.microsoft.com/office/drawing/2010/main" xmlns:m="http://schemas.openxmlformats.org/officeDocument/2006/math" xmlns="" val="1"/>
             </a:ext>
           </a:extLst>
         </p:spPr>
@@ -27422,7 +27425,7 @@
           </a:ln>
           <a:extLst>
             <a:ext uri="{C572A759-6A51-4108-AA02-DFA0A04FC94B}">
-              <ma14:wrappingTextBoxFlag xmlns="" xmlns:m="http://schemas.openxmlformats.org/officeDocument/2006/math" xmlns:a14="http://schemas.microsoft.com/office/drawing/2010/main" xmlns:ma14="http://schemas.microsoft.com/office/mac/drawingml/2011/main" val="1"/>
+              <ma14:wrappingTextBoxFlag xmlns:ma14="http://schemas.microsoft.com/office/mac/drawingml/2011/main" xmlns:a14="http://schemas.microsoft.com/office/drawing/2010/main" xmlns:m="http://schemas.openxmlformats.org/officeDocument/2006/math" xmlns="" val="1"/>
             </a:ext>
           </a:extLst>
         </p:spPr>
@@ -27573,7 +27576,7 @@
           </a:ln>
           <a:extLst>
             <a:ext uri="{C572A759-6A51-4108-AA02-DFA0A04FC94B}">
-              <ma14:wrappingTextBoxFlag xmlns="" xmlns:m="http://schemas.openxmlformats.org/officeDocument/2006/math" xmlns:a14="http://schemas.microsoft.com/office/drawing/2010/main" xmlns:ma14="http://schemas.microsoft.com/office/mac/drawingml/2011/main" val="1"/>
+              <ma14:wrappingTextBoxFlag xmlns:ma14="http://schemas.microsoft.com/office/mac/drawingml/2011/main" xmlns:a14="http://schemas.microsoft.com/office/drawing/2010/main" xmlns:m="http://schemas.openxmlformats.org/officeDocument/2006/math" xmlns="" val="1"/>
             </a:ext>
           </a:extLst>
         </p:spPr>
@@ -27722,7 +27725,7 @@
           </a:ln>
           <a:extLst>
             <a:ext uri="{C572A759-6A51-4108-AA02-DFA0A04FC94B}">
-              <ma14:wrappingTextBoxFlag xmlns="" xmlns:m="http://schemas.openxmlformats.org/officeDocument/2006/math" xmlns:a14="http://schemas.microsoft.com/office/drawing/2010/main" xmlns:ma14="http://schemas.microsoft.com/office/mac/drawingml/2011/main" val="1"/>
+              <ma14:wrappingTextBoxFlag xmlns:ma14="http://schemas.microsoft.com/office/mac/drawingml/2011/main" xmlns:a14="http://schemas.microsoft.com/office/drawing/2010/main" xmlns:m="http://schemas.openxmlformats.org/officeDocument/2006/math" xmlns="" val="1"/>
             </a:ext>
           </a:extLst>
         </p:spPr>
@@ -27871,7 +27874,7 @@
           </a:ln>
           <a:extLst>
             <a:ext uri="{C572A759-6A51-4108-AA02-DFA0A04FC94B}">
-              <ma14:wrappingTextBoxFlag xmlns="" xmlns:m="http://schemas.openxmlformats.org/officeDocument/2006/math" xmlns:a14="http://schemas.microsoft.com/office/drawing/2010/main" xmlns:ma14="http://schemas.microsoft.com/office/mac/drawingml/2011/main" val="1"/>
+              <ma14:wrappingTextBoxFlag xmlns:ma14="http://schemas.microsoft.com/office/mac/drawingml/2011/main" xmlns:a14="http://schemas.microsoft.com/office/drawing/2010/main" xmlns:m="http://schemas.openxmlformats.org/officeDocument/2006/math" xmlns="" val="1"/>
             </a:ext>
           </a:extLst>
         </p:spPr>
@@ -27966,7 +27969,7 @@
           </a:ln>
           <a:extLst>
             <a:ext uri="{C572A759-6A51-4108-AA02-DFA0A04FC94B}">
-              <ma14:wrappingTextBoxFlag xmlns="" xmlns:m="http://schemas.openxmlformats.org/officeDocument/2006/math" xmlns:a14="http://schemas.microsoft.com/office/drawing/2010/main" xmlns:ma14="http://schemas.microsoft.com/office/mac/drawingml/2011/main" val="1"/>
+              <ma14:wrappingTextBoxFlag xmlns:ma14="http://schemas.microsoft.com/office/mac/drawingml/2011/main" xmlns:a14="http://schemas.microsoft.com/office/drawing/2010/main" xmlns:m="http://schemas.openxmlformats.org/officeDocument/2006/math" xmlns="" val="1"/>
             </a:ext>
           </a:extLst>
         </p:spPr>
@@ -28183,7 +28186,7 @@
           </a:ln>
           <a:extLst>
             <a:ext uri="{C572A759-6A51-4108-AA02-DFA0A04FC94B}">
-              <ma14:wrappingTextBoxFlag xmlns="" xmlns:m="http://schemas.openxmlformats.org/officeDocument/2006/math" xmlns:a14="http://schemas.microsoft.com/office/drawing/2010/main" xmlns:ma14="http://schemas.microsoft.com/office/mac/drawingml/2011/main" val="1"/>
+              <ma14:wrappingTextBoxFlag xmlns:ma14="http://schemas.microsoft.com/office/mac/drawingml/2011/main" xmlns:a14="http://schemas.microsoft.com/office/drawing/2010/main" xmlns:m="http://schemas.openxmlformats.org/officeDocument/2006/math" xmlns="" val="1"/>
             </a:ext>
           </a:extLst>
         </p:spPr>
@@ -28221,7 +28224,7 @@
           </a:ln>
           <a:extLst>
             <a:ext uri="{C572A759-6A51-4108-AA02-DFA0A04FC94B}">
-              <ma14:wrappingTextBoxFlag xmlns="" xmlns:m="http://schemas.openxmlformats.org/officeDocument/2006/math" xmlns:a14="http://schemas.microsoft.com/office/drawing/2010/main" xmlns:ma14="http://schemas.microsoft.com/office/mac/drawingml/2011/main" val="1"/>
+              <ma14:wrappingTextBoxFlag xmlns:ma14="http://schemas.microsoft.com/office/mac/drawingml/2011/main" xmlns:a14="http://schemas.microsoft.com/office/drawing/2010/main" xmlns:m="http://schemas.openxmlformats.org/officeDocument/2006/math" xmlns="" val="1"/>
             </a:ext>
           </a:extLst>
         </p:spPr>
@@ -28359,7 +28362,7 @@
           </a:ln>
           <a:extLst>
             <a:ext uri="{C572A759-6A51-4108-AA02-DFA0A04FC94B}">
-              <ma14:wrappingTextBoxFlag xmlns="" xmlns:m="http://schemas.openxmlformats.org/officeDocument/2006/math" xmlns:a14="http://schemas.microsoft.com/office/drawing/2010/main" xmlns:ma14="http://schemas.microsoft.com/office/mac/drawingml/2011/main" val="1"/>
+              <ma14:wrappingTextBoxFlag xmlns:ma14="http://schemas.microsoft.com/office/mac/drawingml/2011/main" xmlns:a14="http://schemas.microsoft.com/office/drawing/2010/main" xmlns:m="http://schemas.openxmlformats.org/officeDocument/2006/math" xmlns="" val="1"/>
             </a:ext>
           </a:extLst>
         </p:spPr>
@@ -28394,7 +28397,7 @@
           </a:ln>
           <a:extLst>
             <a:ext uri="{C572A759-6A51-4108-AA02-DFA0A04FC94B}">
-              <ma14:wrappingTextBoxFlag xmlns="" xmlns:m="http://schemas.openxmlformats.org/officeDocument/2006/math" xmlns:a14="http://schemas.microsoft.com/office/drawing/2010/main" xmlns:ma14="http://schemas.microsoft.com/office/mac/drawingml/2011/main" val="1"/>
+              <ma14:wrappingTextBoxFlag xmlns:ma14="http://schemas.microsoft.com/office/mac/drawingml/2011/main" xmlns:a14="http://schemas.microsoft.com/office/drawing/2010/main" xmlns:m="http://schemas.openxmlformats.org/officeDocument/2006/math" xmlns="" val="1"/>
             </a:ext>
           </a:extLst>
         </p:spPr>
@@ -28545,7 +28548,7 @@
           </a:ln>
           <a:extLst>
             <a:ext uri="{C572A759-6A51-4108-AA02-DFA0A04FC94B}">
-              <ma14:wrappingTextBoxFlag xmlns="" xmlns:m="http://schemas.openxmlformats.org/officeDocument/2006/math" xmlns:a14="http://schemas.microsoft.com/office/drawing/2010/main" xmlns:ma14="http://schemas.microsoft.com/office/mac/drawingml/2011/main" val="1"/>
+              <ma14:wrappingTextBoxFlag xmlns:ma14="http://schemas.microsoft.com/office/mac/drawingml/2011/main" xmlns:a14="http://schemas.microsoft.com/office/drawing/2010/main" xmlns:m="http://schemas.openxmlformats.org/officeDocument/2006/math" xmlns="" val="1"/>
             </a:ext>
           </a:extLst>
         </p:spPr>
@@ -28694,7 +28697,7 @@
           </a:ln>
           <a:extLst>
             <a:ext uri="{C572A759-6A51-4108-AA02-DFA0A04FC94B}">
-              <ma14:wrappingTextBoxFlag xmlns="" xmlns:m="http://schemas.openxmlformats.org/officeDocument/2006/math" xmlns:a14="http://schemas.microsoft.com/office/drawing/2010/main" xmlns:ma14="http://schemas.microsoft.com/office/mac/drawingml/2011/main" val="1"/>
+              <ma14:wrappingTextBoxFlag xmlns:ma14="http://schemas.microsoft.com/office/mac/drawingml/2011/main" xmlns:a14="http://schemas.microsoft.com/office/drawing/2010/main" xmlns:m="http://schemas.openxmlformats.org/officeDocument/2006/math" xmlns="" val="1"/>
             </a:ext>
           </a:extLst>
         </p:spPr>
@@ -28843,7 +28846,7 @@
           </a:ln>
           <a:extLst>
             <a:ext uri="{C572A759-6A51-4108-AA02-DFA0A04FC94B}">
-              <ma14:wrappingTextBoxFlag xmlns="" xmlns:m="http://schemas.openxmlformats.org/officeDocument/2006/math" xmlns:a14="http://schemas.microsoft.com/office/drawing/2010/main" xmlns:ma14="http://schemas.microsoft.com/office/mac/drawingml/2011/main" val="1"/>
+              <ma14:wrappingTextBoxFlag xmlns:ma14="http://schemas.microsoft.com/office/mac/drawingml/2011/main" xmlns:a14="http://schemas.microsoft.com/office/drawing/2010/main" xmlns:m="http://schemas.openxmlformats.org/officeDocument/2006/math" xmlns="" val="1"/>
             </a:ext>
           </a:extLst>
         </p:spPr>
@@ -29007,7 +29010,7 @@
           </a:ln>
           <a:extLst>
             <a:ext uri="{C572A759-6A51-4108-AA02-DFA0A04FC94B}">
-              <ma14:wrappingTextBoxFlag xmlns="" xmlns:m="http://schemas.openxmlformats.org/officeDocument/2006/math" xmlns:a14="http://schemas.microsoft.com/office/drawing/2010/main" xmlns:ma14="http://schemas.microsoft.com/office/mac/drawingml/2011/main" val="1"/>
+              <ma14:wrappingTextBoxFlag xmlns:ma14="http://schemas.microsoft.com/office/mac/drawingml/2011/main" xmlns:a14="http://schemas.microsoft.com/office/drawing/2010/main" xmlns:m="http://schemas.openxmlformats.org/officeDocument/2006/math" xmlns="" val="1"/>
             </a:ext>
           </a:extLst>
         </p:spPr>
@@ -29312,6 +29315,7 @@
               <a:buNone/>
             </a:pPr>
             <a:r>
+              <a:rPr dirty="0"/>
               <a:t>Purpose</a:t>
             </a:r>
           </a:p>
@@ -29323,6 +29327,7 @@
               <a:defRPr sz="2800"/>
             </a:pPr>
             <a:r>
+              <a:rPr dirty="0"/>
               <a:t>easily send requests to a server and parse the response</a:t>
             </a:r>
           </a:p>
@@ -29334,7 +29339,7 @@
               <a:defRPr sz="2800"/>
             </a:pPr>
             <a:r>
-              <a:rPr i="1"/>
+              <a:rPr i="1" dirty="0"/>
               <a:t>"HTTP for Humans™"</a:t>
             </a:r>
           </a:p>
@@ -29344,6 +29349,7 @@
               <a:buNone/>
             </a:pPr>
             <a:r>
+              <a:rPr dirty="0"/>
               <a:t>Installation</a:t>
             </a:r>
           </a:p>
@@ -29355,11 +29361,14 @@
               <a:defRPr sz="2800"/>
             </a:pPr>
             <a:r>
+              <a:rPr dirty="0"/>
               <a:t>install:</a:t>
             </a:r>
-            <a:br/>
-            <a:r>
-              <a:rPr>
+            <a:br>
+              <a:rPr dirty="0"/>
+            </a:br>
+            <a:r>
+              <a:rPr dirty="0">
                 <a:solidFill>
                   <a:schemeClr val="accent4">
                     <a:hueOff val="-1081314"/>
@@ -29381,6 +29390,7 @@
               <a:buNone/>
             </a:pPr>
             <a:r>
+              <a:rPr dirty="0"/>
               <a:t>Using it</a:t>
             </a:r>
           </a:p>
@@ -29392,11 +29402,14 @@
               <a:defRPr sz="2800"/>
             </a:pPr>
             <a:r>
+              <a:rPr dirty="0"/>
               <a:t>just import:</a:t>
             </a:r>
-            <a:br/>
-            <a:r>
-              <a:rPr>
+            <a:br>
+              <a:rPr dirty="0"/>
+            </a:br>
+            <a:r>
+              <a:rPr dirty="0">
                 <a:solidFill>
                   <a:schemeClr val="accent4">
                     <a:hueOff val="-1081314"/>
@@ -29952,7 +29965,7 @@
           </a:ln>
           <a:extLst>
             <a:ext uri="{C572A759-6A51-4108-AA02-DFA0A04FC94B}">
-              <ma14:wrappingTextBoxFlag xmlns="" xmlns:m="http://schemas.openxmlformats.org/officeDocument/2006/math" xmlns:a14="http://schemas.microsoft.com/office/drawing/2010/main" xmlns:ma14="http://schemas.microsoft.com/office/mac/drawingml/2011/main" val="1"/>
+              <ma14:wrappingTextBoxFlag xmlns:ma14="http://schemas.microsoft.com/office/mac/drawingml/2011/main" xmlns:a14="http://schemas.microsoft.com/office/drawing/2010/main" xmlns:m="http://schemas.openxmlformats.org/officeDocument/2006/math" xmlns="" val="1"/>
             </a:ext>
           </a:extLst>
         </p:spPr>
@@ -30147,7 +30160,7 @@
               <a:rPr lang="en-US" sz="2600" dirty="0">
                 <a:hlinkClick r:id="rId2"/>
               </a:rPr>
-              <a:t>https://www.msyamkumar.com/cs220/s20/datasets.html</a:t>
+              <a:t>https://www.msyamkumar.com/cs220/s21/datasets.html</a:t>
             </a:r>
             <a:endParaRPr lang="en-US" sz="2600" u="sng" dirty="0">
               <a:hlinkClick r:id="rId3"/>
@@ -30681,7 +30694,7 @@
           </a:ln>
           <a:extLst>
             <a:ext uri="{C572A759-6A51-4108-AA02-DFA0A04FC94B}">
-              <ma14:wrappingTextBoxFlag xmlns="" xmlns:m="http://schemas.openxmlformats.org/officeDocument/2006/math" xmlns:a14="http://schemas.microsoft.com/office/drawing/2010/main" xmlns:ma14="http://schemas.microsoft.com/office/mac/drawingml/2011/main" val="1"/>
+              <ma14:wrappingTextBoxFlag xmlns:ma14="http://schemas.microsoft.com/office/mac/drawingml/2011/main" xmlns:a14="http://schemas.microsoft.com/office/drawing/2010/main" xmlns:m="http://schemas.openxmlformats.org/officeDocument/2006/math" xmlns="" val="1"/>
             </a:ext>
           </a:extLst>
         </p:spPr>
@@ -32606,7 +32619,7 @@
           </a:ln>
           <a:extLst>
             <a:ext uri="{C572A759-6A51-4108-AA02-DFA0A04FC94B}">
-              <ma14:wrappingTextBoxFlag xmlns="" xmlns:m="http://schemas.openxmlformats.org/officeDocument/2006/math" xmlns:a14="http://schemas.microsoft.com/office/drawing/2010/main" xmlns:ma14="http://schemas.microsoft.com/office/mac/drawingml/2011/main" val="1"/>
+              <ma14:wrappingTextBoxFlag xmlns:ma14="http://schemas.microsoft.com/office/mac/drawingml/2011/main" xmlns:a14="http://schemas.microsoft.com/office/drawing/2010/main" xmlns:m="http://schemas.openxmlformats.org/officeDocument/2006/math" xmlns="" val="1"/>
             </a:ext>
           </a:extLst>
         </p:spPr>
@@ -32645,7 +32658,7 @@
           </a:ln>
           <a:extLst>
             <a:ext uri="{C572A759-6A51-4108-AA02-DFA0A04FC94B}">
-              <ma14:wrappingTextBoxFlag xmlns="" xmlns:m="http://schemas.openxmlformats.org/officeDocument/2006/math" xmlns:a14="http://schemas.microsoft.com/office/drawing/2010/main" xmlns:ma14="http://schemas.microsoft.com/office/mac/drawingml/2011/main" val="1"/>
+              <ma14:wrappingTextBoxFlag xmlns:ma14="http://schemas.microsoft.com/office/mac/drawingml/2011/main" xmlns:a14="http://schemas.microsoft.com/office/drawing/2010/main" xmlns:m="http://schemas.openxmlformats.org/officeDocument/2006/math" xmlns="" val="1"/>
             </a:ext>
           </a:extLst>
         </p:spPr>
@@ -32675,7 +32688,7 @@
               <a:rPr lang="en-US" dirty="0">
                 <a:hlinkClick r:id="rId5"/>
               </a:rPr>
-              <a:t>https://www.msyamkumar.com/cs220/s20/materials/lectureDemo_code/lec-31/python.json</a:t>
+              <a:t>https://www.msyamkumar.com/cs220/s21/materials/lectureDemo_code/lec-31/python.json</a:t>
             </a:r>
             <a:endParaRPr dirty="0">
               <a:hlinkClick r:id="rId4"/>
@@ -32702,7 +32715,7 @@
           </a:ln>
           <a:extLst>
             <a:ext uri="{C572A759-6A51-4108-AA02-DFA0A04FC94B}">
-              <ma14:wrappingTextBoxFlag xmlns="" xmlns:m="http://schemas.openxmlformats.org/officeDocument/2006/math" xmlns:a14="http://schemas.microsoft.com/office/drawing/2010/main" xmlns:ma14="http://schemas.microsoft.com/office/mac/drawingml/2011/main" val="1"/>
+              <ma14:wrappingTextBoxFlag xmlns:ma14="http://schemas.microsoft.com/office/mac/drawingml/2011/main" xmlns:a14="http://schemas.microsoft.com/office/drawing/2010/main" xmlns:m="http://schemas.openxmlformats.org/officeDocument/2006/math" xmlns="" val="1"/>
             </a:ext>
           </a:extLst>
         </p:spPr>
@@ -32732,7 +32745,7 @@
               <a:rPr lang="en-US" dirty="0">
                 <a:hlinkClick r:id="rId7"/>
               </a:rPr>
-              <a:t>https://www.msyamkumar.com/cs220/s20/materials/lectureDemo_code/lec-31</a:t>
+              <a:t>https://www.msyamkumar.com/cs220/s21/materials/lectureDemo_code/lec-31</a:t>
             </a:r>
             <a:r>
               <a:rPr dirty="0">
@@ -32769,9 +32782,36 @@
           <a:chExt cx="0" cy="0"/>
         </a:xfrm>
       </p:grpSpPr>
-      <p:sp>
-        <p:nvSpPr>
-          <p:cNvPr id="708" name="Demo 2: Madison bus alerts"/>
+      <p:pic>
+        <p:nvPicPr>
+          <p:cNvPr id="717" name="Image" descr="Image"/>
+          <p:cNvPicPr>
+            <a:picLocks noChangeAspect="1"/>
+          </p:cNvPicPr>
+          <p:nvPr/>
+        </p:nvPicPr>
+        <p:blipFill>
+          <a:blip r:embed="rId2"/>
+          <a:stretch>
+            <a:fillRect/>
+          </a:stretch>
+        </p:blipFill>
+        <p:spPr>
+          <a:xfrm>
+            <a:off x="8229600" y="4813053"/>
+            <a:ext cx="4348113" cy="3492747"/>
+          </a:xfrm>
+          <a:prstGeom prst="rect">
+            <a:avLst/>
+          </a:prstGeom>
+          <a:ln w="12700">
+            <a:miter lim="400000"/>
+          </a:ln>
+        </p:spPr>
+      </p:pic>
+      <p:sp>
+        <p:nvSpPr>
+          <p:cNvPr id="718" name="Demo 3: State Populations"/>
           <p:cNvSpPr txBox="1">
             <a:spLocks noGrp="1"/>
           </p:cNvSpPr>
@@ -32797,25 +32837,34 @@
           </a:lstStyle>
           <a:p>
             <a:r>
-              <a:t>Demo 2: Madison bus alerts</a:t>
-            </a:r>
-          </a:p>
-        </p:txBody>
-      </p:sp>
-      <p:sp>
-        <p:nvSpPr>
-          <p:cNvPr id="709" name="Goal: get text of all outstanding alerts"/>
+              <a:rPr dirty="0"/>
+              <a:t>Demo </a:t>
+            </a:r>
+            <a:r>
+              <a:rPr lang="en-US" dirty="0"/>
+              <a:t>2</a:t>
+            </a:r>
+            <a:r>
+              <a:rPr dirty="0"/>
+              <a:t>: State Populations</a:t>
+            </a:r>
+          </a:p>
+        </p:txBody>
+      </p:sp>
+      <p:sp>
+        <p:nvSpPr>
+          <p:cNvPr id="719" name="Goal: fetch population data for all states and provide summary stats…"/>
           <p:cNvSpPr txBox="1">
             <a:spLocks noGrp="1"/>
           </p:cNvSpPr>
           <p:nvPr>
-            <p:ph type="body" sz="quarter" idx="1"/>
+            <p:ph type="body" idx="1"/>
           </p:nvPr>
         </p:nvSpPr>
         <p:spPr>
           <a:xfrm>
-            <a:off x="952500" y="1333896"/>
-            <a:ext cx="11540877" cy="902346"/>
+            <a:off x="952500" y="1587896"/>
+            <a:ext cx="11540877" cy="7684494"/>
           </a:xfrm>
           <a:prstGeom prst="rect">
             <a:avLst/>
@@ -32839,68 +32888,100 @@
               </a:defRPr>
             </a:pPr>
             <a:r>
-              <a:t>Goal: get text of all outstanding alerts</a:t>
-            </a:r>
-          </a:p>
-        </p:txBody>
-      </p:sp>
-      <p:sp>
-        <p:nvSpPr>
-          <p:cNvPr id="710" name="Arrow"/>
-          <p:cNvSpPr/>
-          <p:nvPr/>
-        </p:nvSpPr>
-        <p:spPr>
-          <a:xfrm rot="5400000">
-            <a:off x="6461645" y="3956670"/>
-            <a:ext cx="1004343" cy="1270001"/>
-          </a:xfrm>
-          <a:prstGeom prst="rightArrow">
-            <a:avLst>
-              <a:gd name="adj1" fmla="val 40430"/>
-              <a:gd name="adj2" fmla="val 59664"/>
-            </a:avLst>
-          </a:prstGeom>
-          <a:solidFill>
-            <a:schemeClr val="accent5">
-              <a:hueOff val="-82419"/>
-              <a:satOff val="-9513"/>
-              <a:lumOff val="-16343"/>
-            </a:schemeClr>
-          </a:solidFill>
-          <a:ln w="12700">
-            <a:miter lim="400000"/>
-          </a:ln>
-        </p:spPr>
-        <p:txBody>
-          <a:bodyPr lIns="50800" tIns="50800" rIns="50800" bIns="50800" anchor="ctr"/>
-          <a:lstStyle/>
-          <a:p>
-            <a:pPr>
-              <a:defRPr sz="2200" b="0">
-                <a:solidFill>
-                  <a:srgbClr val="FFFFFF"/>
-                </a:solidFill>
-                <a:latin typeface="+mn-lt"/>
-                <a:ea typeface="+mn-ea"/>
-                <a:cs typeface="+mn-cs"/>
-                <a:sym typeface="Gill Sans SemiBold"/>
-              </a:defRPr>
-            </a:pPr>
-            <a:endParaRPr/>
-          </a:p>
-        </p:txBody>
-      </p:sp>
-      <p:sp>
-        <p:nvSpPr>
-          <p:cNvPr id="711" name="Let's not all hit Madison at once (feel free to use this snapshot):"/>
+              <a:rPr dirty="0"/>
+              <a:t>Goal: fetch population data for all states and provide summary stats</a:t>
+            </a:r>
+          </a:p>
+          <a:p>
+            <a:pPr marL="0" lvl="5" indent="0">
+              <a:buSzTx/>
+              <a:buNone/>
+            </a:pPr>
+            <a:r>
+              <a:rPr b="1" dirty="0"/>
+              <a:t>Input</a:t>
+            </a:r>
+            <a:r>
+              <a:rPr dirty="0"/>
+              <a:t>:</a:t>
+            </a:r>
+          </a:p>
+          <a:p>
+            <a:pPr marL="635000" indent="-444500">
+              <a:spcBef>
+                <a:spcPts val="0"/>
+              </a:spcBef>
+              <a:defRPr sz="2800"/>
+            </a:pPr>
+            <a:r>
+              <a:rPr dirty="0"/>
+              <a:t>List of state files: </a:t>
+            </a:r>
+            <a:r>
+              <a:rPr lang="en-US" dirty="0">
+                <a:hlinkClick r:id="rId3"/>
+              </a:rPr>
+              <a:t>https://www.msyamkumar.com/cs220/s21/materials/lectureDemo_code/lec-31/data/state_files.txt</a:t>
+            </a:r>
+            <a:endParaRPr u="sng" dirty="0">
+              <a:hlinkClick r:id="rId4"/>
+            </a:endParaRPr>
+          </a:p>
+          <a:p>
+            <a:pPr marL="635000" indent="-444500">
+              <a:spcBef>
+                <a:spcPts val="0"/>
+              </a:spcBef>
+              <a:defRPr sz="2800"/>
+            </a:pPr>
+            <a:r>
+              <a:rPr dirty="0"/>
+              <a:t>The 50 JSON files</a:t>
+            </a:r>
+          </a:p>
+          <a:p>
+            <a:pPr marL="0" lvl="5" indent="0">
+              <a:buSzTx/>
+              <a:buNone/>
+            </a:pPr>
+            <a:r>
+              <a:rPr b="1" dirty="0"/>
+              <a:t>Output</a:t>
+            </a:r>
+            <a:r>
+              <a:rPr dirty="0"/>
+              <a:t>:</a:t>
+            </a:r>
+          </a:p>
+          <a:p>
+            <a:pPr marL="635000" indent="-444500">
+              <a:spcBef>
+                <a:spcPts val="0"/>
+              </a:spcBef>
+              <a:defRPr sz="2800"/>
+            </a:pPr>
+            <a:r>
+              <a:rPr dirty="0"/>
+              <a:t>Stats about population: mean, max, min, </a:t>
+            </a:r>
+            <a:r>
+              <a:rPr dirty="0" err="1"/>
+              <a:t>etc</a:t>
+            </a:r>
+            <a:endParaRPr dirty="0"/>
+          </a:p>
+        </p:txBody>
+      </p:sp>
+      <p:sp>
+        <p:nvSpPr>
+          <p:cNvPr id="720" name="Bonus!  &quot;cache&quot; results to make reruns of notebook faster"/>
           <p:cNvSpPr txBox="1"/>
           <p:nvPr/>
         </p:nvSpPr>
         <p:spPr>
           <a:xfrm>
-            <a:off x="1104900" y="7660977"/>
-            <a:ext cx="7958882" cy="457201"/>
+            <a:off x="974129" y="7898730"/>
+            <a:ext cx="7525942" cy="458540"/>
           </a:xfrm>
           <a:prstGeom prst="rect">
             <a:avLst/>
@@ -32910,7 +32991,7 @@
           </a:ln>
           <a:extLst>
             <a:ext uri="{C572A759-6A51-4108-AA02-DFA0A04FC94B}">
-              <ma14:wrappingTextBoxFlag xmlns="" xmlns:m="http://schemas.openxmlformats.org/officeDocument/2006/math" xmlns:a14="http://schemas.microsoft.com/office/drawing/2010/main" xmlns:ma14="http://schemas.microsoft.com/office/mac/drawingml/2011/main" val="1"/>
+              <ma14:wrappingTextBoxFlag xmlns:ma14="http://schemas.microsoft.com/office/mac/drawingml/2011/main" xmlns:a14="http://schemas.microsoft.com/office/drawing/2010/main" xmlns:m="http://schemas.openxmlformats.org/officeDocument/2006/math" xmlns="" val="1"/>
             </a:ext>
           </a:extLst>
         </p:spPr>
@@ -32918,184 +32999,26 @@
           <a:bodyPr wrap="none" lIns="50800" tIns="50800" rIns="50800" bIns="50800" anchor="ctr">
             <a:spAutoFit/>
           </a:bodyPr>
-          <a:lstStyle>
-            <a:lvl1pPr algn="l">
-              <a:defRPr b="0"/>
-            </a:lvl1pPr>
-          </a:lstStyle>
-          <a:p>
-            <a:r>
-              <a:t>Let's not all hit Madison at once (feel free to use this snapshot):</a:t>
-            </a:r>
-          </a:p>
-        </p:txBody>
-      </p:sp>
-      <p:sp>
-        <p:nvSpPr>
-          <p:cNvPr id="712" name="https://tyler.caraza-harter.com/cs301/fall19/materials/code/lec-31/TrapezeRealTimeFeed.json"/>
-          <p:cNvSpPr txBox="1"/>
-          <p:nvPr/>
-        </p:nvSpPr>
-        <p:spPr>
-          <a:xfrm>
-            <a:off x="1104900" y="8140463"/>
-            <a:ext cx="10137391" cy="508473"/>
-          </a:xfrm>
-          <a:prstGeom prst="rect">
-            <a:avLst/>
-          </a:prstGeom>
-          <a:ln w="12700">
-            <a:miter lim="400000"/>
-          </a:ln>
-          <a:extLst>
-            <a:ext uri="{C572A759-6A51-4108-AA02-DFA0A04FC94B}">
-              <ma14:wrappingTextBoxFlag xmlns="" xmlns:m="http://schemas.openxmlformats.org/officeDocument/2006/math" xmlns:a14="http://schemas.microsoft.com/office/drawing/2010/main" xmlns:ma14="http://schemas.microsoft.com/office/mac/drawingml/2011/main" val="1"/>
-            </a:ext>
-          </a:extLst>
-        </p:spPr>
-        <p:txBody>
-          <a:bodyPr wrap="none" lIns="50800" tIns="50800" rIns="50800" bIns="50800" anchor="ctr">
-            <a:spAutoFit/>
-          </a:bodyPr>
-          <a:lstStyle>
-            <a:lvl1pPr algn="l" defTabSz="457200">
-              <a:lnSpc>
-                <a:spcPts val="3500"/>
-              </a:lnSpc>
-              <a:defRPr sz="1800" b="0" u="sng">
+          <a:lstStyle/>
+          <a:p>
+            <a:pPr>
+              <a:defRPr>
                 <a:solidFill>
-                  <a:srgbClr val="0000EE"/>
+                  <a:schemeClr val="accent4">
+                    <a:hueOff val="-1081314"/>
+                    <a:satOff val="4338"/>
+                    <a:lumOff val="-8931"/>
+                  </a:schemeClr>
                 </a:solidFill>
-                <a:latin typeface="Times Roman"/>
-                <a:ea typeface="Times Roman"/>
-                <a:cs typeface="Times Roman"/>
-                <a:sym typeface="Times Roman"/>
-                <a:hlinkClick r:id="rId2"/>
               </a:defRPr>
-            </a:lvl1pPr>
-          </a:lstStyle>
-          <a:p>
-            <a:r>
-              <a:rPr lang="en-US" dirty="0">
-                <a:hlinkClick r:id="rId3"/>
-              </a:rPr>
-              <a:t>https://www.msyamkumar.com/cs220/s20/materials/lectureDemo_code/lec-31</a:t>
-            </a:r>
-            <a:r>
-              <a:rPr lang="en-US" dirty="0"/>
-              <a:t>/</a:t>
-            </a:r>
-            <a:r>
-              <a:rPr dirty="0">
-                <a:hlinkClick r:id="rId2"/>
-              </a:rPr>
-              <a:t>TrapezeRealTimeFeed.json</a:t>
-            </a:r>
-          </a:p>
-        </p:txBody>
-      </p:sp>
-      <p:pic>
-        <p:nvPicPr>
-          <p:cNvPr id="713" name="Image" descr="Image"/>
-          <p:cNvPicPr>
-            <a:picLocks noChangeAspect="1"/>
-          </p:cNvPicPr>
-          <p:nvPr/>
-        </p:nvPicPr>
-        <p:blipFill>
-          <a:blip r:embed="rId4"/>
-          <a:stretch>
-            <a:fillRect/>
-          </a:stretch>
-        </p:blipFill>
-        <p:spPr>
-          <a:xfrm>
-            <a:off x="1380876" y="2413793"/>
-            <a:ext cx="10922001" cy="1600201"/>
-          </a:xfrm>
-          <a:prstGeom prst="rect">
-            <a:avLst/>
-          </a:prstGeom>
-          <a:ln w="12700">
-            <a:miter lim="400000"/>
-          </a:ln>
-        </p:spPr>
-      </p:pic>
-      <p:pic>
-        <p:nvPicPr>
-          <p:cNvPr id="714" name="Image" descr="Image"/>
-          <p:cNvPicPr>
-            <a:picLocks noChangeAspect="1"/>
-          </p:cNvPicPr>
-          <p:nvPr/>
-        </p:nvPicPr>
-        <p:blipFill>
-          <a:blip r:embed="rId5"/>
-          <a:srcRect b="26501"/>
-          <a:stretch>
-            <a:fillRect/>
-          </a:stretch>
-        </p:blipFill>
-        <p:spPr>
-          <a:xfrm>
-            <a:off x="353888" y="5169346"/>
-            <a:ext cx="12738101" cy="1978869"/>
-          </a:xfrm>
-          <a:prstGeom prst="rect">
-            <a:avLst/>
-          </a:prstGeom>
-          <a:ln w="12700">
-            <a:miter lim="400000"/>
-          </a:ln>
-        </p:spPr>
-      </p:pic>
-      <p:sp>
-        <p:nvSpPr>
-          <p:cNvPr id="715" name="Rectangle"/>
-          <p:cNvSpPr/>
-          <p:nvPr/>
-        </p:nvSpPr>
-        <p:spPr>
-          <a:xfrm>
-            <a:off x="372938" y="6794946"/>
-            <a:ext cx="11984733" cy="477987"/>
-          </a:xfrm>
-          <a:prstGeom prst="rect">
-            <a:avLst/>
-          </a:prstGeom>
-          <a:gradFill>
-            <a:gsLst>
-              <a:gs pos="0">
-                <a:srgbClr val="FFFFFF">
-                  <a:alpha val="0"/>
-                </a:srgbClr>
-              </a:gs>
-              <a:gs pos="100000">
-                <a:srgbClr val="FFFFFF"/>
-              </a:gs>
-            </a:gsLst>
-            <a:lin ang="5400000"/>
-          </a:gradFill>
-          <a:ln w="12700">
-            <a:miter lim="400000"/>
-          </a:ln>
-        </p:spPr>
-        <p:txBody>
-          <a:bodyPr lIns="50800" tIns="50800" rIns="50800" bIns="50800" anchor="ctr"/>
-          <a:lstStyle/>
-          <a:p>
-            <a:pPr>
-              <a:defRPr sz="2200" b="0">
-                <a:solidFill>
-                  <a:srgbClr val="FFFFFF"/>
-                </a:solidFill>
-                <a:latin typeface="+mn-lt"/>
-                <a:ea typeface="+mn-ea"/>
-                <a:cs typeface="+mn-cs"/>
-                <a:sym typeface="Gill Sans SemiBold"/>
-              </a:defRPr>
-            </a:pPr>
-            <a:endParaRPr/>
+            </a:pPr>
+            <a:r>
+              <a:t>Bonus!  </a:t>
+            </a:r>
+            <a:r>
+              <a:rPr b="0"/>
+              <a:t>"cache" results to make reruns of notebook faster</a:t>
+            </a:r>
           </a:p>
         </p:txBody>
       </p:sp>
@@ -33125,36 +33048,9 @@
           <a:chExt cx="0" cy="0"/>
         </a:xfrm>
       </p:grpSpPr>
-      <p:pic>
-        <p:nvPicPr>
-          <p:cNvPr id="717" name="Image" descr="Image"/>
-          <p:cNvPicPr>
-            <a:picLocks noChangeAspect="1"/>
-          </p:cNvPicPr>
-          <p:nvPr/>
-        </p:nvPicPr>
-        <p:blipFill>
-          <a:blip r:embed="rId2"/>
-          <a:stretch>
-            <a:fillRect/>
-          </a:stretch>
-        </p:blipFill>
-        <p:spPr>
-          <a:xfrm>
-            <a:off x="8229600" y="4813053"/>
-            <a:ext cx="4348113" cy="3492747"/>
-          </a:xfrm>
-          <a:prstGeom prst="rect">
-            <a:avLst/>
-          </a:prstGeom>
-          <a:ln w="12700">
-            <a:miter lim="400000"/>
-          </a:ln>
-        </p:spPr>
-      </p:pic>
-      <p:sp>
-        <p:nvSpPr>
-          <p:cNvPr id="718" name="Demo 3: State Populations"/>
+      <p:sp>
+        <p:nvSpPr>
+          <p:cNvPr id="708" name="Demo 2: Madison bus alerts"/>
           <p:cNvSpPr txBox="1">
             <a:spLocks noGrp="1"/>
           </p:cNvSpPr>
@@ -33180,25 +33076,38 @@
           </a:lstStyle>
           <a:p>
             <a:r>
-              <a:t>Demo 3: State Populations</a:t>
-            </a:r>
-          </a:p>
-        </p:txBody>
-      </p:sp>
-      <p:sp>
-        <p:nvSpPr>
-          <p:cNvPr id="719" name="Goal: fetch population data for all states and provide summary stats…"/>
+              <a:rPr lang="en-US" dirty="0"/>
+              <a:t>Challenge - </a:t>
+            </a:r>
+            <a:r>
+              <a:rPr dirty="0"/>
+              <a:t>Demo </a:t>
+            </a:r>
+            <a:r>
+              <a:rPr lang="en-US" dirty="0"/>
+              <a:t>3</a:t>
+            </a:r>
+            <a:r>
+              <a:rPr dirty="0"/>
+              <a:t>: Madison bus alerts</a:t>
+            </a:r>
+          </a:p>
+        </p:txBody>
+      </p:sp>
+      <p:sp>
+        <p:nvSpPr>
+          <p:cNvPr id="709" name="Goal: get text of all outstanding alerts"/>
           <p:cNvSpPr txBox="1">
             <a:spLocks noGrp="1"/>
           </p:cNvSpPr>
           <p:nvPr>
-            <p:ph type="body" idx="1"/>
+            <p:ph type="body" sz="quarter" idx="1"/>
           </p:nvPr>
         </p:nvSpPr>
         <p:spPr>
           <a:xfrm>
-            <a:off x="952500" y="1587896"/>
-            <a:ext cx="11540877" cy="7684494"/>
+            <a:off x="952500" y="1333896"/>
+            <a:ext cx="11540877" cy="902346"/>
           </a:xfrm>
           <a:prstGeom prst="rect">
             <a:avLst/>
@@ -33222,100 +33131,179 @@
               </a:defRPr>
             </a:pPr>
             <a:r>
-              <a:rPr dirty="0"/>
-              <a:t>Goal: fetch population data for all states and provide summary stats</a:t>
-            </a:r>
-          </a:p>
-          <a:p>
-            <a:pPr marL="0" lvl="5" indent="0">
-              <a:buSzTx/>
-              <a:buNone/>
-            </a:pPr>
-            <a:r>
-              <a:rPr b="1" dirty="0"/>
-              <a:t>Input</a:t>
-            </a:r>
-            <a:r>
-              <a:rPr dirty="0"/>
-              <a:t>:</a:t>
-            </a:r>
-          </a:p>
-          <a:p>
-            <a:pPr marL="635000" indent="-444500">
-              <a:spcBef>
-                <a:spcPts val="0"/>
-              </a:spcBef>
-              <a:defRPr sz="2800"/>
-            </a:pPr>
-            <a:r>
-              <a:rPr dirty="0"/>
-              <a:t>List of state files: </a:t>
-            </a:r>
+              <a:t>Goal: get text of all outstanding alerts</a:t>
+            </a:r>
+          </a:p>
+        </p:txBody>
+      </p:sp>
+      <p:sp>
+        <p:nvSpPr>
+          <p:cNvPr id="710" name="Arrow"/>
+          <p:cNvSpPr/>
+          <p:nvPr/>
+        </p:nvSpPr>
+        <p:spPr>
+          <a:xfrm rot="5400000">
+            <a:off x="6461645" y="3956670"/>
+            <a:ext cx="1004343" cy="1270001"/>
+          </a:xfrm>
+          <a:prstGeom prst="rightArrow">
+            <a:avLst>
+              <a:gd name="adj1" fmla="val 40430"/>
+              <a:gd name="adj2" fmla="val 59664"/>
+            </a:avLst>
+          </a:prstGeom>
+          <a:solidFill>
+            <a:schemeClr val="accent5">
+              <a:hueOff val="-82419"/>
+              <a:satOff val="-9513"/>
+              <a:lumOff val="-16343"/>
+            </a:schemeClr>
+          </a:solidFill>
+          <a:ln w="12700">
+            <a:miter lim="400000"/>
+          </a:ln>
+        </p:spPr>
+        <p:txBody>
+          <a:bodyPr lIns="50800" tIns="50800" rIns="50800" bIns="50800" anchor="ctr"/>
+          <a:lstStyle/>
+          <a:p>
+            <a:pPr>
+              <a:defRPr sz="2200" b="0">
+                <a:solidFill>
+                  <a:srgbClr val="FFFFFF"/>
+                </a:solidFill>
+                <a:latin typeface="+mn-lt"/>
+                <a:ea typeface="+mn-ea"/>
+                <a:cs typeface="+mn-cs"/>
+                <a:sym typeface="Gill Sans SemiBold"/>
+              </a:defRPr>
+            </a:pPr>
+            <a:endParaRPr/>
+          </a:p>
+        </p:txBody>
+      </p:sp>
+      <p:sp>
+        <p:nvSpPr>
+          <p:cNvPr id="711" name="Let's not all hit Madison at once (feel free to use this snapshot):"/>
+          <p:cNvSpPr txBox="1"/>
+          <p:nvPr/>
+        </p:nvSpPr>
+        <p:spPr>
+          <a:xfrm>
+            <a:off x="1104900" y="7660977"/>
+            <a:ext cx="7958882" cy="457201"/>
+          </a:xfrm>
+          <a:prstGeom prst="rect">
+            <a:avLst/>
+          </a:prstGeom>
+          <a:ln w="12700">
+            <a:miter lim="400000"/>
+          </a:ln>
+          <a:extLst>
+            <a:ext uri="{C572A759-6A51-4108-AA02-DFA0A04FC94B}">
+              <ma14:wrappingTextBoxFlag xmlns:ma14="http://schemas.microsoft.com/office/mac/drawingml/2011/main" xmlns:a14="http://schemas.microsoft.com/office/drawing/2010/main" xmlns:m="http://schemas.openxmlformats.org/officeDocument/2006/math" xmlns="" val="1"/>
+            </a:ext>
+          </a:extLst>
+        </p:spPr>
+        <p:txBody>
+          <a:bodyPr wrap="none" lIns="50800" tIns="50800" rIns="50800" bIns="50800" anchor="ctr">
+            <a:spAutoFit/>
+          </a:bodyPr>
+          <a:lstStyle>
+            <a:lvl1pPr algn="l">
+              <a:defRPr b="0"/>
+            </a:lvl1pPr>
+          </a:lstStyle>
+          <a:p>
+            <a:r>
+              <a:t>Let's not all hit Madison at once (feel free to use this snapshot):</a:t>
+            </a:r>
+          </a:p>
+        </p:txBody>
+      </p:sp>
+      <p:sp>
+        <p:nvSpPr>
+          <p:cNvPr id="712" name="https://tyler.caraza-harter.com/cs301/fall19/materials/code/lec-31/TrapezeRealTimeFeed.json"/>
+          <p:cNvSpPr txBox="1"/>
+          <p:nvPr/>
+        </p:nvSpPr>
+        <p:spPr>
+          <a:xfrm>
+            <a:off x="1104900" y="8140463"/>
+            <a:ext cx="10137391" cy="508473"/>
+          </a:xfrm>
+          <a:prstGeom prst="rect">
+            <a:avLst/>
+          </a:prstGeom>
+          <a:ln w="12700">
+            <a:miter lim="400000"/>
+          </a:ln>
+          <a:extLst>
+            <a:ext uri="{C572A759-6A51-4108-AA02-DFA0A04FC94B}">
+              <ma14:wrappingTextBoxFlag xmlns:ma14="http://schemas.microsoft.com/office/mac/drawingml/2011/main" xmlns:a14="http://schemas.microsoft.com/office/drawing/2010/main" xmlns:m="http://schemas.openxmlformats.org/officeDocument/2006/math" xmlns="" val="1"/>
+            </a:ext>
+          </a:extLst>
+        </p:spPr>
+        <p:txBody>
+          <a:bodyPr wrap="none" lIns="50800" tIns="50800" rIns="50800" bIns="50800" anchor="ctr">
+            <a:spAutoFit/>
+          </a:bodyPr>
+          <a:lstStyle>
+            <a:lvl1pPr algn="l" defTabSz="457200">
+              <a:lnSpc>
+                <a:spcPts val="3500"/>
+              </a:lnSpc>
+              <a:defRPr sz="1800" b="0" u="sng">
+                <a:solidFill>
+                  <a:srgbClr val="0000EE"/>
+                </a:solidFill>
+                <a:latin typeface="Times Roman"/>
+                <a:ea typeface="Times Roman"/>
+                <a:cs typeface="Times Roman"/>
+                <a:sym typeface="Times Roman"/>
+                <a:hlinkClick r:id="rId2"/>
+              </a:defRPr>
+            </a:lvl1pPr>
+          </a:lstStyle>
+          <a:p>
             <a:r>
               <a:rPr lang="en-US" dirty="0">
                 <a:hlinkClick r:id="rId3"/>
               </a:rPr>
-              <a:t>https://www.msyamkumar.com/cs220/s20/materials/lectureDemo_code/lec-31/data/state_files.txt</a:t>
-            </a:r>
-            <a:endParaRPr u="sng" dirty="0">
-              <a:hlinkClick r:id="rId4"/>
-            </a:endParaRPr>
-          </a:p>
-          <a:p>
-            <a:pPr marL="635000" indent="-444500">
-              <a:spcBef>
-                <a:spcPts val="0"/>
-              </a:spcBef>
-              <a:defRPr sz="2800"/>
-            </a:pPr>
-            <a:r>
-              <a:rPr dirty="0"/>
-              <a:t>The 50 JSON files</a:t>
-            </a:r>
-          </a:p>
-          <a:p>
-            <a:pPr marL="0" lvl="5" indent="0">
-              <a:buSzTx/>
-              <a:buNone/>
-            </a:pPr>
-            <a:r>
-              <a:rPr b="1" dirty="0"/>
-              <a:t>Output</a:t>
-            </a:r>
-            <a:r>
-              <a:rPr dirty="0"/>
-              <a:t>:</a:t>
-            </a:r>
-          </a:p>
-          <a:p>
-            <a:pPr marL="635000" indent="-444500">
-              <a:spcBef>
-                <a:spcPts val="0"/>
-              </a:spcBef>
-              <a:defRPr sz="2800"/>
-            </a:pPr>
-            <a:r>
-              <a:rPr dirty="0"/>
-              <a:t>Stats about population: mean, max, min, </a:t>
-            </a:r>
-            <a:r>
-              <a:rPr dirty="0" err="1"/>
-              <a:t>etc</a:t>
-            </a:r>
-            <a:endParaRPr dirty="0"/>
-          </a:p>
-        </p:txBody>
-      </p:sp>
-      <p:sp>
-        <p:nvSpPr>
-          <p:cNvPr id="720" name="Bonus!  &quot;cache&quot; results to make reruns of notebook faster"/>
-          <p:cNvSpPr txBox="1"/>
-          <p:nvPr/>
-        </p:nvSpPr>
-        <p:spPr>
-          <a:xfrm>
-            <a:off x="974129" y="7898730"/>
-            <a:ext cx="7525942" cy="458540"/>
+              <a:t>https://www.msyamkumar.com/cs220/s21/materials/lectureDemo_code/lec-31</a:t>
+            </a:r>
+            <a:r>
+              <a:rPr lang="en-US" dirty="0"/>
+              <a:t>/</a:t>
+            </a:r>
+            <a:r>
+              <a:rPr dirty="0">
+                <a:hlinkClick r:id="rId2"/>
+              </a:rPr>
+              <a:t>TrapezeRealTimeFeed.json</a:t>
+            </a:r>
+          </a:p>
+        </p:txBody>
+      </p:sp>
+      <p:pic>
+        <p:nvPicPr>
+          <p:cNvPr id="713" name="Image" descr="Image"/>
+          <p:cNvPicPr>
+            <a:picLocks noChangeAspect="1"/>
+          </p:cNvPicPr>
+          <p:nvPr/>
+        </p:nvPicPr>
+        <p:blipFill>
+          <a:blip r:embed="rId4"/>
+          <a:stretch>
+            <a:fillRect/>
+          </a:stretch>
+        </p:blipFill>
+        <p:spPr>
+          <a:xfrm>
+            <a:off x="1380876" y="2413793"/>
+            <a:ext cx="10922001" cy="1600201"/>
           </a:xfrm>
           <a:prstGeom prst="rect">
             <a:avLst/>
@@ -33323,40 +33311,92 @@
           <a:ln w="12700">
             <a:miter lim="400000"/>
           </a:ln>
-          <a:extLst>
-            <a:ext uri="{C572A759-6A51-4108-AA02-DFA0A04FC94B}">
-              <ma14:wrappingTextBoxFlag xmlns="" xmlns:m="http://schemas.openxmlformats.org/officeDocument/2006/math" xmlns:a14="http://schemas.microsoft.com/office/drawing/2010/main" xmlns:ma14="http://schemas.microsoft.com/office/mac/drawingml/2011/main" val="1"/>
-            </a:ext>
-          </a:extLst>
-        </p:spPr>
-        <p:txBody>
-          <a:bodyPr wrap="none" lIns="50800" tIns="50800" rIns="50800" bIns="50800" anchor="ctr">
-            <a:spAutoFit/>
-          </a:bodyPr>
+        </p:spPr>
+      </p:pic>
+      <p:pic>
+        <p:nvPicPr>
+          <p:cNvPr id="714" name="Image" descr="Image"/>
+          <p:cNvPicPr>
+            <a:picLocks noChangeAspect="1"/>
+          </p:cNvPicPr>
+          <p:nvPr/>
+        </p:nvPicPr>
+        <p:blipFill>
+          <a:blip r:embed="rId5"/>
+          <a:srcRect b="26501"/>
+          <a:stretch>
+            <a:fillRect/>
+          </a:stretch>
+        </p:blipFill>
+        <p:spPr>
+          <a:xfrm>
+            <a:off x="353888" y="5169346"/>
+            <a:ext cx="12738101" cy="1978869"/>
+          </a:xfrm>
+          <a:prstGeom prst="rect">
+            <a:avLst/>
+          </a:prstGeom>
+          <a:ln w="12700">
+            <a:miter lim="400000"/>
+          </a:ln>
+        </p:spPr>
+      </p:pic>
+      <p:sp>
+        <p:nvSpPr>
+          <p:cNvPr id="715" name="Rectangle"/>
+          <p:cNvSpPr/>
+          <p:nvPr/>
+        </p:nvSpPr>
+        <p:spPr>
+          <a:xfrm>
+            <a:off x="372938" y="6794946"/>
+            <a:ext cx="11984733" cy="477987"/>
+          </a:xfrm>
+          <a:prstGeom prst="rect">
+            <a:avLst/>
+          </a:prstGeom>
+          <a:gradFill>
+            <a:gsLst>
+              <a:gs pos="0">
+                <a:srgbClr val="FFFFFF">
+                  <a:alpha val="0"/>
+                </a:srgbClr>
+              </a:gs>
+              <a:gs pos="100000">
+                <a:srgbClr val="FFFFFF"/>
+              </a:gs>
+            </a:gsLst>
+            <a:lin ang="5400000"/>
+          </a:gradFill>
+          <a:ln w="12700">
+            <a:miter lim="400000"/>
+          </a:ln>
+        </p:spPr>
+        <p:txBody>
+          <a:bodyPr lIns="50800" tIns="50800" rIns="50800" bIns="50800" anchor="ctr"/>
           <a:lstStyle/>
           <a:p>
             <a:pPr>
-              <a:defRPr>
+              <a:defRPr sz="2200" b="0">
                 <a:solidFill>
-                  <a:schemeClr val="accent4">
-                    <a:hueOff val="-1081314"/>
-                    <a:satOff val="4338"/>
-                    <a:lumOff val="-8931"/>
-                  </a:schemeClr>
+                  <a:srgbClr val="FFFFFF"/>
                 </a:solidFill>
+                <a:latin typeface="+mn-lt"/>
+                <a:ea typeface="+mn-ea"/>
+                <a:cs typeface="+mn-cs"/>
+                <a:sym typeface="Gill Sans SemiBold"/>
               </a:defRPr>
             </a:pPr>
-            <a:r>
-              <a:t>Bonus!  </a:t>
-            </a:r>
-            <a:r>
-              <a:rPr b="0"/>
-              <a:t>"cache" results to make reruns of notebook faster</a:t>
-            </a:r>
+            <a:endParaRPr/>
           </a:p>
         </p:txBody>
       </p:sp>
     </p:spTree>
+    <p:extLst>
+      <p:ext uri="{BB962C8B-B14F-4D97-AF65-F5344CB8AC3E}">
+        <p14:creationId xmlns:p14="http://schemas.microsoft.com/office/powerpoint/2010/main" val="3126779217"/>
+      </p:ext>
+    </p:extLst>
   </p:cSld>
   <p:clrMapOvr>
     <a:masterClrMapping/>
@@ -34095,7 +34135,7 @@
           </a:ln>
           <a:extLst>
             <a:ext uri="{C572A759-6A51-4108-AA02-DFA0A04FC94B}">
-              <ma14:wrappingTextBoxFlag xmlns="" xmlns:m="http://schemas.openxmlformats.org/officeDocument/2006/math" xmlns:a14="http://schemas.microsoft.com/office/drawing/2010/main" xmlns:ma14="http://schemas.microsoft.com/office/mac/drawingml/2011/main" val="1"/>
+              <ma14:wrappingTextBoxFlag xmlns:ma14="http://schemas.microsoft.com/office/mac/drawingml/2011/main" xmlns:a14="http://schemas.microsoft.com/office/drawing/2010/main" xmlns:m="http://schemas.openxmlformats.org/officeDocument/2006/math" xmlns="" val="1"/>
             </a:ext>
           </a:extLst>
         </p:spPr>
@@ -34130,7 +34170,7 @@
           </a:ln>
           <a:extLst>
             <a:ext uri="{C572A759-6A51-4108-AA02-DFA0A04FC94B}">
-              <ma14:wrappingTextBoxFlag xmlns="" xmlns:m="http://schemas.openxmlformats.org/officeDocument/2006/math" xmlns:a14="http://schemas.microsoft.com/office/drawing/2010/main" xmlns:ma14="http://schemas.microsoft.com/office/mac/drawingml/2011/main" val="1"/>
+              <ma14:wrappingTextBoxFlag xmlns:ma14="http://schemas.microsoft.com/office/mac/drawingml/2011/main" xmlns:a14="http://schemas.microsoft.com/office/drawing/2010/main" xmlns:m="http://schemas.openxmlformats.org/officeDocument/2006/math" xmlns="" val="1"/>
             </a:ext>
           </a:extLst>
         </p:spPr>
@@ -34165,7 +34205,7 @@
           </a:ln>
           <a:extLst>
             <a:ext uri="{C572A759-6A51-4108-AA02-DFA0A04FC94B}">
-              <ma14:wrappingTextBoxFlag xmlns="" xmlns:m="http://schemas.openxmlformats.org/officeDocument/2006/math" xmlns:a14="http://schemas.microsoft.com/office/drawing/2010/main" xmlns:ma14="http://schemas.microsoft.com/office/mac/drawingml/2011/main" val="1"/>
+              <ma14:wrappingTextBoxFlag xmlns:ma14="http://schemas.microsoft.com/office/mac/drawingml/2011/main" xmlns:a14="http://schemas.microsoft.com/office/drawing/2010/main" xmlns:m="http://schemas.openxmlformats.org/officeDocument/2006/math" xmlns="" val="1"/>
             </a:ext>
           </a:extLst>
         </p:spPr>
